--- a/Design Docs/Maker Space.pptx
+++ b/Design Docs/Maker Space.pptx
@@ -10,15 +10,17 @@
     <p:sldId id="258" r:id="rId7"/>
     <p:sldId id="261" r:id="rId8"/>
     <p:sldId id="262" r:id="rId9"/>
-    <p:sldId id="278" r:id="rId10"/>
-    <p:sldId id="277" r:id="rId11"/>
+    <p:sldId id="286" r:id="rId10"/>
+    <p:sldId id="287" r:id="rId11"/>
     <p:sldId id="279" r:id="rId12"/>
-    <p:sldId id="280" r:id="rId13"/>
-    <p:sldId id="281" r:id="rId14"/>
-    <p:sldId id="282" r:id="rId15"/>
-    <p:sldId id="283" r:id="rId16"/>
-    <p:sldId id="284" r:id="rId17"/>
-    <p:sldId id="276" r:id="rId18"/>
+    <p:sldId id="278" r:id="rId13"/>
+    <p:sldId id="277" r:id="rId14"/>
+    <p:sldId id="280" r:id="rId15"/>
+    <p:sldId id="281" r:id="rId16"/>
+    <p:sldId id="282" r:id="rId17"/>
+    <p:sldId id="283" r:id="rId18"/>
+    <p:sldId id="284" r:id="rId19"/>
+    <p:sldId id="276" r:id="rId20"/>
   </p:sldIdLst>
   <p:sldSz cx="12192000" cy="6858000"/>
   <p:notesSz cx="6858000" cy="9144000"/>
@@ -363,7 +365,7 @@
           <a:p>
             <a:fld id="{ED291B17-9318-49DB-B28B-6E5994AE9581}" type="datetime1">
               <a:rPr lang="en-US" smtClean="0"/>
-              <a:t>4/28/2020</a:t>
+              <a:t>5/1/2020</a:t>
             </a:fld>
             <a:endParaRPr lang="en-US" dirty="0"/>
           </a:p>
@@ -566,7 +568,7 @@
           <a:p>
             <a:fld id="{2CED4963-E985-44C4-B8C4-FDD613B7C2F8}" type="datetime1">
               <a:rPr lang="en-US" smtClean="0"/>
-              <a:t>4/28/2020</a:t>
+              <a:t>5/1/2020</a:t>
             </a:fld>
             <a:endParaRPr lang="en-US" dirty="0"/>
           </a:p>
@@ -928,7 +930,7 @@
           <a:p>
             <a:fld id="{ED291B17-9318-49DB-B28B-6E5994AE9581}" type="datetime1">
               <a:rPr lang="en-US" smtClean="0"/>
-              <a:t>4/28/2020</a:t>
+              <a:t>5/1/2020</a:t>
             </a:fld>
             <a:endParaRPr lang="en-US" dirty="0"/>
           </a:p>
@@ -1126,7 +1128,7 @@
           <a:p>
             <a:fld id="{78DD82B9-B8EE-4375-B6FF-88FA6ABB15D9}" type="datetime1">
               <a:rPr lang="en-US" smtClean="0"/>
-              <a:t>4/28/2020</a:t>
+              <a:t>5/1/2020</a:t>
             </a:fld>
             <a:endParaRPr lang="en-US" dirty="0"/>
           </a:p>
@@ -1438,7 +1440,7 @@
           <a:p>
             <a:fld id="{B2497495-0637-405E-AE64-5CC7506D51F5}" type="datetime1">
               <a:rPr lang="en-US" smtClean="0"/>
-              <a:t>4/28/2020</a:t>
+              <a:t>5/1/2020</a:t>
             </a:fld>
             <a:endParaRPr lang="en-US" dirty="0"/>
           </a:p>
@@ -1691,7 +1693,7 @@
           <a:p>
             <a:fld id="{7BFFD690-9426-415D-8B65-26881E07B2D4}" type="datetime1">
               <a:rPr lang="en-US" smtClean="0"/>
-              <a:t>4/28/2020</a:t>
+              <a:t>5/1/2020</a:t>
             </a:fld>
             <a:endParaRPr lang="en-US" dirty="0"/>
           </a:p>
@@ -2113,7 +2115,7 @@
           <a:p>
             <a:fld id="{04C4989A-474C-40DE-95B9-011C28B71673}" type="datetime1">
               <a:rPr lang="en-US" smtClean="0"/>
-              <a:t>4/28/2020</a:t>
+              <a:t>5/1/2020</a:t>
             </a:fld>
             <a:endParaRPr lang="en-US" dirty="0"/>
           </a:p>
@@ -2236,7 +2238,7 @@
           <a:p>
             <a:fld id="{5DB4ED54-5B5E-4A04-93D3-5772E3CE3818}" type="datetime1">
               <a:rPr lang="en-US" smtClean="0"/>
-              <a:t>4/28/2020</a:t>
+              <a:t>5/1/2020</a:t>
             </a:fld>
             <a:endParaRPr lang="en-US" dirty="0"/>
           </a:p>
@@ -2331,7 +2333,7 @@
           <a:p>
             <a:fld id="{4EDE50D6-574B-40AF-946F-D52A04ADE379}" type="datetime1">
               <a:rPr lang="en-US" smtClean="0"/>
-              <a:t>4/28/2020</a:t>
+              <a:t>5/1/2020</a:t>
             </a:fld>
             <a:endParaRPr lang="en-US" dirty="0"/>
           </a:p>
@@ -2708,7 +2710,7 @@
           <a:p>
             <a:fld id="{D82884F1-FFEA-405F-9602-3DCA865EDA4E}" type="datetime1">
               <a:rPr lang="en-US" smtClean="0"/>
-              <a:t>4/28/2020</a:t>
+              <a:t>5/1/2020</a:t>
             </a:fld>
             <a:endParaRPr lang="en-US" dirty="0"/>
           </a:p>
@@ -3001,7 +3003,7 @@
           <a:p>
             <a:fld id="{7E18DB4A-8810-4A10-AD5C-D5E2C667F5B3}" type="datetime1">
               <a:rPr lang="en-US" smtClean="0"/>
-              <a:t>4/28/2020</a:t>
+              <a:t>5/1/2020</a:t>
             </a:fld>
             <a:endParaRPr lang="en-US" dirty="0"/>
           </a:p>
@@ -3216,7 +3218,7 @@
           <a:p>
             <a:fld id="{ED291B17-9318-49DB-B28B-6E5994AE9581}" type="datetime1">
               <a:rPr lang="en-US" smtClean="0"/>
-              <a:t>4/28/2020</a:t>
+              <a:t>5/1/2020</a:t>
             </a:fld>
             <a:endParaRPr lang="en-US" dirty="0"/>
           </a:p>
@@ -4236,6 +4238,14 @@
 <file path=ppt/slides/slide10.xml><?xml version="1.0" encoding="utf-8"?>
 <p:sld xmlns:a="http://schemas.openxmlformats.org/drawingml/2006/main" xmlns:r="http://schemas.openxmlformats.org/officeDocument/2006/relationships" xmlns:p="http://schemas.openxmlformats.org/presentationml/2006/main">
   <p:cSld>
+    <p:bg>
+      <p:bgPr>
+        <a:solidFill>
+          <a:schemeClr val="bg1"/>
+        </a:solidFill>
+        <a:effectLst/>
+      </p:bgPr>
+    </p:bg>
     <p:spTree>
       <p:nvGrpSpPr>
         <p:cNvPr id="1" name=""/>
@@ -4252,10 +4262,289 @@
       </p:grpSpPr>
       <p:sp>
         <p:nvSpPr>
+          <p:cNvPr id="10" name="Rectangle 9">
+            <a:extLst>
+              <a:ext uri="{FF2B5EF4-FFF2-40B4-BE49-F238E27FC236}">
+                <a16:creationId xmlns:a16="http://schemas.microsoft.com/office/drawing/2014/main" id="{E9751CB9-7B25-4EB8-9A6F-82F822549F12}"/>
+              </a:ext>
+              <a:ext uri="{C183D7F6-B498-43B3-948B-1728B52AA6E4}">
+                <adec:decorative xmlns:adec="http://schemas.microsoft.com/office/drawing/2017/decorative" val="1"/>
+              </a:ext>
+            </a:extLst>
+          </p:cNvPr>
+          <p:cNvSpPr>
+            <a:spLocks noGrp="1" noRot="1" noChangeAspect="1" noMove="1" noResize="1" noEditPoints="1" noAdjustHandles="1" noChangeArrowheads="1" noChangeShapeType="1" noTextEdit="1"/>
+          </p:cNvSpPr>
+          <p:nvPr>
+            <p:extLst>
+              <p:ext uri="{386F3935-93C4-4BCD-93E2-E3B085C9AB24}">
+                <p16:designElem xmlns:p16="http://schemas.microsoft.com/office/powerpoint/2015/main" val="1"/>
+              </p:ext>
+            </p:extLst>
+          </p:nvPr>
+        </p:nvSpPr>
+        <p:spPr>
+          <a:xfrm>
+            <a:off x="0" y="0"/>
+            <a:ext cx="12192000" cy="6858000"/>
+          </a:xfrm>
+          <a:prstGeom prst="rect">
+            <a:avLst/>
+          </a:prstGeom>
+          <a:solidFill>
+            <a:srgbClr val="FFFFFF"/>
+          </a:solidFill>
+          <a:ln>
+            <a:noFill/>
+          </a:ln>
+        </p:spPr>
+        <p:style>
+          <a:lnRef idx="2">
+            <a:schemeClr val="accent1">
+              <a:shade val="50000"/>
+            </a:schemeClr>
+          </a:lnRef>
+          <a:fillRef idx="1">
+            <a:schemeClr val="accent1"/>
+          </a:fillRef>
+          <a:effectRef idx="0">
+            <a:schemeClr val="accent1"/>
+          </a:effectRef>
+          <a:fontRef idx="minor">
+            <a:schemeClr val="lt1"/>
+          </a:fontRef>
+        </p:style>
+        <p:txBody>
+          <a:bodyPr rtlCol="0" anchor="ctr"/>
+          <a:lstStyle/>
+          <a:p>
+            <a:pPr algn="ctr"/>
+            <a:endParaRPr lang="en-US"/>
+          </a:p>
+        </p:txBody>
+      </p:sp>
+      <p:sp>
+        <p:nvSpPr>
+          <p:cNvPr id="12" name="Rectangle 11">
+            <a:extLst>
+              <a:ext uri="{FF2B5EF4-FFF2-40B4-BE49-F238E27FC236}">
+                <a16:creationId xmlns:a16="http://schemas.microsoft.com/office/drawing/2014/main" id="{E1317383-CF3B-4B02-9512-BECBEF6362A4}"/>
+              </a:ext>
+              <a:ext uri="{C183D7F6-B498-43B3-948B-1728B52AA6E4}">
+                <adec:decorative xmlns:adec="http://schemas.microsoft.com/office/drawing/2017/decorative" val="1"/>
+              </a:ext>
+            </a:extLst>
+          </p:cNvPr>
+          <p:cNvSpPr>
+            <a:spLocks noGrp="1" noRot="1" noChangeAspect="1" noMove="1" noResize="1" noEditPoints="1" noAdjustHandles="1" noChangeArrowheads="1" noChangeShapeType="1" noTextEdit="1"/>
+          </p:cNvSpPr>
+          <p:nvPr>
+            <p:extLst>
+              <p:ext uri="{386F3935-93C4-4BCD-93E2-E3B085C9AB24}">
+                <p16:designElem xmlns:p16="http://schemas.microsoft.com/office/powerpoint/2015/main" val="1"/>
+              </p:ext>
+            </p:extLst>
+          </p:nvPr>
+        </p:nvSpPr>
+        <p:spPr>
+          <a:xfrm>
+            <a:off x="446534" y="457200"/>
+            <a:ext cx="3703320" cy="94997"/>
+          </a:xfrm>
+          <a:prstGeom prst="rect">
+            <a:avLst/>
+          </a:prstGeom>
+          <a:solidFill>
+            <a:srgbClr val="465359"/>
+          </a:solidFill>
+          <a:ln>
+            <a:noFill/>
+          </a:ln>
+          <a:effectLst/>
+        </p:spPr>
+        <p:style>
+          <a:lnRef idx="1">
+            <a:schemeClr val="accent1"/>
+          </a:lnRef>
+          <a:fillRef idx="3">
+            <a:schemeClr val="accent1"/>
+          </a:fillRef>
+          <a:effectRef idx="2">
+            <a:schemeClr val="accent1"/>
+          </a:effectRef>
+          <a:fontRef idx="minor">
+            <a:schemeClr val="lt1"/>
+          </a:fontRef>
+        </p:style>
+      </p:sp>
+      <p:sp>
+        <p:nvSpPr>
+          <p:cNvPr id="14" name="Rectangle 13">
+            <a:extLst>
+              <a:ext uri="{FF2B5EF4-FFF2-40B4-BE49-F238E27FC236}">
+                <a16:creationId xmlns:a16="http://schemas.microsoft.com/office/drawing/2014/main" id="{B1D4C7A0-6DF2-4F2D-A45D-F111582974C7}"/>
+              </a:ext>
+              <a:ext uri="{C183D7F6-B498-43B3-948B-1728B52AA6E4}">
+                <adec:decorative xmlns:adec="http://schemas.microsoft.com/office/drawing/2017/decorative" val="1"/>
+              </a:ext>
+            </a:extLst>
+          </p:cNvPr>
+          <p:cNvSpPr>
+            <a:spLocks noGrp="1" noRot="1" noChangeAspect="1" noMove="1" noResize="1" noEditPoints="1" noAdjustHandles="1" noChangeArrowheads="1" noChangeShapeType="1" noTextEdit="1"/>
+          </p:cNvSpPr>
+          <p:nvPr>
+            <p:extLst>
+              <p:ext uri="{386F3935-93C4-4BCD-93E2-E3B085C9AB24}">
+                <p16:designElem xmlns:p16="http://schemas.microsoft.com/office/powerpoint/2015/main" val="1"/>
+              </p:ext>
+            </p:extLst>
+          </p:nvPr>
+        </p:nvSpPr>
+        <p:spPr>
+          <a:xfrm>
+            <a:off x="4241830" y="457200"/>
+            <a:ext cx="3703320" cy="91440"/>
+          </a:xfrm>
+          <a:prstGeom prst="rect">
+            <a:avLst/>
+          </a:prstGeom>
+          <a:solidFill>
+            <a:schemeClr val="accent1"/>
+          </a:solidFill>
+          <a:ln>
+            <a:noFill/>
+          </a:ln>
+          <a:effectLst/>
+        </p:spPr>
+        <p:style>
+          <a:lnRef idx="1">
+            <a:schemeClr val="accent1"/>
+          </a:lnRef>
+          <a:fillRef idx="3">
+            <a:schemeClr val="accent1"/>
+          </a:fillRef>
+          <a:effectRef idx="2">
+            <a:schemeClr val="accent1"/>
+          </a:effectRef>
+          <a:fontRef idx="minor">
+            <a:schemeClr val="lt1"/>
+          </a:fontRef>
+        </p:style>
+      </p:sp>
+      <p:sp>
+        <p:nvSpPr>
+          <p:cNvPr id="16" name="Rectangle 15">
+            <a:extLst>
+              <a:ext uri="{FF2B5EF4-FFF2-40B4-BE49-F238E27FC236}">
+                <a16:creationId xmlns:a16="http://schemas.microsoft.com/office/drawing/2014/main" id="{DBF3943D-BCB6-4B31-809D-A005686483B4}"/>
+              </a:ext>
+              <a:ext uri="{C183D7F6-B498-43B3-948B-1728B52AA6E4}">
+                <adec:decorative xmlns:adec="http://schemas.microsoft.com/office/drawing/2017/decorative" val="1"/>
+              </a:ext>
+            </a:extLst>
+          </p:cNvPr>
+          <p:cNvSpPr>
+            <a:spLocks noGrp="1" noRot="1" noChangeAspect="1" noMove="1" noResize="1" noEditPoints="1" noAdjustHandles="1" noChangeArrowheads="1" noChangeShapeType="1" noTextEdit="1"/>
+          </p:cNvSpPr>
+          <p:nvPr>
+            <p:extLst>
+              <p:ext uri="{386F3935-93C4-4BCD-93E2-E3B085C9AB24}">
+                <p16:designElem xmlns:p16="http://schemas.microsoft.com/office/powerpoint/2015/main" val="1"/>
+              </p:ext>
+            </p:extLst>
+          </p:nvPr>
+        </p:nvSpPr>
+        <p:spPr>
+          <a:xfrm>
+            <a:off x="8042147" y="453643"/>
+            <a:ext cx="3703320" cy="98554"/>
+          </a:xfrm>
+          <a:prstGeom prst="rect">
+            <a:avLst/>
+          </a:prstGeom>
+          <a:solidFill>
+            <a:srgbClr val="969FA7"/>
+          </a:solidFill>
+          <a:ln>
+            <a:noFill/>
+          </a:ln>
+          <a:effectLst/>
+        </p:spPr>
+        <p:style>
+          <a:lnRef idx="1">
+            <a:schemeClr val="accent1"/>
+          </a:lnRef>
+          <a:fillRef idx="3">
+            <a:schemeClr val="accent1"/>
+          </a:fillRef>
+          <a:effectRef idx="2">
+            <a:schemeClr val="accent1"/>
+          </a:effectRef>
+          <a:fontRef idx="minor">
+            <a:schemeClr val="lt1"/>
+          </a:fontRef>
+        </p:style>
+      </p:sp>
+      <p:sp>
+        <p:nvSpPr>
+          <p:cNvPr id="18" name="Rectangle 17">
+            <a:extLst>
+              <a:ext uri="{FF2B5EF4-FFF2-40B4-BE49-F238E27FC236}">
+                <a16:creationId xmlns:a16="http://schemas.microsoft.com/office/drawing/2014/main" id="{39373A6F-2E1F-4613-8E1D-D68057D29F31}"/>
+              </a:ext>
+              <a:ext uri="{C183D7F6-B498-43B3-948B-1728B52AA6E4}">
+                <adec:decorative xmlns:adec="http://schemas.microsoft.com/office/drawing/2017/decorative" val="1"/>
+              </a:ext>
+            </a:extLst>
+          </p:cNvPr>
+          <p:cNvSpPr>
+            <a:spLocks noGrp="1" noRot="1" noChangeAspect="1" noMove="1" noResize="1" noEditPoints="1" noAdjustHandles="1" noChangeArrowheads="1" noChangeShapeType="1" noTextEdit="1"/>
+          </p:cNvSpPr>
+          <p:nvPr>
+            <p:extLst>
+              <p:ext uri="{386F3935-93C4-4BCD-93E2-E3B085C9AB24}">
+                <p16:designElem xmlns:p16="http://schemas.microsoft.com/office/powerpoint/2015/main" val="1"/>
+              </p:ext>
+            </p:extLst>
+          </p:nvPr>
+        </p:nvSpPr>
+        <p:spPr>
+          <a:xfrm>
+            <a:off x="442377" y="601200"/>
+            <a:ext cx="3707477" cy="5624979"/>
+          </a:xfrm>
+          <a:prstGeom prst="rect">
+            <a:avLst/>
+          </a:prstGeom>
+          <a:solidFill>
+            <a:srgbClr val="465359"/>
+          </a:solidFill>
+          <a:ln>
+            <a:noFill/>
+          </a:ln>
+          <a:effectLst/>
+        </p:spPr>
+        <p:style>
+          <a:lnRef idx="1">
+            <a:schemeClr val="accent1"/>
+          </a:lnRef>
+          <a:fillRef idx="3">
+            <a:schemeClr val="accent1"/>
+          </a:fillRef>
+          <a:effectRef idx="2">
+            <a:schemeClr val="accent1"/>
+          </a:effectRef>
+          <a:fontRef idx="minor">
+            <a:schemeClr val="lt1"/>
+          </a:fontRef>
+        </p:style>
+      </p:sp>
+      <p:sp>
+        <p:nvSpPr>
           <p:cNvPr id="2" name="Title 1">
             <a:extLst>
               <a:ext uri="{FF2B5EF4-FFF2-40B4-BE49-F238E27FC236}">
-                <a16:creationId xmlns:a16="http://schemas.microsoft.com/office/drawing/2014/main" id="{55908D84-C291-4DD2-81A1-34AB1E82D2DD}"/>
+                <a16:creationId xmlns:a16="http://schemas.microsoft.com/office/drawing/2014/main" id="{BF1C9194-59A3-4E1B-B173-A0DDF85B4B05}"/>
               </a:ext>
             </a:extLst>
           </p:cNvPr>
@@ -4266,14 +4555,25 @@
             <p:ph type="title"/>
           </p:nvPr>
         </p:nvSpPr>
-        <p:spPr/>
-        <p:txBody>
-          <a:bodyPr/>
+        <p:spPr>
+          <a:xfrm>
+            <a:off x="601255" y="702155"/>
+            <a:ext cx="3409783" cy="1300365"/>
+          </a:xfrm>
+        </p:spPr>
+        <p:txBody>
+          <a:bodyPr>
+            <a:normAutofit/>
+          </a:bodyPr>
           <a:lstStyle/>
           <a:p>
             <a:r>
-              <a:rPr lang="en-US" dirty="0"/>
-              <a:t>Inventory Bookings</a:t>
+              <a:rPr lang="en-US">
+                <a:solidFill>
+                  <a:srgbClr val="FFFFFF"/>
+                </a:solidFill>
+              </a:rPr>
+              <a:t>Login</a:t>
             </a:r>
           </a:p>
         </p:txBody>
@@ -4283,7 +4583,7 @@
           <p:cNvPr id="3" name="Content Placeholder 2">
             <a:extLst>
               <a:ext uri="{FF2B5EF4-FFF2-40B4-BE49-F238E27FC236}">
-                <a16:creationId xmlns:a16="http://schemas.microsoft.com/office/drawing/2014/main" id="{383DEF56-CCA3-4E63-8FE0-28D2736379FD}"/>
+                <a16:creationId xmlns:a16="http://schemas.microsoft.com/office/drawing/2014/main" id="{67997A21-C790-4F5F-8152-4AB7EA6BF4C3}"/>
               </a:ext>
             </a:extLst>
           </p:cNvPr>
@@ -4294,27 +4594,89 @@
             <p:ph idx="1"/>
           </p:nvPr>
         </p:nvSpPr>
-        <p:spPr/>
-        <p:txBody>
-          <a:bodyPr/>
+        <p:spPr>
+          <a:xfrm>
+            <a:off x="601255" y="2177142"/>
+            <a:ext cx="3409782" cy="3823607"/>
+          </a:xfrm>
+        </p:spPr>
+        <p:txBody>
+          <a:bodyPr>
+            <a:normAutofit/>
+          </a:bodyPr>
           <a:lstStyle/>
           <a:p>
             <a:r>
-              <a:rPr lang="en-US" dirty="0"/>
-              <a:t>Room Booking currently shows items that are currently booked.</a:t>
-            </a:r>
-          </a:p>
-        </p:txBody>
-      </p:sp>
+              <a:rPr lang="en-US">
+                <a:solidFill>
+                  <a:srgbClr val="FFFFFF"/>
+                </a:solidFill>
+              </a:rPr>
+              <a:t>The Login page requires;</a:t>
+            </a:r>
+          </a:p>
+          <a:p>
+            <a:pPr lvl="1"/>
+            <a:r>
+              <a:rPr lang="en-US">
+                <a:solidFill>
+                  <a:srgbClr val="FFFFFF"/>
+                </a:solidFill>
+              </a:rPr>
+              <a:t>Username</a:t>
+            </a:r>
+          </a:p>
+          <a:p>
+            <a:pPr lvl="1"/>
+            <a:r>
+              <a:rPr lang="en-US">
+                <a:solidFill>
+                  <a:srgbClr val="FFFFFF"/>
+                </a:solidFill>
+              </a:rPr>
+              <a:t>Password </a:t>
+            </a:r>
+          </a:p>
+        </p:txBody>
+      </p:sp>
+      <p:pic>
+        <p:nvPicPr>
+          <p:cNvPr id="5" name="Picture 4" descr="A screenshot of a cell phone&#10;&#10;Description automatically generated">
+            <a:extLst>
+              <a:ext uri="{FF2B5EF4-FFF2-40B4-BE49-F238E27FC236}">
+                <a16:creationId xmlns:a16="http://schemas.microsoft.com/office/drawing/2014/main" id="{79250561-0D68-473C-B9B4-C9EDF0B74D55}"/>
+              </a:ext>
+            </a:extLst>
+          </p:cNvPr>
+          <p:cNvPicPr>
+            <a:picLocks noChangeAspect="1"/>
+          </p:cNvPicPr>
+          <p:nvPr/>
+        </p:nvPicPr>
+        <p:blipFill rotWithShape="1">
+          <a:blip r:embed="rId2"/>
+          <a:srcRect l="5695"/>
+          <a:stretch/>
+        </p:blipFill>
+        <p:spPr>
+          <a:xfrm>
+            <a:off x="5076829" y="936141"/>
+            <a:ext cx="5862306" cy="4968305"/>
+          </a:xfrm>
+          <a:prstGeom prst="rect">
+            <a:avLst/>
+          </a:prstGeom>
+        </p:spPr>
+      </p:pic>
     </p:spTree>
     <p:extLst>
       <p:ext uri="{BB962C8B-B14F-4D97-AF65-F5344CB8AC3E}">
-        <p14:creationId xmlns:p14="http://schemas.microsoft.com/office/powerpoint/2010/main" val="4194343756"/>
+        <p14:creationId xmlns:p14="http://schemas.microsoft.com/office/powerpoint/2010/main" val="2238764260"/>
       </p:ext>
     </p:extLst>
   </p:cSld>
   <p:clrMapOvr>
-    <a:masterClrMapping/>
+    <a:overrideClrMapping bg1="dk1" tx1="lt1" bg2="dk2" tx2="lt2" accent1="accent1" accent2="accent2" accent3="accent3" accent4="accent4" accent5="accent5" accent6="accent6" hlink="hlink" folHlink="folHlink"/>
   </p:clrMapOvr>
 </p:sld>
 </file>
@@ -4322,6 +4684,14 @@
 <file path=ppt/slides/slide11.xml><?xml version="1.0" encoding="utf-8"?>
 <p:sld xmlns:a="http://schemas.openxmlformats.org/drawingml/2006/main" xmlns:r="http://schemas.openxmlformats.org/officeDocument/2006/relationships" xmlns:p="http://schemas.openxmlformats.org/presentationml/2006/main">
   <p:cSld>
+    <p:bg>
+      <p:bgPr>
+        <a:solidFill>
+          <a:schemeClr val="bg1"/>
+        </a:solidFill>
+        <a:effectLst/>
+      </p:bgPr>
+    </p:bg>
     <p:spTree>
       <p:nvGrpSpPr>
         <p:cNvPr id="1" name=""/>
@@ -4338,10 +4708,289 @@
       </p:grpSpPr>
       <p:sp>
         <p:nvSpPr>
+          <p:cNvPr id="10" name="Rectangle 9">
+            <a:extLst>
+              <a:ext uri="{FF2B5EF4-FFF2-40B4-BE49-F238E27FC236}">
+                <a16:creationId xmlns:a16="http://schemas.microsoft.com/office/drawing/2014/main" id="{E9751CB9-7B25-4EB8-9A6F-82F822549F12}"/>
+              </a:ext>
+              <a:ext uri="{C183D7F6-B498-43B3-948B-1728B52AA6E4}">
+                <adec:decorative xmlns:adec="http://schemas.microsoft.com/office/drawing/2017/decorative" val="1"/>
+              </a:ext>
+            </a:extLst>
+          </p:cNvPr>
+          <p:cNvSpPr>
+            <a:spLocks noGrp="1" noRot="1" noChangeAspect="1" noMove="1" noResize="1" noEditPoints="1" noAdjustHandles="1" noChangeArrowheads="1" noChangeShapeType="1" noTextEdit="1"/>
+          </p:cNvSpPr>
+          <p:nvPr>
+            <p:extLst>
+              <p:ext uri="{386F3935-93C4-4BCD-93E2-E3B085C9AB24}">
+                <p16:designElem xmlns:p16="http://schemas.microsoft.com/office/powerpoint/2015/main" val="1"/>
+              </p:ext>
+            </p:extLst>
+          </p:nvPr>
+        </p:nvSpPr>
+        <p:spPr>
+          <a:xfrm>
+            <a:off x="0" y="0"/>
+            <a:ext cx="12192000" cy="6858000"/>
+          </a:xfrm>
+          <a:prstGeom prst="rect">
+            <a:avLst/>
+          </a:prstGeom>
+          <a:solidFill>
+            <a:srgbClr val="FFFFFF"/>
+          </a:solidFill>
+          <a:ln>
+            <a:noFill/>
+          </a:ln>
+        </p:spPr>
+        <p:style>
+          <a:lnRef idx="2">
+            <a:schemeClr val="accent1">
+              <a:shade val="50000"/>
+            </a:schemeClr>
+          </a:lnRef>
+          <a:fillRef idx="1">
+            <a:schemeClr val="accent1"/>
+          </a:fillRef>
+          <a:effectRef idx="0">
+            <a:schemeClr val="accent1"/>
+          </a:effectRef>
+          <a:fontRef idx="minor">
+            <a:schemeClr val="lt1"/>
+          </a:fontRef>
+        </p:style>
+        <p:txBody>
+          <a:bodyPr rtlCol="0" anchor="ctr"/>
+          <a:lstStyle/>
+          <a:p>
+            <a:pPr algn="ctr"/>
+            <a:endParaRPr lang="en-US"/>
+          </a:p>
+        </p:txBody>
+      </p:sp>
+      <p:sp>
+        <p:nvSpPr>
+          <p:cNvPr id="12" name="Rectangle 11">
+            <a:extLst>
+              <a:ext uri="{FF2B5EF4-FFF2-40B4-BE49-F238E27FC236}">
+                <a16:creationId xmlns:a16="http://schemas.microsoft.com/office/drawing/2014/main" id="{E1317383-CF3B-4B02-9512-BECBEF6362A4}"/>
+              </a:ext>
+              <a:ext uri="{C183D7F6-B498-43B3-948B-1728B52AA6E4}">
+                <adec:decorative xmlns:adec="http://schemas.microsoft.com/office/drawing/2017/decorative" val="1"/>
+              </a:ext>
+            </a:extLst>
+          </p:cNvPr>
+          <p:cNvSpPr>
+            <a:spLocks noGrp="1" noRot="1" noChangeAspect="1" noMove="1" noResize="1" noEditPoints="1" noAdjustHandles="1" noChangeArrowheads="1" noChangeShapeType="1" noTextEdit="1"/>
+          </p:cNvSpPr>
+          <p:nvPr>
+            <p:extLst>
+              <p:ext uri="{386F3935-93C4-4BCD-93E2-E3B085C9AB24}">
+                <p16:designElem xmlns:p16="http://schemas.microsoft.com/office/powerpoint/2015/main" val="1"/>
+              </p:ext>
+            </p:extLst>
+          </p:nvPr>
+        </p:nvSpPr>
+        <p:spPr>
+          <a:xfrm>
+            <a:off x="446534" y="457200"/>
+            <a:ext cx="3703320" cy="94997"/>
+          </a:xfrm>
+          <a:prstGeom prst="rect">
+            <a:avLst/>
+          </a:prstGeom>
+          <a:solidFill>
+            <a:srgbClr val="465359"/>
+          </a:solidFill>
+          <a:ln>
+            <a:noFill/>
+          </a:ln>
+          <a:effectLst/>
+        </p:spPr>
+        <p:style>
+          <a:lnRef idx="1">
+            <a:schemeClr val="accent1"/>
+          </a:lnRef>
+          <a:fillRef idx="3">
+            <a:schemeClr val="accent1"/>
+          </a:fillRef>
+          <a:effectRef idx="2">
+            <a:schemeClr val="accent1"/>
+          </a:effectRef>
+          <a:fontRef idx="minor">
+            <a:schemeClr val="lt1"/>
+          </a:fontRef>
+        </p:style>
+      </p:sp>
+      <p:sp>
+        <p:nvSpPr>
+          <p:cNvPr id="14" name="Rectangle 13">
+            <a:extLst>
+              <a:ext uri="{FF2B5EF4-FFF2-40B4-BE49-F238E27FC236}">
+                <a16:creationId xmlns:a16="http://schemas.microsoft.com/office/drawing/2014/main" id="{B1D4C7A0-6DF2-4F2D-A45D-F111582974C7}"/>
+              </a:ext>
+              <a:ext uri="{C183D7F6-B498-43B3-948B-1728B52AA6E4}">
+                <adec:decorative xmlns:adec="http://schemas.microsoft.com/office/drawing/2017/decorative" val="1"/>
+              </a:ext>
+            </a:extLst>
+          </p:cNvPr>
+          <p:cNvSpPr>
+            <a:spLocks noGrp="1" noRot="1" noChangeAspect="1" noMove="1" noResize="1" noEditPoints="1" noAdjustHandles="1" noChangeArrowheads="1" noChangeShapeType="1" noTextEdit="1"/>
+          </p:cNvSpPr>
+          <p:nvPr>
+            <p:extLst>
+              <p:ext uri="{386F3935-93C4-4BCD-93E2-E3B085C9AB24}">
+                <p16:designElem xmlns:p16="http://schemas.microsoft.com/office/powerpoint/2015/main" val="1"/>
+              </p:ext>
+            </p:extLst>
+          </p:nvPr>
+        </p:nvSpPr>
+        <p:spPr>
+          <a:xfrm>
+            <a:off x="4241830" y="457200"/>
+            <a:ext cx="3703320" cy="91440"/>
+          </a:xfrm>
+          <a:prstGeom prst="rect">
+            <a:avLst/>
+          </a:prstGeom>
+          <a:solidFill>
+            <a:schemeClr val="accent1"/>
+          </a:solidFill>
+          <a:ln>
+            <a:noFill/>
+          </a:ln>
+          <a:effectLst/>
+        </p:spPr>
+        <p:style>
+          <a:lnRef idx="1">
+            <a:schemeClr val="accent1"/>
+          </a:lnRef>
+          <a:fillRef idx="3">
+            <a:schemeClr val="accent1"/>
+          </a:fillRef>
+          <a:effectRef idx="2">
+            <a:schemeClr val="accent1"/>
+          </a:effectRef>
+          <a:fontRef idx="minor">
+            <a:schemeClr val="lt1"/>
+          </a:fontRef>
+        </p:style>
+      </p:sp>
+      <p:sp>
+        <p:nvSpPr>
+          <p:cNvPr id="16" name="Rectangle 15">
+            <a:extLst>
+              <a:ext uri="{FF2B5EF4-FFF2-40B4-BE49-F238E27FC236}">
+                <a16:creationId xmlns:a16="http://schemas.microsoft.com/office/drawing/2014/main" id="{DBF3943D-BCB6-4B31-809D-A005686483B4}"/>
+              </a:ext>
+              <a:ext uri="{C183D7F6-B498-43B3-948B-1728B52AA6E4}">
+                <adec:decorative xmlns:adec="http://schemas.microsoft.com/office/drawing/2017/decorative" val="1"/>
+              </a:ext>
+            </a:extLst>
+          </p:cNvPr>
+          <p:cNvSpPr>
+            <a:spLocks noGrp="1" noRot="1" noChangeAspect="1" noMove="1" noResize="1" noEditPoints="1" noAdjustHandles="1" noChangeArrowheads="1" noChangeShapeType="1" noTextEdit="1"/>
+          </p:cNvSpPr>
+          <p:nvPr>
+            <p:extLst>
+              <p:ext uri="{386F3935-93C4-4BCD-93E2-E3B085C9AB24}">
+                <p16:designElem xmlns:p16="http://schemas.microsoft.com/office/powerpoint/2015/main" val="1"/>
+              </p:ext>
+            </p:extLst>
+          </p:nvPr>
+        </p:nvSpPr>
+        <p:spPr>
+          <a:xfrm>
+            <a:off x="8042147" y="453643"/>
+            <a:ext cx="3703320" cy="98554"/>
+          </a:xfrm>
+          <a:prstGeom prst="rect">
+            <a:avLst/>
+          </a:prstGeom>
+          <a:solidFill>
+            <a:srgbClr val="969FA7"/>
+          </a:solidFill>
+          <a:ln>
+            <a:noFill/>
+          </a:ln>
+          <a:effectLst/>
+        </p:spPr>
+        <p:style>
+          <a:lnRef idx="1">
+            <a:schemeClr val="accent1"/>
+          </a:lnRef>
+          <a:fillRef idx="3">
+            <a:schemeClr val="accent1"/>
+          </a:fillRef>
+          <a:effectRef idx="2">
+            <a:schemeClr val="accent1"/>
+          </a:effectRef>
+          <a:fontRef idx="minor">
+            <a:schemeClr val="lt1"/>
+          </a:fontRef>
+        </p:style>
+      </p:sp>
+      <p:sp>
+        <p:nvSpPr>
+          <p:cNvPr id="18" name="Rectangle 17">
+            <a:extLst>
+              <a:ext uri="{FF2B5EF4-FFF2-40B4-BE49-F238E27FC236}">
+                <a16:creationId xmlns:a16="http://schemas.microsoft.com/office/drawing/2014/main" id="{39373A6F-2E1F-4613-8E1D-D68057D29F31}"/>
+              </a:ext>
+              <a:ext uri="{C183D7F6-B498-43B3-948B-1728B52AA6E4}">
+                <adec:decorative xmlns:adec="http://schemas.microsoft.com/office/drawing/2017/decorative" val="1"/>
+              </a:ext>
+            </a:extLst>
+          </p:cNvPr>
+          <p:cNvSpPr>
+            <a:spLocks noGrp="1" noRot="1" noChangeAspect="1" noMove="1" noResize="1" noEditPoints="1" noAdjustHandles="1" noChangeArrowheads="1" noChangeShapeType="1" noTextEdit="1"/>
+          </p:cNvSpPr>
+          <p:nvPr>
+            <p:extLst>
+              <p:ext uri="{386F3935-93C4-4BCD-93E2-E3B085C9AB24}">
+                <p16:designElem xmlns:p16="http://schemas.microsoft.com/office/powerpoint/2015/main" val="1"/>
+              </p:ext>
+            </p:extLst>
+          </p:nvPr>
+        </p:nvSpPr>
+        <p:spPr>
+          <a:xfrm>
+            <a:off x="442377" y="601200"/>
+            <a:ext cx="3707477" cy="5624979"/>
+          </a:xfrm>
+          <a:prstGeom prst="rect">
+            <a:avLst/>
+          </a:prstGeom>
+          <a:solidFill>
+            <a:srgbClr val="465359"/>
+          </a:solidFill>
+          <a:ln>
+            <a:noFill/>
+          </a:ln>
+          <a:effectLst/>
+        </p:spPr>
+        <p:style>
+          <a:lnRef idx="1">
+            <a:schemeClr val="accent1"/>
+          </a:lnRef>
+          <a:fillRef idx="3">
+            <a:schemeClr val="accent1"/>
+          </a:fillRef>
+          <a:effectRef idx="2">
+            <a:schemeClr val="accent1"/>
+          </a:effectRef>
+          <a:fontRef idx="minor">
+            <a:schemeClr val="lt1"/>
+          </a:fontRef>
+        </p:style>
+      </p:sp>
+      <p:sp>
+        <p:nvSpPr>
           <p:cNvPr id="2" name="Title 1">
             <a:extLst>
               <a:ext uri="{FF2B5EF4-FFF2-40B4-BE49-F238E27FC236}">
-                <a16:creationId xmlns:a16="http://schemas.microsoft.com/office/drawing/2014/main" id="{3BCF9C22-908F-4072-BE00-71A8D081378E}"/>
+                <a16:creationId xmlns:a16="http://schemas.microsoft.com/office/drawing/2014/main" id="{32ECE692-5682-4E05-B65D-C1EF24F7328C}"/>
               </a:ext>
             </a:extLst>
           </p:cNvPr>
@@ -4352,14 +5001,25 @@
             <p:ph type="title"/>
           </p:nvPr>
         </p:nvSpPr>
-        <p:spPr/>
-        <p:txBody>
-          <a:bodyPr/>
+        <p:spPr>
+          <a:xfrm>
+            <a:off x="601255" y="702155"/>
+            <a:ext cx="3409783" cy="1300365"/>
+          </a:xfrm>
+        </p:spPr>
+        <p:txBody>
+          <a:bodyPr>
+            <a:normAutofit/>
+          </a:bodyPr>
           <a:lstStyle/>
           <a:p>
             <a:r>
-              <a:rPr lang="en-US" dirty="0"/>
-              <a:t>Book a Room</a:t>
+              <a:rPr lang="en-US">
+                <a:solidFill>
+                  <a:srgbClr val="FFFFFF"/>
+                </a:solidFill>
+              </a:rPr>
+              <a:t>Room Bookings</a:t>
             </a:r>
           </a:p>
         </p:txBody>
@@ -4369,7 +5029,7 @@
           <p:cNvPr id="3" name="Content Placeholder 2">
             <a:extLst>
               <a:ext uri="{FF2B5EF4-FFF2-40B4-BE49-F238E27FC236}">
-                <a16:creationId xmlns:a16="http://schemas.microsoft.com/office/drawing/2014/main" id="{623183AA-347A-46B5-AE12-BBB8216FD3FF}"/>
+                <a16:creationId xmlns:a16="http://schemas.microsoft.com/office/drawing/2014/main" id="{C352793F-995D-4A5B-B329-C0DC4D63A94D}"/>
               </a:ext>
             </a:extLst>
           </p:cNvPr>
@@ -4380,27 +5040,68 @@
             <p:ph idx="1"/>
           </p:nvPr>
         </p:nvSpPr>
-        <p:spPr/>
-        <p:txBody>
-          <a:bodyPr/>
+        <p:spPr>
+          <a:xfrm>
+            <a:off x="601255" y="2177142"/>
+            <a:ext cx="3409782" cy="3823607"/>
+          </a:xfrm>
+        </p:spPr>
+        <p:txBody>
+          <a:bodyPr>
+            <a:normAutofit/>
+          </a:bodyPr>
           <a:lstStyle/>
           <a:p>
             <a:r>
-              <a:rPr lang="en-US" dirty="0"/>
-              <a:t>Room Booking currently displays a message about calling to book a room if there are any available rooms that someone may be interested in.</a:t>
-            </a:r>
-          </a:p>
-        </p:txBody>
-      </p:sp>
+              <a:rPr lang="en-US">
+                <a:solidFill>
+                  <a:srgbClr val="FFFFFF"/>
+                </a:solidFill>
+              </a:rPr>
+              <a:t>Room Booking currently shows rooms that are currently booked.</a:t>
+            </a:r>
+          </a:p>
+        </p:txBody>
+      </p:sp>
+      <p:pic>
+        <p:nvPicPr>
+          <p:cNvPr id="5" name="Picture 4" descr="A screenshot of a cell phone&#10;&#10;Description automatically generated">
+            <a:extLst>
+              <a:ext uri="{FF2B5EF4-FFF2-40B4-BE49-F238E27FC236}">
+                <a16:creationId xmlns:a16="http://schemas.microsoft.com/office/drawing/2014/main" id="{6025E6A8-A9BA-40D0-A5D9-0D892C5E43B0}"/>
+              </a:ext>
+            </a:extLst>
+          </p:cNvPr>
+          <p:cNvPicPr>
+            <a:picLocks noChangeAspect="1"/>
+          </p:cNvPicPr>
+          <p:nvPr/>
+        </p:nvPicPr>
+        <p:blipFill>
+          <a:blip r:embed="rId2"/>
+          <a:stretch>
+            <a:fillRect/>
+          </a:stretch>
+        </p:blipFill>
+        <p:spPr>
+          <a:xfrm>
+            <a:off x="6064133" y="936141"/>
+            <a:ext cx="3887699" cy="4968305"/>
+          </a:xfrm>
+          <a:prstGeom prst="rect">
+            <a:avLst/>
+          </a:prstGeom>
+        </p:spPr>
+      </p:pic>
     </p:spTree>
     <p:extLst>
       <p:ext uri="{BB962C8B-B14F-4D97-AF65-F5344CB8AC3E}">
-        <p14:creationId xmlns:p14="http://schemas.microsoft.com/office/powerpoint/2010/main" val="4213849112"/>
+        <p14:creationId xmlns:p14="http://schemas.microsoft.com/office/powerpoint/2010/main" val="3920136443"/>
       </p:ext>
     </p:extLst>
   </p:cSld>
   <p:clrMapOvr>
-    <a:masterClrMapping/>
+    <a:overrideClrMapping bg1="dk1" tx1="lt1" bg2="dk2" tx2="lt2" accent1="accent1" accent2="accent2" accent3="accent3" accent4="accent4" accent5="accent5" accent6="accent6" hlink="hlink" folHlink="folHlink"/>
   </p:clrMapOvr>
 </p:sld>
 </file>
@@ -4408,6 +5109,14 @@
 <file path=ppt/slides/slide12.xml><?xml version="1.0" encoding="utf-8"?>
 <p:sld xmlns:a="http://schemas.openxmlformats.org/drawingml/2006/main" xmlns:r="http://schemas.openxmlformats.org/officeDocument/2006/relationships" xmlns:p="http://schemas.openxmlformats.org/presentationml/2006/main">
   <p:cSld>
+    <p:bg>
+      <p:bgPr>
+        <a:solidFill>
+          <a:schemeClr val="bg1"/>
+        </a:solidFill>
+        <a:effectLst/>
+      </p:bgPr>
+    </p:bg>
     <p:spTree>
       <p:nvGrpSpPr>
         <p:cNvPr id="1" name=""/>
@@ -4424,10 +5133,289 @@
       </p:grpSpPr>
       <p:sp>
         <p:nvSpPr>
+          <p:cNvPr id="10" name="Rectangle 9">
+            <a:extLst>
+              <a:ext uri="{FF2B5EF4-FFF2-40B4-BE49-F238E27FC236}">
+                <a16:creationId xmlns:a16="http://schemas.microsoft.com/office/drawing/2014/main" id="{E9751CB9-7B25-4EB8-9A6F-82F822549F12}"/>
+              </a:ext>
+              <a:ext uri="{C183D7F6-B498-43B3-948B-1728B52AA6E4}">
+                <adec:decorative xmlns:adec="http://schemas.microsoft.com/office/drawing/2017/decorative" val="1"/>
+              </a:ext>
+            </a:extLst>
+          </p:cNvPr>
+          <p:cNvSpPr>
+            <a:spLocks noGrp="1" noRot="1" noChangeAspect="1" noMove="1" noResize="1" noEditPoints="1" noAdjustHandles="1" noChangeArrowheads="1" noChangeShapeType="1" noTextEdit="1"/>
+          </p:cNvSpPr>
+          <p:nvPr>
+            <p:extLst>
+              <p:ext uri="{386F3935-93C4-4BCD-93E2-E3B085C9AB24}">
+                <p16:designElem xmlns:p16="http://schemas.microsoft.com/office/powerpoint/2015/main" val="1"/>
+              </p:ext>
+            </p:extLst>
+          </p:nvPr>
+        </p:nvSpPr>
+        <p:spPr>
+          <a:xfrm>
+            <a:off x="0" y="0"/>
+            <a:ext cx="12192000" cy="6858000"/>
+          </a:xfrm>
+          <a:prstGeom prst="rect">
+            <a:avLst/>
+          </a:prstGeom>
+          <a:solidFill>
+            <a:srgbClr val="FFFFFF"/>
+          </a:solidFill>
+          <a:ln>
+            <a:noFill/>
+          </a:ln>
+        </p:spPr>
+        <p:style>
+          <a:lnRef idx="2">
+            <a:schemeClr val="accent1">
+              <a:shade val="50000"/>
+            </a:schemeClr>
+          </a:lnRef>
+          <a:fillRef idx="1">
+            <a:schemeClr val="accent1"/>
+          </a:fillRef>
+          <a:effectRef idx="0">
+            <a:schemeClr val="accent1"/>
+          </a:effectRef>
+          <a:fontRef idx="minor">
+            <a:schemeClr val="lt1"/>
+          </a:fontRef>
+        </p:style>
+        <p:txBody>
+          <a:bodyPr rtlCol="0" anchor="ctr"/>
+          <a:lstStyle/>
+          <a:p>
+            <a:pPr algn="ctr"/>
+            <a:endParaRPr lang="en-US"/>
+          </a:p>
+        </p:txBody>
+      </p:sp>
+      <p:sp>
+        <p:nvSpPr>
+          <p:cNvPr id="12" name="Rectangle 11">
+            <a:extLst>
+              <a:ext uri="{FF2B5EF4-FFF2-40B4-BE49-F238E27FC236}">
+                <a16:creationId xmlns:a16="http://schemas.microsoft.com/office/drawing/2014/main" id="{E1317383-CF3B-4B02-9512-BECBEF6362A4}"/>
+              </a:ext>
+              <a:ext uri="{C183D7F6-B498-43B3-948B-1728B52AA6E4}">
+                <adec:decorative xmlns:adec="http://schemas.microsoft.com/office/drawing/2017/decorative" val="1"/>
+              </a:ext>
+            </a:extLst>
+          </p:cNvPr>
+          <p:cNvSpPr>
+            <a:spLocks noGrp="1" noRot="1" noChangeAspect="1" noMove="1" noResize="1" noEditPoints="1" noAdjustHandles="1" noChangeArrowheads="1" noChangeShapeType="1" noTextEdit="1"/>
+          </p:cNvSpPr>
+          <p:nvPr>
+            <p:extLst>
+              <p:ext uri="{386F3935-93C4-4BCD-93E2-E3B085C9AB24}">
+                <p16:designElem xmlns:p16="http://schemas.microsoft.com/office/powerpoint/2015/main" val="1"/>
+              </p:ext>
+            </p:extLst>
+          </p:nvPr>
+        </p:nvSpPr>
+        <p:spPr>
+          <a:xfrm>
+            <a:off x="446534" y="457200"/>
+            <a:ext cx="3703320" cy="94997"/>
+          </a:xfrm>
+          <a:prstGeom prst="rect">
+            <a:avLst/>
+          </a:prstGeom>
+          <a:solidFill>
+            <a:srgbClr val="465359"/>
+          </a:solidFill>
+          <a:ln>
+            <a:noFill/>
+          </a:ln>
+          <a:effectLst/>
+        </p:spPr>
+        <p:style>
+          <a:lnRef idx="1">
+            <a:schemeClr val="accent1"/>
+          </a:lnRef>
+          <a:fillRef idx="3">
+            <a:schemeClr val="accent1"/>
+          </a:fillRef>
+          <a:effectRef idx="2">
+            <a:schemeClr val="accent1"/>
+          </a:effectRef>
+          <a:fontRef idx="minor">
+            <a:schemeClr val="lt1"/>
+          </a:fontRef>
+        </p:style>
+      </p:sp>
+      <p:sp>
+        <p:nvSpPr>
+          <p:cNvPr id="14" name="Rectangle 13">
+            <a:extLst>
+              <a:ext uri="{FF2B5EF4-FFF2-40B4-BE49-F238E27FC236}">
+                <a16:creationId xmlns:a16="http://schemas.microsoft.com/office/drawing/2014/main" id="{B1D4C7A0-6DF2-4F2D-A45D-F111582974C7}"/>
+              </a:ext>
+              <a:ext uri="{C183D7F6-B498-43B3-948B-1728B52AA6E4}">
+                <adec:decorative xmlns:adec="http://schemas.microsoft.com/office/drawing/2017/decorative" val="1"/>
+              </a:ext>
+            </a:extLst>
+          </p:cNvPr>
+          <p:cNvSpPr>
+            <a:spLocks noGrp="1" noRot="1" noChangeAspect="1" noMove="1" noResize="1" noEditPoints="1" noAdjustHandles="1" noChangeArrowheads="1" noChangeShapeType="1" noTextEdit="1"/>
+          </p:cNvSpPr>
+          <p:nvPr>
+            <p:extLst>
+              <p:ext uri="{386F3935-93C4-4BCD-93E2-E3B085C9AB24}">
+                <p16:designElem xmlns:p16="http://schemas.microsoft.com/office/powerpoint/2015/main" val="1"/>
+              </p:ext>
+            </p:extLst>
+          </p:nvPr>
+        </p:nvSpPr>
+        <p:spPr>
+          <a:xfrm>
+            <a:off x="4241830" y="457200"/>
+            <a:ext cx="3703320" cy="91440"/>
+          </a:xfrm>
+          <a:prstGeom prst="rect">
+            <a:avLst/>
+          </a:prstGeom>
+          <a:solidFill>
+            <a:schemeClr val="accent1"/>
+          </a:solidFill>
+          <a:ln>
+            <a:noFill/>
+          </a:ln>
+          <a:effectLst/>
+        </p:spPr>
+        <p:style>
+          <a:lnRef idx="1">
+            <a:schemeClr val="accent1"/>
+          </a:lnRef>
+          <a:fillRef idx="3">
+            <a:schemeClr val="accent1"/>
+          </a:fillRef>
+          <a:effectRef idx="2">
+            <a:schemeClr val="accent1"/>
+          </a:effectRef>
+          <a:fontRef idx="minor">
+            <a:schemeClr val="lt1"/>
+          </a:fontRef>
+        </p:style>
+      </p:sp>
+      <p:sp>
+        <p:nvSpPr>
+          <p:cNvPr id="16" name="Rectangle 15">
+            <a:extLst>
+              <a:ext uri="{FF2B5EF4-FFF2-40B4-BE49-F238E27FC236}">
+                <a16:creationId xmlns:a16="http://schemas.microsoft.com/office/drawing/2014/main" id="{DBF3943D-BCB6-4B31-809D-A005686483B4}"/>
+              </a:ext>
+              <a:ext uri="{C183D7F6-B498-43B3-948B-1728B52AA6E4}">
+                <adec:decorative xmlns:adec="http://schemas.microsoft.com/office/drawing/2017/decorative" val="1"/>
+              </a:ext>
+            </a:extLst>
+          </p:cNvPr>
+          <p:cNvSpPr>
+            <a:spLocks noGrp="1" noRot="1" noChangeAspect="1" noMove="1" noResize="1" noEditPoints="1" noAdjustHandles="1" noChangeArrowheads="1" noChangeShapeType="1" noTextEdit="1"/>
+          </p:cNvSpPr>
+          <p:nvPr>
+            <p:extLst>
+              <p:ext uri="{386F3935-93C4-4BCD-93E2-E3B085C9AB24}">
+                <p16:designElem xmlns:p16="http://schemas.microsoft.com/office/powerpoint/2015/main" val="1"/>
+              </p:ext>
+            </p:extLst>
+          </p:nvPr>
+        </p:nvSpPr>
+        <p:spPr>
+          <a:xfrm>
+            <a:off x="8042147" y="453643"/>
+            <a:ext cx="3703320" cy="98554"/>
+          </a:xfrm>
+          <a:prstGeom prst="rect">
+            <a:avLst/>
+          </a:prstGeom>
+          <a:solidFill>
+            <a:srgbClr val="969FA7"/>
+          </a:solidFill>
+          <a:ln>
+            <a:noFill/>
+          </a:ln>
+          <a:effectLst/>
+        </p:spPr>
+        <p:style>
+          <a:lnRef idx="1">
+            <a:schemeClr val="accent1"/>
+          </a:lnRef>
+          <a:fillRef idx="3">
+            <a:schemeClr val="accent1"/>
+          </a:fillRef>
+          <a:effectRef idx="2">
+            <a:schemeClr val="accent1"/>
+          </a:effectRef>
+          <a:fontRef idx="minor">
+            <a:schemeClr val="lt1"/>
+          </a:fontRef>
+        </p:style>
+      </p:sp>
+      <p:sp>
+        <p:nvSpPr>
+          <p:cNvPr id="18" name="Rectangle 17">
+            <a:extLst>
+              <a:ext uri="{FF2B5EF4-FFF2-40B4-BE49-F238E27FC236}">
+                <a16:creationId xmlns:a16="http://schemas.microsoft.com/office/drawing/2014/main" id="{39373A6F-2E1F-4613-8E1D-D68057D29F31}"/>
+              </a:ext>
+              <a:ext uri="{C183D7F6-B498-43B3-948B-1728B52AA6E4}">
+                <adec:decorative xmlns:adec="http://schemas.microsoft.com/office/drawing/2017/decorative" val="1"/>
+              </a:ext>
+            </a:extLst>
+          </p:cNvPr>
+          <p:cNvSpPr>
+            <a:spLocks noGrp="1" noRot="1" noChangeAspect="1" noMove="1" noResize="1" noEditPoints="1" noAdjustHandles="1" noChangeArrowheads="1" noChangeShapeType="1" noTextEdit="1"/>
+          </p:cNvSpPr>
+          <p:nvPr>
+            <p:extLst>
+              <p:ext uri="{386F3935-93C4-4BCD-93E2-E3B085C9AB24}">
+                <p16:designElem xmlns:p16="http://schemas.microsoft.com/office/powerpoint/2015/main" val="1"/>
+              </p:ext>
+            </p:extLst>
+          </p:nvPr>
+        </p:nvSpPr>
+        <p:spPr>
+          <a:xfrm>
+            <a:off x="442377" y="601200"/>
+            <a:ext cx="3707477" cy="5624979"/>
+          </a:xfrm>
+          <a:prstGeom prst="rect">
+            <a:avLst/>
+          </a:prstGeom>
+          <a:solidFill>
+            <a:srgbClr val="465359"/>
+          </a:solidFill>
+          <a:ln>
+            <a:noFill/>
+          </a:ln>
+          <a:effectLst/>
+        </p:spPr>
+        <p:style>
+          <a:lnRef idx="1">
+            <a:schemeClr val="accent1"/>
+          </a:lnRef>
+          <a:fillRef idx="3">
+            <a:schemeClr val="accent1"/>
+          </a:fillRef>
+          <a:effectRef idx="2">
+            <a:schemeClr val="accent1"/>
+          </a:effectRef>
+          <a:fontRef idx="minor">
+            <a:schemeClr val="lt1"/>
+          </a:fontRef>
+        </p:style>
+      </p:sp>
+      <p:sp>
+        <p:nvSpPr>
           <p:cNvPr id="2" name="Title 1">
             <a:extLst>
               <a:ext uri="{FF2B5EF4-FFF2-40B4-BE49-F238E27FC236}">
-                <a16:creationId xmlns:a16="http://schemas.microsoft.com/office/drawing/2014/main" id="{83ADD54A-E835-4A64-9304-9E2430E31639}"/>
+                <a16:creationId xmlns:a16="http://schemas.microsoft.com/office/drawing/2014/main" id="{55908D84-C291-4DD2-81A1-34AB1E82D2DD}"/>
               </a:ext>
             </a:extLst>
           </p:cNvPr>
@@ -4438,14 +5426,25 @@
             <p:ph type="title"/>
           </p:nvPr>
         </p:nvSpPr>
-        <p:spPr/>
-        <p:txBody>
-          <a:bodyPr/>
+        <p:spPr>
+          <a:xfrm>
+            <a:off x="601255" y="702155"/>
+            <a:ext cx="3409783" cy="1300365"/>
+          </a:xfrm>
+        </p:spPr>
+        <p:txBody>
+          <a:bodyPr>
+            <a:normAutofit/>
+          </a:bodyPr>
           <a:lstStyle/>
           <a:p>
             <a:r>
-              <a:rPr lang="en-US" dirty="0"/>
-              <a:t>Contact</a:t>
+              <a:rPr lang="en-US">
+                <a:solidFill>
+                  <a:srgbClr val="FFFFFF"/>
+                </a:solidFill>
+              </a:rPr>
+              <a:t>Inventory Bookings</a:t>
             </a:r>
           </a:p>
         </p:txBody>
@@ -4455,7 +5454,7 @@
           <p:cNvPr id="3" name="Content Placeholder 2">
             <a:extLst>
               <a:ext uri="{FF2B5EF4-FFF2-40B4-BE49-F238E27FC236}">
-                <a16:creationId xmlns:a16="http://schemas.microsoft.com/office/drawing/2014/main" id="{C2F3E806-1338-4AEE-B971-904E6486BC00}"/>
+                <a16:creationId xmlns:a16="http://schemas.microsoft.com/office/drawing/2014/main" id="{383DEF56-CCA3-4E63-8FE0-28D2736379FD}"/>
               </a:ext>
             </a:extLst>
           </p:cNvPr>
@@ -4466,27 +5465,68 @@
             <p:ph idx="1"/>
           </p:nvPr>
         </p:nvSpPr>
-        <p:spPr/>
-        <p:txBody>
-          <a:bodyPr/>
+        <p:spPr>
+          <a:xfrm>
+            <a:off x="601255" y="2177142"/>
+            <a:ext cx="3409782" cy="3823607"/>
+          </a:xfrm>
+        </p:spPr>
+        <p:txBody>
+          <a:bodyPr>
+            <a:normAutofit/>
+          </a:bodyPr>
           <a:lstStyle/>
           <a:p>
             <a:r>
-              <a:rPr lang="en-US" dirty="0"/>
-              <a:t>Contact currently shows contacts of email and phone number to be able to get help or to book a room.</a:t>
-            </a:r>
-          </a:p>
-        </p:txBody>
-      </p:sp>
+              <a:rPr lang="en-US">
+                <a:solidFill>
+                  <a:srgbClr val="FFFFFF"/>
+                </a:solidFill>
+              </a:rPr>
+              <a:t>Room Booking currently shows items that are currently booked.</a:t>
+            </a:r>
+          </a:p>
+        </p:txBody>
+      </p:sp>
+      <p:pic>
+        <p:nvPicPr>
+          <p:cNvPr id="5" name="Picture 4" descr="A screenshot of a cell phone&#10;&#10;Description automatically generated">
+            <a:extLst>
+              <a:ext uri="{FF2B5EF4-FFF2-40B4-BE49-F238E27FC236}">
+                <a16:creationId xmlns:a16="http://schemas.microsoft.com/office/drawing/2014/main" id="{6079E1AA-8D11-46DE-98AF-CBA4FF5E8237}"/>
+              </a:ext>
+            </a:extLst>
+          </p:cNvPr>
+          <p:cNvPicPr>
+            <a:picLocks noChangeAspect="1"/>
+          </p:cNvPicPr>
+          <p:nvPr/>
+        </p:nvPicPr>
+        <p:blipFill>
+          <a:blip r:embed="rId2"/>
+          <a:stretch>
+            <a:fillRect/>
+          </a:stretch>
+        </p:blipFill>
+        <p:spPr>
+          <a:xfrm>
+            <a:off x="5021354" y="936141"/>
+            <a:ext cx="5973256" cy="4968305"/>
+          </a:xfrm>
+          <a:prstGeom prst="rect">
+            <a:avLst/>
+          </a:prstGeom>
+        </p:spPr>
+      </p:pic>
     </p:spTree>
     <p:extLst>
       <p:ext uri="{BB962C8B-B14F-4D97-AF65-F5344CB8AC3E}">
-        <p14:creationId xmlns:p14="http://schemas.microsoft.com/office/powerpoint/2010/main" val="3618777613"/>
+        <p14:creationId xmlns:p14="http://schemas.microsoft.com/office/powerpoint/2010/main" val="4194343756"/>
       </p:ext>
     </p:extLst>
   </p:cSld>
   <p:clrMapOvr>
-    <a:masterClrMapping/>
+    <a:overrideClrMapping bg1="dk1" tx1="lt1" bg2="dk2" tx2="lt2" accent1="accent1" accent2="accent2" accent3="accent3" accent4="accent4" accent5="accent5" accent6="accent6" hlink="hlink" folHlink="folHlink"/>
   </p:clrMapOvr>
 </p:sld>
 </file>
@@ -4494,6 +5534,14 @@
 <file path=ppt/slides/slide13.xml><?xml version="1.0" encoding="utf-8"?>
 <p:sld xmlns:a="http://schemas.openxmlformats.org/drawingml/2006/main" xmlns:r="http://schemas.openxmlformats.org/officeDocument/2006/relationships" xmlns:p="http://schemas.openxmlformats.org/presentationml/2006/main">
   <p:cSld>
+    <p:bg>
+      <p:bgPr>
+        <a:solidFill>
+          <a:schemeClr val="bg1"/>
+        </a:solidFill>
+        <a:effectLst/>
+      </p:bgPr>
+    </p:bg>
     <p:spTree>
       <p:nvGrpSpPr>
         <p:cNvPr id="1" name=""/>
@@ -4508,12 +5556,288 @@
           <a:chExt cx="0" cy="0"/>
         </a:xfrm>
       </p:grpSpPr>
+      <p:sp useBgFill="1">
+        <p:nvSpPr>
+          <p:cNvPr id="8" name="Rectangle 7">
+            <a:extLst>
+              <a:ext uri="{FF2B5EF4-FFF2-40B4-BE49-F238E27FC236}">
+                <a16:creationId xmlns:a16="http://schemas.microsoft.com/office/drawing/2014/main" id="{F858DF7D-C2D0-4B03-A7A0-2F06B789EE35}"/>
+              </a:ext>
+              <a:ext uri="{C183D7F6-B498-43B3-948B-1728B52AA6E4}">
+                <adec:decorative xmlns:adec="http://schemas.microsoft.com/office/drawing/2017/decorative" val="1"/>
+              </a:ext>
+            </a:extLst>
+          </p:cNvPr>
+          <p:cNvSpPr>
+            <a:spLocks noGrp="1" noRot="1" noChangeAspect="1" noMove="1" noResize="1" noEditPoints="1" noAdjustHandles="1" noChangeArrowheads="1" noChangeShapeType="1" noTextEdit="1"/>
+          </p:cNvSpPr>
+          <p:nvPr>
+            <p:extLst>
+              <p:ext uri="{386F3935-93C4-4BCD-93E2-E3B085C9AB24}">
+                <p16:designElem xmlns:p16="http://schemas.microsoft.com/office/powerpoint/2015/main" val="1"/>
+              </p:ext>
+            </p:extLst>
+          </p:nvPr>
+        </p:nvSpPr>
+        <p:spPr>
+          <a:xfrm>
+            <a:off x="0" y="0"/>
+            <a:ext cx="12191999" cy="6858001"/>
+          </a:xfrm>
+          <a:prstGeom prst="rect">
+            <a:avLst/>
+          </a:prstGeom>
+          <a:ln>
+            <a:noFill/>
+          </a:ln>
+        </p:spPr>
+        <p:style>
+          <a:lnRef idx="2">
+            <a:schemeClr val="accent1">
+              <a:shade val="50000"/>
+            </a:schemeClr>
+          </a:lnRef>
+          <a:fillRef idx="1">
+            <a:schemeClr val="accent1"/>
+          </a:fillRef>
+          <a:effectRef idx="0">
+            <a:schemeClr val="accent1"/>
+          </a:effectRef>
+          <a:fontRef idx="minor">
+            <a:schemeClr val="lt1"/>
+          </a:fontRef>
+        </p:style>
+        <p:txBody>
+          <a:bodyPr rtlCol="0" anchor="ctr"/>
+          <a:lstStyle/>
+          <a:p>
+            <a:pPr algn="ctr"/>
+            <a:endParaRPr lang="en-US"/>
+          </a:p>
+        </p:txBody>
+      </p:sp>
+      <p:sp>
+        <p:nvSpPr>
+          <p:cNvPr id="10" name="Rectangle 9">
+            <a:extLst>
+              <a:ext uri="{FF2B5EF4-FFF2-40B4-BE49-F238E27FC236}">
+                <a16:creationId xmlns:a16="http://schemas.microsoft.com/office/drawing/2014/main" id="{1B26B711-3121-40B0-8377-A64F3DC00C7A}"/>
+              </a:ext>
+              <a:ext uri="{C183D7F6-B498-43B3-948B-1728B52AA6E4}">
+                <adec:decorative xmlns:adec="http://schemas.microsoft.com/office/drawing/2017/decorative" val="1"/>
+              </a:ext>
+            </a:extLst>
+          </p:cNvPr>
+          <p:cNvSpPr>
+            <a:spLocks noGrp="1" noRot="1" noChangeAspect="1" noMove="1" noResize="1" noEditPoints="1" noAdjustHandles="1" noChangeArrowheads="1" noChangeShapeType="1" noTextEdit="1"/>
+          </p:cNvSpPr>
+          <p:nvPr>
+            <p:extLst>
+              <p:ext uri="{386F3935-93C4-4BCD-93E2-E3B085C9AB24}">
+                <p16:designElem xmlns:p16="http://schemas.microsoft.com/office/powerpoint/2015/main" val="1"/>
+              </p:ext>
+            </p:extLst>
+          </p:nvPr>
+        </p:nvSpPr>
+        <p:spPr>
+          <a:xfrm>
+            <a:off x="446534" y="457200"/>
+            <a:ext cx="3703320" cy="94997"/>
+          </a:xfrm>
+          <a:prstGeom prst="rect">
+            <a:avLst/>
+          </a:prstGeom>
+          <a:solidFill>
+            <a:srgbClr val="465359"/>
+          </a:solidFill>
+          <a:ln>
+            <a:noFill/>
+          </a:ln>
+          <a:effectLst/>
+        </p:spPr>
+        <p:style>
+          <a:lnRef idx="1">
+            <a:schemeClr val="accent1"/>
+          </a:lnRef>
+          <a:fillRef idx="3">
+            <a:schemeClr val="accent1"/>
+          </a:fillRef>
+          <a:effectRef idx="2">
+            <a:schemeClr val="accent1"/>
+          </a:effectRef>
+          <a:fontRef idx="minor">
+            <a:schemeClr val="lt1"/>
+          </a:fontRef>
+        </p:style>
+      </p:sp>
+      <p:sp>
+        <p:nvSpPr>
+          <p:cNvPr id="12" name="Rectangle 11">
+            <a:extLst>
+              <a:ext uri="{FF2B5EF4-FFF2-40B4-BE49-F238E27FC236}">
+                <a16:creationId xmlns:a16="http://schemas.microsoft.com/office/drawing/2014/main" id="{645C4D3D-ABBA-4B4E-93E5-01E343719849}"/>
+              </a:ext>
+              <a:ext uri="{C183D7F6-B498-43B3-948B-1728B52AA6E4}">
+                <adec:decorative xmlns:adec="http://schemas.microsoft.com/office/drawing/2017/decorative" val="1"/>
+              </a:ext>
+            </a:extLst>
+          </p:cNvPr>
+          <p:cNvSpPr>
+            <a:spLocks noGrp="1" noRot="1" noChangeAspect="1" noMove="1" noResize="1" noEditPoints="1" noAdjustHandles="1" noChangeArrowheads="1" noChangeShapeType="1" noTextEdit="1"/>
+          </p:cNvSpPr>
+          <p:nvPr>
+            <p:extLst>
+              <p:ext uri="{386F3935-93C4-4BCD-93E2-E3B085C9AB24}">
+                <p16:designElem xmlns:p16="http://schemas.microsoft.com/office/powerpoint/2015/main" val="1"/>
+              </p:ext>
+            </p:extLst>
+          </p:nvPr>
+        </p:nvSpPr>
+        <p:spPr>
+          <a:xfrm>
+            <a:off x="4241830" y="457200"/>
+            <a:ext cx="3703320" cy="91440"/>
+          </a:xfrm>
+          <a:prstGeom prst="rect">
+            <a:avLst/>
+          </a:prstGeom>
+          <a:solidFill>
+            <a:schemeClr val="accent1"/>
+          </a:solidFill>
+          <a:ln>
+            <a:noFill/>
+          </a:ln>
+          <a:effectLst/>
+        </p:spPr>
+        <p:style>
+          <a:lnRef idx="1">
+            <a:schemeClr val="accent1"/>
+          </a:lnRef>
+          <a:fillRef idx="3">
+            <a:schemeClr val="accent1"/>
+          </a:fillRef>
+          <a:effectRef idx="2">
+            <a:schemeClr val="accent1"/>
+          </a:effectRef>
+          <a:fontRef idx="minor">
+            <a:schemeClr val="lt1"/>
+          </a:fontRef>
+        </p:style>
+      </p:sp>
+      <p:sp>
+        <p:nvSpPr>
+          <p:cNvPr id="14" name="Rectangle 13">
+            <a:extLst>
+              <a:ext uri="{FF2B5EF4-FFF2-40B4-BE49-F238E27FC236}">
+                <a16:creationId xmlns:a16="http://schemas.microsoft.com/office/drawing/2014/main" id="{98DDD5E5-0097-4C6C-B266-5732EDA96CC4}"/>
+              </a:ext>
+              <a:ext uri="{C183D7F6-B498-43B3-948B-1728B52AA6E4}">
+                <adec:decorative xmlns:adec="http://schemas.microsoft.com/office/drawing/2017/decorative" val="1"/>
+              </a:ext>
+            </a:extLst>
+          </p:cNvPr>
+          <p:cNvSpPr>
+            <a:spLocks noGrp="1" noRot="1" noChangeAspect="1" noMove="1" noResize="1" noEditPoints="1" noAdjustHandles="1" noChangeArrowheads="1" noChangeShapeType="1" noTextEdit="1"/>
+          </p:cNvSpPr>
+          <p:nvPr>
+            <p:extLst>
+              <p:ext uri="{386F3935-93C4-4BCD-93E2-E3B085C9AB24}">
+                <p16:designElem xmlns:p16="http://schemas.microsoft.com/office/powerpoint/2015/main" val="1"/>
+              </p:ext>
+            </p:extLst>
+          </p:nvPr>
+        </p:nvSpPr>
+        <p:spPr>
+          <a:xfrm>
+            <a:off x="8042147" y="453643"/>
+            <a:ext cx="3703320" cy="98554"/>
+          </a:xfrm>
+          <a:prstGeom prst="rect">
+            <a:avLst/>
+          </a:prstGeom>
+          <a:solidFill>
+            <a:srgbClr val="969FA7"/>
+          </a:solidFill>
+          <a:ln>
+            <a:noFill/>
+          </a:ln>
+          <a:effectLst/>
+        </p:spPr>
+        <p:style>
+          <a:lnRef idx="1">
+            <a:schemeClr val="accent1"/>
+          </a:lnRef>
+          <a:fillRef idx="3">
+            <a:schemeClr val="accent1"/>
+          </a:fillRef>
+          <a:effectRef idx="2">
+            <a:schemeClr val="accent1"/>
+          </a:effectRef>
+          <a:fontRef idx="minor">
+            <a:schemeClr val="lt1"/>
+          </a:fontRef>
+        </p:style>
+      </p:sp>
+      <p:sp>
+        <p:nvSpPr>
+          <p:cNvPr id="16" name="Rectangle 15">
+            <a:extLst>
+              <a:ext uri="{FF2B5EF4-FFF2-40B4-BE49-F238E27FC236}">
+                <a16:creationId xmlns:a16="http://schemas.microsoft.com/office/drawing/2014/main" id="{8952EF87-C74F-4D3F-9CAD-EEA1733C9BD0}"/>
+              </a:ext>
+              <a:ext uri="{C183D7F6-B498-43B3-948B-1728B52AA6E4}">
+                <adec:decorative xmlns:adec="http://schemas.microsoft.com/office/drawing/2017/decorative" val="1"/>
+              </a:ext>
+            </a:extLst>
+          </p:cNvPr>
+          <p:cNvSpPr>
+            <a:spLocks noGrp="1" noRot="1" noChangeAspect="1" noMove="1" noResize="1" noEditPoints="1" noAdjustHandles="1" noChangeArrowheads="1" noChangeShapeType="1" noTextEdit="1"/>
+          </p:cNvSpPr>
+          <p:nvPr>
+            <p:extLst>
+              <p:ext uri="{386F3935-93C4-4BCD-93E2-E3B085C9AB24}">
+                <p16:designElem xmlns:p16="http://schemas.microsoft.com/office/powerpoint/2015/main" val="1"/>
+              </p:ext>
+            </p:extLst>
+          </p:nvPr>
+        </p:nvSpPr>
+        <p:spPr>
+          <a:xfrm>
+            <a:off x="446534" y="597643"/>
+            <a:ext cx="3703320" cy="5792922"/>
+          </a:xfrm>
+          <a:prstGeom prst="rect">
+            <a:avLst/>
+          </a:prstGeom>
+          <a:solidFill>
+            <a:srgbClr val="465359"/>
+          </a:solidFill>
+          <a:ln>
+            <a:noFill/>
+          </a:ln>
+          <a:effectLst/>
+        </p:spPr>
+        <p:style>
+          <a:lnRef idx="1">
+            <a:schemeClr val="accent1"/>
+          </a:lnRef>
+          <a:fillRef idx="3">
+            <a:schemeClr val="accent1"/>
+          </a:fillRef>
+          <a:effectRef idx="2">
+            <a:schemeClr val="accent1"/>
+          </a:effectRef>
+          <a:fontRef idx="minor">
+            <a:schemeClr val="lt1"/>
+          </a:fontRef>
+        </p:style>
+      </p:sp>
       <p:sp>
         <p:nvSpPr>
           <p:cNvPr id="2" name="Title 1">
             <a:extLst>
               <a:ext uri="{FF2B5EF4-FFF2-40B4-BE49-F238E27FC236}">
-                <a16:creationId xmlns:a16="http://schemas.microsoft.com/office/drawing/2014/main" id="{B9DA32ED-B1C6-4855-A0E1-6CAE411F50A6}"/>
+                <a16:creationId xmlns:a16="http://schemas.microsoft.com/office/drawing/2014/main" id="{3BCF9C22-908F-4072-BE00-71A8D081378E}"/>
               </a:ext>
             </a:extLst>
           </p:cNvPr>
@@ -4524,46 +5848,60 @@
             <p:ph type="title"/>
           </p:nvPr>
         </p:nvSpPr>
-        <p:spPr/>
-        <p:txBody>
-          <a:bodyPr/>
+        <p:spPr>
+          <a:xfrm>
+            <a:off x="771148" y="1037967"/>
+            <a:ext cx="3054091" cy="4709131"/>
+          </a:xfrm>
+        </p:spPr>
+        <p:txBody>
+          <a:bodyPr anchor="ctr">
+            <a:normAutofit/>
+          </a:bodyPr>
           <a:lstStyle/>
           <a:p>
             <a:r>
+              <a:rPr lang="en-US">
+                <a:solidFill>
+                  <a:srgbClr val="FFFEFF"/>
+                </a:solidFill>
+              </a:rPr>
+              <a:t>Book a Room</a:t>
+            </a:r>
+          </a:p>
+        </p:txBody>
+      </p:sp>
+      <p:sp>
+        <p:nvSpPr>
+          <p:cNvPr id="3" name="Content Placeholder 2">
+            <a:extLst>
+              <a:ext uri="{FF2B5EF4-FFF2-40B4-BE49-F238E27FC236}">
+                <a16:creationId xmlns:a16="http://schemas.microsoft.com/office/drawing/2014/main" id="{623183AA-347A-46B5-AE12-BBB8216FD3FF}"/>
+              </a:ext>
+            </a:extLst>
+          </p:cNvPr>
+          <p:cNvSpPr>
+            <a:spLocks noGrp="1"/>
+          </p:cNvSpPr>
+          <p:nvPr>
+            <p:ph idx="1"/>
+          </p:nvPr>
+        </p:nvSpPr>
+        <p:spPr>
+          <a:xfrm>
+            <a:off x="4534935" y="1037968"/>
+            <a:ext cx="6725899" cy="4820832"/>
+          </a:xfrm>
+        </p:spPr>
+        <p:txBody>
+          <a:bodyPr>
+            <a:normAutofit/>
+          </a:bodyPr>
+          <a:lstStyle/>
+          <a:p>
+            <a:r>
               <a:rPr lang="en-US" dirty="0"/>
-              <a:t>Logout</a:t>
-            </a:r>
-          </a:p>
-        </p:txBody>
-      </p:sp>
-      <p:sp>
-        <p:nvSpPr>
-          <p:cNvPr id="3" name="Content Placeholder 2">
-            <a:extLst>
-              <a:ext uri="{FF2B5EF4-FFF2-40B4-BE49-F238E27FC236}">
-                <a16:creationId xmlns:a16="http://schemas.microsoft.com/office/drawing/2014/main" id="{96FD7B80-30E5-4B10-A371-814CFE56B556}"/>
-              </a:ext>
-            </a:extLst>
-          </p:cNvPr>
-          <p:cNvSpPr>
-            <a:spLocks noGrp="1"/>
-          </p:cNvSpPr>
-          <p:nvPr>
-            <p:ph idx="1"/>
-          </p:nvPr>
-        </p:nvSpPr>
-        <p:spPr/>
-        <p:txBody>
-          <a:bodyPr/>
-          <a:lstStyle/>
-          <a:p>
-            <a:r>
-              <a:rPr lang="en-US" dirty="0"/>
-              <a:t>When you logout, it takes you to the login page and displays a message to show that you </a:t>
-            </a:r>
-            <a:r>
-              <a:rPr lang="en-US"/>
-              <a:t>have logged out</a:t>
+              <a:t>Room Booking currently displays a message about calling to book a room if there are any available rooms that someone may be interested in.</a:t>
             </a:r>
           </a:p>
         </p:txBody>
@@ -4571,7 +5909,7 @@
     </p:spTree>
     <p:extLst>
       <p:ext uri="{BB962C8B-B14F-4D97-AF65-F5344CB8AC3E}">
-        <p14:creationId xmlns:p14="http://schemas.microsoft.com/office/powerpoint/2010/main" val="1464010159"/>
+        <p14:creationId xmlns:p14="http://schemas.microsoft.com/office/powerpoint/2010/main" val="4213849112"/>
       </p:ext>
     </p:extLst>
   </p:cSld>
@@ -4584,6 +5922,14 @@
 <file path=ppt/slides/slide14.xml><?xml version="1.0" encoding="utf-8"?>
 <p:sld xmlns:a="http://schemas.openxmlformats.org/drawingml/2006/main" xmlns:r="http://schemas.openxmlformats.org/officeDocument/2006/relationships" xmlns:p="http://schemas.openxmlformats.org/presentationml/2006/main">
   <p:cSld>
+    <p:bg>
+      <p:bgPr>
+        <a:solidFill>
+          <a:schemeClr val="bg1"/>
+        </a:solidFill>
+        <a:effectLst/>
+      </p:bgPr>
+    </p:bg>
     <p:spTree>
       <p:nvGrpSpPr>
         <p:cNvPr id="1" name=""/>
@@ -4600,9 +5946,1135 @@
       </p:grpSpPr>
       <p:sp>
         <p:nvSpPr>
+          <p:cNvPr id="10" name="Rectangle 9">
+            <a:extLst>
+              <a:ext uri="{FF2B5EF4-FFF2-40B4-BE49-F238E27FC236}">
+                <a16:creationId xmlns:a16="http://schemas.microsoft.com/office/drawing/2014/main" id="{E9751CB9-7B25-4EB8-9A6F-82F822549F12}"/>
+              </a:ext>
+              <a:ext uri="{C183D7F6-B498-43B3-948B-1728B52AA6E4}">
+                <adec:decorative xmlns:adec="http://schemas.microsoft.com/office/drawing/2017/decorative" val="1"/>
+              </a:ext>
+            </a:extLst>
+          </p:cNvPr>
+          <p:cNvSpPr>
+            <a:spLocks noGrp="1" noRot="1" noChangeAspect="1" noMove="1" noResize="1" noEditPoints="1" noAdjustHandles="1" noChangeArrowheads="1" noChangeShapeType="1" noTextEdit="1"/>
+          </p:cNvSpPr>
+          <p:nvPr>
+            <p:extLst>
+              <p:ext uri="{386F3935-93C4-4BCD-93E2-E3B085C9AB24}">
+                <p16:designElem xmlns:p16="http://schemas.microsoft.com/office/powerpoint/2015/main" val="1"/>
+              </p:ext>
+            </p:extLst>
+          </p:nvPr>
+        </p:nvSpPr>
+        <p:spPr>
+          <a:xfrm>
+            <a:off x="0" y="0"/>
+            <a:ext cx="12192000" cy="6858000"/>
+          </a:xfrm>
+          <a:prstGeom prst="rect">
+            <a:avLst/>
+          </a:prstGeom>
+          <a:solidFill>
+            <a:srgbClr val="FFFFFF"/>
+          </a:solidFill>
+          <a:ln>
+            <a:noFill/>
+          </a:ln>
+        </p:spPr>
+        <p:style>
+          <a:lnRef idx="2">
+            <a:schemeClr val="accent1">
+              <a:shade val="50000"/>
+            </a:schemeClr>
+          </a:lnRef>
+          <a:fillRef idx="1">
+            <a:schemeClr val="accent1"/>
+          </a:fillRef>
+          <a:effectRef idx="0">
+            <a:schemeClr val="accent1"/>
+          </a:effectRef>
+          <a:fontRef idx="minor">
+            <a:schemeClr val="lt1"/>
+          </a:fontRef>
+        </p:style>
+        <p:txBody>
+          <a:bodyPr rtlCol="0" anchor="ctr"/>
+          <a:lstStyle/>
+          <a:p>
+            <a:pPr algn="ctr"/>
+            <a:endParaRPr lang="en-US"/>
+          </a:p>
+        </p:txBody>
+      </p:sp>
+      <p:sp>
+        <p:nvSpPr>
+          <p:cNvPr id="12" name="Rectangle 11">
+            <a:extLst>
+              <a:ext uri="{FF2B5EF4-FFF2-40B4-BE49-F238E27FC236}">
+                <a16:creationId xmlns:a16="http://schemas.microsoft.com/office/drawing/2014/main" id="{E1317383-CF3B-4B02-9512-BECBEF6362A4}"/>
+              </a:ext>
+              <a:ext uri="{C183D7F6-B498-43B3-948B-1728B52AA6E4}">
+                <adec:decorative xmlns:adec="http://schemas.microsoft.com/office/drawing/2017/decorative" val="1"/>
+              </a:ext>
+            </a:extLst>
+          </p:cNvPr>
+          <p:cNvSpPr>
+            <a:spLocks noGrp="1" noRot="1" noChangeAspect="1" noMove="1" noResize="1" noEditPoints="1" noAdjustHandles="1" noChangeArrowheads="1" noChangeShapeType="1" noTextEdit="1"/>
+          </p:cNvSpPr>
+          <p:nvPr>
+            <p:extLst>
+              <p:ext uri="{386F3935-93C4-4BCD-93E2-E3B085C9AB24}">
+                <p16:designElem xmlns:p16="http://schemas.microsoft.com/office/powerpoint/2015/main" val="1"/>
+              </p:ext>
+            </p:extLst>
+          </p:nvPr>
+        </p:nvSpPr>
+        <p:spPr>
+          <a:xfrm>
+            <a:off x="446534" y="457200"/>
+            <a:ext cx="3703320" cy="94997"/>
+          </a:xfrm>
+          <a:prstGeom prst="rect">
+            <a:avLst/>
+          </a:prstGeom>
+          <a:solidFill>
+            <a:srgbClr val="465359"/>
+          </a:solidFill>
+          <a:ln>
+            <a:noFill/>
+          </a:ln>
+          <a:effectLst/>
+        </p:spPr>
+        <p:style>
+          <a:lnRef idx="1">
+            <a:schemeClr val="accent1"/>
+          </a:lnRef>
+          <a:fillRef idx="3">
+            <a:schemeClr val="accent1"/>
+          </a:fillRef>
+          <a:effectRef idx="2">
+            <a:schemeClr val="accent1"/>
+          </a:effectRef>
+          <a:fontRef idx="minor">
+            <a:schemeClr val="lt1"/>
+          </a:fontRef>
+        </p:style>
+      </p:sp>
+      <p:sp>
+        <p:nvSpPr>
+          <p:cNvPr id="14" name="Rectangle 13">
+            <a:extLst>
+              <a:ext uri="{FF2B5EF4-FFF2-40B4-BE49-F238E27FC236}">
+                <a16:creationId xmlns:a16="http://schemas.microsoft.com/office/drawing/2014/main" id="{B1D4C7A0-6DF2-4F2D-A45D-F111582974C7}"/>
+              </a:ext>
+              <a:ext uri="{C183D7F6-B498-43B3-948B-1728B52AA6E4}">
+                <adec:decorative xmlns:adec="http://schemas.microsoft.com/office/drawing/2017/decorative" val="1"/>
+              </a:ext>
+            </a:extLst>
+          </p:cNvPr>
+          <p:cNvSpPr>
+            <a:spLocks noGrp="1" noRot="1" noChangeAspect="1" noMove="1" noResize="1" noEditPoints="1" noAdjustHandles="1" noChangeArrowheads="1" noChangeShapeType="1" noTextEdit="1"/>
+          </p:cNvSpPr>
+          <p:nvPr>
+            <p:extLst>
+              <p:ext uri="{386F3935-93C4-4BCD-93E2-E3B085C9AB24}">
+                <p16:designElem xmlns:p16="http://schemas.microsoft.com/office/powerpoint/2015/main" val="1"/>
+              </p:ext>
+            </p:extLst>
+          </p:nvPr>
+        </p:nvSpPr>
+        <p:spPr>
+          <a:xfrm>
+            <a:off x="4241830" y="457200"/>
+            <a:ext cx="3703320" cy="91440"/>
+          </a:xfrm>
+          <a:prstGeom prst="rect">
+            <a:avLst/>
+          </a:prstGeom>
+          <a:solidFill>
+            <a:schemeClr val="accent1"/>
+          </a:solidFill>
+          <a:ln>
+            <a:noFill/>
+          </a:ln>
+          <a:effectLst/>
+        </p:spPr>
+        <p:style>
+          <a:lnRef idx="1">
+            <a:schemeClr val="accent1"/>
+          </a:lnRef>
+          <a:fillRef idx="3">
+            <a:schemeClr val="accent1"/>
+          </a:fillRef>
+          <a:effectRef idx="2">
+            <a:schemeClr val="accent1"/>
+          </a:effectRef>
+          <a:fontRef idx="minor">
+            <a:schemeClr val="lt1"/>
+          </a:fontRef>
+        </p:style>
+      </p:sp>
+      <p:sp>
+        <p:nvSpPr>
+          <p:cNvPr id="16" name="Rectangle 15">
+            <a:extLst>
+              <a:ext uri="{FF2B5EF4-FFF2-40B4-BE49-F238E27FC236}">
+                <a16:creationId xmlns:a16="http://schemas.microsoft.com/office/drawing/2014/main" id="{DBF3943D-BCB6-4B31-809D-A005686483B4}"/>
+              </a:ext>
+              <a:ext uri="{C183D7F6-B498-43B3-948B-1728B52AA6E4}">
+                <adec:decorative xmlns:adec="http://schemas.microsoft.com/office/drawing/2017/decorative" val="1"/>
+              </a:ext>
+            </a:extLst>
+          </p:cNvPr>
+          <p:cNvSpPr>
+            <a:spLocks noGrp="1" noRot="1" noChangeAspect="1" noMove="1" noResize="1" noEditPoints="1" noAdjustHandles="1" noChangeArrowheads="1" noChangeShapeType="1" noTextEdit="1"/>
+          </p:cNvSpPr>
+          <p:nvPr>
+            <p:extLst>
+              <p:ext uri="{386F3935-93C4-4BCD-93E2-E3B085C9AB24}">
+                <p16:designElem xmlns:p16="http://schemas.microsoft.com/office/powerpoint/2015/main" val="1"/>
+              </p:ext>
+            </p:extLst>
+          </p:nvPr>
+        </p:nvSpPr>
+        <p:spPr>
+          <a:xfrm>
+            <a:off x="8042147" y="453643"/>
+            <a:ext cx="3703320" cy="98554"/>
+          </a:xfrm>
+          <a:prstGeom prst="rect">
+            <a:avLst/>
+          </a:prstGeom>
+          <a:solidFill>
+            <a:srgbClr val="969FA7"/>
+          </a:solidFill>
+          <a:ln>
+            <a:noFill/>
+          </a:ln>
+          <a:effectLst/>
+        </p:spPr>
+        <p:style>
+          <a:lnRef idx="1">
+            <a:schemeClr val="accent1"/>
+          </a:lnRef>
+          <a:fillRef idx="3">
+            <a:schemeClr val="accent1"/>
+          </a:fillRef>
+          <a:effectRef idx="2">
+            <a:schemeClr val="accent1"/>
+          </a:effectRef>
+          <a:fontRef idx="minor">
+            <a:schemeClr val="lt1"/>
+          </a:fontRef>
+        </p:style>
+      </p:sp>
+      <p:sp>
+        <p:nvSpPr>
+          <p:cNvPr id="18" name="Rectangle 17">
+            <a:extLst>
+              <a:ext uri="{FF2B5EF4-FFF2-40B4-BE49-F238E27FC236}">
+                <a16:creationId xmlns:a16="http://schemas.microsoft.com/office/drawing/2014/main" id="{39373A6F-2E1F-4613-8E1D-D68057D29F31}"/>
+              </a:ext>
+              <a:ext uri="{C183D7F6-B498-43B3-948B-1728B52AA6E4}">
+                <adec:decorative xmlns:adec="http://schemas.microsoft.com/office/drawing/2017/decorative" val="1"/>
+              </a:ext>
+            </a:extLst>
+          </p:cNvPr>
+          <p:cNvSpPr>
+            <a:spLocks noGrp="1" noRot="1" noChangeAspect="1" noMove="1" noResize="1" noEditPoints="1" noAdjustHandles="1" noChangeArrowheads="1" noChangeShapeType="1" noTextEdit="1"/>
+          </p:cNvSpPr>
+          <p:nvPr>
+            <p:extLst>
+              <p:ext uri="{386F3935-93C4-4BCD-93E2-E3B085C9AB24}">
+                <p16:designElem xmlns:p16="http://schemas.microsoft.com/office/powerpoint/2015/main" val="1"/>
+              </p:ext>
+            </p:extLst>
+          </p:nvPr>
+        </p:nvSpPr>
+        <p:spPr>
+          <a:xfrm>
+            <a:off x="442377" y="601200"/>
+            <a:ext cx="3707477" cy="5624979"/>
+          </a:xfrm>
+          <a:prstGeom prst="rect">
+            <a:avLst/>
+          </a:prstGeom>
+          <a:solidFill>
+            <a:srgbClr val="465359"/>
+          </a:solidFill>
+          <a:ln>
+            <a:noFill/>
+          </a:ln>
+          <a:effectLst/>
+        </p:spPr>
+        <p:style>
+          <a:lnRef idx="1">
+            <a:schemeClr val="accent1"/>
+          </a:lnRef>
+          <a:fillRef idx="3">
+            <a:schemeClr val="accent1"/>
+          </a:fillRef>
+          <a:effectRef idx="2">
+            <a:schemeClr val="accent1"/>
+          </a:effectRef>
+          <a:fontRef idx="minor">
+            <a:schemeClr val="lt1"/>
+          </a:fontRef>
+        </p:style>
+      </p:sp>
+      <p:sp>
+        <p:nvSpPr>
           <p:cNvPr id="2" name="Title 1">
             <a:extLst>
               <a:ext uri="{FF2B5EF4-FFF2-40B4-BE49-F238E27FC236}">
+                <a16:creationId xmlns:a16="http://schemas.microsoft.com/office/drawing/2014/main" id="{83ADD54A-E835-4A64-9304-9E2430E31639}"/>
+              </a:ext>
+            </a:extLst>
+          </p:cNvPr>
+          <p:cNvSpPr>
+            <a:spLocks noGrp="1"/>
+          </p:cNvSpPr>
+          <p:nvPr>
+            <p:ph type="title"/>
+          </p:nvPr>
+        </p:nvSpPr>
+        <p:spPr>
+          <a:xfrm>
+            <a:off x="601255" y="702155"/>
+            <a:ext cx="3409783" cy="1300365"/>
+          </a:xfrm>
+        </p:spPr>
+        <p:txBody>
+          <a:bodyPr>
+            <a:normAutofit/>
+          </a:bodyPr>
+          <a:lstStyle/>
+          <a:p>
+            <a:r>
+              <a:rPr lang="en-US">
+                <a:solidFill>
+                  <a:srgbClr val="FFFFFF"/>
+                </a:solidFill>
+              </a:rPr>
+              <a:t>Contact</a:t>
+            </a:r>
+          </a:p>
+        </p:txBody>
+      </p:sp>
+      <p:sp>
+        <p:nvSpPr>
+          <p:cNvPr id="3" name="Content Placeholder 2">
+            <a:extLst>
+              <a:ext uri="{FF2B5EF4-FFF2-40B4-BE49-F238E27FC236}">
+                <a16:creationId xmlns:a16="http://schemas.microsoft.com/office/drawing/2014/main" id="{C2F3E806-1338-4AEE-B971-904E6486BC00}"/>
+              </a:ext>
+            </a:extLst>
+          </p:cNvPr>
+          <p:cNvSpPr>
+            <a:spLocks noGrp="1"/>
+          </p:cNvSpPr>
+          <p:nvPr>
+            <p:ph idx="1"/>
+          </p:nvPr>
+        </p:nvSpPr>
+        <p:spPr>
+          <a:xfrm>
+            <a:off x="601255" y="2177142"/>
+            <a:ext cx="3409782" cy="3823607"/>
+          </a:xfrm>
+        </p:spPr>
+        <p:txBody>
+          <a:bodyPr>
+            <a:normAutofit/>
+          </a:bodyPr>
+          <a:lstStyle/>
+          <a:p>
+            <a:r>
+              <a:rPr lang="en-US">
+                <a:solidFill>
+                  <a:srgbClr val="FFFFFF"/>
+                </a:solidFill>
+              </a:rPr>
+              <a:t>Contact currently shows contacts of email and phone number to be able to get help or to book a room.</a:t>
+            </a:r>
+          </a:p>
+        </p:txBody>
+      </p:sp>
+      <p:pic>
+        <p:nvPicPr>
+          <p:cNvPr id="5" name="Picture 4" descr="A screenshot of a cell phone&#10;&#10;Description automatically generated">
+            <a:extLst>
+              <a:ext uri="{FF2B5EF4-FFF2-40B4-BE49-F238E27FC236}">
+                <a16:creationId xmlns:a16="http://schemas.microsoft.com/office/drawing/2014/main" id="{820341F3-9AD5-49F7-AEF9-647E7A7B1A5E}"/>
+              </a:ext>
+            </a:extLst>
+          </p:cNvPr>
+          <p:cNvPicPr>
+            <a:picLocks noChangeAspect="1"/>
+          </p:cNvPicPr>
+          <p:nvPr/>
+        </p:nvPicPr>
+        <p:blipFill>
+          <a:blip r:embed="rId2"/>
+          <a:stretch>
+            <a:fillRect/>
+          </a:stretch>
+        </p:blipFill>
+        <p:spPr>
+          <a:xfrm>
+            <a:off x="4760724" y="936141"/>
+            <a:ext cx="6494516" cy="4968305"/>
+          </a:xfrm>
+          <a:prstGeom prst="rect">
+            <a:avLst/>
+          </a:prstGeom>
+        </p:spPr>
+      </p:pic>
+    </p:spTree>
+    <p:extLst>
+      <p:ext uri="{BB962C8B-B14F-4D97-AF65-F5344CB8AC3E}">
+        <p14:creationId xmlns:p14="http://schemas.microsoft.com/office/powerpoint/2010/main" val="3618777613"/>
+      </p:ext>
+    </p:extLst>
+  </p:cSld>
+  <p:clrMapOvr>
+    <a:overrideClrMapping bg1="dk1" tx1="lt1" bg2="dk2" tx2="lt2" accent1="accent1" accent2="accent2" accent3="accent3" accent4="accent4" accent5="accent5" accent6="accent6" hlink="hlink" folHlink="folHlink"/>
+  </p:clrMapOvr>
+</p:sld>
+</file>
+
+<file path=ppt/slides/slide15.xml><?xml version="1.0" encoding="utf-8"?>
+<p:sld xmlns:a="http://schemas.openxmlformats.org/drawingml/2006/main" xmlns:r="http://schemas.openxmlformats.org/officeDocument/2006/relationships" xmlns:p="http://schemas.openxmlformats.org/presentationml/2006/main">
+  <p:cSld>
+    <p:bg>
+      <p:bgPr>
+        <a:solidFill>
+          <a:schemeClr val="bg1"/>
+        </a:solidFill>
+        <a:effectLst/>
+      </p:bgPr>
+    </p:bg>
+    <p:spTree>
+      <p:nvGrpSpPr>
+        <p:cNvPr id="1" name=""/>
+        <p:cNvGrpSpPr/>
+        <p:nvPr/>
+      </p:nvGrpSpPr>
+      <p:grpSpPr>
+        <a:xfrm>
+          <a:off x="0" y="0"/>
+          <a:ext cx="0" cy="0"/>
+          <a:chOff x="0" y="0"/>
+          <a:chExt cx="0" cy="0"/>
+        </a:xfrm>
+      </p:grpSpPr>
+      <p:sp>
+        <p:nvSpPr>
+          <p:cNvPr id="10" name="Rectangle 9">
+            <a:extLst>
+              <a:ext uri="{FF2B5EF4-FFF2-40B4-BE49-F238E27FC236}">
+                <a16:creationId xmlns:a16="http://schemas.microsoft.com/office/drawing/2014/main" id="{E9751CB9-7B25-4EB8-9A6F-82F822549F12}"/>
+              </a:ext>
+              <a:ext uri="{C183D7F6-B498-43B3-948B-1728B52AA6E4}">
+                <adec:decorative xmlns:adec="http://schemas.microsoft.com/office/drawing/2017/decorative" val="1"/>
+              </a:ext>
+            </a:extLst>
+          </p:cNvPr>
+          <p:cNvSpPr>
+            <a:spLocks noGrp="1" noRot="1" noChangeAspect="1" noMove="1" noResize="1" noEditPoints="1" noAdjustHandles="1" noChangeArrowheads="1" noChangeShapeType="1" noTextEdit="1"/>
+          </p:cNvSpPr>
+          <p:nvPr>
+            <p:extLst>
+              <p:ext uri="{386F3935-93C4-4BCD-93E2-E3B085C9AB24}">
+                <p16:designElem xmlns:p16="http://schemas.microsoft.com/office/powerpoint/2015/main" val="1"/>
+              </p:ext>
+            </p:extLst>
+          </p:nvPr>
+        </p:nvSpPr>
+        <p:spPr>
+          <a:xfrm>
+            <a:off x="0" y="0"/>
+            <a:ext cx="12192000" cy="6858000"/>
+          </a:xfrm>
+          <a:prstGeom prst="rect">
+            <a:avLst/>
+          </a:prstGeom>
+          <a:solidFill>
+            <a:srgbClr val="FFFFFF"/>
+          </a:solidFill>
+          <a:ln>
+            <a:noFill/>
+          </a:ln>
+        </p:spPr>
+        <p:style>
+          <a:lnRef idx="2">
+            <a:schemeClr val="accent1">
+              <a:shade val="50000"/>
+            </a:schemeClr>
+          </a:lnRef>
+          <a:fillRef idx="1">
+            <a:schemeClr val="accent1"/>
+          </a:fillRef>
+          <a:effectRef idx="0">
+            <a:schemeClr val="accent1"/>
+          </a:effectRef>
+          <a:fontRef idx="minor">
+            <a:schemeClr val="lt1"/>
+          </a:fontRef>
+        </p:style>
+        <p:txBody>
+          <a:bodyPr rtlCol="0" anchor="ctr"/>
+          <a:lstStyle/>
+          <a:p>
+            <a:pPr algn="ctr"/>
+            <a:endParaRPr lang="en-US"/>
+          </a:p>
+        </p:txBody>
+      </p:sp>
+      <p:sp>
+        <p:nvSpPr>
+          <p:cNvPr id="12" name="Rectangle 11">
+            <a:extLst>
+              <a:ext uri="{FF2B5EF4-FFF2-40B4-BE49-F238E27FC236}">
+                <a16:creationId xmlns:a16="http://schemas.microsoft.com/office/drawing/2014/main" id="{E1317383-CF3B-4B02-9512-BECBEF6362A4}"/>
+              </a:ext>
+              <a:ext uri="{C183D7F6-B498-43B3-948B-1728B52AA6E4}">
+                <adec:decorative xmlns:adec="http://schemas.microsoft.com/office/drawing/2017/decorative" val="1"/>
+              </a:ext>
+            </a:extLst>
+          </p:cNvPr>
+          <p:cNvSpPr>
+            <a:spLocks noGrp="1" noRot="1" noChangeAspect="1" noMove="1" noResize="1" noEditPoints="1" noAdjustHandles="1" noChangeArrowheads="1" noChangeShapeType="1" noTextEdit="1"/>
+          </p:cNvSpPr>
+          <p:nvPr>
+            <p:extLst>
+              <p:ext uri="{386F3935-93C4-4BCD-93E2-E3B085C9AB24}">
+                <p16:designElem xmlns:p16="http://schemas.microsoft.com/office/powerpoint/2015/main" val="1"/>
+              </p:ext>
+            </p:extLst>
+          </p:nvPr>
+        </p:nvSpPr>
+        <p:spPr>
+          <a:xfrm>
+            <a:off x="446534" y="457200"/>
+            <a:ext cx="3703320" cy="94997"/>
+          </a:xfrm>
+          <a:prstGeom prst="rect">
+            <a:avLst/>
+          </a:prstGeom>
+          <a:solidFill>
+            <a:srgbClr val="465359"/>
+          </a:solidFill>
+          <a:ln>
+            <a:noFill/>
+          </a:ln>
+          <a:effectLst/>
+        </p:spPr>
+        <p:style>
+          <a:lnRef idx="1">
+            <a:schemeClr val="accent1"/>
+          </a:lnRef>
+          <a:fillRef idx="3">
+            <a:schemeClr val="accent1"/>
+          </a:fillRef>
+          <a:effectRef idx="2">
+            <a:schemeClr val="accent1"/>
+          </a:effectRef>
+          <a:fontRef idx="minor">
+            <a:schemeClr val="lt1"/>
+          </a:fontRef>
+        </p:style>
+      </p:sp>
+      <p:sp>
+        <p:nvSpPr>
+          <p:cNvPr id="14" name="Rectangle 13">
+            <a:extLst>
+              <a:ext uri="{FF2B5EF4-FFF2-40B4-BE49-F238E27FC236}">
+                <a16:creationId xmlns:a16="http://schemas.microsoft.com/office/drawing/2014/main" id="{B1D4C7A0-6DF2-4F2D-A45D-F111582974C7}"/>
+              </a:ext>
+              <a:ext uri="{C183D7F6-B498-43B3-948B-1728B52AA6E4}">
+                <adec:decorative xmlns:adec="http://schemas.microsoft.com/office/drawing/2017/decorative" val="1"/>
+              </a:ext>
+            </a:extLst>
+          </p:cNvPr>
+          <p:cNvSpPr>
+            <a:spLocks noGrp="1" noRot="1" noChangeAspect="1" noMove="1" noResize="1" noEditPoints="1" noAdjustHandles="1" noChangeArrowheads="1" noChangeShapeType="1" noTextEdit="1"/>
+          </p:cNvSpPr>
+          <p:nvPr>
+            <p:extLst>
+              <p:ext uri="{386F3935-93C4-4BCD-93E2-E3B085C9AB24}">
+                <p16:designElem xmlns:p16="http://schemas.microsoft.com/office/powerpoint/2015/main" val="1"/>
+              </p:ext>
+            </p:extLst>
+          </p:nvPr>
+        </p:nvSpPr>
+        <p:spPr>
+          <a:xfrm>
+            <a:off x="4241830" y="457200"/>
+            <a:ext cx="3703320" cy="91440"/>
+          </a:xfrm>
+          <a:prstGeom prst="rect">
+            <a:avLst/>
+          </a:prstGeom>
+          <a:solidFill>
+            <a:schemeClr val="accent1"/>
+          </a:solidFill>
+          <a:ln>
+            <a:noFill/>
+          </a:ln>
+          <a:effectLst/>
+        </p:spPr>
+        <p:style>
+          <a:lnRef idx="1">
+            <a:schemeClr val="accent1"/>
+          </a:lnRef>
+          <a:fillRef idx="3">
+            <a:schemeClr val="accent1"/>
+          </a:fillRef>
+          <a:effectRef idx="2">
+            <a:schemeClr val="accent1"/>
+          </a:effectRef>
+          <a:fontRef idx="minor">
+            <a:schemeClr val="lt1"/>
+          </a:fontRef>
+        </p:style>
+      </p:sp>
+      <p:sp>
+        <p:nvSpPr>
+          <p:cNvPr id="16" name="Rectangle 15">
+            <a:extLst>
+              <a:ext uri="{FF2B5EF4-FFF2-40B4-BE49-F238E27FC236}">
+                <a16:creationId xmlns:a16="http://schemas.microsoft.com/office/drawing/2014/main" id="{DBF3943D-BCB6-4B31-809D-A005686483B4}"/>
+              </a:ext>
+              <a:ext uri="{C183D7F6-B498-43B3-948B-1728B52AA6E4}">
+                <adec:decorative xmlns:adec="http://schemas.microsoft.com/office/drawing/2017/decorative" val="1"/>
+              </a:ext>
+            </a:extLst>
+          </p:cNvPr>
+          <p:cNvSpPr>
+            <a:spLocks noGrp="1" noRot="1" noChangeAspect="1" noMove="1" noResize="1" noEditPoints="1" noAdjustHandles="1" noChangeArrowheads="1" noChangeShapeType="1" noTextEdit="1"/>
+          </p:cNvSpPr>
+          <p:nvPr>
+            <p:extLst>
+              <p:ext uri="{386F3935-93C4-4BCD-93E2-E3B085C9AB24}">
+                <p16:designElem xmlns:p16="http://schemas.microsoft.com/office/powerpoint/2015/main" val="1"/>
+              </p:ext>
+            </p:extLst>
+          </p:nvPr>
+        </p:nvSpPr>
+        <p:spPr>
+          <a:xfrm>
+            <a:off x="8042147" y="453643"/>
+            <a:ext cx="3703320" cy="98554"/>
+          </a:xfrm>
+          <a:prstGeom prst="rect">
+            <a:avLst/>
+          </a:prstGeom>
+          <a:solidFill>
+            <a:srgbClr val="969FA7"/>
+          </a:solidFill>
+          <a:ln>
+            <a:noFill/>
+          </a:ln>
+          <a:effectLst/>
+        </p:spPr>
+        <p:style>
+          <a:lnRef idx="1">
+            <a:schemeClr val="accent1"/>
+          </a:lnRef>
+          <a:fillRef idx="3">
+            <a:schemeClr val="accent1"/>
+          </a:fillRef>
+          <a:effectRef idx="2">
+            <a:schemeClr val="accent1"/>
+          </a:effectRef>
+          <a:fontRef idx="minor">
+            <a:schemeClr val="lt1"/>
+          </a:fontRef>
+        </p:style>
+      </p:sp>
+      <p:sp>
+        <p:nvSpPr>
+          <p:cNvPr id="18" name="Rectangle 17">
+            <a:extLst>
+              <a:ext uri="{FF2B5EF4-FFF2-40B4-BE49-F238E27FC236}">
+                <a16:creationId xmlns:a16="http://schemas.microsoft.com/office/drawing/2014/main" id="{39373A6F-2E1F-4613-8E1D-D68057D29F31}"/>
+              </a:ext>
+              <a:ext uri="{C183D7F6-B498-43B3-948B-1728B52AA6E4}">
+                <adec:decorative xmlns:adec="http://schemas.microsoft.com/office/drawing/2017/decorative" val="1"/>
+              </a:ext>
+            </a:extLst>
+          </p:cNvPr>
+          <p:cNvSpPr>
+            <a:spLocks noGrp="1" noRot="1" noChangeAspect="1" noMove="1" noResize="1" noEditPoints="1" noAdjustHandles="1" noChangeArrowheads="1" noChangeShapeType="1" noTextEdit="1"/>
+          </p:cNvSpPr>
+          <p:nvPr>
+            <p:extLst>
+              <p:ext uri="{386F3935-93C4-4BCD-93E2-E3B085C9AB24}">
+                <p16:designElem xmlns:p16="http://schemas.microsoft.com/office/powerpoint/2015/main" val="1"/>
+              </p:ext>
+            </p:extLst>
+          </p:nvPr>
+        </p:nvSpPr>
+        <p:spPr>
+          <a:xfrm>
+            <a:off x="442377" y="601200"/>
+            <a:ext cx="3707477" cy="5624979"/>
+          </a:xfrm>
+          <a:prstGeom prst="rect">
+            <a:avLst/>
+          </a:prstGeom>
+          <a:solidFill>
+            <a:srgbClr val="465359"/>
+          </a:solidFill>
+          <a:ln>
+            <a:noFill/>
+          </a:ln>
+          <a:effectLst/>
+        </p:spPr>
+        <p:style>
+          <a:lnRef idx="1">
+            <a:schemeClr val="accent1"/>
+          </a:lnRef>
+          <a:fillRef idx="3">
+            <a:schemeClr val="accent1"/>
+          </a:fillRef>
+          <a:effectRef idx="2">
+            <a:schemeClr val="accent1"/>
+          </a:effectRef>
+          <a:fontRef idx="minor">
+            <a:schemeClr val="lt1"/>
+          </a:fontRef>
+        </p:style>
+      </p:sp>
+      <p:sp>
+        <p:nvSpPr>
+          <p:cNvPr id="2" name="Title 1">
+            <a:extLst>
+              <a:ext uri="{FF2B5EF4-FFF2-40B4-BE49-F238E27FC236}">
+                <a16:creationId xmlns:a16="http://schemas.microsoft.com/office/drawing/2014/main" id="{B9DA32ED-B1C6-4855-A0E1-6CAE411F50A6}"/>
+              </a:ext>
+            </a:extLst>
+          </p:cNvPr>
+          <p:cNvSpPr>
+            <a:spLocks noGrp="1"/>
+          </p:cNvSpPr>
+          <p:nvPr>
+            <p:ph type="title"/>
+          </p:nvPr>
+        </p:nvSpPr>
+        <p:spPr>
+          <a:xfrm>
+            <a:off x="601255" y="702155"/>
+            <a:ext cx="3409783" cy="1300365"/>
+          </a:xfrm>
+        </p:spPr>
+        <p:txBody>
+          <a:bodyPr>
+            <a:normAutofit/>
+          </a:bodyPr>
+          <a:lstStyle/>
+          <a:p>
+            <a:r>
+              <a:rPr lang="en-US">
+                <a:solidFill>
+                  <a:srgbClr val="FFFFFF"/>
+                </a:solidFill>
+              </a:rPr>
+              <a:t>Logout</a:t>
+            </a:r>
+          </a:p>
+        </p:txBody>
+      </p:sp>
+      <p:sp>
+        <p:nvSpPr>
+          <p:cNvPr id="3" name="Content Placeholder 2">
+            <a:extLst>
+              <a:ext uri="{FF2B5EF4-FFF2-40B4-BE49-F238E27FC236}">
+                <a16:creationId xmlns:a16="http://schemas.microsoft.com/office/drawing/2014/main" id="{96FD7B80-30E5-4B10-A371-814CFE56B556}"/>
+              </a:ext>
+            </a:extLst>
+          </p:cNvPr>
+          <p:cNvSpPr>
+            <a:spLocks noGrp="1"/>
+          </p:cNvSpPr>
+          <p:nvPr>
+            <p:ph idx="1"/>
+          </p:nvPr>
+        </p:nvSpPr>
+        <p:spPr>
+          <a:xfrm>
+            <a:off x="601255" y="2177142"/>
+            <a:ext cx="3409782" cy="3823607"/>
+          </a:xfrm>
+        </p:spPr>
+        <p:txBody>
+          <a:bodyPr>
+            <a:normAutofit/>
+          </a:bodyPr>
+          <a:lstStyle/>
+          <a:p>
+            <a:r>
+              <a:rPr lang="en-US">
+                <a:solidFill>
+                  <a:srgbClr val="FFFFFF"/>
+                </a:solidFill>
+              </a:rPr>
+              <a:t>When you logout, it takes you to the login page and displays a message to show that you have logged out</a:t>
+            </a:r>
+          </a:p>
+        </p:txBody>
+      </p:sp>
+      <p:pic>
+        <p:nvPicPr>
+          <p:cNvPr id="5" name="Picture 4" descr="A screenshot of a cell phone&#10;&#10;Description automatically generated">
+            <a:extLst>
+              <a:ext uri="{FF2B5EF4-FFF2-40B4-BE49-F238E27FC236}">
+                <a16:creationId xmlns:a16="http://schemas.microsoft.com/office/drawing/2014/main" id="{4A6C8881-E8CD-4598-947E-AE23DB94F5DD}"/>
+              </a:ext>
+            </a:extLst>
+          </p:cNvPr>
+          <p:cNvPicPr>
+            <a:picLocks noChangeAspect="1"/>
+          </p:cNvPicPr>
+          <p:nvPr/>
+        </p:nvPicPr>
+        <p:blipFill>
+          <a:blip r:embed="rId2"/>
+          <a:stretch>
+            <a:fillRect/>
+          </a:stretch>
+        </p:blipFill>
+        <p:spPr>
+          <a:xfrm>
+            <a:off x="5745270" y="936141"/>
+            <a:ext cx="4525425" cy="4968305"/>
+          </a:xfrm>
+          <a:prstGeom prst="rect">
+            <a:avLst/>
+          </a:prstGeom>
+        </p:spPr>
+      </p:pic>
+    </p:spTree>
+    <p:extLst>
+      <p:ext uri="{BB962C8B-B14F-4D97-AF65-F5344CB8AC3E}">
+        <p14:creationId xmlns:p14="http://schemas.microsoft.com/office/powerpoint/2010/main" val="1464010159"/>
+      </p:ext>
+    </p:extLst>
+  </p:cSld>
+  <p:clrMapOvr>
+    <a:overrideClrMapping bg1="dk1" tx1="lt1" bg2="dk2" tx2="lt2" accent1="accent1" accent2="accent2" accent3="accent3" accent4="accent4" accent5="accent5" accent6="accent6" hlink="hlink" folHlink="folHlink"/>
+  </p:clrMapOvr>
+</p:sld>
+</file>
+
+<file path=ppt/slides/slide16.xml><?xml version="1.0" encoding="utf-8"?>
+<p:sld xmlns:a="http://schemas.openxmlformats.org/drawingml/2006/main" xmlns:r="http://schemas.openxmlformats.org/officeDocument/2006/relationships" xmlns:p="http://schemas.openxmlformats.org/presentationml/2006/main">
+  <p:cSld>
+    <p:bg>
+      <p:bgPr>
+        <a:solidFill>
+          <a:schemeClr val="bg1"/>
+        </a:solidFill>
+        <a:effectLst/>
+      </p:bgPr>
+    </p:bg>
+    <p:spTree>
+      <p:nvGrpSpPr>
+        <p:cNvPr id="1" name=""/>
+        <p:cNvGrpSpPr/>
+        <p:nvPr/>
+      </p:nvGrpSpPr>
+      <p:grpSpPr>
+        <a:xfrm>
+          <a:off x="0" y="0"/>
+          <a:ext cx="0" cy="0"/>
+          <a:chOff x="0" y="0"/>
+          <a:chExt cx="0" cy="0"/>
+        </a:xfrm>
+      </p:grpSpPr>
+      <p:sp useBgFill="1">
+        <p:nvSpPr>
+          <p:cNvPr id="8" name="Rectangle 7">
+            <a:extLst>
+              <a:ext uri="{FF2B5EF4-FFF2-40B4-BE49-F238E27FC236}">
+                <a16:creationId xmlns:a16="http://schemas.microsoft.com/office/drawing/2014/main" id="{F858DF7D-C2D0-4B03-A7A0-2F06B789EE35}"/>
+              </a:ext>
+              <a:ext uri="{C183D7F6-B498-43B3-948B-1728B52AA6E4}">
+                <adec:decorative xmlns:adec="http://schemas.microsoft.com/office/drawing/2017/decorative" val="1"/>
+              </a:ext>
+            </a:extLst>
+          </p:cNvPr>
+          <p:cNvSpPr>
+            <a:spLocks noGrp="1" noRot="1" noChangeAspect="1" noMove="1" noResize="1" noEditPoints="1" noAdjustHandles="1" noChangeArrowheads="1" noChangeShapeType="1" noTextEdit="1"/>
+          </p:cNvSpPr>
+          <p:nvPr>
+            <p:extLst>
+              <p:ext uri="{386F3935-93C4-4BCD-93E2-E3B085C9AB24}">
+                <p16:designElem xmlns:p16="http://schemas.microsoft.com/office/powerpoint/2015/main" val="1"/>
+              </p:ext>
+            </p:extLst>
+          </p:nvPr>
+        </p:nvSpPr>
+        <p:spPr>
+          <a:xfrm>
+            <a:off x="0" y="0"/>
+            <a:ext cx="12191999" cy="6858001"/>
+          </a:xfrm>
+          <a:prstGeom prst="rect">
+            <a:avLst/>
+          </a:prstGeom>
+          <a:ln>
+            <a:noFill/>
+          </a:ln>
+        </p:spPr>
+        <p:style>
+          <a:lnRef idx="2">
+            <a:schemeClr val="accent1">
+              <a:shade val="50000"/>
+            </a:schemeClr>
+          </a:lnRef>
+          <a:fillRef idx="1">
+            <a:schemeClr val="accent1"/>
+          </a:fillRef>
+          <a:effectRef idx="0">
+            <a:schemeClr val="accent1"/>
+          </a:effectRef>
+          <a:fontRef idx="minor">
+            <a:schemeClr val="lt1"/>
+          </a:fontRef>
+        </p:style>
+        <p:txBody>
+          <a:bodyPr rtlCol="0" anchor="ctr"/>
+          <a:lstStyle/>
+          <a:p>
+            <a:pPr algn="ctr"/>
+            <a:endParaRPr lang="en-US"/>
+          </a:p>
+        </p:txBody>
+      </p:sp>
+      <p:sp>
+        <p:nvSpPr>
+          <p:cNvPr id="10" name="Rectangle 9">
+            <a:extLst>
+              <a:ext uri="{FF2B5EF4-FFF2-40B4-BE49-F238E27FC236}">
+                <a16:creationId xmlns:a16="http://schemas.microsoft.com/office/drawing/2014/main" id="{1B26B711-3121-40B0-8377-A64F3DC00C7A}"/>
+              </a:ext>
+              <a:ext uri="{C183D7F6-B498-43B3-948B-1728B52AA6E4}">
+                <adec:decorative xmlns:adec="http://schemas.microsoft.com/office/drawing/2017/decorative" val="1"/>
+              </a:ext>
+            </a:extLst>
+          </p:cNvPr>
+          <p:cNvSpPr>
+            <a:spLocks noGrp="1" noRot="1" noChangeAspect="1" noMove="1" noResize="1" noEditPoints="1" noAdjustHandles="1" noChangeArrowheads="1" noChangeShapeType="1" noTextEdit="1"/>
+          </p:cNvSpPr>
+          <p:nvPr>
+            <p:extLst>
+              <p:ext uri="{386F3935-93C4-4BCD-93E2-E3B085C9AB24}">
+                <p16:designElem xmlns:p16="http://schemas.microsoft.com/office/powerpoint/2015/main" val="1"/>
+              </p:ext>
+            </p:extLst>
+          </p:nvPr>
+        </p:nvSpPr>
+        <p:spPr>
+          <a:xfrm>
+            <a:off x="446534" y="457200"/>
+            <a:ext cx="3703320" cy="94997"/>
+          </a:xfrm>
+          <a:prstGeom prst="rect">
+            <a:avLst/>
+          </a:prstGeom>
+          <a:solidFill>
+            <a:srgbClr val="465359"/>
+          </a:solidFill>
+          <a:ln>
+            <a:noFill/>
+          </a:ln>
+          <a:effectLst/>
+        </p:spPr>
+        <p:style>
+          <a:lnRef idx="1">
+            <a:schemeClr val="accent1"/>
+          </a:lnRef>
+          <a:fillRef idx="3">
+            <a:schemeClr val="accent1"/>
+          </a:fillRef>
+          <a:effectRef idx="2">
+            <a:schemeClr val="accent1"/>
+          </a:effectRef>
+          <a:fontRef idx="minor">
+            <a:schemeClr val="lt1"/>
+          </a:fontRef>
+        </p:style>
+      </p:sp>
+      <p:sp>
+        <p:nvSpPr>
+          <p:cNvPr id="12" name="Rectangle 11">
+            <a:extLst>
+              <a:ext uri="{FF2B5EF4-FFF2-40B4-BE49-F238E27FC236}">
+                <a16:creationId xmlns:a16="http://schemas.microsoft.com/office/drawing/2014/main" id="{645C4D3D-ABBA-4B4E-93E5-01E343719849}"/>
+              </a:ext>
+              <a:ext uri="{C183D7F6-B498-43B3-948B-1728B52AA6E4}">
+                <adec:decorative xmlns:adec="http://schemas.microsoft.com/office/drawing/2017/decorative" val="1"/>
+              </a:ext>
+            </a:extLst>
+          </p:cNvPr>
+          <p:cNvSpPr>
+            <a:spLocks noGrp="1" noRot="1" noChangeAspect="1" noMove="1" noResize="1" noEditPoints="1" noAdjustHandles="1" noChangeArrowheads="1" noChangeShapeType="1" noTextEdit="1"/>
+          </p:cNvSpPr>
+          <p:nvPr>
+            <p:extLst>
+              <p:ext uri="{386F3935-93C4-4BCD-93E2-E3B085C9AB24}">
+                <p16:designElem xmlns:p16="http://schemas.microsoft.com/office/powerpoint/2015/main" val="1"/>
+              </p:ext>
+            </p:extLst>
+          </p:nvPr>
+        </p:nvSpPr>
+        <p:spPr>
+          <a:xfrm>
+            <a:off x="4241830" y="457200"/>
+            <a:ext cx="3703320" cy="91440"/>
+          </a:xfrm>
+          <a:prstGeom prst="rect">
+            <a:avLst/>
+          </a:prstGeom>
+          <a:solidFill>
+            <a:schemeClr val="accent1"/>
+          </a:solidFill>
+          <a:ln>
+            <a:noFill/>
+          </a:ln>
+          <a:effectLst/>
+        </p:spPr>
+        <p:style>
+          <a:lnRef idx="1">
+            <a:schemeClr val="accent1"/>
+          </a:lnRef>
+          <a:fillRef idx="3">
+            <a:schemeClr val="accent1"/>
+          </a:fillRef>
+          <a:effectRef idx="2">
+            <a:schemeClr val="accent1"/>
+          </a:effectRef>
+          <a:fontRef idx="minor">
+            <a:schemeClr val="lt1"/>
+          </a:fontRef>
+        </p:style>
+      </p:sp>
+      <p:sp>
+        <p:nvSpPr>
+          <p:cNvPr id="14" name="Rectangle 13">
+            <a:extLst>
+              <a:ext uri="{FF2B5EF4-FFF2-40B4-BE49-F238E27FC236}">
+                <a16:creationId xmlns:a16="http://schemas.microsoft.com/office/drawing/2014/main" id="{98DDD5E5-0097-4C6C-B266-5732EDA96CC4}"/>
+              </a:ext>
+              <a:ext uri="{C183D7F6-B498-43B3-948B-1728B52AA6E4}">
+                <adec:decorative xmlns:adec="http://schemas.microsoft.com/office/drawing/2017/decorative" val="1"/>
+              </a:ext>
+            </a:extLst>
+          </p:cNvPr>
+          <p:cNvSpPr>
+            <a:spLocks noGrp="1" noRot="1" noChangeAspect="1" noMove="1" noResize="1" noEditPoints="1" noAdjustHandles="1" noChangeArrowheads="1" noChangeShapeType="1" noTextEdit="1"/>
+          </p:cNvSpPr>
+          <p:nvPr>
+            <p:extLst>
+              <p:ext uri="{386F3935-93C4-4BCD-93E2-E3B085C9AB24}">
+                <p16:designElem xmlns:p16="http://schemas.microsoft.com/office/powerpoint/2015/main" val="1"/>
+              </p:ext>
+            </p:extLst>
+          </p:nvPr>
+        </p:nvSpPr>
+        <p:spPr>
+          <a:xfrm>
+            <a:off x="8042147" y="453643"/>
+            <a:ext cx="3703320" cy="98554"/>
+          </a:xfrm>
+          <a:prstGeom prst="rect">
+            <a:avLst/>
+          </a:prstGeom>
+          <a:solidFill>
+            <a:srgbClr val="969FA7"/>
+          </a:solidFill>
+          <a:ln>
+            <a:noFill/>
+          </a:ln>
+          <a:effectLst/>
+        </p:spPr>
+        <p:style>
+          <a:lnRef idx="1">
+            <a:schemeClr val="accent1"/>
+          </a:lnRef>
+          <a:fillRef idx="3">
+            <a:schemeClr val="accent1"/>
+          </a:fillRef>
+          <a:effectRef idx="2">
+            <a:schemeClr val="accent1"/>
+          </a:effectRef>
+          <a:fontRef idx="minor">
+            <a:schemeClr val="lt1"/>
+          </a:fontRef>
+        </p:style>
+      </p:sp>
+      <p:sp>
+        <p:nvSpPr>
+          <p:cNvPr id="16" name="Rectangle 15">
+            <a:extLst>
+              <a:ext uri="{FF2B5EF4-FFF2-40B4-BE49-F238E27FC236}">
+                <a16:creationId xmlns:a16="http://schemas.microsoft.com/office/drawing/2014/main" id="{8952EF87-C74F-4D3F-9CAD-EEA1733C9BD0}"/>
+              </a:ext>
+              <a:ext uri="{C183D7F6-B498-43B3-948B-1728B52AA6E4}">
+                <adec:decorative xmlns:adec="http://schemas.microsoft.com/office/drawing/2017/decorative" val="1"/>
+              </a:ext>
+            </a:extLst>
+          </p:cNvPr>
+          <p:cNvSpPr>
+            <a:spLocks noGrp="1" noRot="1" noChangeAspect="1" noMove="1" noResize="1" noEditPoints="1" noAdjustHandles="1" noChangeArrowheads="1" noChangeShapeType="1" noTextEdit="1"/>
+          </p:cNvSpPr>
+          <p:nvPr>
+            <p:extLst>
+              <p:ext uri="{386F3935-93C4-4BCD-93E2-E3B085C9AB24}">
+                <p16:designElem xmlns:p16="http://schemas.microsoft.com/office/powerpoint/2015/main" val="1"/>
+              </p:ext>
+            </p:extLst>
+          </p:nvPr>
+        </p:nvSpPr>
+        <p:spPr>
+          <a:xfrm>
+            <a:off x="446534" y="597643"/>
+            <a:ext cx="3703320" cy="5792922"/>
+          </a:xfrm>
+          <a:prstGeom prst="rect">
+            <a:avLst/>
+          </a:prstGeom>
+          <a:solidFill>
+            <a:srgbClr val="465359"/>
+          </a:solidFill>
+          <a:ln>
+            <a:noFill/>
+          </a:ln>
+          <a:effectLst/>
+        </p:spPr>
+        <p:style>
+          <a:lnRef idx="1">
+            <a:schemeClr val="accent1"/>
+          </a:lnRef>
+          <a:fillRef idx="3">
+            <a:schemeClr val="accent1"/>
+          </a:fillRef>
+          <a:effectRef idx="2">
+            <a:schemeClr val="accent1"/>
+          </a:effectRef>
+          <a:fontRef idx="minor">
+            <a:schemeClr val="lt1"/>
+          </a:fontRef>
+        </p:style>
+      </p:sp>
+      <p:sp>
+        <p:nvSpPr>
+          <p:cNvPr id="2" name="Title 1">
+            <a:extLst>
+              <a:ext uri="{FF2B5EF4-FFF2-40B4-BE49-F238E27FC236}">
                 <a16:creationId xmlns:a16="http://schemas.microsoft.com/office/drawing/2014/main" id="{961F5586-A386-49A8-9210-AD34C5A71D43}"/>
               </a:ext>
             </a:extLst>
@@ -4614,13 +7086,24 @@
             <p:ph type="title"/>
           </p:nvPr>
         </p:nvSpPr>
-        <p:spPr/>
-        <p:txBody>
-          <a:bodyPr/>
+        <p:spPr>
+          <a:xfrm>
+            <a:off x="771148" y="1037967"/>
+            <a:ext cx="3054091" cy="4709131"/>
+          </a:xfrm>
+        </p:spPr>
+        <p:txBody>
+          <a:bodyPr anchor="ctr">
+            <a:normAutofit/>
+          </a:bodyPr>
           <a:lstStyle/>
           <a:p>
             <a:r>
-              <a:rPr lang="en-US" dirty="0"/>
+              <a:rPr lang="en-US">
+                <a:solidFill>
+                  <a:srgbClr val="FFFEFF"/>
+                </a:solidFill>
+              </a:rPr>
               <a:t>Q&amp;A</a:t>
             </a:r>
           </a:p>
@@ -4644,12 +7127,14 @@
         </p:nvSpPr>
         <p:spPr>
           <a:xfrm>
-            <a:off x="581192" y="1611757"/>
-            <a:ext cx="11029615" cy="3634486"/>
-          </a:xfrm>
-        </p:spPr>
-        <p:txBody>
-          <a:bodyPr/>
+            <a:off x="4534935" y="1037968"/>
+            <a:ext cx="6725899" cy="4820832"/>
+          </a:xfrm>
+        </p:spPr>
+        <p:txBody>
+          <a:bodyPr>
+            <a:normAutofit/>
+          </a:bodyPr>
           <a:lstStyle/>
           <a:p>
             <a:pPr marL="0" indent="0">
@@ -4676,11 +7161,11 @@
             <a:endParaRPr lang="en-US" dirty="0"/>
           </a:p>
           <a:p>
-            <a:pPr marL="0" indent="0" algn="ctr">
+            <a:pPr marL="0" indent="0">
               <a:buNone/>
             </a:pPr>
             <a:r>
-              <a:rPr lang="en-US" sz="2800" dirty="0"/>
+              <a:rPr lang="en-US"/>
               <a:t>Questions?</a:t>
             </a:r>
           </a:p>
@@ -4702,6 +7187,31 @@
 <file path=ppt/slides/slide2.xml><?xml version="1.0" encoding="utf-8"?>
 <p:sld xmlns:a="http://schemas.openxmlformats.org/drawingml/2006/main" xmlns:r="http://schemas.openxmlformats.org/officeDocument/2006/relationships" xmlns:p="http://schemas.openxmlformats.org/presentationml/2006/main">
   <p:cSld>
+    <p:bg>
+      <p:bgPr>
+        <a:gradFill rotWithShape="1">
+          <a:gsLst>
+            <a:gs pos="0">
+              <a:schemeClr val="bg1">
+                <a:tint val="90000"/>
+                <a:lumMod val="110000"/>
+              </a:schemeClr>
+            </a:gs>
+            <a:gs pos="100000">
+              <a:schemeClr val="bg1">
+                <a:shade val="98000"/>
+                <a:satMod val="110000"/>
+                <a:lumMod val="86000"/>
+              </a:schemeClr>
+            </a:gs>
+          </a:gsLst>
+          <a:path path="circle">
+            <a:fillToRect l="50000" t="50000" r="100000" b="100000"/>
+          </a:path>
+        </a:gradFill>
+        <a:effectLst/>
+      </p:bgPr>
+    </p:bg>
     <p:spTree>
       <p:nvGrpSpPr>
         <p:cNvPr id="1" name=""/>
@@ -4716,6 +7226,129 @@
           <a:chExt cx="0" cy="0"/>
         </a:xfrm>
       </p:grpSpPr>
+      <p:sp useBgFill="1">
+        <p:nvSpPr>
+          <p:cNvPr id="8" name="Rectangle 7">
+            <a:extLst>
+              <a:ext uri="{FF2B5EF4-FFF2-40B4-BE49-F238E27FC236}">
+                <a16:creationId xmlns:a16="http://schemas.microsoft.com/office/drawing/2014/main" id="{B373F125-DEF3-41D6-9918-AB21A2ACC37A}"/>
+              </a:ext>
+              <a:ext uri="{C183D7F6-B498-43B3-948B-1728B52AA6E4}">
+                <adec:decorative xmlns:adec="http://schemas.microsoft.com/office/drawing/2017/decorative" val="1"/>
+              </a:ext>
+            </a:extLst>
+          </p:cNvPr>
+          <p:cNvSpPr>
+            <a:spLocks noGrp="1" noRot="1" noChangeAspect="1" noMove="1" noResize="1" noEditPoints="1" noAdjustHandles="1" noChangeArrowheads="1" noChangeShapeType="1" noTextEdit="1"/>
+          </p:cNvSpPr>
+          <p:nvPr>
+            <p:extLst>
+              <p:ext uri="{386F3935-93C4-4BCD-93E2-E3B085C9AB24}">
+                <p16:designElem xmlns:p16="http://schemas.microsoft.com/office/powerpoint/2015/main" val="1"/>
+              </p:ext>
+            </p:extLst>
+          </p:nvPr>
+        </p:nvSpPr>
+        <p:spPr>
+          <a:xfrm>
+            <a:off x="0" y="0"/>
+            <a:ext cx="12192000" cy="6858000"/>
+          </a:xfrm>
+          <a:prstGeom prst="rect">
+            <a:avLst/>
+          </a:prstGeom>
+          <a:ln>
+            <a:noFill/>
+          </a:ln>
+        </p:spPr>
+        <p:style>
+          <a:lnRef idx="2">
+            <a:schemeClr val="accent1">
+              <a:shade val="50000"/>
+            </a:schemeClr>
+          </a:lnRef>
+          <a:fillRef idx="1">
+            <a:schemeClr val="accent1"/>
+          </a:fillRef>
+          <a:effectRef idx="0">
+            <a:schemeClr val="accent1"/>
+          </a:effectRef>
+          <a:fontRef idx="minor">
+            <a:schemeClr val="lt1"/>
+          </a:fontRef>
+        </p:style>
+        <p:txBody>
+          <a:bodyPr rtlCol="0" anchor="ctr"/>
+          <a:lstStyle/>
+          <a:p>
+            <a:pPr algn="ctr"/>
+            <a:endParaRPr lang="en-US"/>
+          </a:p>
+        </p:txBody>
+      </p:sp>
+      <p:sp>
+        <p:nvSpPr>
+          <p:cNvPr id="10" name="Rectangle 9">
+            <a:extLst>
+              <a:ext uri="{FF2B5EF4-FFF2-40B4-BE49-F238E27FC236}">
+                <a16:creationId xmlns:a16="http://schemas.microsoft.com/office/drawing/2014/main" id="{71E9F226-EB6E-48C9-ADDA-636DE4BF4EBE}"/>
+              </a:ext>
+              <a:ext uri="{C183D7F6-B498-43B3-948B-1728B52AA6E4}">
+                <adec:decorative xmlns:adec="http://schemas.microsoft.com/office/drawing/2017/decorative" val="1"/>
+              </a:ext>
+            </a:extLst>
+          </p:cNvPr>
+          <p:cNvSpPr>
+            <a:spLocks noGrp="1" noRot="1" noChangeAspect="1" noMove="1" noResize="1" noEditPoints="1" noAdjustHandles="1" noChangeArrowheads="1" noChangeShapeType="1" noTextEdit="1"/>
+          </p:cNvSpPr>
+          <p:nvPr>
+            <p:extLst>
+              <p:ext uri="{386F3935-93C4-4BCD-93E2-E3B085C9AB24}">
+                <p16:designElem xmlns:p16="http://schemas.microsoft.com/office/powerpoint/2015/main" val="1"/>
+              </p:ext>
+            </p:extLst>
+          </p:nvPr>
+        </p:nvSpPr>
+        <p:spPr>
+          <a:xfrm>
+            <a:off x="490581" y="485678"/>
+            <a:ext cx="4174743" cy="5888772"/>
+          </a:xfrm>
+          <a:prstGeom prst="rect">
+            <a:avLst/>
+          </a:prstGeom>
+          <a:solidFill>
+            <a:srgbClr val="465359"/>
+          </a:solidFill>
+          <a:ln>
+            <a:noFill/>
+          </a:ln>
+        </p:spPr>
+        <p:style>
+          <a:lnRef idx="2">
+            <a:schemeClr val="accent1">
+              <a:shade val="50000"/>
+            </a:schemeClr>
+          </a:lnRef>
+          <a:fillRef idx="1">
+            <a:schemeClr val="accent1"/>
+          </a:fillRef>
+          <a:effectRef idx="0">
+            <a:schemeClr val="accent1"/>
+          </a:effectRef>
+          <a:fontRef idx="minor">
+            <a:schemeClr val="lt1"/>
+          </a:fontRef>
+        </p:style>
+        <p:txBody>
+          <a:bodyPr rtlCol="0" anchor="ctr"/>
+          <a:lstStyle/>
+          <a:p>
+            <a:pPr algn="ctr"/>
+            <a:endParaRPr lang="en-US"/>
+          </a:p>
+        </p:txBody>
+      </p:sp>
       <p:sp>
         <p:nvSpPr>
           <p:cNvPr id="2" name="Title 1">
@@ -4732,13 +7365,24 @@
             <p:ph type="title"/>
           </p:nvPr>
         </p:nvSpPr>
-        <p:spPr/>
-        <p:txBody>
-          <a:bodyPr/>
+        <p:spPr>
+          <a:xfrm>
+            <a:off x="959157" y="1113764"/>
+            <a:ext cx="3269749" cy="4624327"/>
+          </a:xfrm>
+        </p:spPr>
+        <p:txBody>
+          <a:bodyPr anchor="ctr">
+            <a:normAutofit/>
+          </a:bodyPr>
           <a:lstStyle/>
           <a:p>
             <a:r>
-              <a:rPr lang="en-US" dirty="0"/>
+              <a:rPr lang="en-US">
+                <a:solidFill>
+                  <a:srgbClr val="FFFFFF"/>
+                </a:solidFill>
+              </a:rPr>
               <a:t>Who we are</a:t>
             </a:r>
           </a:p>
@@ -4760,9 +7404,16 @@
             <p:ph idx="1"/>
           </p:nvPr>
         </p:nvSpPr>
-        <p:spPr/>
-        <p:txBody>
-          <a:bodyPr/>
+        <p:spPr>
+          <a:xfrm>
+            <a:off x="5155905" y="1113764"/>
+            <a:ext cx="6108179" cy="4624327"/>
+          </a:xfrm>
+        </p:spPr>
+        <p:txBody>
+          <a:bodyPr anchor="ctr">
+            <a:normAutofit/>
+          </a:bodyPr>
           <a:lstStyle/>
           <a:p>
             <a:r>
@@ -4818,6 +7469,14 @@
 <file path=ppt/slides/slide3.xml><?xml version="1.0" encoding="utf-8"?>
 <p:sld xmlns:a="http://schemas.openxmlformats.org/drawingml/2006/main" xmlns:r="http://schemas.openxmlformats.org/officeDocument/2006/relationships" xmlns:p="http://schemas.openxmlformats.org/presentationml/2006/main">
   <p:cSld>
+    <p:bg>
+      <p:bgPr>
+        <a:solidFill>
+          <a:schemeClr val="bg1"/>
+        </a:solidFill>
+        <a:effectLst/>
+      </p:bgPr>
+    </p:bg>
     <p:spTree>
       <p:nvGrpSpPr>
         <p:cNvPr id="1" name=""/>
@@ -4832,6 +7491,282 @@
           <a:chExt cx="0" cy="0"/>
         </a:xfrm>
       </p:grpSpPr>
+      <p:sp useBgFill="1">
+        <p:nvSpPr>
+          <p:cNvPr id="8" name="Rectangle 7">
+            <a:extLst>
+              <a:ext uri="{FF2B5EF4-FFF2-40B4-BE49-F238E27FC236}">
+                <a16:creationId xmlns:a16="http://schemas.microsoft.com/office/drawing/2014/main" id="{F858DF7D-C2D0-4B03-A7A0-2F06B789EE35}"/>
+              </a:ext>
+              <a:ext uri="{C183D7F6-B498-43B3-948B-1728B52AA6E4}">
+                <adec:decorative xmlns:adec="http://schemas.microsoft.com/office/drawing/2017/decorative" val="1"/>
+              </a:ext>
+            </a:extLst>
+          </p:cNvPr>
+          <p:cNvSpPr>
+            <a:spLocks noGrp="1" noRot="1" noChangeAspect="1" noMove="1" noResize="1" noEditPoints="1" noAdjustHandles="1" noChangeArrowheads="1" noChangeShapeType="1" noTextEdit="1"/>
+          </p:cNvSpPr>
+          <p:nvPr>
+            <p:extLst>
+              <p:ext uri="{386F3935-93C4-4BCD-93E2-E3B085C9AB24}">
+                <p16:designElem xmlns:p16="http://schemas.microsoft.com/office/powerpoint/2015/main" val="1"/>
+              </p:ext>
+            </p:extLst>
+          </p:nvPr>
+        </p:nvSpPr>
+        <p:spPr>
+          <a:xfrm>
+            <a:off x="0" y="0"/>
+            <a:ext cx="12191999" cy="6858001"/>
+          </a:xfrm>
+          <a:prstGeom prst="rect">
+            <a:avLst/>
+          </a:prstGeom>
+          <a:ln>
+            <a:noFill/>
+          </a:ln>
+        </p:spPr>
+        <p:style>
+          <a:lnRef idx="2">
+            <a:schemeClr val="accent1">
+              <a:shade val="50000"/>
+            </a:schemeClr>
+          </a:lnRef>
+          <a:fillRef idx="1">
+            <a:schemeClr val="accent1"/>
+          </a:fillRef>
+          <a:effectRef idx="0">
+            <a:schemeClr val="accent1"/>
+          </a:effectRef>
+          <a:fontRef idx="minor">
+            <a:schemeClr val="lt1"/>
+          </a:fontRef>
+        </p:style>
+        <p:txBody>
+          <a:bodyPr rtlCol="0" anchor="ctr"/>
+          <a:lstStyle/>
+          <a:p>
+            <a:pPr algn="ctr"/>
+            <a:endParaRPr lang="en-US"/>
+          </a:p>
+        </p:txBody>
+      </p:sp>
+      <p:sp>
+        <p:nvSpPr>
+          <p:cNvPr id="10" name="Rectangle 9">
+            <a:extLst>
+              <a:ext uri="{FF2B5EF4-FFF2-40B4-BE49-F238E27FC236}">
+                <a16:creationId xmlns:a16="http://schemas.microsoft.com/office/drawing/2014/main" id="{1B26B711-3121-40B0-8377-A64F3DC00C7A}"/>
+              </a:ext>
+              <a:ext uri="{C183D7F6-B498-43B3-948B-1728B52AA6E4}">
+                <adec:decorative xmlns:adec="http://schemas.microsoft.com/office/drawing/2017/decorative" val="1"/>
+              </a:ext>
+            </a:extLst>
+          </p:cNvPr>
+          <p:cNvSpPr>
+            <a:spLocks noGrp="1" noRot="1" noChangeAspect="1" noMove="1" noResize="1" noEditPoints="1" noAdjustHandles="1" noChangeArrowheads="1" noChangeShapeType="1" noTextEdit="1"/>
+          </p:cNvSpPr>
+          <p:nvPr>
+            <p:extLst>
+              <p:ext uri="{386F3935-93C4-4BCD-93E2-E3B085C9AB24}">
+                <p16:designElem xmlns:p16="http://schemas.microsoft.com/office/powerpoint/2015/main" val="1"/>
+              </p:ext>
+            </p:extLst>
+          </p:nvPr>
+        </p:nvSpPr>
+        <p:spPr>
+          <a:xfrm>
+            <a:off x="446534" y="457200"/>
+            <a:ext cx="3703320" cy="94997"/>
+          </a:xfrm>
+          <a:prstGeom prst="rect">
+            <a:avLst/>
+          </a:prstGeom>
+          <a:solidFill>
+            <a:srgbClr val="465359"/>
+          </a:solidFill>
+          <a:ln>
+            <a:noFill/>
+          </a:ln>
+          <a:effectLst/>
+        </p:spPr>
+        <p:style>
+          <a:lnRef idx="1">
+            <a:schemeClr val="accent1"/>
+          </a:lnRef>
+          <a:fillRef idx="3">
+            <a:schemeClr val="accent1"/>
+          </a:fillRef>
+          <a:effectRef idx="2">
+            <a:schemeClr val="accent1"/>
+          </a:effectRef>
+          <a:fontRef idx="minor">
+            <a:schemeClr val="lt1"/>
+          </a:fontRef>
+        </p:style>
+      </p:sp>
+      <p:sp>
+        <p:nvSpPr>
+          <p:cNvPr id="12" name="Rectangle 11">
+            <a:extLst>
+              <a:ext uri="{FF2B5EF4-FFF2-40B4-BE49-F238E27FC236}">
+                <a16:creationId xmlns:a16="http://schemas.microsoft.com/office/drawing/2014/main" id="{645C4D3D-ABBA-4B4E-93E5-01E343719849}"/>
+              </a:ext>
+              <a:ext uri="{C183D7F6-B498-43B3-948B-1728B52AA6E4}">
+                <adec:decorative xmlns:adec="http://schemas.microsoft.com/office/drawing/2017/decorative" val="1"/>
+              </a:ext>
+            </a:extLst>
+          </p:cNvPr>
+          <p:cNvSpPr>
+            <a:spLocks noGrp="1" noRot="1" noChangeAspect="1" noMove="1" noResize="1" noEditPoints="1" noAdjustHandles="1" noChangeArrowheads="1" noChangeShapeType="1" noTextEdit="1"/>
+          </p:cNvSpPr>
+          <p:nvPr>
+            <p:extLst>
+              <p:ext uri="{386F3935-93C4-4BCD-93E2-E3B085C9AB24}">
+                <p16:designElem xmlns:p16="http://schemas.microsoft.com/office/powerpoint/2015/main" val="1"/>
+              </p:ext>
+            </p:extLst>
+          </p:nvPr>
+        </p:nvSpPr>
+        <p:spPr>
+          <a:xfrm>
+            <a:off x="4241830" y="457200"/>
+            <a:ext cx="3703320" cy="91440"/>
+          </a:xfrm>
+          <a:prstGeom prst="rect">
+            <a:avLst/>
+          </a:prstGeom>
+          <a:solidFill>
+            <a:schemeClr val="accent1"/>
+          </a:solidFill>
+          <a:ln>
+            <a:noFill/>
+          </a:ln>
+          <a:effectLst/>
+        </p:spPr>
+        <p:style>
+          <a:lnRef idx="1">
+            <a:schemeClr val="accent1"/>
+          </a:lnRef>
+          <a:fillRef idx="3">
+            <a:schemeClr val="accent1"/>
+          </a:fillRef>
+          <a:effectRef idx="2">
+            <a:schemeClr val="accent1"/>
+          </a:effectRef>
+          <a:fontRef idx="minor">
+            <a:schemeClr val="lt1"/>
+          </a:fontRef>
+        </p:style>
+      </p:sp>
+      <p:sp>
+        <p:nvSpPr>
+          <p:cNvPr id="14" name="Rectangle 13">
+            <a:extLst>
+              <a:ext uri="{FF2B5EF4-FFF2-40B4-BE49-F238E27FC236}">
+                <a16:creationId xmlns:a16="http://schemas.microsoft.com/office/drawing/2014/main" id="{98DDD5E5-0097-4C6C-B266-5732EDA96CC4}"/>
+              </a:ext>
+              <a:ext uri="{C183D7F6-B498-43B3-948B-1728B52AA6E4}">
+                <adec:decorative xmlns:adec="http://schemas.microsoft.com/office/drawing/2017/decorative" val="1"/>
+              </a:ext>
+            </a:extLst>
+          </p:cNvPr>
+          <p:cNvSpPr>
+            <a:spLocks noGrp="1" noRot="1" noChangeAspect="1" noMove="1" noResize="1" noEditPoints="1" noAdjustHandles="1" noChangeArrowheads="1" noChangeShapeType="1" noTextEdit="1"/>
+          </p:cNvSpPr>
+          <p:nvPr>
+            <p:extLst>
+              <p:ext uri="{386F3935-93C4-4BCD-93E2-E3B085C9AB24}">
+                <p16:designElem xmlns:p16="http://schemas.microsoft.com/office/powerpoint/2015/main" val="1"/>
+              </p:ext>
+            </p:extLst>
+          </p:nvPr>
+        </p:nvSpPr>
+        <p:spPr>
+          <a:xfrm>
+            <a:off x="8042147" y="453643"/>
+            <a:ext cx="3703320" cy="98554"/>
+          </a:xfrm>
+          <a:prstGeom prst="rect">
+            <a:avLst/>
+          </a:prstGeom>
+          <a:solidFill>
+            <a:srgbClr val="969FA7"/>
+          </a:solidFill>
+          <a:ln>
+            <a:noFill/>
+          </a:ln>
+          <a:effectLst/>
+        </p:spPr>
+        <p:style>
+          <a:lnRef idx="1">
+            <a:schemeClr val="accent1"/>
+          </a:lnRef>
+          <a:fillRef idx="3">
+            <a:schemeClr val="accent1"/>
+          </a:fillRef>
+          <a:effectRef idx="2">
+            <a:schemeClr val="accent1"/>
+          </a:effectRef>
+          <a:fontRef idx="minor">
+            <a:schemeClr val="lt1"/>
+          </a:fontRef>
+        </p:style>
+      </p:sp>
+      <p:sp>
+        <p:nvSpPr>
+          <p:cNvPr id="16" name="Rectangle 15">
+            <a:extLst>
+              <a:ext uri="{FF2B5EF4-FFF2-40B4-BE49-F238E27FC236}">
+                <a16:creationId xmlns:a16="http://schemas.microsoft.com/office/drawing/2014/main" id="{8952EF87-C74F-4D3F-9CAD-EEA1733C9BD0}"/>
+              </a:ext>
+              <a:ext uri="{C183D7F6-B498-43B3-948B-1728B52AA6E4}">
+                <adec:decorative xmlns:adec="http://schemas.microsoft.com/office/drawing/2017/decorative" val="1"/>
+              </a:ext>
+            </a:extLst>
+          </p:cNvPr>
+          <p:cNvSpPr>
+            <a:spLocks noGrp="1" noRot="1" noChangeAspect="1" noMove="1" noResize="1" noEditPoints="1" noAdjustHandles="1" noChangeArrowheads="1" noChangeShapeType="1" noTextEdit="1"/>
+          </p:cNvSpPr>
+          <p:nvPr>
+            <p:extLst>
+              <p:ext uri="{386F3935-93C4-4BCD-93E2-E3B085C9AB24}">
+                <p16:designElem xmlns:p16="http://schemas.microsoft.com/office/powerpoint/2015/main" val="1"/>
+              </p:ext>
+            </p:extLst>
+          </p:nvPr>
+        </p:nvSpPr>
+        <p:spPr>
+          <a:xfrm>
+            <a:off x="446534" y="597643"/>
+            <a:ext cx="3703320" cy="5792922"/>
+          </a:xfrm>
+          <a:prstGeom prst="rect">
+            <a:avLst/>
+          </a:prstGeom>
+          <a:solidFill>
+            <a:srgbClr val="465359"/>
+          </a:solidFill>
+          <a:ln>
+            <a:noFill/>
+          </a:ln>
+          <a:effectLst/>
+        </p:spPr>
+        <p:style>
+          <a:lnRef idx="1">
+            <a:schemeClr val="accent1"/>
+          </a:lnRef>
+          <a:fillRef idx="3">
+            <a:schemeClr val="accent1"/>
+          </a:fillRef>
+          <a:effectRef idx="2">
+            <a:schemeClr val="accent1"/>
+          </a:effectRef>
+          <a:fontRef idx="minor">
+            <a:schemeClr val="lt1"/>
+          </a:fontRef>
+        </p:style>
+      </p:sp>
       <p:sp>
         <p:nvSpPr>
           <p:cNvPr id="2" name="Title 1">
@@ -4848,13 +7783,24 @@
             <p:ph type="title"/>
           </p:nvPr>
         </p:nvSpPr>
-        <p:spPr/>
-        <p:txBody>
-          <a:bodyPr/>
+        <p:spPr>
+          <a:xfrm>
+            <a:off x="771148" y="1037967"/>
+            <a:ext cx="3054091" cy="4709131"/>
+          </a:xfrm>
+        </p:spPr>
+        <p:txBody>
+          <a:bodyPr anchor="ctr">
+            <a:normAutofit/>
+          </a:bodyPr>
           <a:lstStyle/>
           <a:p>
             <a:r>
-              <a:rPr lang="en-US" dirty="0"/>
+              <a:rPr lang="en-US">
+                <a:solidFill>
+                  <a:srgbClr val="FFFEFF"/>
+                </a:solidFill>
+              </a:rPr>
               <a:t>What does the program do?</a:t>
             </a:r>
           </a:p>
@@ -4876,49 +7822,56 @@
             <p:ph idx="1"/>
           </p:nvPr>
         </p:nvSpPr>
-        <p:spPr/>
-        <p:txBody>
-          <a:bodyPr/>
+        <p:spPr>
+          <a:xfrm>
+            <a:off x="4534935" y="1037968"/>
+            <a:ext cx="6725899" cy="4820832"/>
+          </a:xfrm>
+        </p:spPr>
+        <p:txBody>
+          <a:bodyPr>
+            <a:normAutofit/>
+          </a:bodyPr>
           <a:lstStyle/>
           <a:p>
             <a:r>
-              <a:rPr lang="en-US" sz="1600" dirty="0"/>
+              <a:rPr lang="en-US"/>
               <a:t>Inventory management </a:t>
             </a:r>
           </a:p>
           <a:p>
-            <a:endParaRPr lang="en-US" sz="1600" dirty="0"/>
-          </a:p>
-          <a:p>
-            <a:r>
-              <a:rPr lang="en-US" sz="1600" dirty="0"/>
+            <a:endParaRPr lang="en-US"/>
+          </a:p>
+          <a:p>
+            <a:r>
+              <a:rPr lang="en-US"/>
               <a:t>Scheduling and booking</a:t>
             </a:r>
           </a:p>
           <a:p>
-            <a:endParaRPr lang="en-US" sz="1600" dirty="0"/>
-          </a:p>
-          <a:p>
-            <a:r>
-              <a:rPr lang="en-US" sz="1600" dirty="0"/>
+            <a:endParaRPr lang="en-US"/>
+          </a:p>
+          <a:p>
+            <a:r>
+              <a:rPr lang="en-US"/>
               <a:t>Logins</a:t>
             </a:r>
           </a:p>
           <a:p>
-            <a:endParaRPr lang="en-US" sz="1600" dirty="0"/>
-          </a:p>
-          <a:p>
-            <a:r>
-              <a:rPr lang="en-US" sz="1600" dirty="0"/>
+            <a:endParaRPr lang="en-US"/>
+          </a:p>
+          <a:p>
+            <a:r>
+              <a:rPr lang="en-US"/>
               <a:t>Newsletters</a:t>
             </a:r>
           </a:p>
           <a:p>
-            <a:endParaRPr lang="en-US" sz="1600" dirty="0"/>
-          </a:p>
-          <a:p>
-            <a:r>
-              <a:rPr lang="en-US" sz="1600" dirty="0"/>
+            <a:endParaRPr lang="en-US"/>
+          </a:p>
+          <a:p>
+            <a:r>
+              <a:rPr lang="en-US"/>
               <a:t>Admin access.</a:t>
             </a:r>
           </a:p>
@@ -4940,6 +7893,14 @@
 <file path=ppt/slides/slide4.xml><?xml version="1.0" encoding="utf-8"?>
 <p:sld xmlns:a="http://schemas.openxmlformats.org/drawingml/2006/main" xmlns:r="http://schemas.openxmlformats.org/officeDocument/2006/relationships" xmlns:p="http://schemas.openxmlformats.org/presentationml/2006/main">
   <p:cSld>
+    <p:bg>
+      <p:bgPr>
+        <a:solidFill>
+          <a:schemeClr val="bg1"/>
+        </a:solidFill>
+        <a:effectLst/>
+      </p:bgPr>
+    </p:bg>
     <p:spTree>
       <p:nvGrpSpPr>
         <p:cNvPr id="1" name=""/>
@@ -4954,6 +7915,282 @@
           <a:chExt cx="0" cy="0"/>
         </a:xfrm>
       </p:grpSpPr>
+      <p:sp useBgFill="1">
+        <p:nvSpPr>
+          <p:cNvPr id="8" name="Rectangle 7">
+            <a:extLst>
+              <a:ext uri="{FF2B5EF4-FFF2-40B4-BE49-F238E27FC236}">
+                <a16:creationId xmlns:a16="http://schemas.microsoft.com/office/drawing/2014/main" id="{F858DF7D-C2D0-4B03-A7A0-2F06B789EE35}"/>
+              </a:ext>
+              <a:ext uri="{C183D7F6-B498-43B3-948B-1728B52AA6E4}">
+                <adec:decorative xmlns:adec="http://schemas.microsoft.com/office/drawing/2017/decorative" val="1"/>
+              </a:ext>
+            </a:extLst>
+          </p:cNvPr>
+          <p:cNvSpPr>
+            <a:spLocks noGrp="1" noRot="1" noChangeAspect="1" noMove="1" noResize="1" noEditPoints="1" noAdjustHandles="1" noChangeArrowheads="1" noChangeShapeType="1" noTextEdit="1"/>
+          </p:cNvSpPr>
+          <p:nvPr>
+            <p:extLst>
+              <p:ext uri="{386F3935-93C4-4BCD-93E2-E3B085C9AB24}">
+                <p16:designElem xmlns:p16="http://schemas.microsoft.com/office/powerpoint/2015/main" val="1"/>
+              </p:ext>
+            </p:extLst>
+          </p:nvPr>
+        </p:nvSpPr>
+        <p:spPr>
+          <a:xfrm>
+            <a:off x="0" y="0"/>
+            <a:ext cx="12191999" cy="6858001"/>
+          </a:xfrm>
+          <a:prstGeom prst="rect">
+            <a:avLst/>
+          </a:prstGeom>
+          <a:ln>
+            <a:noFill/>
+          </a:ln>
+        </p:spPr>
+        <p:style>
+          <a:lnRef idx="2">
+            <a:schemeClr val="accent1">
+              <a:shade val="50000"/>
+            </a:schemeClr>
+          </a:lnRef>
+          <a:fillRef idx="1">
+            <a:schemeClr val="accent1"/>
+          </a:fillRef>
+          <a:effectRef idx="0">
+            <a:schemeClr val="accent1"/>
+          </a:effectRef>
+          <a:fontRef idx="minor">
+            <a:schemeClr val="lt1"/>
+          </a:fontRef>
+        </p:style>
+        <p:txBody>
+          <a:bodyPr rtlCol="0" anchor="ctr"/>
+          <a:lstStyle/>
+          <a:p>
+            <a:pPr algn="ctr"/>
+            <a:endParaRPr lang="en-US"/>
+          </a:p>
+        </p:txBody>
+      </p:sp>
+      <p:sp>
+        <p:nvSpPr>
+          <p:cNvPr id="18" name="Rectangle 9">
+            <a:extLst>
+              <a:ext uri="{FF2B5EF4-FFF2-40B4-BE49-F238E27FC236}">
+                <a16:creationId xmlns:a16="http://schemas.microsoft.com/office/drawing/2014/main" id="{1B26B711-3121-40B0-8377-A64F3DC00C7A}"/>
+              </a:ext>
+              <a:ext uri="{C183D7F6-B498-43B3-948B-1728B52AA6E4}">
+                <adec:decorative xmlns:adec="http://schemas.microsoft.com/office/drawing/2017/decorative" val="1"/>
+              </a:ext>
+            </a:extLst>
+          </p:cNvPr>
+          <p:cNvSpPr>
+            <a:spLocks noGrp="1" noRot="1" noChangeAspect="1" noMove="1" noResize="1" noEditPoints="1" noAdjustHandles="1" noChangeArrowheads="1" noChangeShapeType="1" noTextEdit="1"/>
+          </p:cNvSpPr>
+          <p:nvPr>
+            <p:extLst>
+              <p:ext uri="{386F3935-93C4-4BCD-93E2-E3B085C9AB24}">
+                <p16:designElem xmlns:p16="http://schemas.microsoft.com/office/powerpoint/2015/main" val="1"/>
+              </p:ext>
+            </p:extLst>
+          </p:nvPr>
+        </p:nvSpPr>
+        <p:spPr>
+          <a:xfrm>
+            <a:off x="446534" y="457200"/>
+            <a:ext cx="3703320" cy="94997"/>
+          </a:xfrm>
+          <a:prstGeom prst="rect">
+            <a:avLst/>
+          </a:prstGeom>
+          <a:solidFill>
+            <a:srgbClr val="465359"/>
+          </a:solidFill>
+          <a:ln>
+            <a:noFill/>
+          </a:ln>
+          <a:effectLst/>
+        </p:spPr>
+        <p:style>
+          <a:lnRef idx="1">
+            <a:schemeClr val="accent1"/>
+          </a:lnRef>
+          <a:fillRef idx="3">
+            <a:schemeClr val="accent1"/>
+          </a:fillRef>
+          <a:effectRef idx="2">
+            <a:schemeClr val="accent1"/>
+          </a:effectRef>
+          <a:fontRef idx="minor">
+            <a:schemeClr val="lt1"/>
+          </a:fontRef>
+        </p:style>
+      </p:sp>
+      <p:sp>
+        <p:nvSpPr>
+          <p:cNvPr id="19" name="Rectangle 11">
+            <a:extLst>
+              <a:ext uri="{FF2B5EF4-FFF2-40B4-BE49-F238E27FC236}">
+                <a16:creationId xmlns:a16="http://schemas.microsoft.com/office/drawing/2014/main" id="{645C4D3D-ABBA-4B4E-93E5-01E343719849}"/>
+              </a:ext>
+              <a:ext uri="{C183D7F6-B498-43B3-948B-1728B52AA6E4}">
+                <adec:decorative xmlns:adec="http://schemas.microsoft.com/office/drawing/2017/decorative" val="1"/>
+              </a:ext>
+            </a:extLst>
+          </p:cNvPr>
+          <p:cNvSpPr>
+            <a:spLocks noGrp="1" noRot="1" noChangeAspect="1" noMove="1" noResize="1" noEditPoints="1" noAdjustHandles="1" noChangeArrowheads="1" noChangeShapeType="1" noTextEdit="1"/>
+          </p:cNvSpPr>
+          <p:nvPr>
+            <p:extLst>
+              <p:ext uri="{386F3935-93C4-4BCD-93E2-E3B085C9AB24}">
+                <p16:designElem xmlns:p16="http://schemas.microsoft.com/office/powerpoint/2015/main" val="1"/>
+              </p:ext>
+            </p:extLst>
+          </p:nvPr>
+        </p:nvSpPr>
+        <p:spPr>
+          <a:xfrm>
+            <a:off x="4241830" y="457200"/>
+            <a:ext cx="3703320" cy="91440"/>
+          </a:xfrm>
+          <a:prstGeom prst="rect">
+            <a:avLst/>
+          </a:prstGeom>
+          <a:solidFill>
+            <a:schemeClr val="accent1"/>
+          </a:solidFill>
+          <a:ln>
+            <a:noFill/>
+          </a:ln>
+          <a:effectLst/>
+        </p:spPr>
+        <p:style>
+          <a:lnRef idx="1">
+            <a:schemeClr val="accent1"/>
+          </a:lnRef>
+          <a:fillRef idx="3">
+            <a:schemeClr val="accent1"/>
+          </a:fillRef>
+          <a:effectRef idx="2">
+            <a:schemeClr val="accent1"/>
+          </a:effectRef>
+          <a:fontRef idx="minor">
+            <a:schemeClr val="lt1"/>
+          </a:fontRef>
+        </p:style>
+      </p:sp>
+      <p:sp>
+        <p:nvSpPr>
+          <p:cNvPr id="20" name="Rectangle 13">
+            <a:extLst>
+              <a:ext uri="{FF2B5EF4-FFF2-40B4-BE49-F238E27FC236}">
+                <a16:creationId xmlns:a16="http://schemas.microsoft.com/office/drawing/2014/main" id="{98DDD5E5-0097-4C6C-B266-5732EDA96CC4}"/>
+              </a:ext>
+              <a:ext uri="{C183D7F6-B498-43B3-948B-1728B52AA6E4}">
+                <adec:decorative xmlns:adec="http://schemas.microsoft.com/office/drawing/2017/decorative" val="1"/>
+              </a:ext>
+            </a:extLst>
+          </p:cNvPr>
+          <p:cNvSpPr>
+            <a:spLocks noGrp="1" noRot="1" noChangeAspect="1" noMove="1" noResize="1" noEditPoints="1" noAdjustHandles="1" noChangeArrowheads="1" noChangeShapeType="1" noTextEdit="1"/>
+          </p:cNvSpPr>
+          <p:nvPr>
+            <p:extLst>
+              <p:ext uri="{386F3935-93C4-4BCD-93E2-E3B085C9AB24}">
+                <p16:designElem xmlns:p16="http://schemas.microsoft.com/office/powerpoint/2015/main" val="1"/>
+              </p:ext>
+            </p:extLst>
+          </p:nvPr>
+        </p:nvSpPr>
+        <p:spPr>
+          <a:xfrm>
+            <a:off x="8042147" y="453643"/>
+            <a:ext cx="3703320" cy="98554"/>
+          </a:xfrm>
+          <a:prstGeom prst="rect">
+            <a:avLst/>
+          </a:prstGeom>
+          <a:solidFill>
+            <a:srgbClr val="969FA7"/>
+          </a:solidFill>
+          <a:ln>
+            <a:noFill/>
+          </a:ln>
+          <a:effectLst/>
+        </p:spPr>
+        <p:style>
+          <a:lnRef idx="1">
+            <a:schemeClr val="accent1"/>
+          </a:lnRef>
+          <a:fillRef idx="3">
+            <a:schemeClr val="accent1"/>
+          </a:fillRef>
+          <a:effectRef idx="2">
+            <a:schemeClr val="accent1"/>
+          </a:effectRef>
+          <a:fontRef idx="minor">
+            <a:schemeClr val="lt1"/>
+          </a:fontRef>
+        </p:style>
+      </p:sp>
+      <p:sp>
+        <p:nvSpPr>
+          <p:cNvPr id="21" name="Rectangle 15">
+            <a:extLst>
+              <a:ext uri="{FF2B5EF4-FFF2-40B4-BE49-F238E27FC236}">
+                <a16:creationId xmlns:a16="http://schemas.microsoft.com/office/drawing/2014/main" id="{8952EF87-C74F-4D3F-9CAD-EEA1733C9BD0}"/>
+              </a:ext>
+              <a:ext uri="{C183D7F6-B498-43B3-948B-1728B52AA6E4}">
+                <adec:decorative xmlns:adec="http://schemas.microsoft.com/office/drawing/2017/decorative" val="1"/>
+              </a:ext>
+            </a:extLst>
+          </p:cNvPr>
+          <p:cNvSpPr>
+            <a:spLocks noGrp="1" noRot="1" noChangeAspect="1" noMove="1" noResize="1" noEditPoints="1" noAdjustHandles="1" noChangeArrowheads="1" noChangeShapeType="1" noTextEdit="1"/>
+          </p:cNvSpPr>
+          <p:nvPr>
+            <p:extLst>
+              <p:ext uri="{386F3935-93C4-4BCD-93E2-E3B085C9AB24}">
+                <p16:designElem xmlns:p16="http://schemas.microsoft.com/office/powerpoint/2015/main" val="1"/>
+              </p:ext>
+            </p:extLst>
+          </p:nvPr>
+        </p:nvSpPr>
+        <p:spPr>
+          <a:xfrm>
+            <a:off x="446534" y="597643"/>
+            <a:ext cx="3703320" cy="5792922"/>
+          </a:xfrm>
+          <a:prstGeom prst="rect">
+            <a:avLst/>
+          </a:prstGeom>
+          <a:solidFill>
+            <a:srgbClr val="465359"/>
+          </a:solidFill>
+          <a:ln>
+            <a:noFill/>
+          </a:ln>
+          <a:effectLst/>
+        </p:spPr>
+        <p:style>
+          <a:lnRef idx="1">
+            <a:schemeClr val="accent1"/>
+          </a:lnRef>
+          <a:fillRef idx="3">
+            <a:schemeClr val="accent1"/>
+          </a:fillRef>
+          <a:effectRef idx="2">
+            <a:schemeClr val="accent1"/>
+          </a:effectRef>
+          <a:fontRef idx="minor">
+            <a:schemeClr val="lt1"/>
+          </a:fontRef>
+        </p:style>
+      </p:sp>
       <p:sp>
         <p:nvSpPr>
           <p:cNvPr id="2" name="Title 1">
@@ -4970,13 +8207,24 @@
             <p:ph type="title"/>
           </p:nvPr>
         </p:nvSpPr>
-        <p:spPr/>
-        <p:txBody>
-          <a:bodyPr/>
+        <p:spPr>
+          <a:xfrm>
+            <a:off x="771148" y="1037967"/>
+            <a:ext cx="3054091" cy="4709131"/>
+          </a:xfrm>
+        </p:spPr>
+        <p:txBody>
+          <a:bodyPr anchor="ctr">
+            <a:normAutofit/>
+          </a:bodyPr>
           <a:lstStyle/>
           <a:p>
             <a:r>
-              <a:rPr lang="en-US" dirty="0"/>
+              <a:rPr lang="en-US">
+                <a:solidFill>
+                  <a:srgbClr val="FFFEFF"/>
+                </a:solidFill>
+              </a:rPr>
               <a:t>Front End </a:t>
             </a:r>
           </a:p>
@@ -4998,9 +8246,16 @@
             <p:ph idx="1"/>
           </p:nvPr>
         </p:nvSpPr>
-        <p:spPr/>
-        <p:txBody>
-          <a:bodyPr/>
+        <p:spPr>
+          <a:xfrm>
+            <a:off x="4534935" y="1037968"/>
+            <a:ext cx="6725899" cy="4820832"/>
+          </a:xfrm>
+        </p:spPr>
+        <p:txBody>
+          <a:bodyPr>
+            <a:normAutofit/>
+          </a:bodyPr>
           <a:lstStyle/>
           <a:p>
             <a:r>
@@ -5039,6 +8294,14 @@
 <file path=ppt/slides/slide5.xml><?xml version="1.0" encoding="utf-8"?>
 <p:sld xmlns:a="http://schemas.openxmlformats.org/drawingml/2006/main" xmlns:r="http://schemas.openxmlformats.org/officeDocument/2006/relationships" xmlns:p="http://schemas.openxmlformats.org/presentationml/2006/main">
   <p:cSld>
+    <p:bg>
+      <p:bgPr>
+        <a:solidFill>
+          <a:schemeClr val="bg1"/>
+        </a:solidFill>
+        <a:effectLst/>
+      </p:bgPr>
+    </p:bg>
     <p:spTree>
       <p:nvGrpSpPr>
         <p:cNvPr id="1" name=""/>
@@ -5053,6 +8316,282 @@
           <a:chExt cx="0" cy="0"/>
         </a:xfrm>
       </p:grpSpPr>
+      <p:sp useBgFill="1">
+        <p:nvSpPr>
+          <p:cNvPr id="8" name="Rectangle 7">
+            <a:extLst>
+              <a:ext uri="{FF2B5EF4-FFF2-40B4-BE49-F238E27FC236}">
+                <a16:creationId xmlns:a16="http://schemas.microsoft.com/office/drawing/2014/main" id="{F858DF7D-C2D0-4B03-A7A0-2F06B789EE35}"/>
+              </a:ext>
+              <a:ext uri="{C183D7F6-B498-43B3-948B-1728B52AA6E4}">
+                <adec:decorative xmlns:adec="http://schemas.microsoft.com/office/drawing/2017/decorative" val="1"/>
+              </a:ext>
+            </a:extLst>
+          </p:cNvPr>
+          <p:cNvSpPr>
+            <a:spLocks noGrp="1" noRot="1" noChangeAspect="1" noMove="1" noResize="1" noEditPoints="1" noAdjustHandles="1" noChangeArrowheads="1" noChangeShapeType="1" noTextEdit="1"/>
+          </p:cNvSpPr>
+          <p:nvPr>
+            <p:extLst>
+              <p:ext uri="{386F3935-93C4-4BCD-93E2-E3B085C9AB24}">
+                <p16:designElem xmlns:p16="http://schemas.microsoft.com/office/powerpoint/2015/main" val="1"/>
+              </p:ext>
+            </p:extLst>
+          </p:nvPr>
+        </p:nvSpPr>
+        <p:spPr>
+          <a:xfrm>
+            <a:off x="0" y="0"/>
+            <a:ext cx="12191999" cy="6858001"/>
+          </a:xfrm>
+          <a:prstGeom prst="rect">
+            <a:avLst/>
+          </a:prstGeom>
+          <a:ln>
+            <a:noFill/>
+          </a:ln>
+        </p:spPr>
+        <p:style>
+          <a:lnRef idx="2">
+            <a:schemeClr val="accent1">
+              <a:shade val="50000"/>
+            </a:schemeClr>
+          </a:lnRef>
+          <a:fillRef idx="1">
+            <a:schemeClr val="accent1"/>
+          </a:fillRef>
+          <a:effectRef idx="0">
+            <a:schemeClr val="accent1"/>
+          </a:effectRef>
+          <a:fontRef idx="minor">
+            <a:schemeClr val="lt1"/>
+          </a:fontRef>
+        </p:style>
+        <p:txBody>
+          <a:bodyPr rtlCol="0" anchor="ctr"/>
+          <a:lstStyle/>
+          <a:p>
+            <a:pPr algn="ctr"/>
+            <a:endParaRPr lang="en-US"/>
+          </a:p>
+        </p:txBody>
+      </p:sp>
+      <p:sp>
+        <p:nvSpPr>
+          <p:cNvPr id="10" name="Rectangle 9">
+            <a:extLst>
+              <a:ext uri="{FF2B5EF4-FFF2-40B4-BE49-F238E27FC236}">
+                <a16:creationId xmlns:a16="http://schemas.microsoft.com/office/drawing/2014/main" id="{1B26B711-3121-40B0-8377-A64F3DC00C7A}"/>
+              </a:ext>
+              <a:ext uri="{C183D7F6-B498-43B3-948B-1728B52AA6E4}">
+                <adec:decorative xmlns:adec="http://schemas.microsoft.com/office/drawing/2017/decorative" val="1"/>
+              </a:ext>
+            </a:extLst>
+          </p:cNvPr>
+          <p:cNvSpPr>
+            <a:spLocks noGrp="1" noRot="1" noChangeAspect="1" noMove="1" noResize="1" noEditPoints="1" noAdjustHandles="1" noChangeArrowheads="1" noChangeShapeType="1" noTextEdit="1"/>
+          </p:cNvSpPr>
+          <p:nvPr>
+            <p:extLst>
+              <p:ext uri="{386F3935-93C4-4BCD-93E2-E3B085C9AB24}">
+                <p16:designElem xmlns:p16="http://schemas.microsoft.com/office/powerpoint/2015/main" val="1"/>
+              </p:ext>
+            </p:extLst>
+          </p:nvPr>
+        </p:nvSpPr>
+        <p:spPr>
+          <a:xfrm>
+            <a:off x="446534" y="457200"/>
+            <a:ext cx="3703320" cy="94997"/>
+          </a:xfrm>
+          <a:prstGeom prst="rect">
+            <a:avLst/>
+          </a:prstGeom>
+          <a:solidFill>
+            <a:srgbClr val="465359"/>
+          </a:solidFill>
+          <a:ln>
+            <a:noFill/>
+          </a:ln>
+          <a:effectLst/>
+        </p:spPr>
+        <p:style>
+          <a:lnRef idx="1">
+            <a:schemeClr val="accent1"/>
+          </a:lnRef>
+          <a:fillRef idx="3">
+            <a:schemeClr val="accent1"/>
+          </a:fillRef>
+          <a:effectRef idx="2">
+            <a:schemeClr val="accent1"/>
+          </a:effectRef>
+          <a:fontRef idx="minor">
+            <a:schemeClr val="lt1"/>
+          </a:fontRef>
+        </p:style>
+      </p:sp>
+      <p:sp>
+        <p:nvSpPr>
+          <p:cNvPr id="12" name="Rectangle 11">
+            <a:extLst>
+              <a:ext uri="{FF2B5EF4-FFF2-40B4-BE49-F238E27FC236}">
+                <a16:creationId xmlns:a16="http://schemas.microsoft.com/office/drawing/2014/main" id="{645C4D3D-ABBA-4B4E-93E5-01E343719849}"/>
+              </a:ext>
+              <a:ext uri="{C183D7F6-B498-43B3-948B-1728B52AA6E4}">
+                <adec:decorative xmlns:adec="http://schemas.microsoft.com/office/drawing/2017/decorative" val="1"/>
+              </a:ext>
+            </a:extLst>
+          </p:cNvPr>
+          <p:cNvSpPr>
+            <a:spLocks noGrp="1" noRot="1" noChangeAspect="1" noMove="1" noResize="1" noEditPoints="1" noAdjustHandles="1" noChangeArrowheads="1" noChangeShapeType="1" noTextEdit="1"/>
+          </p:cNvSpPr>
+          <p:nvPr>
+            <p:extLst>
+              <p:ext uri="{386F3935-93C4-4BCD-93E2-E3B085C9AB24}">
+                <p16:designElem xmlns:p16="http://schemas.microsoft.com/office/powerpoint/2015/main" val="1"/>
+              </p:ext>
+            </p:extLst>
+          </p:nvPr>
+        </p:nvSpPr>
+        <p:spPr>
+          <a:xfrm>
+            <a:off x="4241830" y="457200"/>
+            <a:ext cx="3703320" cy="91440"/>
+          </a:xfrm>
+          <a:prstGeom prst="rect">
+            <a:avLst/>
+          </a:prstGeom>
+          <a:solidFill>
+            <a:schemeClr val="accent1"/>
+          </a:solidFill>
+          <a:ln>
+            <a:noFill/>
+          </a:ln>
+          <a:effectLst/>
+        </p:spPr>
+        <p:style>
+          <a:lnRef idx="1">
+            <a:schemeClr val="accent1"/>
+          </a:lnRef>
+          <a:fillRef idx="3">
+            <a:schemeClr val="accent1"/>
+          </a:fillRef>
+          <a:effectRef idx="2">
+            <a:schemeClr val="accent1"/>
+          </a:effectRef>
+          <a:fontRef idx="minor">
+            <a:schemeClr val="lt1"/>
+          </a:fontRef>
+        </p:style>
+      </p:sp>
+      <p:sp>
+        <p:nvSpPr>
+          <p:cNvPr id="14" name="Rectangle 13">
+            <a:extLst>
+              <a:ext uri="{FF2B5EF4-FFF2-40B4-BE49-F238E27FC236}">
+                <a16:creationId xmlns:a16="http://schemas.microsoft.com/office/drawing/2014/main" id="{98DDD5E5-0097-4C6C-B266-5732EDA96CC4}"/>
+              </a:ext>
+              <a:ext uri="{C183D7F6-B498-43B3-948B-1728B52AA6E4}">
+                <adec:decorative xmlns:adec="http://schemas.microsoft.com/office/drawing/2017/decorative" val="1"/>
+              </a:ext>
+            </a:extLst>
+          </p:cNvPr>
+          <p:cNvSpPr>
+            <a:spLocks noGrp="1" noRot="1" noChangeAspect="1" noMove="1" noResize="1" noEditPoints="1" noAdjustHandles="1" noChangeArrowheads="1" noChangeShapeType="1" noTextEdit="1"/>
+          </p:cNvSpPr>
+          <p:nvPr>
+            <p:extLst>
+              <p:ext uri="{386F3935-93C4-4BCD-93E2-E3B085C9AB24}">
+                <p16:designElem xmlns:p16="http://schemas.microsoft.com/office/powerpoint/2015/main" val="1"/>
+              </p:ext>
+            </p:extLst>
+          </p:nvPr>
+        </p:nvSpPr>
+        <p:spPr>
+          <a:xfrm>
+            <a:off x="8042147" y="453643"/>
+            <a:ext cx="3703320" cy="98554"/>
+          </a:xfrm>
+          <a:prstGeom prst="rect">
+            <a:avLst/>
+          </a:prstGeom>
+          <a:solidFill>
+            <a:srgbClr val="969FA7"/>
+          </a:solidFill>
+          <a:ln>
+            <a:noFill/>
+          </a:ln>
+          <a:effectLst/>
+        </p:spPr>
+        <p:style>
+          <a:lnRef idx="1">
+            <a:schemeClr val="accent1"/>
+          </a:lnRef>
+          <a:fillRef idx="3">
+            <a:schemeClr val="accent1"/>
+          </a:fillRef>
+          <a:effectRef idx="2">
+            <a:schemeClr val="accent1"/>
+          </a:effectRef>
+          <a:fontRef idx="minor">
+            <a:schemeClr val="lt1"/>
+          </a:fontRef>
+        </p:style>
+      </p:sp>
+      <p:sp>
+        <p:nvSpPr>
+          <p:cNvPr id="16" name="Rectangle 15">
+            <a:extLst>
+              <a:ext uri="{FF2B5EF4-FFF2-40B4-BE49-F238E27FC236}">
+                <a16:creationId xmlns:a16="http://schemas.microsoft.com/office/drawing/2014/main" id="{8952EF87-C74F-4D3F-9CAD-EEA1733C9BD0}"/>
+              </a:ext>
+              <a:ext uri="{C183D7F6-B498-43B3-948B-1728B52AA6E4}">
+                <adec:decorative xmlns:adec="http://schemas.microsoft.com/office/drawing/2017/decorative" val="1"/>
+              </a:ext>
+            </a:extLst>
+          </p:cNvPr>
+          <p:cNvSpPr>
+            <a:spLocks noGrp="1" noRot="1" noChangeAspect="1" noMove="1" noResize="1" noEditPoints="1" noAdjustHandles="1" noChangeArrowheads="1" noChangeShapeType="1" noTextEdit="1"/>
+          </p:cNvSpPr>
+          <p:nvPr>
+            <p:extLst>
+              <p:ext uri="{386F3935-93C4-4BCD-93E2-E3B085C9AB24}">
+                <p16:designElem xmlns:p16="http://schemas.microsoft.com/office/powerpoint/2015/main" val="1"/>
+              </p:ext>
+            </p:extLst>
+          </p:nvPr>
+        </p:nvSpPr>
+        <p:spPr>
+          <a:xfrm>
+            <a:off x="446534" y="597643"/>
+            <a:ext cx="3703320" cy="5792922"/>
+          </a:xfrm>
+          <a:prstGeom prst="rect">
+            <a:avLst/>
+          </a:prstGeom>
+          <a:solidFill>
+            <a:srgbClr val="465359"/>
+          </a:solidFill>
+          <a:ln>
+            <a:noFill/>
+          </a:ln>
+          <a:effectLst/>
+        </p:spPr>
+        <p:style>
+          <a:lnRef idx="1">
+            <a:schemeClr val="accent1"/>
+          </a:lnRef>
+          <a:fillRef idx="3">
+            <a:schemeClr val="accent1"/>
+          </a:fillRef>
+          <a:effectRef idx="2">
+            <a:schemeClr val="accent1"/>
+          </a:effectRef>
+          <a:fontRef idx="minor">
+            <a:schemeClr val="lt1"/>
+          </a:fontRef>
+        </p:style>
+      </p:sp>
       <p:sp>
         <p:nvSpPr>
           <p:cNvPr id="2" name="Title 1">
@@ -5069,13 +8608,24 @@
             <p:ph type="title"/>
           </p:nvPr>
         </p:nvSpPr>
-        <p:spPr/>
-        <p:txBody>
-          <a:bodyPr/>
+        <p:spPr>
+          <a:xfrm>
+            <a:off x="771148" y="1037967"/>
+            <a:ext cx="3054091" cy="4709131"/>
+          </a:xfrm>
+        </p:spPr>
+        <p:txBody>
+          <a:bodyPr anchor="ctr">
+            <a:normAutofit/>
+          </a:bodyPr>
           <a:lstStyle/>
           <a:p>
             <a:r>
-              <a:rPr lang="en-US" dirty="0"/>
+              <a:rPr lang="en-US">
+                <a:solidFill>
+                  <a:srgbClr val="FFFEFF"/>
+                </a:solidFill>
+              </a:rPr>
               <a:t>What we’re using</a:t>
             </a:r>
           </a:p>
@@ -5097,9 +8647,16 @@
             <p:ph idx="1"/>
           </p:nvPr>
         </p:nvSpPr>
-        <p:spPr/>
-        <p:txBody>
-          <a:bodyPr/>
+        <p:spPr>
+          <a:xfrm>
+            <a:off x="4534935" y="1037968"/>
+            <a:ext cx="6725899" cy="4820832"/>
+          </a:xfrm>
+        </p:spPr>
+        <p:txBody>
+          <a:bodyPr>
+            <a:normAutofit/>
+          </a:bodyPr>
           <a:lstStyle/>
           <a:p>
             <a:r>
@@ -5158,6 +8715,14 @@
 <file path=ppt/slides/slide6.xml><?xml version="1.0" encoding="utf-8"?>
 <p:sld xmlns:a="http://schemas.openxmlformats.org/drawingml/2006/main" xmlns:r="http://schemas.openxmlformats.org/officeDocument/2006/relationships" xmlns:p="http://schemas.openxmlformats.org/presentationml/2006/main">
   <p:cSld>
+    <p:bg>
+      <p:bgPr>
+        <a:solidFill>
+          <a:schemeClr val="bg1"/>
+        </a:solidFill>
+        <a:effectLst/>
+      </p:bgPr>
+    </p:bg>
     <p:spTree>
       <p:nvGrpSpPr>
         <p:cNvPr id="1" name=""/>
@@ -5174,10 +8739,289 @@
       </p:grpSpPr>
       <p:sp>
         <p:nvSpPr>
+          <p:cNvPr id="10" name="Rectangle 9">
+            <a:extLst>
+              <a:ext uri="{FF2B5EF4-FFF2-40B4-BE49-F238E27FC236}">
+                <a16:creationId xmlns:a16="http://schemas.microsoft.com/office/drawing/2014/main" id="{E9751CB9-7B25-4EB8-9A6F-82F822549F12}"/>
+              </a:ext>
+              <a:ext uri="{C183D7F6-B498-43B3-948B-1728B52AA6E4}">
+                <adec:decorative xmlns:adec="http://schemas.microsoft.com/office/drawing/2017/decorative" val="1"/>
+              </a:ext>
+            </a:extLst>
+          </p:cNvPr>
+          <p:cNvSpPr>
+            <a:spLocks noGrp="1" noRot="1" noChangeAspect="1" noMove="1" noResize="1" noEditPoints="1" noAdjustHandles="1" noChangeArrowheads="1" noChangeShapeType="1" noTextEdit="1"/>
+          </p:cNvSpPr>
+          <p:nvPr>
+            <p:extLst>
+              <p:ext uri="{386F3935-93C4-4BCD-93E2-E3B085C9AB24}">
+                <p16:designElem xmlns:p16="http://schemas.microsoft.com/office/powerpoint/2015/main" val="1"/>
+              </p:ext>
+            </p:extLst>
+          </p:nvPr>
+        </p:nvSpPr>
+        <p:spPr>
+          <a:xfrm>
+            <a:off x="0" y="0"/>
+            <a:ext cx="12192000" cy="6858000"/>
+          </a:xfrm>
+          <a:prstGeom prst="rect">
+            <a:avLst/>
+          </a:prstGeom>
+          <a:solidFill>
+            <a:srgbClr val="FFFFFF"/>
+          </a:solidFill>
+          <a:ln>
+            <a:noFill/>
+          </a:ln>
+        </p:spPr>
+        <p:style>
+          <a:lnRef idx="2">
+            <a:schemeClr val="accent1">
+              <a:shade val="50000"/>
+            </a:schemeClr>
+          </a:lnRef>
+          <a:fillRef idx="1">
+            <a:schemeClr val="accent1"/>
+          </a:fillRef>
+          <a:effectRef idx="0">
+            <a:schemeClr val="accent1"/>
+          </a:effectRef>
+          <a:fontRef idx="minor">
+            <a:schemeClr val="lt1"/>
+          </a:fontRef>
+        </p:style>
+        <p:txBody>
+          <a:bodyPr rtlCol="0" anchor="ctr"/>
+          <a:lstStyle/>
+          <a:p>
+            <a:pPr algn="ctr"/>
+            <a:endParaRPr lang="en-US"/>
+          </a:p>
+        </p:txBody>
+      </p:sp>
+      <p:sp>
+        <p:nvSpPr>
+          <p:cNvPr id="12" name="Rectangle 11">
+            <a:extLst>
+              <a:ext uri="{FF2B5EF4-FFF2-40B4-BE49-F238E27FC236}">
+                <a16:creationId xmlns:a16="http://schemas.microsoft.com/office/drawing/2014/main" id="{E1317383-CF3B-4B02-9512-BECBEF6362A4}"/>
+              </a:ext>
+              <a:ext uri="{C183D7F6-B498-43B3-948B-1728B52AA6E4}">
+                <adec:decorative xmlns:adec="http://schemas.microsoft.com/office/drawing/2017/decorative" val="1"/>
+              </a:ext>
+            </a:extLst>
+          </p:cNvPr>
+          <p:cNvSpPr>
+            <a:spLocks noGrp="1" noRot="1" noChangeAspect="1" noMove="1" noResize="1" noEditPoints="1" noAdjustHandles="1" noChangeArrowheads="1" noChangeShapeType="1" noTextEdit="1"/>
+          </p:cNvSpPr>
+          <p:nvPr>
+            <p:extLst>
+              <p:ext uri="{386F3935-93C4-4BCD-93E2-E3B085C9AB24}">
+                <p16:designElem xmlns:p16="http://schemas.microsoft.com/office/powerpoint/2015/main" val="1"/>
+              </p:ext>
+            </p:extLst>
+          </p:nvPr>
+        </p:nvSpPr>
+        <p:spPr>
+          <a:xfrm>
+            <a:off x="446534" y="457200"/>
+            <a:ext cx="3703320" cy="94997"/>
+          </a:xfrm>
+          <a:prstGeom prst="rect">
+            <a:avLst/>
+          </a:prstGeom>
+          <a:solidFill>
+            <a:srgbClr val="465359"/>
+          </a:solidFill>
+          <a:ln>
+            <a:noFill/>
+          </a:ln>
+          <a:effectLst/>
+        </p:spPr>
+        <p:style>
+          <a:lnRef idx="1">
+            <a:schemeClr val="accent1"/>
+          </a:lnRef>
+          <a:fillRef idx="3">
+            <a:schemeClr val="accent1"/>
+          </a:fillRef>
+          <a:effectRef idx="2">
+            <a:schemeClr val="accent1"/>
+          </a:effectRef>
+          <a:fontRef idx="minor">
+            <a:schemeClr val="lt1"/>
+          </a:fontRef>
+        </p:style>
+      </p:sp>
+      <p:sp>
+        <p:nvSpPr>
+          <p:cNvPr id="14" name="Rectangle 13">
+            <a:extLst>
+              <a:ext uri="{FF2B5EF4-FFF2-40B4-BE49-F238E27FC236}">
+                <a16:creationId xmlns:a16="http://schemas.microsoft.com/office/drawing/2014/main" id="{B1D4C7A0-6DF2-4F2D-A45D-F111582974C7}"/>
+              </a:ext>
+              <a:ext uri="{C183D7F6-B498-43B3-948B-1728B52AA6E4}">
+                <adec:decorative xmlns:adec="http://schemas.microsoft.com/office/drawing/2017/decorative" val="1"/>
+              </a:ext>
+            </a:extLst>
+          </p:cNvPr>
+          <p:cNvSpPr>
+            <a:spLocks noGrp="1" noRot="1" noChangeAspect="1" noMove="1" noResize="1" noEditPoints="1" noAdjustHandles="1" noChangeArrowheads="1" noChangeShapeType="1" noTextEdit="1"/>
+          </p:cNvSpPr>
+          <p:nvPr>
+            <p:extLst>
+              <p:ext uri="{386F3935-93C4-4BCD-93E2-E3B085C9AB24}">
+                <p16:designElem xmlns:p16="http://schemas.microsoft.com/office/powerpoint/2015/main" val="1"/>
+              </p:ext>
+            </p:extLst>
+          </p:nvPr>
+        </p:nvSpPr>
+        <p:spPr>
+          <a:xfrm>
+            <a:off x="4241830" y="457200"/>
+            <a:ext cx="3703320" cy="91440"/>
+          </a:xfrm>
+          <a:prstGeom prst="rect">
+            <a:avLst/>
+          </a:prstGeom>
+          <a:solidFill>
+            <a:schemeClr val="accent1"/>
+          </a:solidFill>
+          <a:ln>
+            <a:noFill/>
+          </a:ln>
+          <a:effectLst/>
+        </p:spPr>
+        <p:style>
+          <a:lnRef idx="1">
+            <a:schemeClr val="accent1"/>
+          </a:lnRef>
+          <a:fillRef idx="3">
+            <a:schemeClr val="accent1"/>
+          </a:fillRef>
+          <a:effectRef idx="2">
+            <a:schemeClr val="accent1"/>
+          </a:effectRef>
+          <a:fontRef idx="minor">
+            <a:schemeClr val="lt1"/>
+          </a:fontRef>
+        </p:style>
+      </p:sp>
+      <p:sp>
+        <p:nvSpPr>
+          <p:cNvPr id="16" name="Rectangle 15">
+            <a:extLst>
+              <a:ext uri="{FF2B5EF4-FFF2-40B4-BE49-F238E27FC236}">
+                <a16:creationId xmlns:a16="http://schemas.microsoft.com/office/drawing/2014/main" id="{DBF3943D-BCB6-4B31-809D-A005686483B4}"/>
+              </a:ext>
+              <a:ext uri="{C183D7F6-B498-43B3-948B-1728B52AA6E4}">
+                <adec:decorative xmlns:adec="http://schemas.microsoft.com/office/drawing/2017/decorative" val="1"/>
+              </a:ext>
+            </a:extLst>
+          </p:cNvPr>
+          <p:cNvSpPr>
+            <a:spLocks noGrp="1" noRot="1" noChangeAspect="1" noMove="1" noResize="1" noEditPoints="1" noAdjustHandles="1" noChangeArrowheads="1" noChangeShapeType="1" noTextEdit="1"/>
+          </p:cNvSpPr>
+          <p:nvPr>
+            <p:extLst>
+              <p:ext uri="{386F3935-93C4-4BCD-93E2-E3B085C9AB24}">
+                <p16:designElem xmlns:p16="http://schemas.microsoft.com/office/powerpoint/2015/main" val="1"/>
+              </p:ext>
+            </p:extLst>
+          </p:nvPr>
+        </p:nvSpPr>
+        <p:spPr>
+          <a:xfrm>
+            <a:off x="8042147" y="453643"/>
+            <a:ext cx="3703320" cy="98554"/>
+          </a:xfrm>
+          <a:prstGeom prst="rect">
+            <a:avLst/>
+          </a:prstGeom>
+          <a:solidFill>
+            <a:srgbClr val="969FA7"/>
+          </a:solidFill>
+          <a:ln>
+            <a:noFill/>
+          </a:ln>
+          <a:effectLst/>
+        </p:spPr>
+        <p:style>
+          <a:lnRef idx="1">
+            <a:schemeClr val="accent1"/>
+          </a:lnRef>
+          <a:fillRef idx="3">
+            <a:schemeClr val="accent1"/>
+          </a:fillRef>
+          <a:effectRef idx="2">
+            <a:schemeClr val="accent1"/>
+          </a:effectRef>
+          <a:fontRef idx="minor">
+            <a:schemeClr val="lt1"/>
+          </a:fontRef>
+        </p:style>
+      </p:sp>
+      <p:sp>
+        <p:nvSpPr>
+          <p:cNvPr id="18" name="Rectangle 17">
+            <a:extLst>
+              <a:ext uri="{FF2B5EF4-FFF2-40B4-BE49-F238E27FC236}">
+                <a16:creationId xmlns:a16="http://schemas.microsoft.com/office/drawing/2014/main" id="{39373A6F-2E1F-4613-8E1D-D68057D29F31}"/>
+              </a:ext>
+              <a:ext uri="{C183D7F6-B498-43B3-948B-1728B52AA6E4}">
+                <adec:decorative xmlns:adec="http://schemas.microsoft.com/office/drawing/2017/decorative" val="1"/>
+              </a:ext>
+            </a:extLst>
+          </p:cNvPr>
+          <p:cNvSpPr>
+            <a:spLocks noGrp="1" noRot="1" noChangeAspect="1" noMove="1" noResize="1" noEditPoints="1" noAdjustHandles="1" noChangeArrowheads="1" noChangeShapeType="1" noTextEdit="1"/>
+          </p:cNvSpPr>
+          <p:nvPr>
+            <p:extLst>
+              <p:ext uri="{386F3935-93C4-4BCD-93E2-E3B085C9AB24}">
+                <p16:designElem xmlns:p16="http://schemas.microsoft.com/office/powerpoint/2015/main" val="1"/>
+              </p:ext>
+            </p:extLst>
+          </p:nvPr>
+        </p:nvSpPr>
+        <p:spPr>
+          <a:xfrm>
+            <a:off x="442377" y="601200"/>
+            <a:ext cx="3707477" cy="5624979"/>
+          </a:xfrm>
+          <a:prstGeom prst="rect">
+            <a:avLst/>
+          </a:prstGeom>
+          <a:solidFill>
+            <a:srgbClr val="465359"/>
+          </a:solidFill>
+          <a:ln>
+            <a:noFill/>
+          </a:ln>
+          <a:effectLst/>
+        </p:spPr>
+        <p:style>
+          <a:lnRef idx="1">
+            <a:schemeClr val="accent1"/>
+          </a:lnRef>
+          <a:fillRef idx="3">
+            <a:schemeClr val="accent1"/>
+          </a:fillRef>
+          <a:effectRef idx="2">
+            <a:schemeClr val="accent1"/>
+          </a:effectRef>
+          <a:fontRef idx="minor">
+            <a:schemeClr val="lt1"/>
+          </a:fontRef>
+        </p:style>
+      </p:sp>
+      <p:sp>
+        <p:nvSpPr>
           <p:cNvPr id="2" name="Title 1">
             <a:extLst>
               <a:ext uri="{FF2B5EF4-FFF2-40B4-BE49-F238E27FC236}">
-                <a16:creationId xmlns:a16="http://schemas.microsoft.com/office/drawing/2014/main" id="{9EBF2D44-2F8D-41B4-A3FF-9DE7521FA4F1}"/>
+                <a16:creationId xmlns:a16="http://schemas.microsoft.com/office/drawing/2014/main" id="{BE706E88-A945-4BEA-BD0D-6CD36BCFE438}"/>
               </a:ext>
             </a:extLst>
           </p:cNvPr>
@@ -5188,14 +9032,25 @@
             <p:ph type="title"/>
           </p:nvPr>
         </p:nvSpPr>
-        <p:spPr/>
-        <p:txBody>
-          <a:bodyPr/>
+        <p:spPr>
+          <a:xfrm>
+            <a:off x="601255" y="702155"/>
+            <a:ext cx="3409783" cy="1300365"/>
+          </a:xfrm>
+        </p:spPr>
+        <p:txBody>
+          <a:bodyPr>
+            <a:normAutofit/>
+          </a:bodyPr>
           <a:lstStyle/>
           <a:p>
             <a:r>
-              <a:rPr lang="en-US" dirty="0"/>
-              <a:t>Create Account</a:t>
+              <a:rPr lang="en-US">
+                <a:solidFill>
+                  <a:srgbClr val="FFFFFF"/>
+                </a:solidFill>
+              </a:rPr>
+              <a:t>About Maker Space</a:t>
             </a:r>
           </a:p>
         </p:txBody>
@@ -5205,7 +9060,7 @@
           <p:cNvPr id="3" name="Content Placeholder 2">
             <a:extLst>
               <a:ext uri="{FF2B5EF4-FFF2-40B4-BE49-F238E27FC236}">
-                <a16:creationId xmlns:a16="http://schemas.microsoft.com/office/drawing/2014/main" id="{5D38D7AC-E43B-457A-89ED-0A1DE9BF98AF}"/>
+                <a16:creationId xmlns:a16="http://schemas.microsoft.com/office/drawing/2014/main" id="{E78CD190-7266-4103-A6CE-951F3930E235}"/>
               </a:ext>
             </a:extLst>
           </p:cNvPr>
@@ -5216,62 +9071,83 @@
             <p:ph idx="1"/>
           </p:nvPr>
         </p:nvSpPr>
-        <p:spPr/>
-        <p:txBody>
-          <a:bodyPr/>
+        <p:spPr>
+          <a:xfrm>
+            <a:off x="601255" y="2177142"/>
+            <a:ext cx="3409782" cy="3823607"/>
+          </a:xfrm>
+        </p:spPr>
+        <p:txBody>
+          <a:bodyPr>
+            <a:normAutofit/>
+          </a:bodyPr>
           <a:lstStyle/>
           <a:p>
             <a:r>
-              <a:rPr lang="en-US" dirty="0"/>
-              <a:t>Creating an account is a quick and simple process. All that is required are:</a:t>
-            </a:r>
-          </a:p>
-          <a:p>
-            <a:pPr lvl="1"/>
-            <a:r>
-              <a:rPr lang="en-US" dirty="0"/>
-              <a:t>Email</a:t>
-            </a:r>
-          </a:p>
-          <a:p>
-            <a:pPr lvl="1"/>
-            <a:r>
-              <a:rPr lang="en-US" dirty="0"/>
-              <a:t>Username</a:t>
-            </a:r>
-          </a:p>
-          <a:p>
-            <a:pPr lvl="1"/>
-            <a:r>
-              <a:rPr lang="en-US" dirty="0"/>
-              <a:t>Password (as well as password verification)</a:t>
-            </a:r>
-          </a:p>
-          <a:p>
-            <a:pPr lvl="1"/>
-            <a:r>
-              <a:rPr lang="en-US" dirty="0"/>
-              <a:t>Phone Number</a:t>
-            </a:r>
-          </a:p>
-        </p:txBody>
-      </p:sp>
+              <a:rPr lang="en-US">
+                <a:solidFill>
+                  <a:srgbClr val="FFFFFF"/>
+                </a:solidFill>
+              </a:rPr>
+              <a:t>This page displays a small bit about what a maker space is.</a:t>
+            </a:r>
+          </a:p>
+        </p:txBody>
+      </p:sp>
+      <p:pic>
+        <p:nvPicPr>
+          <p:cNvPr id="5" name="Picture 4" descr="A screenshot of a cell phone&#10;&#10;Description automatically generated">
+            <a:extLst>
+              <a:ext uri="{FF2B5EF4-FFF2-40B4-BE49-F238E27FC236}">
+                <a16:creationId xmlns:a16="http://schemas.microsoft.com/office/drawing/2014/main" id="{58FE7CB6-2BC5-469B-8A72-010CAA6C0C91}"/>
+              </a:ext>
+            </a:extLst>
+          </p:cNvPr>
+          <p:cNvPicPr>
+            <a:picLocks noChangeAspect="1"/>
+          </p:cNvPicPr>
+          <p:nvPr/>
+        </p:nvPicPr>
+        <p:blipFill>
+          <a:blip r:embed="rId2"/>
+          <a:stretch>
+            <a:fillRect/>
+          </a:stretch>
+        </p:blipFill>
+        <p:spPr>
+          <a:xfrm>
+            <a:off x="5193135" y="936141"/>
+            <a:ext cx="5629695" cy="4968305"/>
+          </a:xfrm>
+          <a:prstGeom prst="rect">
+            <a:avLst/>
+          </a:prstGeom>
+        </p:spPr>
+      </p:pic>
     </p:spTree>
     <p:extLst>
       <p:ext uri="{BB962C8B-B14F-4D97-AF65-F5344CB8AC3E}">
-        <p14:creationId xmlns:p14="http://schemas.microsoft.com/office/powerpoint/2010/main" val="716679972"/>
+        <p14:creationId xmlns:p14="http://schemas.microsoft.com/office/powerpoint/2010/main" val="1743631289"/>
       </p:ext>
     </p:extLst>
   </p:cSld>
   <p:clrMapOvr>
-    <a:masterClrMapping/>
+    <a:overrideClrMapping bg1="dk1" tx1="lt1" bg2="dk2" tx2="lt2" accent1="accent1" accent2="accent2" accent3="accent3" accent4="accent4" accent5="accent5" accent6="accent6" hlink="hlink" folHlink="folHlink"/>
   </p:clrMapOvr>
 </p:sld>
 </file>
 
 <file path=ppt/slides/slide7.xml><?xml version="1.0" encoding="utf-8"?>
-<p:sld xmlns:a="http://schemas.openxmlformats.org/drawingml/2006/main" xmlns:r="http://schemas.openxmlformats.org/officeDocument/2006/relationships" xmlns:p="http://schemas.openxmlformats.org/presentationml/2006/main">
+<p:sld xmlns:a="http://schemas.openxmlformats.org/drawingml/2006/main" xmlns:r="http://schemas.openxmlformats.org/officeDocument/2006/relationships" xmlns:p="http://schemas.openxmlformats.org/presentationml/2006/main" show="0">
   <p:cSld>
+    <p:bg>
+      <p:bgPr>
+        <a:solidFill>
+          <a:schemeClr val="bg1"/>
+        </a:solidFill>
+        <a:effectLst/>
+      </p:bgPr>
+    </p:bg>
     <p:spTree>
       <p:nvGrpSpPr>
         <p:cNvPr id="1" name=""/>
@@ -5288,10 +9164,289 @@
       </p:grpSpPr>
       <p:sp>
         <p:nvSpPr>
+          <p:cNvPr id="10" name="Rectangle 9">
+            <a:extLst>
+              <a:ext uri="{FF2B5EF4-FFF2-40B4-BE49-F238E27FC236}">
+                <a16:creationId xmlns:a16="http://schemas.microsoft.com/office/drawing/2014/main" id="{E9751CB9-7B25-4EB8-9A6F-82F822549F12}"/>
+              </a:ext>
+              <a:ext uri="{C183D7F6-B498-43B3-948B-1728B52AA6E4}">
+                <adec:decorative xmlns:adec="http://schemas.microsoft.com/office/drawing/2017/decorative" val="1"/>
+              </a:ext>
+            </a:extLst>
+          </p:cNvPr>
+          <p:cNvSpPr>
+            <a:spLocks noGrp="1" noRot="1" noChangeAspect="1" noMove="1" noResize="1" noEditPoints="1" noAdjustHandles="1" noChangeArrowheads="1" noChangeShapeType="1" noTextEdit="1"/>
+          </p:cNvSpPr>
+          <p:nvPr>
+            <p:extLst>
+              <p:ext uri="{386F3935-93C4-4BCD-93E2-E3B085C9AB24}">
+                <p16:designElem xmlns:p16="http://schemas.microsoft.com/office/powerpoint/2015/main" val="1"/>
+              </p:ext>
+            </p:extLst>
+          </p:nvPr>
+        </p:nvSpPr>
+        <p:spPr>
+          <a:xfrm>
+            <a:off x="0" y="0"/>
+            <a:ext cx="12192000" cy="6858000"/>
+          </a:xfrm>
+          <a:prstGeom prst="rect">
+            <a:avLst/>
+          </a:prstGeom>
+          <a:solidFill>
+            <a:srgbClr val="FFFFFF"/>
+          </a:solidFill>
+          <a:ln>
+            <a:noFill/>
+          </a:ln>
+        </p:spPr>
+        <p:style>
+          <a:lnRef idx="2">
+            <a:schemeClr val="accent1">
+              <a:shade val="50000"/>
+            </a:schemeClr>
+          </a:lnRef>
+          <a:fillRef idx="1">
+            <a:schemeClr val="accent1"/>
+          </a:fillRef>
+          <a:effectRef idx="0">
+            <a:schemeClr val="accent1"/>
+          </a:effectRef>
+          <a:fontRef idx="minor">
+            <a:schemeClr val="lt1"/>
+          </a:fontRef>
+        </p:style>
+        <p:txBody>
+          <a:bodyPr rtlCol="0" anchor="ctr"/>
+          <a:lstStyle/>
+          <a:p>
+            <a:pPr algn="ctr"/>
+            <a:endParaRPr lang="en-US"/>
+          </a:p>
+        </p:txBody>
+      </p:sp>
+      <p:sp>
+        <p:nvSpPr>
+          <p:cNvPr id="12" name="Rectangle 11">
+            <a:extLst>
+              <a:ext uri="{FF2B5EF4-FFF2-40B4-BE49-F238E27FC236}">
+                <a16:creationId xmlns:a16="http://schemas.microsoft.com/office/drawing/2014/main" id="{E1317383-CF3B-4B02-9512-BECBEF6362A4}"/>
+              </a:ext>
+              <a:ext uri="{C183D7F6-B498-43B3-948B-1728B52AA6E4}">
+                <adec:decorative xmlns:adec="http://schemas.microsoft.com/office/drawing/2017/decorative" val="1"/>
+              </a:ext>
+            </a:extLst>
+          </p:cNvPr>
+          <p:cNvSpPr>
+            <a:spLocks noGrp="1" noRot="1" noChangeAspect="1" noMove="1" noResize="1" noEditPoints="1" noAdjustHandles="1" noChangeArrowheads="1" noChangeShapeType="1" noTextEdit="1"/>
+          </p:cNvSpPr>
+          <p:nvPr>
+            <p:extLst>
+              <p:ext uri="{386F3935-93C4-4BCD-93E2-E3B085C9AB24}">
+                <p16:designElem xmlns:p16="http://schemas.microsoft.com/office/powerpoint/2015/main" val="1"/>
+              </p:ext>
+            </p:extLst>
+          </p:nvPr>
+        </p:nvSpPr>
+        <p:spPr>
+          <a:xfrm>
+            <a:off x="446534" y="457200"/>
+            <a:ext cx="3703320" cy="94997"/>
+          </a:xfrm>
+          <a:prstGeom prst="rect">
+            <a:avLst/>
+          </a:prstGeom>
+          <a:solidFill>
+            <a:srgbClr val="465359"/>
+          </a:solidFill>
+          <a:ln>
+            <a:noFill/>
+          </a:ln>
+          <a:effectLst/>
+        </p:spPr>
+        <p:style>
+          <a:lnRef idx="1">
+            <a:schemeClr val="accent1"/>
+          </a:lnRef>
+          <a:fillRef idx="3">
+            <a:schemeClr val="accent1"/>
+          </a:fillRef>
+          <a:effectRef idx="2">
+            <a:schemeClr val="accent1"/>
+          </a:effectRef>
+          <a:fontRef idx="minor">
+            <a:schemeClr val="lt1"/>
+          </a:fontRef>
+        </p:style>
+      </p:sp>
+      <p:sp>
+        <p:nvSpPr>
+          <p:cNvPr id="14" name="Rectangle 13">
+            <a:extLst>
+              <a:ext uri="{FF2B5EF4-FFF2-40B4-BE49-F238E27FC236}">
+                <a16:creationId xmlns:a16="http://schemas.microsoft.com/office/drawing/2014/main" id="{B1D4C7A0-6DF2-4F2D-A45D-F111582974C7}"/>
+              </a:ext>
+              <a:ext uri="{C183D7F6-B498-43B3-948B-1728B52AA6E4}">
+                <adec:decorative xmlns:adec="http://schemas.microsoft.com/office/drawing/2017/decorative" val="1"/>
+              </a:ext>
+            </a:extLst>
+          </p:cNvPr>
+          <p:cNvSpPr>
+            <a:spLocks noGrp="1" noRot="1" noChangeAspect="1" noMove="1" noResize="1" noEditPoints="1" noAdjustHandles="1" noChangeArrowheads="1" noChangeShapeType="1" noTextEdit="1"/>
+          </p:cNvSpPr>
+          <p:nvPr>
+            <p:extLst>
+              <p:ext uri="{386F3935-93C4-4BCD-93E2-E3B085C9AB24}">
+                <p16:designElem xmlns:p16="http://schemas.microsoft.com/office/powerpoint/2015/main" val="1"/>
+              </p:ext>
+            </p:extLst>
+          </p:nvPr>
+        </p:nvSpPr>
+        <p:spPr>
+          <a:xfrm>
+            <a:off x="4241830" y="457200"/>
+            <a:ext cx="3703320" cy="91440"/>
+          </a:xfrm>
+          <a:prstGeom prst="rect">
+            <a:avLst/>
+          </a:prstGeom>
+          <a:solidFill>
+            <a:schemeClr val="accent1"/>
+          </a:solidFill>
+          <a:ln>
+            <a:noFill/>
+          </a:ln>
+          <a:effectLst/>
+        </p:spPr>
+        <p:style>
+          <a:lnRef idx="1">
+            <a:schemeClr val="accent1"/>
+          </a:lnRef>
+          <a:fillRef idx="3">
+            <a:schemeClr val="accent1"/>
+          </a:fillRef>
+          <a:effectRef idx="2">
+            <a:schemeClr val="accent1"/>
+          </a:effectRef>
+          <a:fontRef idx="minor">
+            <a:schemeClr val="lt1"/>
+          </a:fontRef>
+        </p:style>
+      </p:sp>
+      <p:sp>
+        <p:nvSpPr>
+          <p:cNvPr id="16" name="Rectangle 15">
+            <a:extLst>
+              <a:ext uri="{FF2B5EF4-FFF2-40B4-BE49-F238E27FC236}">
+                <a16:creationId xmlns:a16="http://schemas.microsoft.com/office/drawing/2014/main" id="{DBF3943D-BCB6-4B31-809D-A005686483B4}"/>
+              </a:ext>
+              <a:ext uri="{C183D7F6-B498-43B3-948B-1728B52AA6E4}">
+                <adec:decorative xmlns:adec="http://schemas.microsoft.com/office/drawing/2017/decorative" val="1"/>
+              </a:ext>
+            </a:extLst>
+          </p:cNvPr>
+          <p:cNvSpPr>
+            <a:spLocks noGrp="1" noRot="1" noChangeAspect="1" noMove="1" noResize="1" noEditPoints="1" noAdjustHandles="1" noChangeArrowheads="1" noChangeShapeType="1" noTextEdit="1"/>
+          </p:cNvSpPr>
+          <p:nvPr>
+            <p:extLst>
+              <p:ext uri="{386F3935-93C4-4BCD-93E2-E3B085C9AB24}">
+                <p16:designElem xmlns:p16="http://schemas.microsoft.com/office/powerpoint/2015/main" val="1"/>
+              </p:ext>
+            </p:extLst>
+          </p:nvPr>
+        </p:nvSpPr>
+        <p:spPr>
+          <a:xfrm>
+            <a:off x="8042147" y="453643"/>
+            <a:ext cx="3703320" cy="98554"/>
+          </a:xfrm>
+          <a:prstGeom prst="rect">
+            <a:avLst/>
+          </a:prstGeom>
+          <a:solidFill>
+            <a:srgbClr val="969FA7"/>
+          </a:solidFill>
+          <a:ln>
+            <a:noFill/>
+          </a:ln>
+          <a:effectLst/>
+        </p:spPr>
+        <p:style>
+          <a:lnRef idx="1">
+            <a:schemeClr val="accent1"/>
+          </a:lnRef>
+          <a:fillRef idx="3">
+            <a:schemeClr val="accent1"/>
+          </a:fillRef>
+          <a:effectRef idx="2">
+            <a:schemeClr val="accent1"/>
+          </a:effectRef>
+          <a:fontRef idx="minor">
+            <a:schemeClr val="lt1"/>
+          </a:fontRef>
+        </p:style>
+      </p:sp>
+      <p:sp>
+        <p:nvSpPr>
+          <p:cNvPr id="18" name="Rectangle 17">
+            <a:extLst>
+              <a:ext uri="{FF2B5EF4-FFF2-40B4-BE49-F238E27FC236}">
+                <a16:creationId xmlns:a16="http://schemas.microsoft.com/office/drawing/2014/main" id="{39373A6F-2E1F-4613-8E1D-D68057D29F31}"/>
+              </a:ext>
+              <a:ext uri="{C183D7F6-B498-43B3-948B-1728B52AA6E4}">
+                <adec:decorative xmlns:adec="http://schemas.microsoft.com/office/drawing/2017/decorative" val="1"/>
+              </a:ext>
+            </a:extLst>
+          </p:cNvPr>
+          <p:cNvSpPr>
+            <a:spLocks noGrp="1" noRot="1" noChangeAspect="1" noMove="1" noResize="1" noEditPoints="1" noAdjustHandles="1" noChangeArrowheads="1" noChangeShapeType="1" noTextEdit="1"/>
+          </p:cNvSpPr>
+          <p:nvPr>
+            <p:extLst>
+              <p:ext uri="{386F3935-93C4-4BCD-93E2-E3B085C9AB24}">
+                <p16:designElem xmlns:p16="http://schemas.microsoft.com/office/powerpoint/2015/main" val="1"/>
+              </p:ext>
+            </p:extLst>
+          </p:nvPr>
+        </p:nvSpPr>
+        <p:spPr>
+          <a:xfrm>
+            <a:off x="442377" y="601200"/>
+            <a:ext cx="3707477" cy="5624979"/>
+          </a:xfrm>
+          <a:prstGeom prst="rect">
+            <a:avLst/>
+          </a:prstGeom>
+          <a:solidFill>
+            <a:srgbClr val="465359"/>
+          </a:solidFill>
+          <a:ln>
+            <a:noFill/>
+          </a:ln>
+          <a:effectLst/>
+        </p:spPr>
+        <p:style>
+          <a:lnRef idx="1">
+            <a:schemeClr val="accent1"/>
+          </a:lnRef>
+          <a:fillRef idx="3">
+            <a:schemeClr val="accent1"/>
+          </a:fillRef>
+          <a:effectRef idx="2">
+            <a:schemeClr val="accent1"/>
+          </a:effectRef>
+          <a:fontRef idx="minor">
+            <a:schemeClr val="lt1"/>
+          </a:fontRef>
+        </p:style>
+      </p:sp>
+      <p:sp>
+        <p:nvSpPr>
           <p:cNvPr id="2" name="Title 1">
             <a:extLst>
               <a:ext uri="{FF2B5EF4-FFF2-40B4-BE49-F238E27FC236}">
-                <a16:creationId xmlns:a16="http://schemas.microsoft.com/office/drawing/2014/main" id="{BF1C9194-59A3-4E1B-B173-A0DDF85B4B05}"/>
+                <a16:creationId xmlns:a16="http://schemas.microsoft.com/office/drawing/2014/main" id="{6D1A3EBA-E707-47D3-8822-968FBF30F3AF}"/>
               </a:ext>
             </a:extLst>
           </p:cNvPr>
@@ -5302,14 +9457,25 @@
             <p:ph type="title"/>
           </p:nvPr>
         </p:nvSpPr>
-        <p:spPr/>
-        <p:txBody>
-          <a:bodyPr/>
+        <p:spPr>
+          <a:xfrm>
+            <a:off x="601255" y="702155"/>
+            <a:ext cx="3409783" cy="1300365"/>
+          </a:xfrm>
+        </p:spPr>
+        <p:txBody>
+          <a:bodyPr>
+            <a:normAutofit/>
+          </a:bodyPr>
           <a:lstStyle/>
           <a:p>
             <a:r>
-              <a:rPr lang="en-US" dirty="0"/>
-              <a:t>Login</a:t>
+              <a:rPr lang="en-US">
+                <a:solidFill>
+                  <a:srgbClr val="FFFFFF"/>
+                </a:solidFill>
+              </a:rPr>
+              <a:t>Home</a:t>
             </a:r>
           </a:p>
         </p:txBody>
@@ -5319,7 +9485,7 @@
           <p:cNvPr id="3" name="Content Placeholder 2">
             <a:extLst>
               <a:ext uri="{FF2B5EF4-FFF2-40B4-BE49-F238E27FC236}">
-                <a16:creationId xmlns:a16="http://schemas.microsoft.com/office/drawing/2014/main" id="{67997A21-C790-4F5F-8152-4AB7EA6BF4C3}"/>
+                <a16:creationId xmlns:a16="http://schemas.microsoft.com/office/drawing/2014/main" id="{A6B27D3C-9A58-4E00-ACC0-4621DC9E5018}"/>
               </a:ext>
             </a:extLst>
           </p:cNvPr>
@@ -5330,41 +9496,68 @@
             <p:ph idx="1"/>
           </p:nvPr>
         </p:nvSpPr>
-        <p:spPr/>
-        <p:txBody>
-          <a:bodyPr/>
+        <p:spPr>
+          <a:xfrm>
+            <a:off x="601255" y="2177142"/>
+            <a:ext cx="3409782" cy="3823607"/>
+          </a:xfrm>
+        </p:spPr>
+        <p:txBody>
+          <a:bodyPr>
+            <a:normAutofit/>
+          </a:bodyPr>
           <a:lstStyle/>
           <a:p>
             <a:r>
-              <a:rPr lang="en-US" dirty="0"/>
-              <a:t>The Login page requires;</a:t>
-            </a:r>
-          </a:p>
-          <a:p>
-            <a:pPr lvl="1"/>
-            <a:r>
-              <a:rPr lang="en-US" dirty="0"/>
-              <a:t>Username</a:t>
-            </a:r>
-          </a:p>
-          <a:p>
-            <a:pPr lvl="1"/>
-            <a:r>
-              <a:rPr lang="en-US" dirty="0"/>
-              <a:t>Password </a:t>
-            </a:r>
-          </a:p>
-        </p:txBody>
-      </p:sp>
+              <a:rPr lang="en-US">
+                <a:solidFill>
+                  <a:srgbClr val="FFFFFF"/>
+                </a:solidFill>
+              </a:rPr>
+              <a:t>The home page is a DEV testing link page that only admins can see</a:t>
+            </a:r>
+          </a:p>
+        </p:txBody>
+      </p:sp>
+      <p:pic>
+        <p:nvPicPr>
+          <p:cNvPr id="5" name="Picture 4" descr="A screenshot of a cell phone&#10;&#10;Description automatically generated">
+            <a:extLst>
+              <a:ext uri="{FF2B5EF4-FFF2-40B4-BE49-F238E27FC236}">
+                <a16:creationId xmlns:a16="http://schemas.microsoft.com/office/drawing/2014/main" id="{A3B90A0F-6FB7-4637-9BFA-C649D365D995}"/>
+              </a:ext>
+            </a:extLst>
+          </p:cNvPr>
+          <p:cNvPicPr>
+            <a:picLocks noChangeAspect="1"/>
+          </p:cNvPicPr>
+          <p:nvPr/>
+        </p:nvPicPr>
+        <p:blipFill>
+          <a:blip r:embed="rId2"/>
+          <a:stretch>
+            <a:fillRect/>
+          </a:stretch>
+        </p:blipFill>
+        <p:spPr>
+          <a:xfrm>
+            <a:off x="6691382" y="570171"/>
+            <a:ext cx="3228473" cy="6091460"/>
+          </a:xfrm>
+          <a:prstGeom prst="rect">
+            <a:avLst/>
+          </a:prstGeom>
+        </p:spPr>
+      </p:pic>
     </p:spTree>
     <p:extLst>
       <p:ext uri="{BB962C8B-B14F-4D97-AF65-F5344CB8AC3E}">
-        <p14:creationId xmlns:p14="http://schemas.microsoft.com/office/powerpoint/2010/main" val="2238764260"/>
+        <p14:creationId xmlns:p14="http://schemas.microsoft.com/office/powerpoint/2010/main" val="250141406"/>
       </p:ext>
     </p:extLst>
   </p:cSld>
   <p:clrMapOvr>
-    <a:masterClrMapping/>
+    <a:overrideClrMapping bg1="dk1" tx1="lt1" bg2="dk2" tx2="lt2" accent1="accent1" accent2="accent2" accent3="accent3" accent4="accent4" accent5="accent5" accent6="accent6" hlink="hlink" folHlink="folHlink"/>
   </p:clrMapOvr>
 </p:sld>
 </file>
@@ -5372,6 +9565,14 @@
 <file path=ppt/slides/slide8.xml><?xml version="1.0" encoding="utf-8"?>
 <p:sld xmlns:a="http://schemas.openxmlformats.org/drawingml/2006/main" xmlns:r="http://schemas.openxmlformats.org/officeDocument/2006/relationships" xmlns:p="http://schemas.openxmlformats.org/presentationml/2006/main">
   <p:cSld>
+    <p:bg>
+      <p:bgPr>
+        <a:solidFill>
+          <a:schemeClr val="bg1"/>
+        </a:solidFill>
+        <a:effectLst/>
+      </p:bgPr>
+    </p:bg>
     <p:spTree>
       <p:nvGrpSpPr>
         <p:cNvPr id="1" name=""/>
@@ -5388,6 +9589,285 @@
       </p:grpSpPr>
       <p:sp>
         <p:nvSpPr>
+          <p:cNvPr id="10" name="Rectangle 9">
+            <a:extLst>
+              <a:ext uri="{FF2B5EF4-FFF2-40B4-BE49-F238E27FC236}">
+                <a16:creationId xmlns:a16="http://schemas.microsoft.com/office/drawing/2014/main" id="{E9751CB9-7B25-4EB8-9A6F-82F822549F12}"/>
+              </a:ext>
+              <a:ext uri="{C183D7F6-B498-43B3-948B-1728B52AA6E4}">
+                <adec:decorative xmlns:adec="http://schemas.microsoft.com/office/drawing/2017/decorative" val="1"/>
+              </a:ext>
+            </a:extLst>
+          </p:cNvPr>
+          <p:cNvSpPr>
+            <a:spLocks noGrp="1" noRot="1" noChangeAspect="1" noMove="1" noResize="1" noEditPoints="1" noAdjustHandles="1" noChangeArrowheads="1" noChangeShapeType="1" noTextEdit="1"/>
+          </p:cNvSpPr>
+          <p:nvPr>
+            <p:extLst>
+              <p:ext uri="{386F3935-93C4-4BCD-93E2-E3B085C9AB24}">
+                <p16:designElem xmlns:p16="http://schemas.microsoft.com/office/powerpoint/2015/main" val="1"/>
+              </p:ext>
+            </p:extLst>
+          </p:nvPr>
+        </p:nvSpPr>
+        <p:spPr>
+          <a:xfrm>
+            <a:off x="0" y="0"/>
+            <a:ext cx="12192000" cy="6858000"/>
+          </a:xfrm>
+          <a:prstGeom prst="rect">
+            <a:avLst/>
+          </a:prstGeom>
+          <a:solidFill>
+            <a:srgbClr val="FFFFFF"/>
+          </a:solidFill>
+          <a:ln>
+            <a:noFill/>
+          </a:ln>
+        </p:spPr>
+        <p:style>
+          <a:lnRef idx="2">
+            <a:schemeClr val="accent1">
+              <a:shade val="50000"/>
+            </a:schemeClr>
+          </a:lnRef>
+          <a:fillRef idx="1">
+            <a:schemeClr val="accent1"/>
+          </a:fillRef>
+          <a:effectRef idx="0">
+            <a:schemeClr val="accent1"/>
+          </a:effectRef>
+          <a:fontRef idx="minor">
+            <a:schemeClr val="lt1"/>
+          </a:fontRef>
+        </p:style>
+        <p:txBody>
+          <a:bodyPr rtlCol="0" anchor="ctr"/>
+          <a:lstStyle/>
+          <a:p>
+            <a:pPr algn="ctr"/>
+            <a:endParaRPr lang="en-US"/>
+          </a:p>
+        </p:txBody>
+      </p:sp>
+      <p:sp>
+        <p:nvSpPr>
+          <p:cNvPr id="12" name="Rectangle 11">
+            <a:extLst>
+              <a:ext uri="{FF2B5EF4-FFF2-40B4-BE49-F238E27FC236}">
+                <a16:creationId xmlns:a16="http://schemas.microsoft.com/office/drawing/2014/main" id="{E1317383-CF3B-4B02-9512-BECBEF6362A4}"/>
+              </a:ext>
+              <a:ext uri="{C183D7F6-B498-43B3-948B-1728B52AA6E4}">
+                <adec:decorative xmlns:adec="http://schemas.microsoft.com/office/drawing/2017/decorative" val="1"/>
+              </a:ext>
+            </a:extLst>
+          </p:cNvPr>
+          <p:cNvSpPr>
+            <a:spLocks noGrp="1" noRot="1" noChangeAspect="1" noMove="1" noResize="1" noEditPoints="1" noAdjustHandles="1" noChangeArrowheads="1" noChangeShapeType="1" noTextEdit="1"/>
+          </p:cNvSpPr>
+          <p:nvPr>
+            <p:extLst>
+              <p:ext uri="{386F3935-93C4-4BCD-93E2-E3B085C9AB24}">
+                <p16:designElem xmlns:p16="http://schemas.microsoft.com/office/powerpoint/2015/main" val="1"/>
+              </p:ext>
+            </p:extLst>
+          </p:nvPr>
+        </p:nvSpPr>
+        <p:spPr>
+          <a:xfrm>
+            <a:off x="446534" y="457200"/>
+            <a:ext cx="3703320" cy="94997"/>
+          </a:xfrm>
+          <a:prstGeom prst="rect">
+            <a:avLst/>
+          </a:prstGeom>
+          <a:solidFill>
+            <a:srgbClr val="465359"/>
+          </a:solidFill>
+          <a:ln>
+            <a:noFill/>
+          </a:ln>
+          <a:effectLst/>
+        </p:spPr>
+        <p:style>
+          <a:lnRef idx="1">
+            <a:schemeClr val="accent1"/>
+          </a:lnRef>
+          <a:fillRef idx="3">
+            <a:schemeClr val="accent1"/>
+          </a:fillRef>
+          <a:effectRef idx="2">
+            <a:schemeClr val="accent1"/>
+          </a:effectRef>
+          <a:fontRef idx="minor">
+            <a:schemeClr val="lt1"/>
+          </a:fontRef>
+        </p:style>
+      </p:sp>
+      <p:sp>
+        <p:nvSpPr>
+          <p:cNvPr id="14" name="Rectangle 13">
+            <a:extLst>
+              <a:ext uri="{FF2B5EF4-FFF2-40B4-BE49-F238E27FC236}">
+                <a16:creationId xmlns:a16="http://schemas.microsoft.com/office/drawing/2014/main" id="{B1D4C7A0-6DF2-4F2D-A45D-F111582974C7}"/>
+              </a:ext>
+              <a:ext uri="{C183D7F6-B498-43B3-948B-1728B52AA6E4}">
+                <adec:decorative xmlns:adec="http://schemas.microsoft.com/office/drawing/2017/decorative" val="1"/>
+              </a:ext>
+            </a:extLst>
+          </p:cNvPr>
+          <p:cNvSpPr>
+            <a:spLocks noGrp="1" noRot="1" noChangeAspect="1" noMove="1" noResize="1" noEditPoints="1" noAdjustHandles="1" noChangeArrowheads="1" noChangeShapeType="1" noTextEdit="1"/>
+          </p:cNvSpPr>
+          <p:nvPr>
+            <p:extLst>
+              <p:ext uri="{386F3935-93C4-4BCD-93E2-E3B085C9AB24}">
+                <p16:designElem xmlns:p16="http://schemas.microsoft.com/office/powerpoint/2015/main" val="1"/>
+              </p:ext>
+            </p:extLst>
+          </p:nvPr>
+        </p:nvSpPr>
+        <p:spPr>
+          <a:xfrm>
+            <a:off x="4241830" y="457200"/>
+            <a:ext cx="3703320" cy="91440"/>
+          </a:xfrm>
+          <a:prstGeom prst="rect">
+            <a:avLst/>
+          </a:prstGeom>
+          <a:solidFill>
+            <a:schemeClr val="accent1"/>
+          </a:solidFill>
+          <a:ln>
+            <a:noFill/>
+          </a:ln>
+          <a:effectLst/>
+        </p:spPr>
+        <p:style>
+          <a:lnRef idx="1">
+            <a:schemeClr val="accent1"/>
+          </a:lnRef>
+          <a:fillRef idx="3">
+            <a:schemeClr val="accent1"/>
+          </a:fillRef>
+          <a:effectRef idx="2">
+            <a:schemeClr val="accent1"/>
+          </a:effectRef>
+          <a:fontRef idx="minor">
+            <a:schemeClr val="lt1"/>
+          </a:fontRef>
+        </p:style>
+      </p:sp>
+      <p:sp>
+        <p:nvSpPr>
+          <p:cNvPr id="16" name="Rectangle 15">
+            <a:extLst>
+              <a:ext uri="{FF2B5EF4-FFF2-40B4-BE49-F238E27FC236}">
+                <a16:creationId xmlns:a16="http://schemas.microsoft.com/office/drawing/2014/main" id="{DBF3943D-BCB6-4B31-809D-A005686483B4}"/>
+              </a:ext>
+              <a:ext uri="{C183D7F6-B498-43B3-948B-1728B52AA6E4}">
+                <adec:decorative xmlns:adec="http://schemas.microsoft.com/office/drawing/2017/decorative" val="1"/>
+              </a:ext>
+            </a:extLst>
+          </p:cNvPr>
+          <p:cNvSpPr>
+            <a:spLocks noGrp="1" noRot="1" noChangeAspect="1" noMove="1" noResize="1" noEditPoints="1" noAdjustHandles="1" noChangeArrowheads="1" noChangeShapeType="1" noTextEdit="1"/>
+          </p:cNvSpPr>
+          <p:nvPr>
+            <p:extLst>
+              <p:ext uri="{386F3935-93C4-4BCD-93E2-E3B085C9AB24}">
+                <p16:designElem xmlns:p16="http://schemas.microsoft.com/office/powerpoint/2015/main" val="1"/>
+              </p:ext>
+            </p:extLst>
+          </p:nvPr>
+        </p:nvSpPr>
+        <p:spPr>
+          <a:xfrm>
+            <a:off x="8042147" y="453643"/>
+            <a:ext cx="3703320" cy="98554"/>
+          </a:xfrm>
+          <a:prstGeom prst="rect">
+            <a:avLst/>
+          </a:prstGeom>
+          <a:solidFill>
+            <a:srgbClr val="969FA7"/>
+          </a:solidFill>
+          <a:ln>
+            <a:noFill/>
+          </a:ln>
+          <a:effectLst/>
+        </p:spPr>
+        <p:style>
+          <a:lnRef idx="1">
+            <a:schemeClr val="accent1"/>
+          </a:lnRef>
+          <a:fillRef idx="3">
+            <a:schemeClr val="accent1"/>
+          </a:fillRef>
+          <a:effectRef idx="2">
+            <a:schemeClr val="accent1"/>
+          </a:effectRef>
+          <a:fontRef idx="minor">
+            <a:schemeClr val="lt1"/>
+          </a:fontRef>
+        </p:style>
+      </p:sp>
+      <p:sp>
+        <p:nvSpPr>
+          <p:cNvPr id="18" name="Rectangle 17">
+            <a:extLst>
+              <a:ext uri="{FF2B5EF4-FFF2-40B4-BE49-F238E27FC236}">
+                <a16:creationId xmlns:a16="http://schemas.microsoft.com/office/drawing/2014/main" id="{39373A6F-2E1F-4613-8E1D-D68057D29F31}"/>
+              </a:ext>
+              <a:ext uri="{C183D7F6-B498-43B3-948B-1728B52AA6E4}">
+                <adec:decorative xmlns:adec="http://schemas.microsoft.com/office/drawing/2017/decorative" val="1"/>
+              </a:ext>
+            </a:extLst>
+          </p:cNvPr>
+          <p:cNvSpPr>
+            <a:spLocks noGrp="1" noRot="1" noChangeAspect="1" noMove="1" noResize="1" noEditPoints="1" noAdjustHandles="1" noChangeArrowheads="1" noChangeShapeType="1" noTextEdit="1"/>
+          </p:cNvSpPr>
+          <p:nvPr>
+            <p:extLst>
+              <p:ext uri="{386F3935-93C4-4BCD-93E2-E3B085C9AB24}">
+                <p16:designElem xmlns:p16="http://schemas.microsoft.com/office/powerpoint/2015/main" val="1"/>
+              </p:ext>
+            </p:extLst>
+          </p:nvPr>
+        </p:nvSpPr>
+        <p:spPr>
+          <a:xfrm>
+            <a:off x="442377" y="601200"/>
+            <a:ext cx="3707477" cy="5624979"/>
+          </a:xfrm>
+          <a:prstGeom prst="rect">
+            <a:avLst/>
+          </a:prstGeom>
+          <a:solidFill>
+            <a:srgbClr val="465359"/>
+          </a:solidFill>
+          <a:ln>
+            <a:noFill/>
+          </a:ln>
+          <a:effectLst/>
+        </p:spPr>
+        <p:style>
+          <a:lnRef idx="1">
+            <a:schemeClr val="accent1"/>
+          </a:lnRef>
+          <a:fillRef idx="3">
+            <a:schemeClr val="accent1"/>
+          </a:fillRef>
+          <a:effectRef idx="2">
+            <a:schemeClr val="accent1"/>
+          </a:effectRef>
+          <a:fontRef idx="minor">
+            <a:schemeClr val="lt1"/>
+          </a:fontRef>
+        </p:style>
+      </p:sp>
+      <p:sp>
+        <p:nvSpPr>
           <p:cNvPr id="2" name="Title 1">
             <a:extLst>
               <a:ext uri="{FF2B5EF4-FFF2-40B4-BE49-F238E27FC236}">
@@ -5402,13 +9882,24 @@
             <p:ph type="title"/>
           </p:nvPr>
         </p:nvSpPr>
-        <p:spPr/>
-        <p:txBody>
-          <a:bodyPr/>
+        <p:spPr>
+          <a:xfrm>
+            <a:off x="601255" y="702155"/>
+            <a:ext cx="3409783" cy="1300365"/>
+          </a:xfrm>
+        </p:spPr>
+        <p:txBody>
+          <a:bodyPr>
+            <a:normAutofit/>
+          </a:bodyPr>
           <a:lstStyle/>
           <a:p>
             <a:r>
-              <a:rPr lang="en-US" dirty="0"/>
+              <a:rPr lang="en-US">
+                <a:solidFill>
+                  <a:srgbClr val="FFFFFF"/>
+                </a:solidFill>
+              </a:rPr>
               <a:t>Welcome</a:t>
             </a:r>
           </a:p>
@@ -5430,46 +9921,81 @@
             <p:ph idx="1"/>
           </p:nvPr>
         </p:nvSpPr>
-        <p:spPr/>
-        <p:txBody>
-          <a:bodyPr/>
+        <p:spPr>
+          <a:xfrm>
+            <a:off x="601255" y="2177142"/>
+            <a:ext cx="3409782" cy="3823607"/>
+          </a:xfrm>
+        </p:spPr>
+        <p:txBody>
+          <a:bodyPr>
+            <a:normAutofit/>
+          </a:bodyPr>
           <a:lstStyle/>
           <a:p>
             <a:r>
-              <a:rPr lang="en-US" dirty="0"/>
+              <a:rPr lang="en-US">
+                <a:solidFill>
+                  <a:srgbClr val="FFFFFF"/>
+                </a:solidFill>
+              </a:rPr>
               <a:t>The welcome page displays</a:t>
             </a:r>
           </a:p>
           <a:p>
             <a:pPr lvl="1"/>
             <a:r>
-              <a:rPr lang="en-US" dirty="0"/>
-              <a:t>View Room Bookings tab</a:t>
+              <a:rPr lang="en-US">
+                <a:solidFill>
+                  <a:srgbClr val="FFFFFF"/>
+                </a:solidFill>
+              </a:rPr>
+              <a:t>Login option</a:t>
             </a:r>
           </a:p>
           <a:p>
             <a:pPr lvl="1"/>
             <a:r>
-              <a:rPr lang="en-US" dirty="0"/>
-              <a:t>View Inventory Bookings tab</a:t>
-            </a:r>
-          </a:p>
-          <a:p>
-            <a:pPr lvl="1"/>
-            <a:r>
-              <a:rPr lang="en-US" dirty="0"/>
-              <a:t>Book a Room tab</a:t>
-            </a:r>
-          </a:p>
-          <a:p>
-            <a:pPr lvl="1"/>
-            <a:r>
-              <a:rPr lang="en-US" dirty="0"/>
-              <a:t>Contact tab</a:t>
-            </a:r>
-          </a:p>
-        </p:txBody>
-      </p:sp>
+              <a:rPr lang="en-US">
+                <a:solidFill>
+                  <a:srgbClr val="FFFFFF"/>
+                </a:solidFill>
+              </a:rPr>
+              <a:t>Create account option</a:t>
+            </a:r>
+          </a:p>
+        </p:txBody>
+      </p:sp>
+      <p:pic>
+        <p:nvPicPr>
+          <p:cNvPr id="5" name="Picture 4" descr="A screenshot of a social media post&#10;&#10;Description automatically generated">
+            <a:extLst>
+              <a:ext uri="{FF2B5EF4-FFF2-40B4-BE49-F238E27FC236}">
+                <a16:creationId xmlns:a16="http://schemas.microsoft.com/office/drawing/2014/main" id="{C4A38473-9CB7-457B-87E8-8BEDC40AACEB}"/>
+              </a:ext>
+            </a:extLst>
+          </p:cNvPr>
+          <p:cNvPicPr>
+            <a:picLocks noChangeAspect="1"/>
+          </p:cNvPicPr>
+          <p:nvPr/>
+        </p:nvPicPr>
+        <p:blipFill>
+          <a:blip r:embed="rId2"/>
+          <a:stretch>
+            <a:fillRect/>
+          </a:stretch>
+        </p:blipFill>
+        <p:spPr>
+          <a:xfrm>
+            <a:off x="4592231" y="1908823"/>
+            <a:ext cx="6831503" cy="3022940"/>
+          </a:xfrm>
+          <a:prstGeom prst="rect">
+            <a:avLst/>
+          </a:prstGeom>
+        </p:spPr>
+      </p:pic>
     </p:spTree>
     <p:extLst>
       <p:ext uri="{BB962C8B-B14F-4D97-AF65-F5344CB8AC3E}">
@@ -5478,7 +10004,7 @@
     </p:extLst>
   </p:cSld>
   <p:clrMapOvr>
-    <a:masterClrMapping/>
+    <a:overrideClrMapping bg1="dk1" tx1="lt1" bg2="dk2" tx2="lt2" accent1="accent1" accent2="accent2" accent3="accent3" accent4="accent4" accent5="accent5" accent6="accent6" hlink="hlink" folHlink="folHlink"/>
   </p:clrMapOvr>
 </p:sld>
 </file>
@@ -5486,6 +10012,14 @@
 <file path=ppt/slides/slide9.xml><?xml version="1.0" encoding="utf-8"?>
 <p:sld xmlns:a="http://schemas.openxmlformats.org/drawingml/2006/main" xmlns:r="http://schemas.openxmlformats.org/officeDocument/2006/relationships" xmlns:p="http://schemas.openxmlformats.org/presentationml/2006/main">
   <p:cSld>
+    <p:bg>
+      <p:bgPr>
+        <a:solidFill>
+          <a:schemeClr val="bg1"/>
+        </a:solidFill>
+        <a:effectLst/>
+      </p:bgPr>
+    </p:bg>
     <p:spTree>
       <p:nvGrpSpPr>
         <p:cNvPr id="1" name=""/>
@@ -5500,12 +10034,288 @@
           <a:chExt cx="0" cy="0"/>
         </a:xfrm>
       </p:grpSpPr>
+      <p:sp useBgFill="1">
+        <p:nvSpPr>
+          <p:cNvPr id="8" name="Rectangle 7">
+            <a:extLst>
+              <a:ext uri="{FF2B5EF4-FFF2-40B4-BE49-F238E27FC236}">
+                <a16:creationId xmlns:a16="http://schemas.microsoft.com/office/drawing/2014/main" id="{F858DF7D-C2D0-4B03-A7A0-2F06B789EE35}"/>
+              </a:ext>
+              <a:ext uri="{C183D7F6-B498-43B3-948B-1728B52AA6E4}">
+                <adec:decorative xmlns:adec="http://schemas.microsoft.com/office/drawing/2017/decorative" val="1"/>
+              </a:ext>
+            </a:extLst>
+          </p:cNvPr>
+          <p:cNvSpPr>
+            <a:spLocks noGrp="1" noRot="1" noChangeAspect="1" noMove="1" noResize="1" noEditPoints="1" noAdjustHandles="1" noChangeArrowheads="1" noChangeShapeType="1" noTextEdit="1"/>
+          </p:cNvSpPr>
+          <p:nvPr>
+            <p:extLst>
+              <p:ext uri="{386F3935-93C4-4BCD-93E2-E3B085C9AB24}">
+                <p16:designElem xmlns:p16="http://schemas.microsoft.com/office/powerpoint/2015/main" val="1"/>
+              </p:ext>
+            </p:extLst>
+          </p:nvPr>
+        </p:nvSpPr>
+        <p:spPr>
+          <a:xfrm>
+            <a:off x="0" y="0"/>
+            <a:ext cx="12191999" cy="6858001"/>
+          </a:xfrm>
+          <a:prstGeom prst="rect">
+            <a:avLst/>
+          </a:prstGeom>
+          <a:ln>
+            <a:noFill/>
+          </a:ln>
+        </p:spPr>
+        <p:style>
+          <a:lnRef idx="2">
+            <a:schemeClr val="accent1">
+              <a:shade val="50000"/>
+            </a:schemeClr>
+          </a:lnRef>
+          <a:fillRef idx="1">
+            <a:schemeClr val="accent1"/>
+          </a:fillRef>
+          <a:effectRef idx="0">
+            <a:schemeClr val="accent1"/>
+          </a:effectRef>
+          <a:fontRef idx="minor">
+            <a:schemeClr val="lt1"/>
+          </a:fontRef>
+        </p:style>
+        <p:txBody>
+          <a:bodyPr rtlCol="0" anchor="ctr"/>
+          <a:lstStyle/>
+          <a:p>
+            <a:pPr algn="ctr"/>
+            <a:endParaRPr lang="en-US"/>
+          </a:p>
+        </p:txBody>
+      </p:sp>
+      <p:sp>
+        <p:nvSpPr>
+          <p:cNvPr id="10" name="Rectangle 9">
+            <a:extLst>
+              <a:ext uri="{FF2B5EF4-FFF2-40B4-BE49-F238E27FC236}">
+                <a16:creationId xmlns:a16="http://schemas.microsoft.com/office/drawing/2014/main" id="{1B26B711-3121-40B0-8377-A64F3DC00C7A}"/>
+              </a:ext>
+              <a:ext uri="{C183D7F6-B498-43B3-948B-1728B52AA6E4}">
+                <adec:decorative xmlns:adec="http://schemas.microsoft.com/office/drawing/2017/decorative" val="1"/>
+              </a:ext>
+            </a:extLst>
+          </p:cNvPr>
+          <p:cNvSpPr>
+            <a:spLocks noGrp="1" noRot="1" noChangeAspect="1" noMove="1" noResize="1" noEditPoints="1" noAdjustHandles="1" noChangeArrowheads="1" noChangeShapeType="1" noTextEdit="1"/>
+          </p:cNvSpPr>
+          <p:nvPr>
+            <p:extLst>
+              <p:ext uri="{386F3935-93C4-4BCD-93E2-E3B085C9AB24}">
+                <p16:designElem xmlns:p16="http://schemas.microsoft.com/office/powerpoint/2015/main" val="1"/>
+              </p:ext>
+            </p:extLst>
+          </p:nvPr>
+        </p:nvSpPr>
+        <p:spPr>
+          <a:xfrm>
+            <a:off x="446534" y="457200"/>
+            <a:ext cx="3703320" cy="94997"/>
+          </a:xfrm>
+          <a:prstGeom prst="rect">
+            <a:avLst/>
+          </a:prstGeom>
+          <a:solidFill>
+            <a:srgbClr val="465359"/>
+          </a:solidFill>
+          <a:ln>
+            <a:noFill/>
+          </a:ln>
+          <a:effectLst/>
+        </p:spPr>
+        <p:style>
+          <a:lnRef idx="1">
+            <a:schemeClr val="accent1"/>
+          </a:lnRef>
+          <a:fillRef idx="3">
+            <a:schemeClr val="accent1"/>
+          </a:fillRef>
+          <a:effectRef idx="2">
+            <a:schemeClr val="accent1"/>
+          </a:effectRef>
+          <a:fontRef idx="minor">
+            <a:schemeClr val="lt1"/>
+          </a:fontRef>
+        </p:style>
+      </p:sp>
+      <p:sp>
+        <p:nvSpPr>
+          <p:cNvPr id="12" name="Rectangle 11">
+            <a:extLst>
+              <a:ext uri="{FF2B5EF4-FFF2-40B4-BE49-F238E27FC236}">
+                <a16:creationId xmlns:a16="http://schemas.microsoft.com/office/drawing/2014/main" id="{645C4D3D-ABBA-4B4E-93E5-01E343719849}"/>
+              </a:ext>
+              <a:ext uri="{C183D7F6-B498-43B3-948B-1728B52AA6E4}">
+                <adec:decorative xmlns:adec="http://schemas.microsoft.com/office/drawing/2017/decorative" val="1"/>
+              </a:ext>
+            </a:extLst>
+          </p:cNvPr>
+          <p:cNvSpPr>
+            <a:spLocks noGrp="1" noRot="1" noChangeAspect="1" noMove="1" noResize="1" noEditPoints="1" noAdjustHandles="1" noChangeArrowheads="1" noChangeShapeType="1" noTextEdit="1"/>
+          </p:cNvSpPr>
+          <p:nvPr>
+            <p:extLst>
+              <p:ext uri="{386F3935-93C4-4BCD-93E2-E3B085C9AB24}">
+                <p16:designElem xmlns:p16="http://schemas.microsoft.com/office/powerpoint/2015/main" val="1"/>
+              </p:ext>
+            </p:extLst>
+          </p:nvPr>
+        </p:nvSpPr>
+        <p:spPr>
+          <a:xfrm>
+            <a:off x="4241830" y="457200"/>
+            <a:ext cx="3703320" cy="91440"/>
+          </a:xfrm>
+          <a:prstGeom prst="rect">
+            <a:avLst/>
+          </a:prstGeom>
+          <a:solidFill>
+            <a:schemeClr val="accent1"/>
+          </a:solidFill>
+          <a:ln>
+            <a:noFill/>
+          </a:ln>
+          <a:effectLst/>
+        </p:spPr>
+        <p:style>
+          <a:lnRef idx="1">
+            <a:schemeClr val="accent1"/>
+          </a:lnRef>
+          <a:fillRef idx="3">
+            <a:schemeClr val="accent1"/>
+          </a:fillRef>
+          <a:effectRef idx="2">
+            <a:schemeClr val="accent1"/>
+          </a:effectRef>
+          <a:fontRef idx="minor">
+            <a:schemeClr val="lt1"/>
+          </a:fontRef>
+        </p:style>
+      </p:sp>
+      <p:sp>
+        <p:nvSpPr>
+          <p:cNvPr id="14" name="Rectangle 13">
+            <a:extLst>
+              <a:ext uri="{FF2B5EF4-FFF2-40B4-BE49-F238E27FC236}">
+                <a16:creationId xmlns:a16="http://schemas.microsoft.com/office/drawing/2014/main" id="{98DDD5E5-0097-4C6C-B266-5732EDA96CC4}"/>
+              </a:ext>
+              <a:ext uri="{C183D7F6-B498-43B3-948B-1728B52AA6E4}">
+                <adec:decorative xmlns:adec="http://schemas.microsoft.com/office/drawing/2017/decorative" val="1"/>
+              </a:ext>
+            </a:extLst>
+          </p:cNvPr>
+          <p:cNvSpPr>
+            <a:spLocks noGrp="1" noRot="1" noChangeAspect="1" noMove="1" noResize="1" noEditPoints="1" noAdjustHandles="1" noChangeArrowheads="1" noChangeShapeType="1" noTextEdit="1"/>
+          </p:cNvSpPr>
+          <p:nvPr>
+            <p:extLst>
+              <p:ext uri="{386F3935-93C4-4BCD-93E2-E3B085C9AB24}">
+                <p16:designElem xmlns:p16="http://schemas.microsoft.com/office/powerpoint/2015/main" val="1"/>
+              </p:ext>
+            </p:extLst>
+          </p:nvPr>
+        </p:nvSpPr>
+        <p:spPr>
+          <a:xfrm>
+            <a:off x="8042147" y="453643"/>
+            <a:ext cx="3703320" cy="98554"/>
+          </a:xfrm>
+          <a:prstGeom prst="rect">
+            <a:avLst/>
+          </a:prstGeom>
+          <a:solidFill>
+            <a:srgbClr val="969FA7"/>
+          </a:solidFill>
+          <a:ln>
+            <a:noFill/>
+          </a:ln>
+          <a:effectLst/>
+        </p:spPr>
+        <p:style>
+          <a:lnRef idx="1">
+            <a:schemeClr val="accent1"/>
+          </a:lnRef>
+          <a:fillRef idx="3">
+            <a:schemeClr val="accent1"/>
+          </a:fillRef>
+          <a:effectRef idx="2">
+            <a:schemeClr val="accent1"/>
+          </a:effectRef>
+          <a:fontRef idx="minor">
+            <a:schemeClr val="lt1"/>
+          </a:fontRef>
+        </p:style>
+      </p:sp>
+      <p:sp>
+        <p:nvSpPr>
+          <p:cNvPr id="16" name="Rectangle 15">
+            <a:extLst>
+              <a:ext uri="{FF2B5EF4-FFF2-40B4-BE49-F238E27FC236}">
+                <a16:creationId xmlns:a16="http://schemas.microsoft.com/office/drawing/2014/main" id="{8952EF87-C74F-4D3F-9CAD-EEA1733C9BD0}"/>
+              </a:ext>
+              <a:ext uri="{C183D7F6-B498-43B3-948B-1728B52AA6E4}">
+                <adec:decorative xmlns:adec="http://schemas.microsoft.com/office/drawing/2017/decorative" val="1"/>
+              </a:ext>
+            </a:extLst>
+          </p:cNvPr>
+          <p:cNvSpPr>
+            <a:spLocks noGrp="1" noRot="1" noChangeAspect="1" noMove="1" noResize="1" noEditPoints="1" noAdjustHandles="1" noChangeArrowheads="1" noChangeShapeType="1" noTextEdit="1"/>
+          </p:cNvSpPr>
+          <p:nvPr>
+            <p:extLst>
+              <p:ext uri="{386F3935-93C4-4BCD-93E2-E3B085C9AB24}">
+                <p16:designElem xmlns:p16="http://schemas.microsoft.com/office/powerpoint/2015/main" val="1"/>
+              </p:ext>
+            </p:extLst>
+          </p:nvPr>
+        </p:nvSpPr>
+        <p:spPr>
+          <a:xfrm>
+            <a:off x="446534" y="597643"/>
+            <a:ext cx="3703320" cy="5792922"/>
+          </a:xfrm>
+          <a:prstGeom prst="rect">
+            <a:avLst/>
+          </a:prstGeom>
+          <a:solidFill>
+            <a:srgbClr val="465359"/>
+          </a:solidFill>
+          <a:ln>
+            <a:noFill/>
+          </a:ln>
+          <a:effectLst/>
+        </p:spPr>
+        <p:style>
+          <a:lnRef idx="1">
+            <a:schemeClr val="accent1"/>
+          </a:lnRef>
+          <a:fillRef idx="3">
+            <a:schemeClr val="accent1"/>
+          </a:fillRef>
+          <a:effectRef idx="2">
+            <a:schemeClr val="accent1"/>
+          </a:effectRef>
+          <a:fontRef idx="minor">
+            <a:schemeClr val="lt1"/>
+          </a:fontRef>
+        </p:style>
+      </p:sp>
       <p:sp>
         <p:nvSpPr>
           <p:cNvPr id="2" name="Title 1">
             <a:extLst>
               <a:ext uri="{FF2B5EF4-FFF2-40B4-BE49-F238E27FC236}">
-                <a16:creationId xmlns:a16="http://schemas.microsoft.com/office/drawing/2014/main" id="{32ECE692-5682-4E05-B65D-C1EF24F7328C}"/>
+                <a16:creationId xmlns:a16="http://schemas.microsoft.com/office/drawing/2014/main" id="{9EBF2D44-2F8D-41B4-A3FF-9DE7521FA4F1}"/>
               </a:ext>
             </a:extLst>
           </p:cNvPr>
@@ -5516,42 +10326,88 @@
             <p:ph type="title"/>
           </p:nvPr>
         </p:nvSpPr>
-        <p:spPr/>
-        <p:txBody>
-          <a:bodyPr/>
+        <p:spPr>
+          <a:xfrm>
+            <a:off x="771148" y="1037967"/>
+            <a:ext cx="3054091" cy="4709131"/>
+          </a:xfrm>
+        </p:spPr>
+        <p:txBody>
+          <a:bodyPr anchor="ctr">
+            <a:normAutofit/>
+          </a:bodyPr>
           <a:lstStyle/>
           <a:p>
             <a:r>
+              <a:rPr lang="en-US">
+                <a:solidFill>
+                  <a:srgbClr val="FFFEFF"/>
+                </a:solidFill>
+              </a:rPr>
+              <a:t>Create Account</a:t>
+            </a:r>
+          </a:p>
+        </p:txBody>
+      </p:sp>
+      <p:sp>
+        <p:nvSpPr>
+          <p:cNvPr id="3" name="Content Placeholder 2">
+            <a:extLst>
+              <a:ext uri="{FF2B5EF4-FFF2-40B4-BE49-F238E27FC236}">
+                <a16:creationId xmlns:a16="http://schemas.microsoft.com/office/drawing/2014/main" id="{5D38D7AC-E43B-457A-89ED-0A1DE9BF98AF}"/>
+              </a:ext>
+            </a:extLst>
+          </p:cNvPr>
+          <p:cNvSpPr>
+            <a:spLocks noGrp="1"/>
+          </p:cNvSpPr>
+          <p:nvPr>
+            <p:ph idx="1"/>
+          </p:nvPr>
+        </p:nvSpPr>
+        <p:spPr>
+          <a:xfrm>
+            <a:off x="4534935" y="1037968"/>
+            <a:ext cx="6725899" cy="4820832"/>
+          </a:xfrm>
+        </p:spPr>
+        <p:txBody>
+          <a:bodyPr>
+            <a:normAutofit/>
+          </a:bodyPr>
+          <a:lstStyle/>
+          <a:p>
+            <a:r>
               <a:rPr lang="en-US" dirty="0"/>
-              <a:t>Room Bookings</a:t>
-            </a:r>
-          </a:p>
-        </p:txBody>
-      </p:sp>
-      <p:sp>
-        <p:nvSpPr>
-          <p:cNvPr id="3" name="Content Placeholder 2">
-            <a:extLst>
-              <a:ext uri="{FF2B5EF4-FFF2-40B4-BE49-F238E27FC236}">
-                <a16:creationId xmlns:a16="http://schemas.microsoft.com/office/drawing/2014/main" id="{C352793F-995D-4A5B-B329-C0DC4D63A94D}"/>
-              </a:ext>
-            </a:extLst>
-          </p:cNvPr>
-          <p:cNvSpPr>
-            <a:spLocks noGrp="1"/>
-          </p:cNvSpPr>
-          <p:nvPr>
-            <p:ph idx="1"/>
-          </p:nvPr>
-        </p:nvSpPr>
-        <p:spPr/>
-        <p:txBody>
-          <a:bodyPr/>
-          <a:lstStyle/>
-          <a:p>
+              <a:t>Creating an account is a quick and simple process. All that is required are:</a:t>
+            </a:r>
+          </a:p>
+          <a:p>
+            <a:pPr lvl="1"/>
             <a:r>
               <a:rPr lang="en-US" dirty="0"/>
-              <a:t>Room Booking currently shows rooms that are currently booked.</a:t>
+              <a:t>Email</a:t>
+            </a:r>
+          </a:p>
+          <a:p>
+            <a:pPr lvl="1"/>
+            <a:r>
+              <a:rPr lang="en-US" dirty="0"/>
+              <a:t>Username</a:t>
+            </a:r>
+          </a:p>
+          <a:p>
+            <a:pPr lvl="1"/>
+            <a:r>
+              <a:rPr lang="en-US" dirty="0"/>
+              <a:t>Password (as well as password verification)</a:t>
+            </a:r>
+          </a:p>
+          <a:p>
+            <a:pPr lvl="1"/>
+            <a:r>
+              <a:rPr lang="en-US" dirty="0"/>
+              <a:t>Phone Number</a:t>
             </a:r>
           </a:p>
         </p:txBody>
@@ -5559,7 +10415,7 @@
     </p:spTree>
     <p:extLst>
       <p:ext uri="{BB962C8B-B14F-4D97-AF65-F5344CB8AC3E}">
-        <p14:creationId xmlns:p14="http://schemas.microsoft.com/office/powerpoint/2010/main" val="3920136443"/>
+        <p14:creationId xmlns:p14="http://schemas.microsoft.com/office/powerpoint/2010/main" val="716679972"/>
       </p:ext>
     </p:extLst>
   </p:cSld>

--- a/Design Docs/Maker Space.pptx
+++ b/Design Docs/Maker Space.pptx
@@ -365,7 +365,7 @@
           <a:p>
             <a:fld id="{ED291B17-9318-49DB-B28B-6E5994AE9581}" type="datetime1">
               <a:rPr lang="en-US" smtClean="0"/>
-              <a:t>5/1/2020</a:t>
+              <a:t>5/3/2020</a:t>
             </a:fld>
             <a:endParaRPr lang="en-US" dirty="0"/>
           </a:p>
@@ -568,7 +568,7 @@
           <a:p>
             <a:fld id="{2CED4963-E985-44C4-B8C4-FDD613B7C2F8}" type="datetime1">
               <a:rPr lang="en-US" smtClean="0"/>
-              <a:t>5/1/2020</a:t>
+              <a:t>5/3/2020</a:t>
             </a:fld>
             <a:endParaRPr lang="en-US" dirty="0"/>
           </a:p>
@@ -930,7 +930,7 @@
           <a:p>
             <a:fld id="{ED291B17-9318-49DB-B28B-6E5994AE9581}" type="datetime1">
               <a:rPr lang="en-US" smtClean="0"/>
-              <a:t>5/1/2020</a:t>
+              <a:t>5/3/2020</a:t>
             </a:fld>
             <a:endParaRPr lang="en-US" dirty="0"/>
           </a:p>
@@ -1128,7 +1128,7 @@
           <a:p>
             <a:fld id="{78DD82B9-B8EE-4375-B6FF-88FA6ABB15D9}" type="datetime1">
               <a:rPr lang="en-US" smtClean="0"/>
-              <a:t>5/1/2020</a:t>
+              <a:t>5/3/2020</a:t>
             </a:fld>
             <a:endParaRPr lang="en-US" dirty="0"/>
           </a:p>
@@ -1440,7 +1440,7 @@
           <a:p>
             <a:fld id="{B2497495-0637-405E-AE64-5CC7506D51F5}" type="datetime1">
               <a:rPr lang="en-US" smtClean="0"/>
-              <a:t>5/1/2020</a:t>
+              <a:t>5/3/2020</a:t>
             </a:fld>
             <a:endParaRPr lang="en-US" dirty="0"/>
           </a:p>
@@ -1693,7 +1693,7 @@
           <a:p>
             <a:fld id="{7BFFD690-9426-415D-8B65-26881E07B2D4}" type="datetime1">
               <a:rPr lang="en-US" smtClean="0"/>
-              <a:t>5/1/2020</a:t>
+              <a:t>5/3/2020</a:t>
             </a:fld>
             <a:endParaRPr lang="en-US" dirty="0"/>
           </a:p>
@@ -2115,7 +2115,7 @@
           <a:p>
             <a:fld id="{04C4989A-474C-40DE-95B9-011C28B71673}" type="datetime1">
               <a:rPr lang="en-US" smtClean="0"/>
-              <a:t>5/1/2020</a:t>
+              <a:t>5/3/2020</a:t>
             </a:fld>
             <a:endParaRPr lang="en-US" dirty="0"/>
           </a:p>
@@ -2238,7 +2238,7 @@
           <a:p>
             <a:fld id="{5DB4ED54-5B5E-4A04-93D3-5772E3CE3818}" type="datetime1">
               <a:rPr lang="en-US" smtClean="0"/>
-              <a:t>5/1/2020</a:t>
+              <a:t>5/3/2020</a:t>
             </a:fld>
             <a:endParaRPr lang="en-US" dirty="0"/>
           </a:p>
@@ -2333,7 +2333,7 @@
           <a:p>
             <a:fld id="{4EDE50D6-574B-40AF-946F-D52A04ADE379}" type="datetime1">
               <a:rPr lang="en-US" smtClean="0"/>
-              <a:t>5/1/2020</a:t>
+              <a:t>5/3/2020</a:t>
             </a:fld>
             <a:endParaRPr lang="en-US" dirty="0"/>
           </a:p>
@@ -2710,7 +2710,7 @@
           <a:p>
             <a:fld id="{D82884F1-FFEA-405F-9602-3DCA865EDA4E}" type="datetime1">
               <a:rPr lang="en-US" smtClean="0"/>
-              <a:t>5/1/2020</a:t>
+              <a:t>5/3/2020</a:t>
             </a:fld>
             <a:endParaRPr lang="en-US" dirty="0"/>
           </a:p>
@@ -3003,7 +3003,7 @@
           <a:p>
             <a:fld id="{7E18DB4A-8810-4A10-AD5C-D5E2C667F5B3}" type="datetime1">
               <a:rPr lang="en-US" smtClean="0"/>
-              <a:t>5/1/2020</a:t>
+              <a:t>5/3/2020</a:t>
             </a:fld>
             <a:endParaRPr lang="en-US" dirty="0"/>
           </a:p>
@@ -3218,7 +3218,7 @@
           <a:p>
             <a:fld id="{ED291B17-9318-49DB-B28B-6E5994AE9581}" type="datetime1">
               <a:rPr lang="en-US" smtClean="0"/>
-              <a:t>5/1/2020</a:t>
+              <a:t>5/3/2020</a:t>
             </a:fld>
             <a:endParaRPr lang="en-US" dirty="0"/>
           </a:p>
@@ -4262,7 +4262,7 @@
       </p:grpSpPr>
       <p:sp>
         <p:nvSpPr>
-          <p:cNvPr id="10" name="Rectangle 9">
+          <p:cNvPr id="23" name="Rectangle 22">
             <a:extLst>
               <a:ext uri="{FF2B5EF4-FFF2-40B4-BE49-F238E27FC236}">
                 <a16:creationId xmlns:a16="http://schemas.microsoft.com/office/drawing/2014/main" id="{E9751CB9-7B25-4EB8-9A6F-82F822549F12}"/>
@@ -4325,7 +4325,7 @@
       </p:sp>
       <p:sp>
         <p:nvSpPr>
-          <p:cNvPr id="12" name="Rectangle 11">
+          <p:cNvPr id="25" name="Rectangle 24">
             <a:extLst>
               <a:ext uri="{FF2B5EF4-FFF2-40B4-BE49-F238E27FC236}">
                 <a16:creationId xmlns:a16="http://schemas.microsoft.com/office/drawing/2014/main" id="{E1317383-CF3B-4B02-9512-BECBEF6362A4}"/>
@@ -4379,7 +4379,7 @@
       </p:sp>
       <p:sp>
         <p:nvSpPr>
-          <p:cNvPr id="14" name="Rectangle 13">
+          <p:cNvPr id="27" name="Rectangle 26">
             <a:extLst>
               <a:ext uri="{FF2B5EF4-FFF2-40B4-BE49-F238E27FC236}">
                 <a16:creationId xmlns:a16="http://schemas.microsoft.com/office/drawing/2014/main" id="{B1D4C7A0-6DF2-4F2D-A45D-F111582974C7}"/>
@@ -4433,7 +4433,7 @@
       </p:sp>
       <p:sp>
         <p:nvSpPr>
-          <p:cNvPr id="16" name="Rectangle 15">
+          <p:cNvPr id="29" name="Rectangle 28">
             <a:extLst>
               <a:ext uri="{FF2B5EF4-FFF2-40B4-BE49-F238E27FC236}">
                 <a16:creationId xmlns:a16="http://schemas.microsoft.com/office/drawing/2014/main" id="{DBF3943D-BCB6-4B31-809D-A005686483B4}"/>
@@ -4487,7 +4487,7 @@
       </p:sp>
       <p:sp>
         <p:nvSpPr>
-          <p:cNvPr id="18" name="Rectangle 17">
+          <p:cNvPr id="31" name="Rectangle 30">
             <a:extLst>
               <a:ext uri="{FF2B5EF4-FFF2-40B4-BE49-F238E27FC236}">
                 <a16:creationId xmlns:a16="http://schemas.microsoft.com/office/drawing/2014/main" id="{39373A6F-2E1F-4613-8E1D-D68057D29F31}"/>
@@ -4641,10 +4641,10 @@
       </p:sp>
       <p:pic>
         <p:nvPicPr>
-          <p:cNvPr id="5" name="Picture 4" descr="A screenshot of a cell phone&#10;&#10;Description automatically generated">
-            <a:extLst>
-              <a:ext uri="{FF2B5EF4-FFF2-40B4-BE49-F238E27FC236}">
-                <a16:creationId xmlns:a16="http://schemas.microsoft.com/office/drawing/2014/main" id="{79250561-0D68-473C-B9B4-C9EDF0B74D55}"/>
+          <p:cNvPr id="6" name="Picture 5" descr="A screenshot of a cell phone&#10;&#10;Description automatically generated">
+            <a:extLst>
+              <a:ext uri="{FF2B5EF4-FFF2-40B4-BE49-F238E27FC236}">
+                <a16:creationId xmlns:a16="http://schemas.microsoft.com/office/drawing/2014/main" id="{E91B1654-7D97-485A-893B-F4A45CF568FF}"/>
               </a:ext>
             </a:extLst>
           </p:cNvPr>
@@ -4653,15 +4653,16 @@
           </p:cNvPicPr>
           <p:nvPr/>
         </p:nvPicPr>
-        <p:blipFill rotWithShape="1">
+        <p:blipFill>
           <a:blip r:embed="rId2"/>
-          <a:srcRect l="5695"/>
-          <a:stretch/>
+          <a:stretch>
+            <a:fillRect/>
+          </a:stretch>
         </p:blipFill>
         <p:spPr>
           <a:xfrm>
-            <a:off x="5076829" y="936141"/>
-            <a:ext cx="5862306" cy="4968305"/>
+            <a:off x="4702738" y="936141"/>
+            <a:ext cx="6610489" cy="4968305"/>
           </a:xfrm>
           <a:prstGeom prst="rect">
             <a:avLst/>
@@ -4708,7 +4709,7 @@
       </p:grpSpPr>
       <p:sp>
         <p:nvSpPr>
-          <p:cNvPr id="10" name="Rectangle 9">
+          <p:cNvPr id="23" name="Rectangle 22">
             <a:extLst>
               <a:ext uri="{FF2B5EF4-FFF2-40B4-BE49-F238E27FC236}">
                 <a16:creationId xmlns:a16="http://schemas.microsoft.com/office/drawing/2014/main" id="{E9751CB9-7B25-4EB8-9A6F-82F822549F12}"/>
@@ -4771,7 +4772,7 @@
       </p:sp>
       <p:sp>
         <p:nvSpPr>
-          <p:cNvPr id="12" name="Rectangle 11">
+          <p:cNvPr id="25" name="Rectangle 24">
             <a:extLst>
               <a:ext uri="{FF2B5EF4-FFF2-40B4-BE49-F238E27FC236}">
                 <a16:creationId xmlns:a16="http://schemas.microsoft.com/office/drawing/2014/main" id="{E1317383-CF3B-4B02-9512-BECBEF6362A4}"/>
@@ -4825,7 +4826,7 @@
       </p:sp>
       <p:sp>
         <p:nvSpPr>
-          <p:cNvPr id="14" name="Rectangle 13">
+          <p:cNvPr id="27" name="Rectangle 26">
             <a:extLst>
               <a:ext uri="{FF2B5EF4-FFF2-40B4-BE49-F238E27FC236}">
                 <a16:creationId xmlns:a16="http://schemas.microsoft.com/office/drawing/2014/main" id="{B1D4C7A0-6DF2-4F2D-A45D-F111582974C7}"/>
@@ -4879,7 +4880,7 @@
       </p:sp>
       <p:sp>
         <p:nvSpPr>
-          <p:cNvPr id="16" name="Rectangle 15">
+          <p:cNvPr id="29" name="Rectangle 28">
             <a:extLst>
               <a:ext uri="{FF2B5EF4-FFF2-40B4-BE49-F238E27FC236}">
                 <a16:creationId xmlns:a16="http://schemas.microsoft.com/office/drawing/2014/main" id="{DBF3943D-BCB6-4B31-809D-A005686483B4}"/>
@@ -4933,7 +4934,7 @@
       </p:sp>
       <p:sp>
         <p:nvSpPr>
-          <p:cNvPr id="18" name="Rectangle 17">
+          <p:cNvPr id="31" name="Rectangle 30">
             <a:extLst>
               <a:ext uri="{FF2B5EF4-FFF2-40B4-BE49-F238E27FC236}">
                 <a16:creationId xmlns:a16="http://schemas.microsoft.com/office/drawing/2014/main" id="{39373A6F-2E1F-4613-8E1D-D68057D29F31}"/>
@@ -5065,10 +5066,10 @@
       </p:sp>
       <p:pic>
         <p:nvPicPr>
-          <p:cNvPr id="5" name="Picture 4" descr="A screenshot of a cell phone&#10;&#10;Description automatically generated">
-            <a:extLst>
-              <a:ext uri="{FF2B5EF4-FFF2-40B4-BE49-F238E27FC236}">
-                <a16:creationId xmlns:a16="http://schemas.microsoft.com/office/drawing/2014/main" id="{6025E6A8-A9BA-40D0-A5D9-0D892C5E43B0}"/>
+          <p:cNvPr id="6" name="Picture 5" descr="A screenshot of a cell phone&#10;&#10;Description automatically generated">
+            <a:extLst>
+              <a:ext uri="{FF2B5EF4-FFF2-40B4-BE49-F238E27FC236}">
+                <a16:creationId xmlns:a16="http://schemas.microsoft.com/office/drawing/2014/main" id="{B29A3FB7-EB53-473E-B1DA-1AB009349529}"/>
               </a:ext>
             </a:extLst>
           </p:cNvPr>
@@ -5085,8 +5086,8 @@
         </p:blipFill>
         <p:spPr>
           <a:xfrm>
-            <a:off x="6064133" y="936141"/>
-            <a:ext cx="3887699" cy="4968305"/>
+            <a:off x="6063272" y="936141"/>
+            <a:ext cx="3889420" cy="4968305"/>
           </a:xfrm>
           <a:prstGeom prst="rect">
             <a:avLst/>
@@ -5532,7 +5533,7 @@
 </file>
 
 <file path=ppt/slides/slide13.xml><?xml version="1.0" encoding="utf-8"?>
-<p:sld xmlns:a="http://schemas.openxmlformats.org/drawingml/2006/main" xmlns:r="http://schemas.openxmlformats.org/officeDocument/2006/relationships" xmlns:p="http://schemas.openxmlformats.org/presentationml/2006/main">
+<p:sld xmlns:a="http://schemas.openxmlformats.org/drawingml/2006/main" xmlns:r="http://schemas.openxmlformats.org/officeDocument/2006/relationships" xmlns:p="http://schemas.openxmlformats.org/presentationml/2006/main" show="0">
   <p:cSld>
     <p:bg>
       <p:bgPr>
@@ -5946,7 +5947,7 @@
       </p:grpSpPr>
       <p:sp>
         <p:nvSpPr>
-          <p:cNvPr id="10" name="Rectangle 9">
+          <p:cNvPr id="23" name="Rectangle 22">
             <a:extLst>
               <a:ext uri="{FF2B5EF4-FFF2-40B4-BE49-F238E27FC236}">
                 <a16:creationId xmlns:a16="http://schemas.microsoft.com/office/drawing/2014/main" id="{E9751CB9-7B25-4EB8-9A6F-82F822549F12}"/>
@@ -6009,7 +6010,7 @@
       </p:sp>
       <p:sp>
         <p:nvSpPr>
-          <p:cNvPr id="12" name="Rectangle 11">
+          <p:cNvPr id="25" name="Rectangle 24">
             <a:extLst>
               <a:ext uri="{FF2B5EF4-FFF2-40B4-BE49-F238E27FC236}">
                 <a16:creationId xmlns:a16="http://schemas.microsoft.com/office/drawing/2014/main" id="{E1317383-CF3B-4B02-9512-BECBEF6362A4}"/>
@@ -6063,7 +6064,7 @@
       </p:sp>
       <p:sp>
         <p:nvSpPr>
-          <p:cNvPr id="14" name="Rectangle 13">
+          <p:cNvPr id="27" name="Rectangle 26">
             <a:extLst>
               <a:ext uri="{FF2B5EF4-FFF2-40B4-BE49-F238E27FC236}">
                 <a16:creationId xmlns:a16="http://schemas.microsoft.com/office/drawing/2014/main" id="{B1D4C7A0-6DF2-4F2D-A45D-F111582974C7}"/>
@@ -6117,7 +6118,7 @@
       </p:sp>
       <p:sp>
         <p:nvSpPr>
-          <p:cNvPr id="16" name="Rectangle 15">
+          <p:cNvPr id="29" name="Rectangle 28">
             <a:extLst>
               <a:ext uri="{FF2B5EF4-FFF2-40B4-BE49-F238E27FC236}">
                 <a16:creationId xmlns:a16="http://schemas.microsoft.com/office/drawing/2014/main" id="{DBF3943D-BCB6-4B31-809D-A005686483B4}"/>
@@ -6171,7 +6172,7 @@
       </p:sp>
       <p:sp>
         <p:nvSpPr>
-          <p:cNvPr id="18" name="Rectangle 17">
+          <p:cNvPr id="31" name="Rectangle 30">
             <a:extLst>
               <a:ext uri="{FF2B5EF4-FFF2-40B4-BE49-F238E27FC236}">
                 <a16:creationId xmlns:a16="http://schemas.microsoft.com/office/drawing/2014/main" id="{39373A6F-2E1F-4613-8E1D-D68057D29F31}"/>
@@ -6303,10 +6304,10 @@
       </p:sp>
       <p:pic>
         <p:nvPicPr>
-          <p:cNvPr id="5" name="Picture 4" descr="A screenshot of a cell phone&#10;&#10;Description automatically generated">
-            <a:extLst>
-              <a:ext uri="{FF2B5EF4-FFF2-40B4-BE49-F238E27FC236}">
-                <a16:creationId xmlns:a16="http://schemas.microsoft.com/office/drawing/2014/main" id="{820341F3-9AD5-49F7-AEF9-647E7A7B1A5E}"/>
+          <p:cNvPr id="6" name="Picture 5" descr="A screenshot of a cell phone&#10;&#10;Description automatically generated">
+            <a:extLst>
+              <a:ext uri="{FF2B5EF4-FFF2-40B4-BE49-F238E27FC236}">
+                <a16:creationId xmlns:a16="http://schemas.microsoft.com/office/drawing/2014/main" id="{C8ECA74E-36F2-4BE3-A3DF-55936B079748}"/>
               </a:ext>
             </a:extLst>
           </p:cNvPr>
@@ -6323,8 +6324,8 @@
         </p:blipFill>
         <p:spPr>
           <a:xfrm>
-            <a:off x="4760724" y="936141"/>
-            <a:ext cx="6494516" cy="4968305"/>
+            <a:off x="4592231" y="1597814"/>
+            <a:ext cx="6831503" cy="3644959"/>
           </a:xfrm>
           <a:prstGeom prst="rect">
             <a:avLst/>
@@ -6371,7 +6372,7 @@
       </p:grpSpPr>
       <p:sp>
         <p:nvSpPr>
-          <p:cNvPr id="10" name="Rectangle 9">
+          <p:cNvPr id="23" name="Rectangle 22">
             <a:extLst>
               <a:ext uri="{FF2B5EF4-FFF2-40B4-BE49-F238E27FC236}">
                 <a16:creationId xmlns:a16="http://schemas.microsoft.com/office/drawing/2014/main" id="{E9751CB9-7B25-4EB8-9A6F-82F822549F12}"/>
@@ -6434,7 +6435,7 @@
       </p:sp>
       <p:sp>
         <p:nvSpPr>
-          <p:cNvPr id="12" name="Rectangle 11">
+          <p:cNvPr id="25" name="Rectangle 24">
             <a:extLst>
               <a:ext uri="{FF2B5EF4-FFF2-40B4-BE49-F238E27FC236}">
                 <a16:creationId xmlns:a16="http://schemas.microsoft.com/office/drawing/2014/main" id="{E1317383-CF3B-4B02-9512-BECBEF6362A4}"/>
@@ -6488,7 +6489,7 @@
       </p:sp>
       <p:sp>
         <p:nvSpPr>
-          <p:cNvPr id="14" name="Rectangle 13">
+          <p:cNvPr id="27" name="Rectangle 26">
             <a:extLst>
               <a:ext uri="{FF2B5EF4-FFF2-40B4-BE49-F238E27FC236}">
                 <a16:creationId xmlns:a16="http://schemas.microsoft.com/office/drawing/2014/main" id="{B1D4C7A0-6DF2-4F2D-A45D-F111582974C7}"/>
@@ -6542,7 +6543,7 @@
       </p:sp>
       <p:sp>
         <p:nvSpPr>
-          <p:cNvPr id="16" name="Rectangle 15">
+          <p:cNvPr id="29" name="Rectangle 28">
             <a:extLst>
               <a:ext uri="{FF2B5EF4-FFF2-40B4-BE49-F238E27FC236}">
                 <a16:creationId xmlns:a16="http://schemas.microsoft.com/office/drawing/2014/main" id="{DBF3943D-BCB6-4B31-809D-A005686483B4}"/>
@@ -6596,7 +6597,7 @@
       </p:sp>
       <p:sp>
         <p:nvSpPr>
-          <p:cNvPr id="18" name="Rectangle 17">
+          <p:cNvPr id="31" name="Rectangle 30">
             <a:extLst>
               <a:ext uri="{FF2B5EF4-FFF2-40B4-BE49-F238E27FC236}">
                 <a16:creationId xmlns:a16="http://schemas.microsoft.com/office/drawing/2014/main" id="{39373A6F-2E1F-4613-8E1D-D68057D29F31}"/>
@@ -6728,10 +6729,10 @@
       </p:sp>
       <p:pic>
         <p:nvPicPr>
-          <p:cNvPr id="5" name="Picture 4" descr="A screenshot of a cell phone&#10;&#10;Description automatically generated">
-            <a:extLst>
-              <a:ext uri="{FF2B5EF4-FFF2-40B4-BE49-F238E27FC236}">
-                <a16:creationId xmlns:a16="http://schemas.microsoft.com/office/drawing/2014/main" id="{4A6C8881-E8CD-4598-947E-AE23DB94F5DD}"/>
+          <p:cNvPr id="6" name="Picture 5" descr="A screenshot of a cell phone&#10;&#10;Description automatically generated">
+            <a:extLst>
+              <a:ext uri="{FF2B5EF4-FFF2-40B4-BE49-F238E27FC236}">
+                <a16:creationId xmlns:a16="http://schemas.microsoft.com/office/drawing/2014/main" id="{D2E7233C-53E2-47A2-8C22-65AD8FB3914C}"/>
               </a:ext>
             </a:extLst>
           </p:cNvPr>
@@ -6748,8 +6749,8 @@
         </p:blipFill>
         <p:spPr>
           <a:xfrm>
-            <a:off x="5745270" y="936141"/>
-            <a:ext cx="4525425" cy="4968305"/>
+            <a:off x="5133709" y="936141"/>
+            <a:ext cx="5748547" cy="4968305"/>
           </a:xfrm>
           <a:prstGeom prst="rect">
             <a:avLst/>
@@ -8739,7 +8740,7 @@
       </p:grpSpPr>
       <p:sp>
         <p:nvSpPr>
-          <p:cNvPr id="10" name="Rectangle 9">
+          <p:cNvPr id="23" name="Rectangle 22">
             <a:extLst>
               <a:ext uri="{FF2B5EF4-FFF2-40B4-BE49-F238E27FC236}">
                 <a16:creationId xmlns:a16="http://schemas.microsoft.com/office/drawing/2014/main" id="{E9751CB9-7B25-4EB8-9A6F-82F822549F12}"/>
@@ -8802,7 +8803,7 @@
       </p:sp>
       <p:sp>
         <p:nvSpPr>
-          <p:cNvPr id="12" name="Rectangle 11">
+          <p:cNvPr id="25" name="Rectangle 24">
             <a:extLst>
               <a:ext uri="{FF2B5EF4-FFF2-40B4-BE49-F238E27FC236}">
                 <a16:creationId xmlns:a16="http://schemas.microsoft.com/office/drawing/2014/main" id="{E1317383-CF3B-4B02-9512-BECBEF6362A4}"/>
@@ -8856,7 +8857,7 @@
       </p:sp>
       <p:sp>
         <p:nvSpPr>
-          <p:cNvPr id="14" name="Rectangle 13">
+          <p:cNvPr id="27" name="Rectangle 26">
             <a:extLst>
               <a:ext uri="{FF2B5EF4-FFF2-40B4-BE49-F238E27FC236}">
                 <a16:creationId xmlns:a16="http://schemas.microsoft.com/office/drawing/2014/main" id="{B1D4C7A0-6DF2-4F2D-A45D-F111582974C7}"/>
@@ -8910,7 +8911,7 @@
       </p:sp>
       <p:sp>
         <p:nvSpPr>
-          <p:cNvPr id="16" name="Rectangle 15">
+          <p:cNvPr id="29" name="Rectangle 28">
             <a:extLst>
               <a:ext uri="{FF2B5EF4-FFF2-40B4-BE49-F238E27FC236}">
                 <a16:creationId xmlns:a16="http://schemas.microsoft.com/office/drawing/2014/main" id="{DBF3943D-BCB6-4B31-809D-A005686483B4}"/>
@@ -8964,7 +8965,7 @@
       </p:sp>
       <p:sp>
         <p:nvSpPr>
-          <p:cNvPr id="18" name="Rectangle 17">
+          <p:cNvPr id="31" name="Rectangle 30">
             <a:extLst>
               <a:ext uri="{FF2B5EF4-FFF2-40B4-BE49-F238E27FC236}">
                 <a16:creationId xmlns:a16="http://schemas.microsoft.com/office/drawing/2014/main" id="{39373A6F-2E1F-4613-8E1D-D68057D29F31}"/>
@@ -9096,10 +9097,10 @@
       </p:sp>
       <p:pic>
         <p:nvPicPr>
-          <p:cNvPr id="5" name="Picture 4" descr="A screenshot of a cell phone&#10;&#10;Description automatically generated">
-            <a:extLst>
-              <a:ext uri="{FF2B5EF4-FFF2-40B4-BE49-F238E27FC236}">
-                <a16:creationId xmlns:a16="http://schemas.microsoft.com/office/drawing/2014/main" id="{58FE7CB6-2BC5-469B-8A72-010CAA6C0C91}"/>
+          <p:cNvPr id="6" name="Picture 5" descr="A screenshot of a social media post&#10;&#10;Description automatically generated">
+            <a:extLst>
+              <a:ext uri="{FF2B5EF4-FFF2-40B4-BE49-F238E27FC236}">
+                <a16:creationId xmlns:a16="http://schemas.microsoft.com/office/drawing/2014/main" id="{6470BCAF-DFD5-4C7A-8011-70B3D7D3AB1A}"/>
               </a:ext>
             </a:extLst>
           </p:cNvPr>
@@ -9116,8 +9117,8 @@
         </p:blipFill>
         <p:spPr>
           <a:xfrm>
-            <a:off x="5193135" y="936141"/>
-            <a:ext cx="5629695" cy="4968305"/>
+            <a:off x="4308732" y="1931346"/>
+            <a:ext cx="7896177" cy="3178210"/>
           </a:xfrm>
           <a:prstGeom prst="rect">
             <a:avLst/>
@@ -9589,7 +9590,7 @@
       </p:grpSpPr>
       <p:sp>
         <p:nvSpPr>
-          <p:cNvPr id="10" name="Rectangle 9">
+          <p:cNvPr id="23" name="Rectangle 22">
             <a:extLst>
               <a:ext uri="{FF2B5EF4-FFF2-40B4-BE49-F238E27FC236}">
                 <a16:creationId xmlns:a16="http://schemas.microsoft.com/office/drawing/2014/main" id="{E9751CB9-7B25-4EB8-9A6F-82F822549F12}"/>
@@ -9652,7 +9653,7 @@
       </p:sp>
       <p:sp>
         <p:nvSpPr>
-          <p:cNvPr id="12" name="Rectangle 11">
+          <p:cNvPr id="25" name="Rectangle 24">
             <a:extLst>
               <a:ext uri="{FF2B5EF4-FFF2-40B4-BE49-F238E27FC236}">
                 <a16:creationId xmlns:a16="http://schemas.microsoft.com/office/drawing/2014/main" id="{E1317383-CF3B-4B02-9512-BECBEF6362A4}"/>
@@ -9706,7 +9707,7 @@
       </p:sp>
       <p:sp>
         <p:nvSpPr>
-          <p:cNvPr id="14" name="Rectangle 13">
+          <p:cNvPr id="27" name="Rectangle 26">
             <a:extLst>
               <a:ext uri="{FF2B5EF4-FFF2-40B4-BE49-F238E27FC236}">
                 <a16:creationId xmlns:a16="http://schemas.microsoft.com/office/drawing/2014/main" id="{B1D4C7A0-6DF2-4F2D-A45D-F111582974C7}"/>
@@ -9760,7 +9761,7 @@
       </p:sp>
       <p:sp>
         <p:nvSpPr>
-          <p:cNvPr id="16" name="Rectangle 15">
+          <p:cNvPr id="29" name="Rectangle 28">
             <a:extLst>
               <a:ext uri="{FF2B5EF4-FFF2-40B4-BE49-F238E27FC236}">
                 <a16:creationId xmlns:a16="http://schemas.microsoft.com/office/drawing/2014/main" id="{DBF3943D-BCB6-4B31-809D-A005686483B4}"/>
@@ -9814,7 +9815,7 @@
       </p:sp>
       <p:sp>
         <p:nvSpPr>
-          <p:cNvPr id="18" name="Rectangle 17">
+          <p:cNvPr id="31" name="Rectangle 30">
             <a:extLst>
               <a:ext uri="{FF2B5EF4-FFF2-40B4-BE49-F238E27FC236}">
                 <a16:creationId xmlns:a16="http://schemas.microsoft.com/office/drawing/2014/main" id="{39373A6F-2E1F-4613-8E1D-D68057D29F31}"/>
@@ -9968,10 +9969,10 @@
       </p:sp>
       <p:pic>
         <p:nvPicPr>
-          <p:cNvPr id="5" name="Picture 4" descr="A screenshot of a social media post&#10;&#10;Description automatically generated">
-            <a:extLst>
-              <a:ext uri="{FF2B5EF4-FFF2-40B4-BE49-F238E27FC236}">
-                <a16:creationId xmlns:a16="http://schemas.microsoft.com/office/drawing/2014/main" id="{C4A38473-9CB7-457B-87E8-8BEDC40AACEB}"/>
+          <p:cNvPr id="6" name="Picture 5" descr="A screenshot of a social media post&#10;&#10;Description automatically generated">
+            <a:extLst>
+              <a:ext uri="{FF2B5EF4-FFF2-40B4-BE49-F238E27FC236}">
+                <a16:creationId xmlns:a16="http://schemas.microsoft.com/office/drawing/2014/main" id="{A21E1E95-B1A4-4408-9B05-DA104E06CFE3}"/>
               </a:ext>
             </a:extLst>
           </p:cNvPr>
@@ -9988,8 +9989,8 @@
         </p:blipFill>
         <p:spPr>
           <a:xfrm>
-            <a:off x="4592231" y="1908823"/>
-            <a:ext cx="6831503" cy="3022940"/>
+            <a:off x="5300459" y="936141"/>
+            <a:ext cx="5415046" cy="4968305"/>
           </a:xfrm>
           <a:prstGeom prst="rect">
             <a:avLst/>
@@ -10034,12 +10035,12 @@
           <a:chExt cx="0" cy="0"/>
         </a:xfrm>
       </p:grpSpPr>
-      <p:sp useBgFill="1">
-        <p:nvSpPr>
-          <p:cNvPr id="8" name="Rectangle 7">
-            <a:extLst>
-              <a:ext uri="{FF2B5EF4-FFF2-40B4-BE49-F238E27FC236}">
-                <a16:creationId xmlns:a16="http://schemas.microsoft.com/office/drawing/2014/main" id="{F858DF7D-C2D0-4B03-A7A0-2F06B789EE35}"/>
+      <p:sp>
+        <p:nvSpPr>
+          <p:cNvPr id="21" name="Rectangle 20">
+            <a:extLst>
+              <a:ext uri="{FF2B5EF4-FFF2-40B4-BE49-F238E27FC236}">
+                <a16:creationId xmlns:a16="http://schemas.microsoft.com/office/drawing/2014/main" id="{E9751CB9-7B25-4EB8-9A6F-82F822549F12}"/>
               </a:ext>
               <a:ext uri="{C183D7F6-B498-43B3-948B-1728B52AA6E4}">
                 <adec:decorative xmlns:adec="http://schemas.microsoft.com/office/drawing/2017/decorative" val="1"/>
@@ -10060,11 +10061,14 @@
         <p:spPr>
           <a:xfrm>
             <a:off x="0" y="0"/>
-            <a:ext cx="12191999" cy="6858001"/>
+            <a:ext cx="12192000" cy="6858000"/>
           </a:xfrm>
           <a:prstGeom prst="rect">
             <a:avLst/>
           </a:prstGeom>
+          <a:solidFill>
+            <a:srgbClr val="FFFFFF"/>
+          </a:solidFill>
           <a:ln>
             <a:noFill/>
           </a:ln>
@@ -10096,10 +10100,10 @@
       </p:sp>
       <p:sp>
         <p:nvSpPr>
-          <p:cNvPr id="10" name="Rectangle 9">
-            <a:extLst>
-              <a:ext uri="{FF2B5EF4-FFF2-40B4-BE49-F238E27FC236}">
-                <a16:creationId xmlns:a16="http://schemas.microsoft.com/office/drawing/2014/main" id="{1B26B711-3121-40B0-8377-A64F3DC00C7A}"/>
+          <p:cNvPr id="23" name="Rectangle 22">
+            <a:extLst>
+              <a:ext uri="{FF2B5EF4-FFF2-40B4-BE49-F238E27FC236}">
+                <a16:creationId xmlns:a16="http://schemas.microsoft.com/office/drawing/2014/main" id="{E1317383-CF3B-4B02-9512-BECBEF6362A4}"/>
               </a:ext>
               <a:ext uri="{C183D7F6-B498-43B3-948B-1728B52AA6E4}">
                 <adec:decorative xmlns:adec="http://schemas.microsoft.com/office/drawing/2017/decorative" val="1"/>
@@ -10150,10 +10154,10 @@
       </p:sp>
       <p:sp>
         <p:nvSpPr>
-          <p:cNvPr id="12" name="Rectangle 11">
-            <a:extLst>
-              <a:ext uri="{FF2B5EF4-FFF2-40B4-BE49-F238E27FC236}">
-                <a16:creationId xmlns:a16="http://schemas.microsoft.com/office/drawing/2014/main" id="{645C4D3D-ABBA-4B4E-93E5-01E343719849}"/>
+          <p:cNvPr id="25" name="Rectangle 24">
+            <a:extLst>
+              <a:ext uri="{FF2B5EF4-FFF2-40B4-BE49-F238E27FC236}">
+                <a16:creationId xmlns:a16="http://schemas.microsoft.com/office/drawing/2014/main" id="{B1D4C7A0-6DF2-4F2D-A45D-F111582974C7}"/>
               </a:ext>
               <a:ext uri="{C183D7F6-B498-43B3-948B-1728B52AA6E4}">
                 <adec:decorative xmlns:adec="http://schemas.microsoft.com/office/drawing/2017/decorative" val="1"/>
@@ -10204,10 +10208,10 @@
       </p:sp>
       <p:sp>
         <p:nvSpPr>
-          <p:cNvPr id="14" name="Rectangle 13">
-            <a:extLst>
-              <a:ext uri="{FF2B5EF4-FFF2-40B4-BE49-F238E27FC236}">
-                <a16:creationId xmlns:a16="http://schemas.microsoft.com/office/drawing/2014/main" id="{98DDD5E5-0097-4C6C-B266-5732EDA96CC4}"/>
+          <p:cNvPr id="27" name="Rectangle 26">
+            <a:extLst>
+              <a:ext uri="{FF2B5EF4-FFF2-40B4-BE49-F238E27FC236}">
+                <a16:creationId xmlns:a16="http://schemas.microsoft.com/office/drawing/2014/main" id="{DBF3943D-BCB6-4B31-809D-A005686483B4}"/>
               </a:ext>
               <a:ext uri="{C183D7F6-B498-43B3-948B-1728B52AA6E4}">
                 <adec:decorative xmlns:adec="http://schemas.microsoft.com/office/drawing/2017/decorative" val="1"/>
@@ -10258,10 +10262,10 @@
       </p:sp>
       <p:sp>
         <p:nvSpPr>
-          <p:cNvPr id="16" name="Rectangle 15">
-            <a:extLst>
-              <a:ext uri="{FF2B5EF4-FFF2-40B4-BE49-F238E27FC236}">
-                <a16:creationId xmlns:a16="http://schemas.microsoft.com/office/drawing/2014/main" id="{8952EF87-C74F-4D3F-9CAD-EEA1733C9BD0}"/>
+          <p:cNvPr id="29" name="Rectangle 28">
+            <a:extLst>
+              <a:ext uri="{FF2B5EF4-FFF2-40B4-BE49-F238E27FC236}">
+                <a16:creationId xmlns:a16="http://schemas.microsoft.com/office/drawing/2014/main" id="{39373A6F-2E1F-4613-8E1D-D68057D29F31}"/>
               </a:ext>
               <a:ext uri="{C183D7F6-B498-43B3-948B-1728B52AA6E4}">
                 <adec:decorative xmlns:adec="http://schemas.microsoft.com/office/drawing/2017/decorative" val="1"/>
@@ -10281,8 +10285,8 @@
         </p:nvSpPr>
         <p:spPr>
           <a:xfrm>
-            <a:off x="446534" y="597643"/>
-            <a:ext cx="3703320" cy="5792922"/>
+            <a:off x="442377" y="601200"/>
+            <a:ext cx="3707477" cy="5624979"/>
           </a:xfrm>
           <a:prstGeom prst="rect">
             <a:avLst/>
@@ -10328,47 +10332,8 @@
         </p:nvSpPr>
         <p:spPr>
           <a:xfrm>
-            <a:off x="771148" y="1037967"/>
-            <a:ext cx="3054091" cy="4709131"/>
-          </a:xfrm>
-        </p:spPr>
-        <p:txBody>
-          <a:bodyPr anchor="ctr">
-            <a:normAutofit/>
-          </a:bodyPr>
-          <a:lstStyle/>
-          <a:p>
-            <a:r>
-              <a:rPr lang="en-US">
-                <a:solidFill>
-                  <a:srgbClr val="FFFEFF"/>
-                </a:solidFill>
-              </a:rPr>
-              <a:t>Create Account</a:t>
-            </a:r>
-          </a:p>
-        </p:txBody>
-      </p:sp>
-      <p:sp>
-        <p:nvSpPr>
-          <p:cNvPr id="3" name="Content Placeholder 2">
-            <a:extLst>
-              <a:ext uri="{FF2B5EF4-FFF2-40B4-BE49-F238E27FC236}">
-                <a16:creationId xmlns:a16="http://schemas.microsoft.com/office/drawing/2014/main" id="{5D38D7AC-E43B-457A-89ED-0A1DE9BF98AF}"/>
-              </a:ext>
-            </a:extLst>
-          </p:cNvPr>
-          <p:cNvSpPr>
-            <a:spLocks noGrp="1"/>
-          </p:cNvSpPr>
-          <p:nvPr>
-            <p:ph idx="1"/>
-          </p:nvPr>
-        </p:nvSpPr>
-        <p:spPr>
-          <a:xfrm>
-            <a:off x="4534935" y="1037968"/>
-            <a:ext cx="6725899" cy="4820832"/>
+            <a:off x="601255" y="702155"/>
+            <a:ext cx="3409783" cy="1300365"/>
           </a:xfrm>
         </p:spPr>
         <p:txBody>
@@ -10378,40 +10343,129 @@
           <a:lstStyle/>
           <a:p>
             <a:r>
-              <a:rPr lang="en-US" dirty="0"/>
+              <a:rPr lang="en-US">
+                <a:solidFill>
+                  <a:srgbClr val="FFFFFF"/>
+                </a:solidFill>
+              </a:rPr>
+              <a:t>Create Account</a:t>
+            </a:r>
+          </a:p>
+        </p:txBody>
+      </p:sp>
+      <p:sp>
+        <p:nvSpPr>
+          <p:cNvPr id="3" name="Content Placeholder 2">
+            <a:extLst>
+              <a:ext uri="{FF2B5EF4-FFF2-40B4-BE49-F238E27FC236}">
+                <a16:creationId xmlns:a16="http://schemas.microsoft.com/office/drawing/2014/main" id="{5D38D7AC-E43B-457A-89ED-0A1DE9BF98AF}"/>
+              </a:ext>
+            </a:extLst>
+          </p:cNvPr>
+          <p:cNvSpPr>
+            <a:spLocks noGrp="1"/>
+          </p:cNvSpPr>
+          <p:nvPr>
+            <p:ph idx="1"/>
+          </p:nvPr>
+        </p:nvSpPr>
+        <p:spPr>
+          <a:xfrm>
+            <a:off x="601255" y="2177142"/>
+            <a:ext cx="3409782" cy="3823607"/>
+          </a:xfrm>
+        </p:spPr>
+        <p:txBody>
+          <a:bodyPr>
+            <a:normAutofit/>
+          </a:bodyPr>
+          <a:lstStyle/>
+          <a:p>
+            <a:r>
+              <a:rPr lang="en-US">
+                <a:solidFill>
+                  <a:srgbClr val="FFFFFF"/>
+                </a:solidFill>
+              </a:rPr>
               <a:t>Creating an account is a quick and simple process. All that is required are:</a:t>
             </a:r>
           </a:p>
           <a:p>
             <a:pPr lvl="1"/>
             <a:r>
-              <a:rPr lang="en-US" dirty="0"/>
+              <a:rPr lang="en-US">
+                <a:solidFill>
+                  <a:srgbClr val="FFFFFF"/>
+                </a:solidFill>
+              </a:rPr>
               <a:t>Email</a:t>
             </a:r>
           </a:p>
           <a:p>
             <a:pPr lvl="1"/>
             <a:r>
-              <a:rPr lang="en-US" dirty="0"/>
+              <a:rPr lang="en-US">
+                <a:solidFill>
+                  <a:srgbClr val="FFFFFF"/>
+                </a:solidFill>
+              </a:rPr>
               <a:t>Username</a:t>
             </a:r>
           </a:p>
           <a:p>
             <a:pPr lvl="1"/>
             <a:r>
-              <a:rPr lang="en-US" dirty="0"/>
+              <a:rPr lang="en-US">
+                <a:solidFill>
+                  <a:srgbClr val="FFFFFF"/>
+                </a:solidFill>
+              </a:rPr>
               <a:t>Password (as well as password verification)</a:t>
             </a:r>
           </a:p>
           <a:p>
             <a:pPr lvl="1"/>
             <a:r>
-              <a:rPr lang="en-US" dirty="0"/>
+              <a:rPr lang="en-US">
+                <a:solidFill>
+                  <a:srgbClr val="FFFFFF"/>
+                </a:solidFill>
+              </a:rPr>
               <a:t>Phone Number</a:t>
             </a:r>
           </a:p>
         </p:txBody>
       </p:sp>
+      <p:pic>
+        <p:nvPicPr>
+          <p:cNvPr id="5" name="Picture 4" descr="A screenshot of a cell phone&#10;&#10;Description automatically generated">
+            <a:extLst>
+              <a:ext uri="{FF2B5EF4-FFF2-40B4-BE49-F238E27FC236}">
+                <a16:creationId xmlns:a16="http://schemas.microsoft.com/office/drawing/2014/main" id="{2F13D18B-B01A-4EB7-ABE6-32AC16D431CE}"/>
+              </a:ext>
+            </a:extLst>
+          </p:cNvPr>
+          <p:cNvPicPr>
+            <a:picLocks noChangeAspect="1"/>
+          </p:cNvPicPr>
+          <p:nvPr/>
+        </p:nvPicPr>
+        <p:blipFill>
+          <a:blip r:embed="rId2"/>
+          <a:stretch>
+            <a:fillRect/>
+          </a:stretch>
+        </p:blipFill>
+        <p:spPr>
+          <a:xfrm>
+            <a:off x="5017582" y="936141"/>
+            <a:ext cx="5980801" cy="4968305"/>
+          </a:xfrm>
+          <a:prstGeom prst="rect">
+            <a:avLst/>
+          </a:prstGeom>
+        </p:spPr>
+      </p:pic>
     </p:spTree>
     <p:extLst>
       <p:ext uri="{BB962C8B-B14F-4D97-AF65-F5344CB8AC3E}">
@@ -10420,7 +10474,7 @@
     </p:extLst>
   </p:cSld>
   <p:clrMapOvr>
-    <a:masterClrMapping/>
+    <a:overrideClrMapping bg1="dk1" tx1="lt1" bg2="dk2" tx2="lt2" accent1="accent1" accent2="accent2" accent3="accent3" accent4="accent4" accent5="accent5" accent6="accent6" hlink="hlink" folHlink="folHlink"/>
   </p:clrMapOvr>
 </p:sld>
 </file>
@@ -10916,21 +10970,21 @@
 </file>
 
 <file path=customXml/item2.xml><?xml version="1.0" encoding="utf-8"?>
+<p:properties xmlns:p="http://schemas.microsoft.com/office/2006/metadata/properties" xmlns:xsi="http://www.w3.org/2001/XMLSchema-instance" xmlns:pc="http://schemas.microsoft.com/office/infopath/2007/PartnerControls">
+  <documentManagement>
+    <Status xmlns="71af3243-3dd4-4a8d-8c0d-dd76da1f02a5">Not started</Status>
+    <MediaServiceKeyPoints xmlns="71af3243-3dd4-4a8d-8c0d-dd76da1f02a5" xsi:nil="true"/>
+  </documentManagement>
+</p:properties>
+</file>
+
+<file path=customXml/item3.xml><?xml version="1.0" encoding="utf-8"?>
 <?mso-contentType ?>
 <FormTemplates xmlns="http://schemas.microsoft.com/sharepoint/v3/contenttype/forms">
   <Display>DocumentLibraryForm</Display>
   <Edit>DocumentLibraryForm</Edit>
   <New>DocumentLibraryForm</New>
 </FormTemplates>
-</file>
-
-<file path=customXml/item3.xml><?xml version="1.0" encoding="utf-8"?>
-<p:properties xmlns:p="http://schemas.microsoft.com/office/2006/metadata/properties" xmlns:xsi="http://www.w3.org/2001/XMLSchema-instance" xmlns:pc="http://schemas.microsoft.com/office/infopath/2007/PartnerControls">
-  <documentManagement>
-    <Status xmlns="71af3243-3dd4-4a8d-8c0d-dd76da1f02a5">Not started</Status>
-    <MediaServiceKeyPoints xmlns="71af3243-3dd4-4a8d-8c0d-dd76da1f02a5" xsi:nil="true"/>
-  </documentManagement>
-</p:properties>
 </file>
 
 <file path=customXml/itemProps1.xml><?xml version="1.0" encoding="utf-8"?>
@@ -10953,14 +11007,6 @@
 </file>
 
 <file path=customXml/itemProps2.xml><?xml version="1.0" encoding="utf-8"?>
-<ds:datastoreItem xmlns:ds="http://schemas.openxmlformats.org/officeDocument/2006/customXml" ds:itemID="{927BD4C1-B6B1-4715-ABF9-E660A51A4EA0}">
-  <ds:schemaRefs>
-    <ds:schemaRef ds:uri="http://schemas.microsoft.com/sharepoint/v3/contenttype/forms"/>
-  </ds:schemaRefs>
-</ds:datastoreItem>
-</file>
-
-<file path=customXml/itemProps3.xml><?xml version="1.0" encoding="utf-8"?>
 <ds:datastoreItem xmlns:ds="http://schemas.openxmlformats.org/officeDocument/2006/customXml" ds:itemID="{8D289AE2-D2AE-49D1-AFAC-3A79F6794255}">
   <ds:schemaRefs>
     <ds:schemaRef ds:uri="http://schemas.microsoft.com/office/2006/metadata/properties"/>
@@ -10968,4 +11014,12 @@
     <ds:schemaRef ds:uri="71af3243-3dd4-4a8d-8c0d-dd76da1f02a5"/>
   </ds:schemaRefs>
 </ds:datastoreItem>
+</file>
+
+<file path=customXml/itemProps3.xml><?xml version="1.0" encoding="utf-8"?>
+<ds:datastoreItem xmlns:ds="http://schemas.openxmlformats.org/officeDocument/2006/customXml" ds:itemID="{927BD4C1-B6B1-4715-ABF9-E660A51A4EA0}">
+  <ds:schemaRefs>
+    <ds:schemaRef ds:uri="http://schemas.microsoft.com/sharepoint/v3/contenttype/forms"/>
+  </ds:schemaRefs>
+</ds:datastoreItem>
 </file>
--- a/Design Docs/Maker Space.pptx
+++ b/Design Docs/Maker Space.pptx
@@ -9,18 +9,15 @@
     <p:sldId id="263" r:id="rId6"/>
     <p:sldId id="258" r:id="rId7"/>
     <p:sldId id="261" r:id="rId8"/>
-    <p:sldId id="262" r:id="rId9"/>
-    <p:sldId id="286" r:id="rId10"/>
-    <p:sldId id="287" r:id="rId11"/>
-    <p:sldId id="279" r:id="rId12"/>
-    <p:sldId id="278" r:id="rId13"/>
-    <p:sldId id="277" r:id="rId14"/>
-    <p:sldId id="280" r:id="rId15"/>
-    <p:sldId id="281" r:id="rId16"/>
-    <p:sldId id="282" r:id="rId17"/>
-    <p:sldId id="283" r:id="rId18"/>
-    <p:sldId id="284" r:id="rId19"/>
-    <p:sldId id="276" r:id="rId20"/>
+    <p:sldId id="286" r:id="rId9"/>
+    <p:sldId id="279" r:id="rId10"/>
+    <p:sldId id="278" r:id="rId11"/>
+    <p:sldId id="277" r:id="rId12"/>
+    <p:sldId id="280" r:id="rId13"/>
+    <p:sldId id="281" r:id="rId14"/>
+    <p:sldId id="283" r:id="rId15"/>
+    <p:sldId id="284" r:id="rId16"/>
+    <p:sldId id="276" r:id="rId17"/>
   </p:sldIdLst>
   <p:sldSz cx="12192000" cy="6858000"/>
   <p:notesSz cx="6858000" cy="9144000"/>
@@ -365,7 +362,7 @@
           <a:p>
             <a:fld id="{ED291B17-9318-49DB-B28B-6E5994AE9581}" type="datetime1">
               <a:rPr lang="en-US" smtClean="0"/>
-              <a:t>5/3/2020</a:t>
+              <a:t>5/7/2020</a:t>
             </a:fld>
             <a:endParaRPr lang="en-US" dirty="0"/>
           </a:p>
@@ -568,7 +565,7 @@
           <a:p>
             <a:fld id="{2CED4963-E985-44C4-B8C4-FDD613B7C2F8}" type="datetime1">
               <a:rPr lang="en-US" smtClean="0"/>
-              <a:t>5/3/2020</a:t>
+              <a:t>5/7/2020</a:t>
             </a:fld>
             <a:endParaRPr lang="en-US" dirty="0"/>
           </a:p>
@@ -930,7 +927,7 @@
           <a:p>
             <a:fld id="{ED291B17-9318-49DB-B28B-6E5994AE9581}" type="datetime1">
               <a:rPr lang="en-US" smtClean="0"/>
-              <a:t>5/3/2020</a:t>
+              <a:t>5/7/2020</a:t>
             </a:fld>
             <a:endParaRPr lang="en-US" dirty="0"/>
           </a:p>
@@ -1128,7 +1125,7 @@
           <a:p>
             <a:fld id="{78DD82B9-B8EE-4375-B6FF-88FA6ABB15D9}" type="datetime1">
               <a:rPr lang="en-US" smtClean="0"/>
-              <a:t>5/3/2020</a:t>
+              <a:t>5/7/2020</a:t>
             </a:fld>
             <a:endParaRPr lang="en-US" dirty="0"/>
           </a:p>
@@ -1440,7 +1437,7 @@
           <a:p>
             <a:fld id="{B2497495-0637-405E-AE64-5CC7506D51F5}" type="datetime1">
               <a:rPr lang="en-US" smtClean="0"/>
-              <a:t>5/3/2020</a:t>
+              <a:t>5/7/2020</a:t>
             </a:fld>
             <a:endParaRPr lang="en-US" dirty="0"/>
           </a:p>
@@ -1693,7 +1690,7 @@
           <a:p>
             <a:fld id="{7BFFD690-9426-415D-8B65-26881E07B2D4}" type="datetime1">
               <a:rPr lang="en-US" smtClean="0"/>
-              <a:t>5/3/2020</a:t>
+              <a:t>5/7/2020</a:t>
             </a:fld>
             <a:endParaRPr lang="en-US" dirty="0"/>
           </a:p>
@@ -2115,7 +2112,7 @@
           <a:p>
             <a:fld id="{04C4989A-474C-40DE-95B9-011C28B71673}" type="datetime1">
               <a:rPr lang="en-US" smtClean="0"/>
-              <a:t>5/3/2020</a:t>
+              <a:t>5/7/2020</a:t>
             </a:fld>
             <a:endParaRPr lang="en-US" dirty="0"/>
           </a:p>
@@ -2238,7 +2235,7 @@
           <a:p>
             <a:fld id="{5DB4ED54-5B5E-4A04-93D3-5772E3CE3818}" type="datetime1">
               <a:rPr lang="en-US" smtClean="0"/>
-              <a:t>5/3/2020</a:t>
+              <a:t>5/7/2020</a:t>
             </a:fld>
             <a:endParaRPr lang="en-US" dirty="0"/>
           </a:p>
@@ -2333,7 +2330,7 @@
           <a:p>
             <a:fld id="{4EDE50D6-574B-40AF-946F-D52A04ADE379}" type="datetime1">
               <a:rPr lang="en-US" smtClean="0"/>
-              <a:t>5/3/2020</a:t>
+              <a:t>5/7/2020</a:t>
             </a:fld>
             <a:endParaRPr lang="en-US" dirty="0"/>
           </a:p>
@@ -2710,7 +2707,7 @@
           <a:p>
             <a:fld id="{D82884F1-FFEA-405F-9602-3DCA865EDA4E}" type="datetime1">
               <a:rPr lang="en-US" smtClean="0"/>
-              <a:t>5/3/2020</a:t>
+              <a:t>5/7/2020</a:t>
             </a:fld>
             <a:endParaRPr lang="en-US" dirty="0"/>
           </a:p>
@@ -3003,7 +3000,7 @@
           <a:p>
             <a:fld id="{7E18DB4A-8810-4A10-AD5C-D5E2C667F5B3}" type="datetime1">
               <a:rPr lang="en-US" smtClean="0"/>
-              <a:t>5/3/2020</a:t>
+              <a:t>5/7/2020</a:t>
             </a:fld>
             <a:endParaRPr lang="en-US" dirty="0"/>
           </a:p>
@@ -3218,7 +3215,7 @@
           <a:p>
             <a:fld id="{ED291B17-9318-49DB-B28B-6E5994AE9581}" type="datetime1">
               <a:rPr lang="en-US" smtClean="0"/>
-              <a:t>5/3/2020</a:t>
+              <a:t>5/7/2020</a:t>
             </a:fld>
             <a:endParaRPr lang="en-US" dirty="0"/>
           </a:p>
@@ -4262,7 +4259,7 @@
       </p:grpSpPr>
       <p:sp>
         <p:nvSpPr>
-          <p:cNvPr id="23" name="Rectangle 22">
+          <p:cNvPr id="10" name="Rectangle 9">
             <a:extLst>
               <a:ext uri="{FF2B5EF4-FFF2-40B4-BE49-F238E27FC236}">
                 <a16:creationId xmlns:a16="http://schemas.microsoft.com/office/drawing/2014/main" id="{E9751CB9-7B25-4EB8-9A6F-82F822549F12}"/>
@@ -4325,7 +4322,7 @@
       </p:sp>
       <p:sp>
         <p:nvSpPr>
-          <p:cNvPr id="25" name="Rectangle 24">
+          <p:cNvPr id="12" name="Rectangle 11">
             <a:extLst>
               <a:ext uri="{FF2B5EF4-FFF2-40B4-BE49-F238E27FC236}">
                 <a16:creationId xmlns:a16="http://schemas.microsoft.com/office/drawing/2014/main" id="{E1317383-CF3B-4B02-9512-BECBEF6362A4}"/>
@@ -4379,7 +4376,7 @@
       </p:sp>
       <p:sp>
         <p:nvSpPr>
-          <p:cNvPr id="27" name="Rectangle 26">
+          <p:cNvPr id="14" name="Rectangle 13">
             <a:extLst>
               <a:ext uri="{FF2B5EF4-FFF2-40B4-BE49-F238E27FC236}">
                 <a16:creationId xmlns:a16="http://schemas.microsoft.com/office/drawing/2014/main" id="{B1D4C7A0-6DF2-4F2D-A45D-F111582974C7}"/>
@@ -4433,7 +4430,7 @@
       </p:sp>
       <p:sp>
         <p:nvSpPr>
-          <p:cNvPr id="29" name="Rectangle 28">
+          <p:cNvPr id="16" name="Rectangle 15">
             <a:extLst>
               <a:ext uri="{FF2B5EF4-FFF2-40B4-BE49-F238E27FC236}">
                 <a16:creationId xmlns:a16="http://schemas.microsoft.com/office/drawing/2014/main" id="{DBF3943D-BCB6-4B31-809D-A005686483B4}"/>
@@ -4487,7 +4484,7 @@
       </p:sp>
       <p:sp>
         <p:nvSpPr>
-          <p:cNvPr id="31" name="Rectangle 30">
+          <p:cNvPr id="18" name="Rectangle 17">
             <a:extLst>
               <a:ext uri="{FF2B5EF4-FFF2-40B4-BE49-F238E27FC236}">
                 <a16:creationId xmlns:a16="http://schemas.microsoft.com/office/drawing/2014/main" id="{39373A6F-2E1F-4613-8E1D-D68057D29F31}"/>
@@ -4544,7 +4541,7 @@
           <p:cNvPr id="2" name="Title 1">
             <a:extLst>
               <a:ext uri="{FF2B5EF4-FFF2-40B4-BE49-F238E27FC236}">
-                <a16:creationId xmlns:a16="http://schemas.microsoft.com/office/drawing/2014/main" id="{BF1C9194-59A3-4E1B-B173-A0DDF85B4B05}"/>
+                <a16:creationId xmlns:a16="http://schemas.microsoft.com/office/drawing/2014/main" id="{55908D84-C291-4DD2-81A1-34AB1E82D2DD}"/>
               </a:ext>
             </a:extLst>
           </p:cNvPr>
@@ -4573,7 +4570,7 @@
                   <a:srgbClr val="FFFFFF"/>
                 </a:solidFill>
               </a:rPr>
-              <a:t>Login</a:t>
+              <a:t>Inventory Bookings</a:t>
             </a:r>
           </a:p>
         </p:txBody>
@@ -4583,7 +4580,7 @@
           <p:cNvPr id="3" name="Content Placeholder 2">
             <a:extLst>
               <a:ext uri="{FF2B5EF4-FFF2-40B4-BE49-F238E27FC236}">
-                <a16:creationId xmlns:a16="http://schemas.microsoft.com/office/drawing/2014/main" id="{67997A21-C790-4F5F-8152-4AB7EA6BF4C3}"/>
+                <a16:creationId xmlns:a16="http://schemas.microsoft.com/office/drawing/2014/main" id="{383DEF56-CCA3-4E63-8FE0-28D2736379FD}"/>
               </a:ext>
             </a:extLst>
           </p:cNvPr>
@@ -4612,39 +4609,17 @@
                   <a:srgbClr val="FFFFFF"/>
                 </a:solidFill>
               </a:rPr>
-              <a:t>The Login page requires;</a:t>
-            </a:r>
-          </a:p>
-          <a:p>
-            <a:pPr lvl="1"/>
-            <a:r>
-              <a:rPr lang="en-US">
-                <a:solidFill>
-                  <a:srgbClr val="FFFFFF"/>
-                </a:solidFill>
-              </a:rPr>
-              <a:t>Username</a:t>
-            </a:r>
-          </a:p>
-          <a:p>
-            <a:pPr lvl="1"/>
-            <a:r>
-              <a:rPr lang="en-US">
-                <a:solidFill>
-                  <a:srgbClr val="FFFFFF"/>
-                </a:solidFill>
-              </a:rPr>
-              <a:t>Password </a:t>
+              <a:t>Room Booking currently shows items that are currently booked.</a:t>
             </a:r>
           </a:p>
         </p:txBody>
       </p:sp>
       <p:pic>
         <p:nvPicPr>
-          <p:cNvPr id="6" name="Picture 5" descr="A screenshot of a cell phone&#10;&#10;Description automatically generated">
-            <a:extLst>
-              <a:ext uri="{FF2B5EF4-FFF2-40B4-BE49-F238E27FC236}">
-                <a16:creationId xmlns:a16="http://schemas.microsoft.com/office/drawing/2014/main" id="{E91B1654-7D97-485A-893B-F4A45CF568FF}"/>
+          <p:cNvPr id="5" name="Picture 4" descr="A screenshot of a cell phone&#10;&#10;Description automatically generated">
+            <a:extLst>
+              <a:ext uri="{FF2B5EF4-FFF2-40B4-BE49-F238E27FC236}">
+                <a16:creationId xmlns:a16="http://schemas.microsoft.com/office/drawing/2014/main" id="{6079E1AA-8D11-46DE-98AF-CBA4FF5E8237}"/>
               </a:ext>
             </a:extLst>
           </p:cNvPr>
@@ -4661,8 +4636,8 @@
         </p:blipFill>
         <p:spPr>
           <a:xfrm>
-            <a:off x="4702738" y="936141"/>
-            <a:ext cx="6610489" cy="4968305"/>
+            <a:off x="5021354" y="936141"/>
+            <a:ext cx="5973256" cy="4968305"/>
           </a:xfrm>
           <a:prstGeom prst="rect">
             <a:avLst/>
@@ -4672,7 +4647,7 @@
     </p:spTree>
     <p:extLst>
       <p:ext uri="{BB962C8B-B14F-4D97-AF65-F5344CB8AC3E}">
-        <p14:creationId xmlns:p14="http://schemas.microsoft.com/office/powerpoint/2010/main" val="2238764260"/>
+        <p14:creationId xmlns:p14="http://schemas.microsoft.com/office/powerpoint/2010/main" val="4194343756"/>
       </p:ext>
     </p:extLst>
   </p:cSld>
@@ -4991,7 +4966,7 @@
           <p:cNvPr id="2" name="Title 1">
             <a:extLst>
               <a:ext uri="{FF2B5EF4-FFF2-40B4-BE49-F238E27FC236}">
-                <a16:creationId xmlns:a16="http://schemas.microsoft.com/office/drawing/2014/main" id="{32ECE692-5682-4E05-B65D-C1EF24F7328C}"/>
+                <a16:creationId xmlns:a16="http://schemas.microsoft.com/office/drawing/2014/main" id="{83ADD54A-E835-4A64-9304-9E2430E31639}"/>
               </a:ext>
             </a:extLst>
           </p:cNvPr>
@@ -5020,7 +4995,7 @@
                   <a:srgbClr val="FFFFFF"/>
                 </a:solidFill>
               </a:rPr>
-              <a:t>Room Bookings</a:t>
+              <a:t>Contact</a:t>
             </a:r>
           </a:p>
         </p:txBody>
@@ -5030,7 +5005,7 @@
           <p:cNvPr id="3" name="Content Placeholder 2">
             <a:extLst>
               <a:ext uri="{FF2B5EF4-FFF2-40B4-BE49-F238E27FC236}">
-                <a16:creationId xmlns:a16="http://schemas.microsoft.com/office/drawing/2014/main" id="{C352793F-995D-4A5B-B329-C0DC4D63A94D}"/>
+                <a16:creationId xmlns:a16="http://schemas.microsoft.com/office/drawing/2014/main" id="{C2F3E806-1338-4AEE-B971-904E6486BC00}"/>
               </a:ext>
             </a:extLst>
           </p:cNvPr>
@@ -5059,7 +5034,7 @@
                   <a:srgbClr val="FFFFFF"/>
                 </a:solidFill>
               </a:rPr>
-              <a:t>Room Booking currently shows rooms that are currently booked.</a:t>
+              <a:t>Contact currently shows contacts of email and phone number to be able to get help or to book a room.</a:t>
             </a:r>
           </a:p>
         </p:txBody>
@@ -5069,7 +5044,7 @@
           <p:cNvPr id="6" name="Picture 5" descr="A screenshot of a cell phone&#10;&#10;Description automatically generated">
             <a:extLst>
               <a:ext uri="{FF2B5EF4-FFF2-40B4-BE49-F238E27FC236}">
-                <a16:creationId xmlns:a16="http://schemas.microsoft.com/office/drawing/2014/main" id="{B29A3FB7-EB53-473E-B1DA-1AB009349529}"/>
+                <a16:creationId xmlns:a16="http://schemas.microsoft.com/office/drawing/2014/main" id="{C8ECA74E-36F2-4BE3-A3DF-55936B079748}"/>
               </a:ext>
             </a:extLst>
           </p:cNvPr>
@@ -5086,8 +5061,8 @@
         </p:blipFill>
         <p:spPr>
           <a:xfrm>
-            <a:off x="6063272" y="936141"/>
-            <a:ext cx="3889420" cy="4968305"/>
+            <a:off x="4592231" y="1597814"/>
+            <a:ext cx="6831503" cy="3644959"/>
           </a:xfrm>
           <a:prstGeom prst="rect">
             <a:avLst/>
@@ -5097,7 +5072,7 @@
     </p:spTree>
     <p:extLst>
       <p:ext uri="{BB962C8B-B14F-4D97-AF65-F5344CB8AC3E}">
-        <p14:creationId xmlns:p14="http://schemas.microsoft.com/office/powerpoint/2010/main" val="3920136443"/>
+        <p14:creationId xmlns:p14="http://schemas.microsoft.com/office/powerpoint/2010/main" val="3618777613"/>
       </p:ext>
     </p:extLst>
   </p:cSld>
@@ -5134,1244 +5109,6 @@
       </p:grpSpPr>
       <p:sp>
         <p:nvSpPr>
-          <p:cNvPr id="10" name="Rectangle 9">
-            <a:extLst>
-              <a:ext uri="{FF2B5EF4-FFF2-40B4-BE49-F238E27FC236}">
-                <a16:creationId xmlns:a16="http://schemas.microsoft.com/office/drawing/2014/main" id="{E9751CB9-7B25-4EB8-9A6F-82F822549F12}"/>
-              </a:ext>
-              <a:ext uri="{C183D7F6-B498-43B3-948B-1728B52AA6E4}">
-                <adec:decorative xmlns:adec="http://schemas.microsoft.com/office/drawing/2017/decorative" val="1"/>
-              </a:ext>
-            </a:extLst>
-          </p:cNvPr>
-          <p:cNvSpPr>
-            <a:spLocks noGrp="1" noRot="1" noChangeAspect="1" noMove="1" noResize="1" noEditPoints="1" noAdjustHandles="1" noChangeArrowheads="1" noChangeShapeType="1" noTextEdit="1"/>
-          </p:cNvSpPr>
-          <p:nvPr>
-            <p:extLst>
-              <p:ext uri="{386F3935-93C4-4BCD-93E2-E3B085C9AB24}">
-                <p16:designElem xmlns:p16="http://schemas.microsoft.com/office/powerpoint/2015/main" val="1"/>
-              </p:ext>
-            </p:extLst>
-          </p:nvPr>
-        </p:nvSpPr>
-        <p:spPr>
-          <a:xfrm>
-            <a:off x="0" y="0"/>
-            <a:ext cx="12192000" cy="6858000"/>
-          </a:xfrm>
-          <a:prstGeom prst="rect">
-            <a:avLst/>
-          </a:prstGeom>
-          <a:solidFill>
-            <a:srgbClr val="FFFFFF"/>
-          </a:solidFill>
-          <a:ln>
-            <a:noFill/>
-          </a:ln>
-        </p:spPr>
-        <p:style>
-          <a:lnRef idx="2">
-            <a:schemeClr val="accent1">
-              <a:shade val="50000"/>
-            </a:schemeClr>
-          </a:lnRef>
-          <a:fillRef idx="1">
-            <a:schemeClr val="accent1"/>
-          </a:fillRef>
-          <a:effectRef idx="0">
-            <a:schemeClr val="accent1"/>
-          </a:effectRef>
-          <a:fontRef idx="minor">
-            <a:schemeClr val="lt1"/>
-          </a:fontRef>
-        </p:style>
-        <p:txBody>
-          <a:bodyPr rtlCol="0" anchor="ctr"/>
-          <a:lstStyle/>
-          <a:p>
-            <a:pPr algn="ctr"/>
-            <a:endParaRPr lang="en-US"/>
-          </a:p>
-        </p:txBody>
-      </p:sp>
-      <p:sp>
-        <p:nvSpPr>
-          <p:cNvPr id="12" name="Rectangle 11">
-            <a:extLst>
-              <a:ext uri="{FF2B5EF4-FFF2-40B4-BE49-F238E27FC236}">
-                <a16:creationId xmlns:a16="http://schemas.microsoft.com/office/drawing/2014/main" id="{E1317383-CF3B-4B02-9512-BECBEF6362A4}"/>
-              </a:ext>
-              <a:ext uri="{C183D7F6-B498-43B3-948B-1728B52AA6E4}">
-                <adec:decorative xmlns:adec="http://schemas.microsoft.com/office/drawing/2017/decorative" val="1"/>
-              </a:ext>
-            </a:extLst>
-          </p:cNvPr>
-          <p:cNvSpPr>
-            <a:spLocks noGrp="1" noRot="1" noChangeAspect="1" noMove="1" noResize="1" noEditPoints="1" noAdjustHandles="1" noChangeArrowheads="1" noChangeShapeType="1" noTextEdit="1"/>
-          </p:cNvSpPr>
-          <p:nvPr>
-            <p:extLst>
-              <p:ext uri="{386F3935-93C4-4BCD-93E2-E3B085C9AB24}">
-                <p16:designElem xmlns:p16="http://schemas.microsoft.com/office/powerpoint/2015/main" val="1"/>
-              </p:ext>
-            </p:extLst>
-          </p:nvPr>
-        </p:nvSpPr>
-        <p:spPr>
-          <a:xfrm>
-            <a:off x="446534" y="457200"/>
-            <a:ext cx="3703320" cy="94997"/>
-          </a:xfrm>
-          <a:prstGeom prst="rect">
-            <a:avLst/>
-          </a:prstGeom>
-          <a:solidFill>
-            <a:srgbClr val="465359"/>
-          </a:solidFill>
-          <a:ln>
-            <a:noFill/>
-          </a:ln>
-          <a:effectLst/>
-        </p:spPr>
-        <p:style>
-          <a:lnRef idx="1">
-            <a:schemeClr val="accent1"/>
-          </a:lnRef>
-          <a:fillRef idx="3">
-            <a:schemeClr val="accent1"/>
-          </a:fillRef>
-          <a:effectRef idx="2">
-            <a:schemeClr val="accent1"/>
-          </a:effectRef>
-          <a:fontRef idx="minor">
-            <a:schemeClr val="lt1"/>
-          </a:fontRef>
-        </p:style>
-      </p:sp>
-      <p:sp>
-        <p:nvSpPr>
-          <p:cNvPr id="14" name="Rectangle 13">
-            <a:extLst>
-              <a:ext uri="{FF2B5EF4-FFF2-40B4-BE49-F238E27FC236}">
-                <a16:creationId xmlns:a16="http://schemas.microsoft.com/office/drawing/2014/main" id="{B1D4C7A0-6DF2-4F2D-A45D-F111582974C7}"/>
-              </a:ext>
-              <a:ext uri="{C183D7F6-B498-43B3-948B-1728B52AA6E4}">
-                <adec:decorative xmlns:adec="http://schemas.microsoft.com/office/drawing/2017/decorative" val="1"/>
-              </a:ext>
-            </a:extLst>
-          </p:cNvPr>
-          <p:cNvSpPr>
-            <a:spLocks noGrp="1" noRot="1" noChangeAspect="1" noMove="1" noResize="1" noEditPoints="1" noAdjustHandles="1" noChangeArrowheads="1" noChangeShapeType="1" noTextEdit="1"/>
-          </p:cNvSpPr>
-          <p:nvPr>
-            <p:extLst>
-              <p:ext uri="{386F3935-93C4-4BCD-93E2-E3B085C9AB24}">
-                <p16:designElem xmlns:p16="http://schemas.microsoft.com/office/powerpoint/2015/main" val="1"/>
-              </p:ext>
-            </p:extLst>
-          </p:nvPr>
-        </p:nvSpPr>
-        <p:spPr>
-          <a:xfrm>
-            <a:off x="4241830" y="457200"/>
-            <a:ext cx="3703320" cy="91440"/>
-          </a:xfrm>
-          <a:prstGeom prst="rect">
-            <a:avLst/>
-          </a:prstGeom>
-          <a:solidFill>
-            <a:schemeClr val="accent1"/>
-          </a:solidFill>
-          <a:ln>
-            <a:noFill/>
-          </a:ln>
-          <a:effectLst/>
-        </p:spPr>
-        <p:style>
-          <a:lnRef idx="1">
-            <a:schemeClr val="accent1"/>
-          </a:lnRef>
-          <a:fillRef idx="3">
-            <a:schemeClr val="accent1"/>
-          </a:fillRef>
-          <a:effectRef idx="2">
-            <a:schemeClr val="accent1"/>
-          </a:effectRef>
-          <a:fontRef idx="minor">
-            <a:schemeClr val="lt1"/>
-          </a:fontRef>
-        </p:style>
-      </p:sp>
-      <p:sp>
-        <p:nvSpPr>
-          <p:cNvPr id="16" name="Rectangle 15">
-            <a:extLst>
-              <a:ext uri="{FF2B5EF4-FFF2-40B4-BE49-F238E27FC236}">
-                <a16:creationId xmlns:a16="http://schemas.microsoft.com/office/drawing/2014/main" id="{DBF3943D-BCB6-4B31-809D-A005686483B4}"/>
-              </a:ext>
-              <a:ext uri="{C183D7F6-B498-43B3-948B-1728B52AA6E4}">
-                <adec:decorative xmlns:adec="http://schemas.microsoft.com/office/drawing/2017/decorative" val="1"/>
-              </a:ext>
-            </a:extLst>
-          </p:cNvPr>
-          <p:cNvSpPr>
-            <a:spLocks noGrp="1" noRot="1" noChangeAspect="1" noMove="1" noResize="1" noEditPoints="1" noAdjustHandles="1" noChangeArrowheads="1" noChangeShapeType="1" noTextEdit="1"/>
-          </p:cNvSpPr>
-          <p:nvPr>
-            <p:extLst>
-              <p:ext uri="{386F3935-93C4-4BCD-93E2-E3B085C9AB24}">
-                <p16:designElem xmlns:p16="http://schemas.microsoft.com/office/powerpoint/2015/main" val="1"/>
-              </p:ext>
-            </p:extLst>
-          </p:nvPr>
-        </p:nvSpPr>
-        <p:spPr>
-          <a:xfrm>
-            <a:off x="8042147" y="453643"/>
-            <a:ext cx="3703320" cy="98554"/>
-          </a:xfrm>
-          <a:prstGeom prst="rect">
-            <a:avLst/>
-          </a:prstGeom>
-          <a:solidFill>
-            <a:srgbClr val="969FA7"/>
-          </a:solidFill>
-          <a:ln>
-            <a:noFill/>
-          </a:ln>
-          <a:effectLst/>
-        </p:spPr>
-        <p:style>
-          <a:lnRef idx="1">
-            <a:schemeClr val="accent1"/>
-          </a:lnRef>
-          <a:fillRef idx="3">
-            <a:schemeClr val="accent1"/>
-          </a:fillRef>
-          <a:effectRef idx="2">
-            <a:schemeClr val="accent1"/>
-          </a:effectRef>
-          <a:fontRef idx="minor">
-            <a:schemeClr val="lt1"/>
-          </a:fontRef>
-        </p:style>
-      </p:sp>
-      <p:sp>
-        <p:nvSpPr>
-          <p:cNvPr id="18" name="Rectangle 17">
-            <a:extLst>
-              <a:ext uri="{FF2B5EF4-FFF2-40B4-BE49-F238E27FC236}">
-                <a16:creationId xmlns:a16="http://schemas.microsoft.com/office/drawing/2014/main" id="{39373A6F-2E1F-4613-8E1D-D68057D29F31}"/>
-              </a:ext>
-              <a:ext uri="{C183D7F6-B498-43B3-948B-1728B52AA6E4}">
-                <adec:decorative xmlns:adec="http://schemas.microsoft.com/office/drawing/2017/decorative" val="1"/>
-              </a:ext>
-            </a:extLst>
-          </p:cNvPr>
-          <p:cNvSpPr>
-            <a:spLocks noGrp="1" noRot="1" noChangeAspect="1" noMove="1" noResize="1" noEditPoints="1" noAdjustHandles="1" noChangeArrowheads="1" noChangeShapeType="1" noTextEdit="1"/>
-          </p:cNvSpPr>
-          <p:nvPr>
-            <p:extLst>
-              <p:ext uri="{386F3935-93C4-4BCD-93E2-E3B085C9AB24}">
-                <p16:designElem xmlns:p16="http://schemas.microsoft.com/office/powerpoint/2015/main" val="1"/>
-              </p:ext>
-            </p:extLst>
-          </p:nvPr>
-        </p:nvSpPr>
-        <p:spPr>
-          <a:xfrm>
-            <a:off x="442377" y="601200"/>
-            <a:ext cx="3707477" cy="5624979"/>
-          </a:xfrm>
-          <a:prstGeom prst="rect">
-            <a:avLst/>
-          </a:prstGeom>
-          <a:solidFill>
-            <a:srgbClr val="465359"/>
-          </a:solidFill>
-          <a:ln>
-            <a:noFill/>
-          </a:ln>
-          <a:effectLst/>
-        </p:spPr>
-        <p:style>
-          <a:lnRef idx="1">
-            <a:schemeClr val="accent1"/>
-          </a:lnRef>
-          <a:fillRef idx="3">
-            <a:schemeClr val="accent1"/>
-          </a:fillRef>
-          <a:effectRef idx="2">
-            <a:schemeClr val="accent1"/>
-          </a:effectRef>
-          <a:fontRef idx="minor">
-            <a:schemeClr val="lt1"/>
-          </a:fontRef>
-        </p:style>
-      </p:sp>
-      <p:sp>
-        <p:nvSpPr>
-          <p:cNvPr id="2" name="Title 1">
-            <a:extLst>
-              <a:ext uri="{FF2B5EF4-FFF2-40B4-BE49-F238E27FC236}">
-                <a16:creationId xmlns:a16="http://schemas.microsoft.com/office/drawing/2014/main" id="{55908D84-C291-4DD2-81A1-34AB1E82D2DD}"/>
-              </a:ext>
-            </a:extLst>
-          </p:cNvPr>
-          <p:cNvSpPr>
-            <a:spLocks noGrp="1"/>
-          </p:cNvSpPr>
-          <p:nvPr>
-            <p:ph type="title"/>
-          </p:nvPr>
-        </p:nvSpPr>
-        <p:spPr>
-          <a:xfrm>
-            <a:off x="601255" y="702155"/>
-            <a:ext cx="3409783" cy="1300365"/>
-          </a:xfrm>
-        </p:spPr>
-        <p:txBody>
-          <a:bodyPr>
-            <a:normAutofit/>
-          </a:bodyPr>
-          <a:lstStyle/>
-          <a:p>
-            <a:r>
-              <a:rPr lang="en-US">
-                <a:solidFill>
-                  <a:srgbClr val="FFFFFF"/>
-                </a:solidFill>
-              </a:rPr>
-              <a:t>Inventory Bookings</a:t>
-            </a:r>
-          </a:p>
-        </p:txBody>
-      </p:sp>
-      <p:sp>
-        <p:nvSpPr>
-          <p:cNvPr id="3" name="Content Placeholder 2">
-            <a:extLst>
-              <a:ext uri="{FF2B5EF4-FFF2-40B4-BE49-F238E27FC236}">
-                <a16:creationId xmlns:a16="http://schemas.microsoft.com/office/drawing/2014/main" id="{383DEF56-CCA3-4E63-8FE0-28D2736379FD}"/>
-              </a:ext>
-            </a:extLst>
-          </p:cNvPr>
-          <p:cNvSpPr>
-            <a:spLocks noGrp="1"/>
-          </p:cNvSpPr>
-          <p:nvPr>
-            <p:ph idx="1"/>
-          </p:nvPr>
-        </p:nvSpPr>
-        <p:spPr>
-          <a:xfrm>
-            <a:off x="601255" y="2177142"/>
-            <a:ext cx="3409782" cy="3823607"/>
-          </a:xfrm>
-        </p:spPr>
-        <p:txBody>
-          <a:bodyPr>
-            <a:normAutofit/>
-          </a:bodyPr>
-          <a:lstStyle/>
-          <a:p>
-            <a:r>
-              <a:rPr lang="en-US">
-                <a:solidFill>
-                  <a:srgbClr val="FFFFFF"/>
-                </a:solidFill>
-              </a:rPr>
-              <a:t>Room Booking currently shows items that are currently booked.</a:t>
-            </a:r>
-          </a:p>
-        </p:txBody>
-      </p:sp>
-      <p:pic>
-        <p:nvPicPr>
-          <p:cNvPr id="5" name="Picture 4" descr="A screenshot of a cell phone&#10;&#10;Description automatically generated">
-            <a:extLst>
-              <a:ext uri="{FF2B5EF4-FFF2-40B4-BE49-F238E27FC236}">
-                <a16:creationId xmlns:a16="http://schemas.microsoft.com/office/drawing/2014/main" id="{6079E1AA-8D11-46DE-98AF-CBA4FF5E8237}"/>
-              </a:ext>
-            </a:extLst>
-          </p:cNvPr>
-          <p:cNvPicPr>
-            <a:picLocks noChangeAspect="1"/>
-          </p:cNvPicPr>
-          <p:nvPr/>
-        </p:nvPicPr>
-        <p:blipFill>
-          <a:blip r:embed="rId2"/>
-          <a:stretch>
-            <a:fillRect/>
-          </a:stretch>
-        </p:blipFill>
-        <p:spPr>
-          <a:xfrm>
-            <a:off x="5021354" y="936141"/>
-            <a:ext cx="5973256" cy="4968305"/>
-          </a:xfrm>
-          <a:prstGeom prst="rect">
-            <a:avLst/>
-          </a:prstGeom>
-        </p:spPr>
-      </p:pic>
-    </p:spTree>
-    <p:extLst>
-      <p:ext uri="{BB962C8B-B14F-4D97-AF65-F5344CB8AC3E}">
-        <p14:creationId xmlns:p14="http://schemas.microsoft.com/office/powerpoint/2010/main" val="4194343756"/>
-      </p:ext>
-    </p:extLst>
-  </p:cSld>
-  <p:clrMapOvr>
-    <a:overrideClrMapping bg1="dk1" tx1="lt1" bg2="dk2" tx2="lt2" accent1="accent1" accent2="accent2" accent3="accent3" accent4="accent4" accent5="accent5" accent6="accent6" hlink="hlink" folHlink="folHlink"/>
-  </p:clrMapOvr>
-</p:sld>
-</file>
-
-<file path=ppt/slides/slide13.xml><?xml version="1.0" encoding="utf-8"?>
-<p:sld xmlns:a="http://schemas.openxmlformats.org/drawingml/2006/main" xmlns:r="http://schemas.openxmlformats.org/officeDocument/2006/relationships" xmlns:p="http://schemas.openxmlformats.org/presentationml/2006/main" show="0">
-  <p:cSld>
-    <p:bg>
-      <p:bgPr>
-        <a:solidFill>
-          <a:schemeClr val="bg1"/>
-        </a:solidFill>
-        <a:effectLst/>
-      </p:bgPr>
-    </p:bg>
-    <p:spTree>
-      <p:nvGrpSpPr>
-        <p:cNvPr id="1" name=""/>
-        <p:cNvGrpSpPr/>
-        <p:nvPr/>
-      </p:nvGrpSpPr>
-      <p:grpSpPr>
-        <a:xfrm>
-          <a:off x="0" y="0"/>
-          <a:ext cx="0" cy="0"/>
-          <a:chOff x="0" y="0"/>
-          <a:chExt cx="0" cy="0"/>
-        </a:xfrm>
-      </p:grpSpPr>
-      <p:sp useBgFill="1">
-        <p:nvSpPr>
-          <p:cNvPr id="8" name="Rectangle 7">
-            <a:extLst>
-              <a:ext uri="{FF2B5EF4-FFF2-40B4-BE49-F238E27FC236}">
-                <a16:creationId xmlns:a16="http://schemas.microsoft.com/office/drawing/2014/main" id="{F858DF7D-C2D0-4B03-A7A0-2F06B789EE35}"/>
-              </a:ext>
-              <a:ext uri="{C183D7F6-B498-43B3-948B-1728B52AA6E4}">
-                <adec:decorative xmlns:adec="http://schemas.microsoft.com/office/drawing/2017/decorative" val="1"/>
-              </a:ext>
-            </a:extLst>
-          </p:cNvPr>
-          <p:cNvSpPr>
-            <a:spLocks noGrp="1" noRot="1" noChangeAspect="1" noMove="1" noResize="1" noEditPoints="1" noAdjustHandles="1" noChangeArrowheads="1" noChangeShapeType="1" noTextEdit="1"/>
-          </p:cNvSpPr>
-          <p:nvPr>
-            <p:extLst>
-              <p:ext uri="{386F3935-93C4-4BCD-93E2-E3B085C9AB24}">
-                <p16:designElem xmlns:p16="http://schemas.microsoft.com/office/powerpoint/2015/main" val="1"/>
-              </p:ext>
-            </p:extLst>
-          </p:nvPr>
-        </p:nvSpPr>
-        <p:spPr>
-          <a:xfrm>
-            <a:off x="0" y="0"/>
-            <a:ext cx="12191999" cy="6858001"/>
-          </a:xfrm>
-          <a:prstGeom prst="rect">
-            <a:avLst/>
-          </a:prstGeom>
-          <a:ln>
-            <a:noFill/>
-          </a:ln>
-        </p:spPr>
-        <p:style>
-          <a:lnRef idx="2">
-            <a:schemeClr val="accent1">
-              <a:shade val="50000"/>
-            </a:schemeClr>
-          </a:lnRef>
-          <a:fillRef idx="1">
-            <a:schemeClr val="accent1"/>
-          </a:fillRef>
-          <a:effectRef idx="0">
-            <a:schemeClr val="accent1"/>
-          </a:effectRef>
-          <a:fontRef idx="minor">
-            <a:schemeClr val="lt1"/>
-          </a:fontRef>
-        </p:style>
-        <p:txBody>
-          <a:bodyPr rtlCol="0" anchor="ctr"/>
-          <a:lstStyle/>
-          <a:p>
-            <a:pPr algn="ctr"/>
-            <a:endParaRPr lang="en-US"/>
-          </a:p>
-        </p:txBody>
-      </p:sp>
-      <p:sp>
-        <p:nvSpPr>
-          <p:cNvPr id="10" name="Rectangle 9">
-            <a:extLst>
-              <a:ext uri="{FF2B5EF4-FFF2-40B4-BE49-F238E27FC236}">
-                <a16:creationId xmlns:a16="http://schemas.microsoft.com/office/drawing/2014/main" id="{1B26B711-3121-40B0-8377-A64F3DC00C7A}"/>
-              </a:ext>
-              <a:ext uri="{C183D7F6-B498-43B3-948B-1728B52AA6E4}">
-                <adec:decorative xmlns:adec="http://schemas.microsoft.com/office/drawing/2017/decorative" val="1"/>
-              </a:ext>
-            </a:extLst>
-          </p:cNvPr>
-          <p:cNvSpPr>
-            <a:spLocks noGrp="1" noRot="1" noChangeAspect="1" noMove="1" noResize="1" noEditPoints="1" noAdjustHandles="1" noChangeArrowheads="1" noChangeShapeType="1" noTextEdit="1"/>
-          </p:cNvSpPr>
-          <p:nvPr>
-            <p:extLst>
-              <p:ext uri="{386F3935-93C4-4BCD-93E2-E3B085C9AB24}">
-                <p16:designElem xmlns:p16="http://schemas.microsoft.com/office/powerpoint/2015/main" val="1"/>
-              </p:ext>
-            </p:extLst>
-          </p:nvPr>
-        </p:nvSpPr>
-        <p:spPr>
-          <a:xfrm>
-            <a:off x="446534" y="457200"/>
-            <a:ext cx="3703320" cy="94997"/>
-          </a:xfrm>
-          <a:prstGeom prst="rect">
-            <a:avLst/>
-          </a:prstGeom>
-          <a:solidFill>
-            <a:srgbClr val="465359"/>
-          </a:solidFill>
-          <a:ln>
-            <a:noFill/>
-          </a:ln>
-          <a:effectLst/>
-        </p:spPr>
-        <p:style>
-          <a:lnRef idx="1">
-            <a:schemeClr val="accent1"/>
-          </a:lnRef>
-          <a:fillRef idx="3">
-            <a:schemeClr val="accent1"/>
-          </a:fillRef>
-          <a:effectRef idx="2">
-            <a:schemeClr val="accent1"/>
-          </a:effectRef>
-          <a:fontRef idx="minor">
-            <a:schemeClr val="lt1"/>
-          </a:fontRef>
-        </p:style>
-      </p:sp>
-      <p:sp>
-        <p:nvSpPr>
-          <p:cNvPr id="12" name="Rectangle 11">
-            <a:extLst>
-              <a:ext uri="{FF2B5EF4-FFF2-40B4-BE49-F238E27FC236}">
-                <a16:creationId xmlns:a16="http://schemas.microsoft.com/office/drawing/2014/main" id="{645C4D3D-ABBA-4B4E-93E5-01E343719849}"/>
-              </a:ext>
-              <a:ext uri="{C183D7F6-B498-43B3-948B-1728B52AA6E4}">
-                <adec:decorative xmlns:adec="http://schemas.microsoft.com/office/drawing/2017/decorative" val="1"/>
-              </a:ext>
-            </a:extLst>
-          </p:cNvPr>
-          <p:cNvSpPr>
-            <a:spLocks noGrp="1" noRot="1" noChangeAspect="1" noMove="1" noResize="1" noEditPoints="1" noAdjustHandles="1" noChangeArrowheads="1" noChangeShapeType="1" noTextEdit="1"/>
-          </p:cNvSpPr>
-          <p:nvPr>
-            <p:extLst>
-              <p:ext uri="{386F3935-93C4-4BCD-93E2-E3B085C9AB24}">
-                <p16:designElem xmlns:p16="http://schemas.microsoft.com/office/powerpoint/2015/main" val="1"/>
-              </p:ext>
-            </p:extLst>
-          </p:nvPr>
-        </p:nvSpPr>
-        <p:spPr>
-          <a:xfrm>
-            <a:off x="4241830" y="457200"/>
-            <a:ext cx="3703320" cy="91440"/>
-          </a:xfrm>
-          <a:prstGeom prst="rect">
-            <a:avLst/>
-          </a:prstGeom>
-          <a:solidFill>
-            <a:schemeClr val="accent1"/>
-          </a:solidFill>
-          <a:ln>
-            <a:noFill/>
-          </a:ln>
-          <a:effectLst/>
-        </p:spPr>
-        <p:style>
-          <a:lnRef idx="1">
-            <a:schemeClr val="accent1"/>
-          </a:lnRef>
-          <a:fillRef idx="3">
-            <a:schemeClr val="accent1"/>
-          </a:fillRef>
-          <a:effectRef idx="2">
-            <a:schemeClr val="accent1"/>
-          </a:effectRef>
-          <a:fontRef idx="minor">
-            <a:schemeClr val="lt1"/>
-          </a:fontRef>
-        </p:style>
-      </p:sp>
-      <p:sp>
-        <p:nvSpPr>
-          <p:cNvPr id="14" name="Rectangle 13">
-            <a:extLst>
-              <a:ext uri="{FF2B5EF4-FFF2-40B4-BE49-F238E27FC236}">
-                <a16:creationId xmlns:a16="http://schemas.microsoft.com/office/drawing/2014/main" id="{98DDD5E5-0097-4C6C-B266-5732EDA96CC4}"/>
-              </a:ext>
-              <a:ext uri="{C183D7F6-B498-43B3-948B-1728B52AA6E4}">
-                <adec:decorative xmlns:adec="http://schemas.microsoft.com/office/drawing/2017/decorative" val="1"/>
-              </a:ext>
-            </a:extLst>
-          </p:cNvPr>
-          <p:cNvSpPr>
-            <a:spLocks noGrp="1" noRot="1" noChangeAspect="1" noMove="1" noResize="1" noEditPoints="1" noAdjustHandles="1" noChangeArrowheads="1" noChangeShapeType="1" noTextEdit="1"/>
-          </p:cNvSpPr>
-          <p:nvPr>
-            <p:extLst>
-              <p:ext uri="{386F3935-93C4-4BCD-93E2-E3B085C9AB24}">
-                <p16:designElem xmlns:p16="http://schemas.microsoft.com/office/powerpoint/2015/main" val="1"/>
-              </p:ext>
-            </p:extLst>
-          </p:nvPr>
-        </p:nvSpPr>
-        <p:spPr>
-          <a:xfrm>
-            <a:off x="8042147" y="453643"/>
-            <a:ext cx="3703320" cy="98554"/>
-          </a:xfrm>
-          <a:prstGeom prst="rect">
-            <a:avLst/>
-          </a:prstGeom>
-          <a:solidFill>
-            <a:srgbClr val="969FA7"/>
-          </a:solidFill>
-          <a:ln>
-            <a:noFill/>
-          </a:ln>
-          <a:effectLst/>
-        </p:spPr>
-        <p:style>
-          <a:lnRef idx="1">
-            <a:schemeClr val="accent1"/>
-          </a:lnRef>
-          <a:fillRef idx="3">
-            <a:schemeClr val="accent1"/>
-          </a:fillRef>
-          <a:effectRef idx="2">
-            <a:schemeClr val="accent1"/>
-          </a:effectRef>
-          <a:fontRef idx="minor">
-            <a:schemeClr val="lt1"/>
-          </a:fontRef>
-        </p:style>
-      </p:sp>
-      <p:sp>
-        <p:nvSpPr>
-          <p:cNvPr id="16" name="Rectangle 15">
-            <a:extLst>
-              <a:ext uri="{FF2B5EF4-FFF2-40B4-BE49-F238E27FC236}">
-                <a16:creationId xmlns:a16="http://schemas.microsoft.com/office/drawing/2014/main" id="{8952EF87-C74F-4D3F-9CAD-EEA1733C9BD0}"/>
-              </a:ext>
-              <a:ext uri="{C183D7F6-B498-43B3-948B-1728B52AA6E4}">
-                <adec:decorative xmlns:adec="http://schemas.microsoft.com/office/drawing/2017/decorative" val="1"/>
-              </a:ext>
-            </a:extLst>
-          </p:cNvPr>
-          <p:cNvSpPr>
-            <a:spLocks noGrp="1" noRot="1" noChangeAspect="1" noMove="1" noResize="1" noEditPoints="1" noAdjustHandles="1" noChangeArrowheads="1" noChangeShapeType="1" noTextEdit="1"/>
-          </p:cNvSpPr>
-          <p:nvPr>
-            <p:extLst>
-              <p:ext uri="{386F3935-93C4-4BCD-93E2-E3B085C9AB24}">
-                <p16:designElem xmlns:p16="http://schemas.microsoft.com/office/powerpoint/2015/main" val="1"/>
-              </p:ext>
-            </p:extLst>
-          </p:nvPr>
-        </p:nvSpPr>
-        <p:spPr>
-          <a:xfrm>
-            <a:off x="446534" y="597643"/>
-            <a:ext cx="3703320" cy="5792922"/>
-          </a:xfrm>
-          <a:prstGeom prst="rect">
-            <a:avLst/>
-          </a:prstGeom>
-          <a:solidFill>
-            <a:srgbClr val="465359"/>
-          </a:solidFill>
-          <a:ln>
-            <a:noFill/>
-          </a:ln>
-          <a:effectLst/>
-        </p:spPr>
-        <p:style>
-          <a:lnRef idx="1">
-            <a:schemeClr val="accent1"/>
-          </a:lnRef>
-          <a:fillRef idx="3">
-            <a:schemeClr val="accent1"/>
-          </a:fillRef>
-          <a:effectRef idx="2">
-            <a:schemeClr val="accent1"/>
-          </a:effectRef>
-          <a:fontRef idx="minor">
-            <a:schemeClr val="lt1"/>
-          </a:fontRef>
-        </p:style>
-      </p:sp>
-      <p:sp>
-        <p:nvSpPr>
-          <p:cNvPr id="2" name="Title 1">
-            <a:extLst>
-              <a:ext uri="{FF2B5EF4-FFF2-40B4-BE49-F238E27FC236}">
-                <a16:creationId xmlns:a16="http://schemas.microsoft.com/office/drawing/2014/main" id="{3BCF9C22-908F-4072-BE00-71A8D081378E}"/>
-              </a:ext>
-            </a:extLst>
-          </p:cNvPr>
-          <p:cNvSpPr>
-            <a:spLocks noGrp="1"/>
-          </p:cNvSpPr>
-          <p:nvPr>
-            <p:ph type="title"/>
-          </p:nvPr>
-        </p:nvSpPr>
-        <p:spPr>
-          <a:xfrm>
-            <a:off x="771148" y="1037967"/>
-            <a:ext cx="3054091" cy="4709131"/>
-          </a:xfrm>
-        </p:spPr>
-        <p:txBody>
-          <a:bodyPr anchor="ctr">
-            <a:normAutofit/>
-          </a:bodyPr>
-          <a:lstStyle/>
-          <a:p>
-            <a:r>
-              <a:rPr lang="en-US">
-                <a:solidFill>
-                  <a:srgbClr val="FFFEFF"/>
-                </a:solidFill>
-              </a:rPr>
-              <a:t>Book a Room</a:t>
-            </a:r>
-          </a:p>
-        </p:txBody>
-      </p:sp>
-      <p:sp>
-        <p:nvSpPr>
-          <p:cNvPr id="3" name="Content Placeholder 2">
-            <a:extLst>
-              <a:ext uri="{FF2B5EF4-FFF2-40B4-BE49-F238E27FC236}">
-                <a16:creationId xmlns:a16="http://schemas.microsoft.com/office/drawing/2014/main" id="{623183AA-347A-46B5-AE12-BBB8216FD3FF}"/>
-              </a:ext>
-            </a:extLst>
-          </p:cNvPr>
-          <p:cNvSpPr>
-            <a:spLocks noGrp="1"/>
-          </p:cNvSpPr>
-          <p:nvPr>
-            <p:ph idx="1"/>
-          </p:nvPr>
-        </p:nvSpPr>
-        <p:spPr>
-          <a:xfrm>
-            <a:off x="4534935" y="1037968"/>
-            <a:ext cx="6725899" cy="4820832"/>
-          </a:xfrm>
-        </p:spPr>
-        <p:txBody>
-          <a:bodyPr>
-            <a:normAutofit/>
-          </a:bodyPr>
-          <a:lstStyle/>
-          <a:p>
-            <a:r>
-              <a:rPr lang="en-US" dirty="0"/>
-              <a:t>Room Booking currently displays a message about calling to book a room if there are any available rooms that someone may be interested in.</a:t>
-            </a:r>
-          </a:p>
-        </p:txBody>
-      </p:sp>
-    </p:spTree>
-    <p:extLst>
-      <p:ext uri="{BB962C8B-B14F-4D97-AF65-F5344CB8AC3E}">
-        <p14:creationId xmlns:p14="http://schemas.microsoft.com/office/powerpoint/2010/main" val="4213849112"/>
-      </p:ext>
-    </p:extLst>
-  </p:cSld>
-  <p:clrMapOvr>
-    <a:masterClrMapping/>
-  </p:clrMapOvr>
-</p:sld>
-</file>
-
-<file path=ppt/slides/slide14.xml><?xml version="1.0" encoding="utf-8"?>
-<p:sld xmlns:a="http://schemas.openxmlformats.org/drawingml/2006/main" xmlns:r="http://schemas.openxmlformats.org/officeDocument/2006/relationships" xmlns:p="http://schemas.openxmlformats.org/presentationml/2006/main">
-  <p:cSld>
-    <p:bg>
-      <p:bgPr>
-        <a:solidFill>
-          <a:schemeClr val="bg1"/>
-        </a:solidFill>
-        <a:effectLst/>
-      </p:bgPr>
-    </p:bg>
-    <p:spTree>
-      <p:nvGrpSpPr>
-        <p:cNvPr id="1" name=""/>
-        <p:cNvGrpSpPr/>
-        <p:nvPr/>
-      </p:nvGrpSpPr>
-      <p:grpSpPr>
-        <a:xfrm>
-          <a:off x="0" y="0"/>
-          <a:ext cx="0" cy="0"/>
-          <a:chOff x="0" y="0"/>
-          <a:chExt cx="0" cy="0"/>
-        </a:xfrm>
-      </p:grpSpPr>
-      <p:sp>
-        <p:nvSpPr>
-          <p:cNvPr id="23" name="Rectangle 22">
-            <a:extLst>
-              <a:ext uri="{FF2B5EF4-FFF2-40B4-BE49-F238E27FC236}">
-                <a16:creationId xmlns:a16="http://schemas.microsoft.com/office/drawing/2014/main" id="{E9751CB9-7B25-4EB8-9A6F-82F822549F12}"/>
-              </a:ext>
-              <a:ext uri="{C183D7F6-B498-43B3-948B-1728B52AA6E4}">
-                <adec:decorative xmlns:adec="http://schemas.microsoft.com/office/drawing/2017/decorative" val="1"/>
-              </a:ext>
-            </a:extLst>
-          </p:cNvPr>
-          <p:cNvSpPr>
-            <a:spLocks noGrp="1" noRot="1" noChangeAspect="1" noMove="1" noResize="1" noEditPoints="1" noAdjustHandles="1" noChangeArrowheads="1" noChangeShapeType="1" noTextEdit="1"/>
-          </p:cNvSpPr>
-          <p:nvPr>
-            <p:extLst>
-              <p:ext uri="{386F3935-93C4-4BCD-93E2-E3B085C9AB24}">
-                <p16:designElem xmlns:p16="http://schemas.microsoft.com/office/powerpoint/2015/main" val="1"/>
-              </p:ext>
-            </p:extLst>
-          </p:nvPr>
-        </p:nvSpPr>
-        <p:spPr>
-          <a:xfrm>
-            <a:off x="0" y="0"/>
-            <a:ext cx="12192000" cy="6858000"/>
-          </a:xfrm>
-          <a:prstGeom prst="rect">
-            <a:avLst/>
-          </a:prstGeom>
-          <a:solidFill>
-            <a:srgbClr val="FFFFFF"/>
-          </a:solidFill>
-          <a:ln>
-            <a:noFill/>
-          </a:ln>
-        </p:spPr>
-        <p:style>
-          <a:lnRef idx="2">
-            <a:schemeClr val="accent1">
-              <a:shade val="50000"/>
-            </a:schemeClr>
-          </a:lnRef>
-          <a:fillRef idx="1">
-            <a:schemeClr val="accent1"/>
-          </a:fillRef>
-          <a:effectRef idx="0">
-            <a:schemeClr val="accent1"/>
-          </a:effectRef>
-          <a:fontRef idx="minor">
-            <a:schemeClr val="lt1"/>
-          </a:fontRef>
-        </p:style>
-        <p:txBody>
-          <a:bodyPr rtlCol="0" anchor="ctr"/>
-          <a:lstStyle/>
-          <a:p>
-            <a:pPr algn="ctr"/>
-            <a:endParaRPr lang="en-US"/>
-          </a:p>
-        </p:txBody>
-      </p:sp>
-      <p:sp>
-        <p:nvSpPr>
-          <p:cNvPr id="25" name="Rectangle 24">
-            <a:extLst>
-              <a:ext uri="{FF2B5EF4-FFF2-40B4-BE49-F238E27FC236}">
-                <a16:creationId xmlns:a16="http://schemas.microsoft.com/office/drawing/2014/main" id="{E1317383-CF3B-4B02-9512-BECBEF6362A4}"/>
-              </a:ext>
-              <a:ext uri="{C183D7F6-B498-43B3-948B-1728B52AA6E4}">
-                <adec:decorative xmlns:adec="http://schemas.microsoft.com/office/drawing/2017/decorative" val="1"/>
-              </a:ext>
-            </a:extLst>
-          </p:cNvPr>
-          <p:cNvSpPr>
-            <a:spLocks noGrp="1" noRot="1" noChangeAspect="1" noMove="1" noResize="1" noEditPoints="1" noAdjustHandles="1" noChangeArrowheads="1" noChangeShapeType="1" noTextEdit="1"/>
-          </p:cNvSpPr>
-          <p:nvPr>
-            <p:extLst>
-              <p:ext uri="{386F3935-93C4-4BCD-93E2-E3B085C9AB24}">
-                <p16:designElem xmlns:p16="http://schemas.microsoft.com/office/powerpoint/2015/main" val="1"/>
-              </p:ext>
-            </p:extLst>
-          </p:nvPr>
-        </p:nvSpPr>
-        <p:spPr>
-          <a:xfrm>
-            <a:off x="446534" y="457200"/>
-            <a:ext cx="3703320" cy="94997"/>
-          </a:xfrm>
-          <a:prstGeom prst="rect">
-            <a:avLst/>
-          </a:prstGeom>
-          <a:solidFill>
-            <a:srgbClr val="465359"/>
-          </a:solidFill>
-          <a:ln>
-            <a:noFill/>
-          </a:ln>
-          <a:effectLst/>
-        </p:spPr>
-        <p:style>
-          <a:lnRef idx="1">
-            <a:schemeClr val="accent1"/>
-          </a:lnRef>
-          <a:fillRef idx="3">
-            <a:schemeClr val="accent1"/>
-          </a:fillRef>
-          <a:effectRef idx="2">
-            <a:schemeClr val="accent1"/>
-          </a:effectRef>
-          <a:fontRef idx="minor">
-            <a:schemeClr val="lt1"/>
-          </a:fontRef>
-        </p:style>
-      </p:sp>
-      <p:sp>
-        <p:nvSpPr>
-          <p:cNvPr id="27" name="Rectangle 26">
-            <a:extLst>
-              <a:ext uri="{FF2B5EF4-FFF2-40B4-BE49-F238E27FC236}">
-                <a16:creationId xmlns:a16="http://schemas.microsoft.com/office/drawing/2014/main" id="{B1D4C7A0-6DF2-4F2D-A45D-F111582974C7}"/>
-              </a:ext>
-              <a:ext uri="{C183D7F6-B498-43B3-948B-1728B52AA6E4}">
-                <adec:decorative xmlns:adec="http://schemas.microsoft.com/office/drawing/2017/decorative" val="1"/>
-              </a:ext>
-            </a:extLst>
-          </p:cNvPr>
-          <p:cNvSpPr>
-            <a:spLocks noGrp="1" noRot="1" noChangeAspect="1" noMove="1" noResize="1" noEditPoints="1" noAdjustHandles="1" noChangeArrowheads="1" noChangeShapeType="1" noTextEdit="1"/>
-          </p:cNvSpPr>
-          <p:nvPr>
-            <p:extLst>
-              <p:ext uri="{386F3935-93C4-4BCD-93E2-E3B085C9AB24}">
-                <p16:designElem xmlns:p16="http://schemas.microsoft.com/office/powerpoint/2015/main" val="1"/>
-              </p:ext>
-            </p:extLst>
-          </p:nvPr>
-        </p:nvSpPr>
-        <p:spPr>
-          <a:xfrm>
-            <a:off x="4241830" y="457200"/>
-            <a:ext cx="3703320" cy="91440"/>
-          </a:xfrm>
-          <a:prstGeom prst="rect">
-            <a:avLst/>
-          </a:prstGeom>
-          <a:solidFill>
-            <a:schemeClr val="accent1"/>
-          </a:solidFill>
-          <a:ln>
-            <a:noFill/>
-          </a:ln>
-          <a:effectLst/>
-        </p:spPr>
-        <p:style>
-          <a:lnRef idx="1">
-            <a:schemeClr val="accent1"/>
-          </a:lnRef>
-          <a:fillRef idx="3">
-            <a:schemeClr val="accent1"/>
-          </a:fillRef>
-          <a:effectRef idx="2">
-            <a:schemeClr val="accent1"/>
-          </a:effectRef>
-          <a:fontRef idx="minor">
-            <a:schemeClr val="lt1"/>
-          </a:fontRef>
-        </p:style>
-      </p:sp>
-      <p:sp>
-        <p:nvSpPr>
-          <p:cNvPr id="29" name="Rectangle 28">
-            <a:extLst>
-              <a:ext uri="{FF2B5EF4-FFF2-40B4-BE49-F238E27FC236}">
-                <a16:creationId xmlns:a16="http://schemas.microsoft.com/office/drawing/2014/main" id="{DBF3943D-BCB6-4B31-809D-A005686483B4}"/>
-              </a:ext>
-              <a:ext uri="{C183D7F6-B498-43B3-948B-1728B52AA6E4}">
-                <adec:decorative xmlns:adec="http://schemas.microsoft.com/office/drawing/2017/decorative" val="1"/>
-              </a:ext>
-            </a:extLst>
-          </p:cNvPr>
-          <p:cNvSpPr>
-            <a:spLocks noGrp="1" noRot="1" noChangeAspect="1" noMove="1" noResize="1" noEditPoints="1" noAdjustHandles="1" noChangeArrowheads="1" noChangeShapeType="1" noTextEdit="1"/>
-          </p:cNvSpPr>
-          <p:nvPr>
-            <p:extLst>
-              <p:ext uri="{386F3935-93C4-4BCD-93E2-E3B085C9AB24}">
-                <p16:designElem xmlns:p16="http://schemas.microsoft.com/office/powerpoint/2015/main" val="1"/>
-              </p:ext>
-            </p:extLst>
-          </p:nvPr>
-        </p:nvSpPr>
-        <p:spPr>
-          <a:xfrm>
-            <a:off x="8042147" y="453643"/>
-            <a:ext cx="3703320" cy="98554"/>
-          </a:xfrm>
-          <a:prstGeom prst="rect">
-            <a:avLst/>
-          </a:prstGeom>
-          <a:solidFill>
-            <a:srgbClr val="969FA7"/>
-          </a:solidFill>
-          <a:ln>
-            <a:noFill/>
-          </a:ln>
-          <a:effectLst/>
-        </p:spPr>
-        <p:style>
-          <a:lnRef idx="1">
-            <a:schemeClr val="accent1"/>
-          </a:lnRef>
-          <a:fillRef idx="3">
-            <a:schemeClr val="accent1"/>
-          </a:fillRef>
-          <a:effectRef idx="2">
-            <a:schemeClr val="accent1"/>
-          </a:effectRef>
-          <a:fontRef idx="minor">
-            <a:schemeClr val="lt1"/>
-          </a:fontRef>
-        </p:style>
-      </p:sp>
-      <p:sp>
-        <p:nvSpPr>
-          <p:cNvPr id="31" name="Rectangle 30">
-            <a:extLst>
-              <a:ext uri="{FF2B5EF4-FFF2-40B4-BE49-F238E27FC236}">
-                <a16:creationId xmlns:a16="http://schemas.microsoft.com/office/drawing/2014/main" id="{39373A6F-2E1F-4613-8E1D-D68057D29F31}"/>
-              </a:ext>
-              <a:ext uri="{C183D7F6-B498-43B3-948B-1728B52AA6E4}">
-                <adec:decorative xmlns:adec="http://schemas.microsoft.com/office/drawing/2017/decorative" val="1"/>
-              </a:ext>
-            </a:extLst>
-          </p:cNvPr>
-          <p:cNvSpPr>
-            <a:spLocks noGrp="1" noRot="1" noChangeAspect="1" noMove="1" noResize="1" noEditPoints="1" noAdjustHandles="1" noChangeArrowheads="1" noChangeShapeType="1" noTextEdit="1"/>
-          </p:cNvSpPr>
-          <p:nvPr>
-            <p:extLst>
-              <p:ext uri="{386F3935-93C4-4BCD-93E2-E3B085C9AB24}">
-                <p16:designElem xmlns:p16="http://schemas.microsoft.com/office/powerpoint/2015/main" val="1"/>
-              </p:ext>
-            </p:extLst>
-          </p:nvPr>
-        </p:nvSpPr>
-        <p:spPr>
-          <a:xfrm>
-            <a:off x="442377" y="601200"/>
-            <a:ext cx="3707477" cy="5624979"/>
-          </a:xfrm>
-          <a:prstGeom prst="rect">
-            <a:avLst/>
-          </a:prstGeom>
-          <a:solidFill>
-            <a:srgbClr val="465359"/>
-          </a:solidFill>
-          <a:ln>
-            <a:noFill/>
-          </a:ln>
-          <a:effectLst/>
-        </p:spPr>
-        <p:style>
-          <a:lnRef idx="1">
-            <a:schemeClr val="accent1"/>
-          </a:lnRef>
-          <a:fillRef idx="3">
-            <a:schemeClr val="accent1"/>
-          </a:fillRef>
-          <a:effectRef idx="2">
-            <a:schemeClr val="accent1"/>
-          </a:effectRef>
-          <a:fontRef idx="minor">
-            <a:schemeClr val="lt1"/>
-          </a:fontRef>
-        </p:style>
-      </p:sp>
-      <p:sp>
-        <p:nvSpPr>
-          <p:cNvPr id="2" name="Title 1">
-            <a:extLst>
-              <a:ext uri="{FF2B5EF4-FFF2-40B4-BE49-F238E27FC236}">
-                <a16:creationId xmlns:a16="http://schemas.microsoft.com/office/drawing/2014/main" id="{83ADD54A-E835-4A64-9304-9E2430E31639}"/>
-              </a:ext>
-            </a:extLst>
-          </p:cNvPr>
-          <p:cNvSpPr>
-            <a:spLocks noGrp="1"/>
-          </p:cNvSpPr>
-          <p:nvPr>
-            <p:ph type="title"/>
-          </p:nvPr>
-        </p:nvSpPr>
-        <p:spPr>
-          <a:xfrm>
-            <a:off x="601255" y="702155"/>
-            <a:ext cx="3409783" cy="1300365"/>
-          </a:xfrm>
-        </p:spPr>
-        <p:txBody>
-          <a:bodyPr>
-            <a:normAutofit/>
-          </a:bodyPr>
-          <a:lstStyle/>
-          <a:p>
-            <a:r>
-              <a:rPr lang="en-US">
-                <a:solidFill>
-                  <a:srgbClr val="FFFFFF"/>
-                </a:solidFill>
-              </a:rPr>
-              <a:t>Contact</a:t>
-            </a:r>
-          </a:p>
-        </p:txBody>
-      </p:sp>
-      <p:sp>
-        <p:nvSpPr>
-          <p:cNvPr id="3" name="Content Placeholder 2">
-            <a:extLst>
-              <a:ext uri="{FF2B5EF4-FFF2-40B4-BE49-F238E27FC236}">
-                <a16:creationId xmlns:a16="http://schemas.microsoft.com/office/drawing/2014/main" id="{C2F3E806-1338-4AEE-B971-904E6486BC00}"/>
-              </a:ext>
-            </a:extLst>
-          </p:cNvPr>
-          <p:cNvSpPr>
-            <a:spLocks noGrp="1"/>
-          </p:cNvSpPr>
-          <p:nvPr>
-            <p:ph idx="1"/>
-          </p:nvPr>
-        </p:nvSpPr>
-        <p:spPr>
-          <a:xfrm>
-            <a:off x="601255" y="2177142"/>
-            <a:ext cx="3409782" cy="3823607"/>
-          </a:xfrm>
-        </p:spPr>
-        <p:txBody>
-          <a:bodyPr>
-            <a:normAutofit/>
-          </a:bodyPr>
-          <a:lstStyle/>
-          <a:p>
-            <a:r>
-              <a:rPr lang="en-US">
-                <a:solidFill>
-                  <a:srgbClr val="FFFFFF"/>
-                </a:solidFill>
-              </a:rPr>
-              <a:t>Contact currently shows contacts of email and phone number to be able to get help or to book a room.</a:t>
-            </a:r>
-          </a:p>
-        </p:txBody>
-      </p:sp>
-      <p:pic>
-        <p:nvPicPr>
-          <p:cNvPr id="6" name="Picture 5" descr="A screenshot of a cell phone&#10;&#10;Description automatically generated">
-            <a:extLst>
-              <a:ext uri="{FF2B5EF4-FFF2-40B4-BE49-F238E27FC236}">
-                <a16:creationId xmlns:a16="http://schemas.microsoft.com/office/drawing/2014/main" id="{C8ECA74E-36F2-4BE3-A3DF-55936B079748}"/>
-              </a:ext>
-            </a:extLst>
-          </p:cNvPr>
-          <p:cNvPicPr>
-            <a:picLocks noChangeAspect="1"/>
-          </p:cNvPicPr>
-          <p:nvPr/>
-        </p:nvPicPr>
-        <p:blipFill>
-          <a:blip r:embed="rId2"/>
-          <a:stretch>
-            <a:fillRect/>
-          </a:stretch>
-        </p:blipFill>
-        <p:spPr>
-          <a:xfrm>
-            <a:off x="4592231" y="1597814"/>
-            <a:ext cx="6831503" cy="3644959"/>
-          </a:xfrm>
-          <a:prstGeom prst="rect">
-            <a:avLst/>
-          </a:prstGeom>
-        </p:spPr>
-      </p:pic>
-    </p:spTree>
-    <p:extLst>
-      <p:ext uri="{BB962C8B-B14F-4D97-AF65-F5344CB8AC3E}">
-        <p14:creationId xmlns:p14="http://schemas.microsoft.com/office/powerpoint/2010/main" val="3618777613"/>
-      </p:ext>
-    </p:extLst>
-  </p:cSld>
-  <p:clrMapOvr>
-    <a:overrideClrMapping bg1="dk1" tx1="lt1" bg2="dk2" tx2="lt2" accent1="accent1" accent2="accent2" accent3="accent3" accent4="accent4" accent5="accent5" accent6="accent6" hlink="hlink" folHlink="folHlink"/>
-  </p:clrMapOvr>
-</p:sld>
-</file>
-
-<file path=ppt/slides/slide15.xml><?xml version="1.0" encoding="utf-8"?>
-<p:sld xmlns:a="http://schemas.openxmlformats.org/drawingml/2006/main" xmlns:r="http://schemas.openxmlformats.org/officeDocument/2006/relationships" xmlns:p="http://schemas.openxmlformats.org/presentationml/2006/main">
-  <p:cSld>
-    <p:bg>
-      <p:bgPr>
-        <a:solidFill>
-          <a:schemeClr val="bg1"/>
-        </a:solidFill>
-        <a:effectLst/>
-      </p:bgPr>
-    </p:bg>
-    <p:spTree>
-      <p:nvGrpSpPr>
-        <p:cNvPr id="1" name=""/>
-        <p:cNvGrpSpPr/>
-        <p:nvPr/>
-      </p:nvGrpSpPr>
-      <p:grpSpPr>
-        <a:xfrm>
-          <a:off x="0" y="0"/>
-          <a:ext cx="0" cy="0"/>
-          <a:chOff x="0" y="0"/>
-          <a:chExt cx="0" cy="0"/>
-        </a:xfrm>
-      </p:grpSpPr>
-      <p:sp>
-        <p:nvSpPr>
           <p:cNvPr id="23" name="Rectangle 22">
             <a:extLst>
               <a:ext uri="{FF2B5EF4-FFF2-40B4-BE49-F238E27FC236}">
@@ -6770,7 +5507,7 @@
 </p:sld>
 </file>
 
-<file path=ppt/slides/slide16.xml><?xml version="1.0" encoding="utf-8"?>
+<file path=ppt/slides/slide13.xml><?xml version="1.0" encoding="utf-8"?>
 <p:sld xmlns:a="http://schemas.openxmlformats.org/drawingml/2006/main" xmlns:r="http://schemas.openxmlformats.org/officeDocument/2006/relationships" xmlns:p="http://schemas.openxmlformats.org/presentationml/2006/main">
   <p:cSld>
     <p:bg>
@@ -7797,12 +6534,12 @@
           <a:lstStyle/>
           <a:p>
             <a:r>
-              <a:rPr lang="en-US">
+              <a:rPr lang="en-US" dirty="0">
                 <a:solidFill>
                   <a:srgbClr val="FFFEFF"/>
                 </a:solidFill>
               </a:rPr>
-              <a:t>What does the program do?</a:t>
+              <a:t>What does the application do?</a:t>
             </a:r>
           </a:p>
         </p:txBody>
@@ -7836,43 +6573,34 @@
           <a:lstStyle/>
           <a:p>
             <a:r>
-              <a:rPr lang="en-US"/>
-              <a:t>Inventory management </a:t>
-            </a:r>
-          </a:p>
-          <a:p>
-            <a:endParaRPr lang="en-US"/>
-          </a:p>
-          <a:p>
-            <a:r>
-              <a:rPr lang="en-US"/>
-              <a:t>Scheduling and booking</a:t>
-            </a:r>
-          </a:p>
-          <a:p>
-            <a:endParaRPr lang="en-US"/>
-          </a:p>
-          <a:p>
-            <a:r>
-              <a:rPr lang="en-US"/>
-              <a:t>Logins</a:t>
-            </a:r>
-          </a:p>
-          <a:p>
-            <a:endParaRPr lang="en-US"/>
-          </a:p>
-          <a:p>
-            <a:r>
-              <a:rPr lang="en-US"/>
-              <a:t>Newsletters</a:t>
-            </a:r>
-          </a:p>
-          <a:p>
-            <a:endParaRPr lang="en-US"/>
-          </a:p>
-          <a:p>
-            <a:r>
-              <a:rPr lang="en-US"/>
+              <a:rPr lang="en-US" dirty="0"/>
+              <a:t>Monitor currently scheduled bookings</a:t>
+            </a:r>
+          </a:p>
+          <a:p>
+            <a:endParaRPr lang="en-US" dirty="0"/>
+          </a:p>
+          <a:p>
+            <a:r>
+              <a:rPr lang="en-US" dirty="0"/>
+              <a:t>Login/Create new user accounts</a:t>
+            </a:r>
+          </a:p>
+          <a:p>
+            <a:endParaRPr lang="en-US" dirty="0"/>
+          </a:p>
+          <a:p>
+            <a:r>
+              <a:rPr lang="en-US" dirty="0"/>
+              <a:t>Monitor updates on site progress</a:t>
+            </a:r>
+          </a:p>
+          <a:p>
+            <a:endParaRPr lang="en-US" dirty="0"/>
+          </a:p>
+          <a:p>
+            <a:r>
+              <a:rPr lang="en-US" dirty="0"/>
               <a:t>Admin access.</a:t>
             </a:r>
           </a:p>
@@ -8317,12 +7045,12 @@
           <a:chExt cx="0" cy="0"/>
         </a:xfrm>
       </p:grpSpPr>
-      <p:sp useBgFill="1">
-        <p:nvSpPr>
-          <p:cNvPr id="8" name="Rectangle 7">
-            <a:extLst>
-              <a:ext uri="{FF2B5EF4-FFF2-40B4-BE49-F238E27FC236}">
-                <a16:creationId xmlns:a16="http://schemas.microsoft.com/office/drawing/2014/main" id="{F858DF7D-C2D0-4B03-A7A0-2F06B789EE35}"/>
+      <p:sp>
+        <p:nvSpPr>
+          <p:cNvPr id="23" name="Rectangle 22">
+            <a:extLst>
+              <a:ext uri="{FF2B5EF4-FFF2-40B4-BE49-F238E27FC236}">
+                <a16:creationId xmlns:a16="http://schemas.microsoft.com/office/drawing/2014/main" id="{E9751CB9-7B25-4EB8-9A6F-82F822549F12}"/>
               </a:ext>
               <a:ext uri="{C183D7F6-B498-43B3-948B-1728B52AA6E4}">
                 <adec:decorative xmlns:adec="http://schemas.microsoft.com/office/drawing/2017/decorative" val="1"/>
@@ -8343,11 +7071,14 @@
         <p:spPr>
           <a:xfrm>
             <a:off x="0" y="0"/>
-            <a:ext cx="12191999" cy="6858001"/>
+            <a:ext cx="12192000" cy="6858000"/>
           </a:xfrm>
           <a:prstGeom prst="rect">
             <a:avLst/>
           </a:prstGeom>
+          <a:solidFill>
+            <a:srgbClr val="FFFFFF"/>
+          </a:solidFill>
           <a:ln>
             <a:noFill/>
           </a:ln>
@@ -8379,10 +7110,10 @@
       </p:sp>
       <p:sp>
         <p:nvSpPr>
-          <p:cNvPr id="10" name="Rectangle 9">
-            <a:extLst>
-              <a:ext uri="{FF2B5EF4-FFF2-40B4-BE49-F238E27FC236}">
-                <a16:creationId xmlns:a16="http://schemas.microsoft.com/office/drawing/2014/main" id="{1B26B711-3121-40B0-8377-A64F3DC00C7A}"/>
+          <p:cNvPr id="25" name="Rectangle 24">
+            <a:extLst>
+              <a:ext uri="{FF2B5EF4-FFF2-40B4-BE49-F238E27FC236}">
+                <a16:creationId xmlns:a16="http://schemas.microsoft.com/office/drawing/2014/main" id="{E1317383-CF3B-4B02-9512-BECBEF6362A4}"/>
               </a:ext>
               <a:ext uri="{C183D7F6-B498-43B3-948B-1728B52AA6E4}">
                 <adec:decorative xmlns:adec="http://schemas.microsoft.com/office/drawing/2017/decorative" val="1"/>
@@ -8433,10 +7164,10 @@
       </p:sp>
       <p:sp>
         <p:nvSpPr>
-          <p:cNvPr id="12" name="Rectangle 11">
-            <a:extLst>
-              <a:ext uri="{FF2B5EF4-FFF2-40B4-BE49-F238E27FC236}">
-                <a16:creationId xmlns:a16="http://schemas.microsoft.com/office/drawing/2014/main" id="{645C4D3D-ABBA-4B4E-93E5-01E343719849}"/>
+          <p:cNvPr id="27" name="Rectangle 26">
+            <a:extLst>
+              <a:ext uri="{FF2B5EF4-FFF2-40B4-BE49-F238E27FC236}">
+                <a16:creationId xmlns:a16="http://schemas.microsoft.com/office/drawing/2014/main" id="{B1D4C7A0-6DF2-4F2D-A45D-F111582974C7}"/>
               </a:ext>
               <a:ext uri="{C183D7F6-B498-43B3-948B-1728B52AA6E4}">
                 <adec:decorative xmlns:adec="http://schemas.microsoft.com/office/drawing/2017/decorative" val="1"/>
@@ -8487,10 +7218,10 @@
       </p:sp>
       <p:sp>
         <p:nvSpPr>
-          <p:cNvPr id="14" name="Rectangle 13">
-            <a:extLst>
-              <a:ext uri="{FF2B5EF4-FFF2-40B4-BE49-F238E27FC236}">
-                <a16:creationId xmlns:a16="http://schemas.microsoft.com/office/drawing/2014/main" id="{98DDD5E5-0097-4C6C-B266-5732EDA96CC4}"/>
+          <p:cNvPr id="29" name="Rectangle 28">
+            <a:extLst>
+              <a:ext uri="{FF2B5EF4-FFF2-40B4-BE49-F238E27FC236}">
+                <a16:creationId xmlns:a16="http://schemas.microsoft.com/office/drawing/2014/main" id="{DBF3943D-BCB6-4B31-809D-A005686483B4}"/>
               </a:ext>
               <a:ext uri="{C183D7F6-B498-43B3-948B-1728B52AA6E4}">
                 <adec:decorative xmlns:adec="http://schemas.microsoft.com/office/drawing/2017/decorative" val="1"/>
@@ -8541,10 +7272,10 @@
       </p:sp>
       <p:sp>
         <p:nvSpPr>
-          <p:cNvPr id="16" name="Rectangle 15">
-            <a:extLst>
-              <a:ext uri="{FF2B5EF4-FFF2-40B4-BE49-F238E27FC236}">
-                <a16:creationId xmlns:a16="http://schemas.microsoft.com/office/drawing/2014/main" id="{8952EF87-C74F-4D3F-9CAD-EEA1733C9BD0}"/>
+          <p:cNvPr id="31" name="Rectangle 30">
+            <a:extLst>
+              <a:ext uri="{FF2B5EF4-FFF2-40B4-BE49-F238E27FC236}">
+                <a16:creationId xmlns:a16="http://schemas.microsoft.com/office/drawing/2014/main" id="{39373A6F-2E1F-4613-8E1D-D68057D29F31}"/>
               </a:ext>
               <a:ext uri="{C183D7F6-B498-43B3-948B-1728B52AA6E4}">
                 <adec:decorative xmlns:adec="http://schemas.microsoft.com/office/drawing/2017/decorative" val="1"/>
@@ -8564,8 +7295,8 @@
         </p:nvSpPr>
         <p:spPr>
           <a:xfrm>
-            <a:off x="446534" y="597643"/>
-            <a:ext cx="3703320" cy="5792922"/>
+            <a:off x="442377" y="601200"/>
+            <a:ext cx="3707477" cy="5624979"/>
           </a:xfrm>
           <a:prstGeom prst="rect">
             <a:avLst/>
@@ -8598,7 +7329,7 @@
           <p:cNvPr id="2" name="Title 1">
             <a:extLst>
               <a:ext uri="{FF2B5EF4-FFF2-40B4-BE49-F238E27FC236}">
-                <a16:creationId xmlns:a16="http://schemas.microsoft.com/office/drawing/2014/main" id="{3B74B689-0E5C-4CCE-B960-E296E132C5E9}"/>
+                <a16:creationId xmlns:a16="http://schemas.microsoft.com/office/drawing/2014/main" id="{BE706E88-A945-4BEA-BD0D-6CD36BCFE438}"/>
               </a:ext>
             </a:extLst>
           </p:cNvPr>
@@ -8611,47 +7342,8 @@
         </p:nvSpPr>
         <p:spPr>
           <a:xfrm>
-            <a:off x="771148" y="1037967"/>
-            <a:ext cx="3054091" cy="4709131"/>
-          </a:xfrm>
-        </p:spPr>
-        <p:txBody>
-          <a:bodyPr anchor="ctr">
-            <a:normAutofit/>
-          </a:bodyPr>
-          <a:lstStyle/>
-          <a:p>
-            <a:r>
-              <a:rPr lang="en-US">
-                <a:solidFill>
-                  <a:srgbClr val="FFFEFF"/>
-                </a:solidFill>
-              </a:rPr>
-              <a:t>What we’re using</a:t>
-            </a:r>
-          </a:p>
-        </p:txBody>
-      </p:sp>
-      <p:sp>
-        <p:nvSpPr>
-          <p:cNvPr id="3" name="Content Placeholder 2">
-            <a:extLst>
-              <a:ext uri="{FF2B5EF4-FFF2-40B4-BE49-F238E27FC236}">
-                <a16:creationId xmlns:a16="http://schemas.microsoft.com/office/drawing/2014/main" id="{3764A9AF-0E15-4434-B693-2B255CDD5411}"/>
-              </a:ext>
-            </a:extLst>
-          </p:cNvPr>
-          <p:cNvSpPr>
-            <a:spLocks noGrp="1"/>
-          </p:cNvSpPr>
-          <p:nvPr>
-            <p:ph idx="1"/>
-          </p:nvPr>
-        </p:nvSpPr>
-        <p:spPr>
-          <a:xfrm>
-            <a:off x="4534935" y="1037968"/>
-            <a:ext cx="6725899" cy="4820832"/>
+            <a:off x="601255" y="702155"/>
+            <a:ext cx="3409783" cy="1300365"/>
           </a:xfrm>
         </p:spPr>
         <p:txBody>
@@ -8661,54 +7353,94 @@
           <a:lstStyle/>
           <a:p>
             <a:r>
-              <a:rPr lang="en-US" dirty="0"/>
-              <a:t>Python</a:t>
-            </a:r>
-            <a:br>
-              <a:rPr lang="en-US" dirty="0"/>
-            </a:br>
-            <a:endParaRPr lang="en-US" dirty="0"/>
-          </a:p>
-          <a:p>
-            <a:r>
-              <a:rPr lang="en-US" dirty="0"/>
-              <a:t>Flask</a:t>
-            </a:r>
-            <a:br>
-              <a:rPr lang="en-US" dirty="0"/>
-            </a:br>
-            <a:endParaRPr lang="en-US" dirty="0"/>
-          </a:p>
-          <a:p>
-            <a:r>
-              <a:rPr lang="en-US" dirty="0"/>
-              <a:t>SQLite</a:t>
-            </a:r>
-            <a:br>
-              <a:rPr lang="en-US" dirty="0"/>
-            </a:br>
-            <a:endParaRPr lang="en-US" dirty="0"/>
-          </a:p>
-          <a:p>
-            <a:r>
-              <a:rPr lang="en-US" dirty="0"/>
-              <a:t>Bootstrap/ HTML</a:t>
-            </a:r>
-          </a:p>
-          <a:p>
-            <a:endParaRPr lang="en-US" dirty="0"/>
-          </a:p>
-        </p:txBody>
-      </p:sp>
+              <a:rPr lang="en-US">
+                <a:solidFill>
+                  <a:srgbClr val="FFFFFF"/>
+                </a:solidFill>
+              </a:rPr>
+              <a:t>About Maker Space</a:t>
+            </a:r>
+          </a:p>
+        </p:txBody>
+      </p:sp>
+      <p:sp>
+        <p:nvSpPr>
+          <p:cNvPr id="3" name="Content Placeholder 2">
+            <a:extLst>
+              <a:ext uri="{FF2B5EF4-FFF2-40B4-BE49-F238E27FC236}">
+                <a16:creationId xmlns:a16="http://schemas.microsoft.com/office/drawing/2014/main" id="{E78CD190-7266-4103-A6CE-951F3930E235}"/>
+              </a:ext>
+            </a:extLst>
+          </p:cNvPr>
+          <p:cNvSpPr>
+            <a:spLocks noGrp="1"/>
+          </p:cNvSpPr>
+          <p:nvPr>
+            <p:ph idx="1"/>
+          </p:nvPr>
+        </p:nvSpPr>
+        <p:spPr>
+          <a:xfrm>
+            <a:off x="601255" y="2177142"/>
+            <a:ext cx="3409782" cy="3823607"/>
+          </a:xfrm>
+        </p:spPr>
+        <p:txBody>
+          <a:bodyPr>
+            <a:normAutofit/>
+          </a:bodyPr>
+          <a:lstStyle/>
+          <a:p>
+            <a:r>
+              <a:rPr lang="en-US">
+                <a:solidFill>
+                  <a:srgbClr val="FFFFFF"/>
+                </a:solidFill>
+              </a:rPr>
+              <a:t>This page displays a small bit about what a maker space is.</a:t>
+            </a:r>
+          </a:p>
+        </p:txBody>
+      </p:sp>
+      <p:pic>
+        <p:nvPicPr>
+          <p:cNvPr id="6" name="Picture 5" descr="A screenshot of a social media post&#10;&#10;Description automatically generated">
+            <a:extLst>
+              <a:ext uri="{FF2B5EF4-FFF2-40B4-BE49-F238E27FC236}">
+                <a16:creationId xmlns:a16="http://schemas.microsoft.com/office/drawing/2014/main" id="{6470BCAF-DFD5-4C7A-8011-70B3D7D3AB1A}"/>
+              </a:ext>
+            </a:extLst>
+          </p:cNvPr>
+          <p:cNvPicPr>
+            <a:picLocks noChangeAspect="1"/>
+          </p:cNvPicPr>
+          <p:nvPr/>
+        </p:nvPicPr>
+        <p:blipFill>
+          <a:blip r:embed="rId2"/>
+          <a:stretch>
+            <a:fillRect/>
+          </a:stretch>
+        </p:blipFill>
+        <p:spPr>
+          <a:xfrm>
+            <a:off x="4308732" y="1931346"/>
+            <a:ext cx="7896177" cy="3178210"/>
+          </a:xfrm>
+          <a:prstGeom prst="rect">
+            <a:avLst/>
+          </a:prstGeom>
+        </p:spPr>
+      </p:pic>
     </p:spTree>
     <p:extLst>
       <p:ext uri="{BB962C8B-B14F-4D97-AF65-F5344CB8AC3E}">
-        <p14:creationId xmlns:p14="http://schemas.microsoft.com/office/powerpoint/2010/main" val="3037579451"/>
+        <p14:creationId xmlns:p14="http://schemas.microsoft.com/office/powerpoint/2010/main" val="1743631289"/>
       </p:ext>
     </p:extLst>
   </p:cSld>
   <p:clrMapOvr>
-    <a:masterClrMapping/>
+    <a:overrideClrMapping bg1="dk1" tx1="lt1" bg2="dk2" tx2="lt2" accent1="accent1" accent2="accent2" accent3="accent3" accent4="accent4" accent5="accent5" accent6="accent6" hlink="hlink" folHlink="folHlink"/>
   </p:clrMapOvr>
 </p:sld>
 </file>
@@ -9022,7 +7754,7 @@
           <p:cNvPr id="2" name="Title 1">
             <a:extLst>
               <a:ext uri="{FF2B5EF4-FFF2-40B4-BE49-F238E27FC236}">
-                <a16:creationId xmlns:a16="http://schemas.microsoft.com/office/drawing/2014/main" id="{BE706E88-A945-4BEA-BD0D-6CD36BCFE438}"/>
+                <a16:creationId xmlns:a16="http://schemas.microsoft.com/office/drawing/2014/main" id="{6BFF2473-56DB-49F9-A14D-25194E5EEAAD}"/>
               </a:ext>
             </a:extLst>
           </p:cNvPr>
@@ -9051,7 +7783,7 @@
                   <a:srgbClr val="FFFFFF"/>
                 </a:solidFill>
               </a:rPr>
-              <a:t>About Maker Space</a:t>
+              <a:t>Welcome</a:t>
             </a:r>
           </a:p>
         </p:txBody>
@@ -9061,7 +7793,7 @@
           <p:cNvPr id="3" name="Content Placeholder 2">
             <a:extLst>
               <a:ext uri="{FF2B5EF4-FFF2-40B4-BE49-F238E27FC236}">
-                <a16:creationId xmlns:a16="http://schemas.microsoft.com/office/drawing/2014/main" id="{E78CD190-7266-4103-A6CE-951F3930E235}"/>
+                <a16:creationId xmlns:a16="http://schemas.microsoft.com/office/drawing/2014/main" id="{B17903CF-D8DD-4ECA-8F77-519C44FB7274}"/>
               </a:ext>
             </a:extLst>
           </p:cNvPr>
@@ -9085,12 +7817,45 @@
           <a:lstStyle/>
           <a:p>
             <a:r>
-              <a:rPr lang="en-US">
+              <a:rPr lang="en-US" dirty="0">
                 <a:solidFill>
                   <a:srgbClr val="FFFFFF"/>
                 </a:solidFill>
               </a:rPr>
-              <a:t>This page displays a small bit about what a maker space is.</a:t>
+              <a:t>The welcome page displays</a:t>
+            </a:r>
+          </a:p>
+          <a:p>
+            <a:pPr lvl="1"/>
+            <a:r>
+              <a:rPr lang="en-US" dirty="0">
+                <a:solidFill>
+                  <a:srgbClr val="FFFFFF"/>
+                </a:solidFill>
+              </a:rPr>
+              <a:t>Login option</a:t>
+            </a:r>
+          </a:p>
+          <a:p>
+            <a:pPr lvl="1"/>
+            <a:r>
+              <a:rPr lang="en-US" dirty="0">
+                <a:solidFill>
+                  <a:srgbClr val="FFFFFF"/>
+                </a:solidFill>
+              </a:rPr>
+              <a:t>Create account option</a:t>
+            </a:r>
+          </a:p>
+          <a:p>
+            <a:pPr lvl="1"/>
+            <a:r>
+              <a:rPr lang="en-US" dirty="0">
+                <a:solidFill>
+                  <a:srgbClr val="FFFFFF"/>
+                </a:solidFill>
+              </a:rPr>
+              <a:t>Site/Project update logs</a:t>
             </a:r>
           </a:p>
         </p:txBody>
@@ -9100,7 +7865,7 @@
           <p:cNvPr id="6" name="Picture 5" descr="A screenshot of a social media post&#10;&#10;Description automatically generated">
             <a:extLst>
               <a:ext uri="{FF2B5EF4-FFF2-40B4-BE49-F238E27FC236}">
-                <a16:creationId xmlns:a16="http://schemas.microsoft.com/office/drawing/2014/main" id="{6470BCAF-DFD5-4C7A-8011-70B3D7D3AB1A}"/>
+                <a16:creationId xmlns:a16="http://schemas.microsoft.com/office/drawing/2014/main" id="{A21E1E95-B1A4-4408-9B05-DA104E06CFE3}"/>
               </a:ext>
             </a:extLst>
           </p:cNvPr>
@@ -9117,8 +7882,8 @@
         </p:blipFill>
         <p:spPr>
           <a:xfrm>
-            <a:off x="4308732" y="1931346"/>
-            <a:ext cx="7896177" cy="3178210"/>
+            <a:off x="5300459" y="936141"/>
+            <a:ext cx="5415046" cy="4968305"/>
           </a:xfrm>
           <a:prstGeom prst="rect">
             <a:avLst/>
@@ -9128,7 +7893,7 @@
     </p:spTree>
     <p:extLst>
       <p:ext uri="{BB962C8B-B14F-4D97-AF65-F5344CB8AC3E}">
-        <p14:creationId xmlns:p14="http://schemas.microsoft.com/office/powerpoint/2010/main" val="1743631289"/>
+        <p14:creationId xmlns:p14="http://schemas.microsoft.com/office/powerpoint/2010/main" val="1732019446"/>
       </p:ext>
     </p:extLst>
   </p:cSld>
@@ -9139,7 +7904,7 @@
 </file>
 
 <file path=ppt/slides/slide7.xml><?xml version="1.0" encoding="utf-8"?>
-<p:sld xmlns:a="http://schemas.openxmlformats.org/drawingml/2006/main" xmlns:r="http://schemas.openxmlformats.org/officeDocument/2006/relationships" xmlns:p="http://schemas.openxmlformats.org/presentationml/2006/main" show="0">
+<p:sld xmlns:a="http://schemas.openxmlformats.org/drawingml/2006/main" xmlns:r="http://schemas.openxmlformats.org/officeDocument/2006/relationships" xmlns:p="http://schemas.openxmlformats.org/presentationml/2006/main">
   <p:cSld>
     <p:bg>
       <p:bgPr>
@@ -9165,7 +7930,7 @@
       </p:grpSpPr>
       <p:sp>
         <p:nvSpPr>
-          <p:cNvPr id="10" name="Rectangle 9">
+          <p:cNvPr id="21" name="Rectangle 20">
             <a:extLst>
               <a:ext uri="{FF2B5EF4-FFF2-40B4-BE49-F238E27FC236}">
                 <a16:creationId xmlns:a16="http://schemas.microsoft.com/office/drawing/2014/main" id="{E9751CB9-7B25-4EB8-9A6F-82F822549F12}"/>
@@ -9228,7 +7993,7 @@
       </p:sp>
       <p:sp>
         <p:nvSpPr>
-          <p:cNvPr id="12" name="Rectangle 11">
+          <p:cNvPr id="23" name="Rectangle 22">
             <a:extLst>
               <a:ext uri="{FF2B5EF4-FFF2-40B4-BE49-F238E27FC236}">
                 <a16:creationId xmlns:a16="http://schemas.microsoft.com/office/drawing/2014/main" id="{E1317383-CF3B-4B02-9512-BECBEF6362A4}"/>
@@ -9282,7 +8047,7 @@
       </p:sp>
       <p:sp>
         <p:nvSpPr>
-          <p:cNvPr id="14" name="Rectangle 13">
+          <p:cNvPr id="25" name="Rectangle 24">
             <a:extLst>
               <a:ext uri="{FF2B5EF4-FFF2-40B4-BE49-F238E27FC236}">
                 <a16:creationId xmlns:a16="http://schemas.microsoft.com/office/drawing/2014/main" id="{B1D4C7A0-6DF2-4F2D-A45D-F111582974C7}"/>
@@ -9336,7 +8101,7 @@
       </p:sp>
       <p:sp>
         <p:nvSpPr>
-          <p:cNvPr id="16" name="Rectangle 15">
+          <p:cNvPr id="27" name="Rectangle 26">
             <a:extLst>
               <a:ext uri="{FF2B5EF4-FFF2-40B4-BE49-F238E27FC236}">
                 <a16:creationId xmlns:a16="http://schemas.microsoft.com/office/drawing/2014/main" id="{DBF3943D-BCB6-4B31-809D-A005686483B4}"/>
@@ -9390,7 +8155,7 @@
       </p:sp>
       <p:sp>
         <p:nvSpPr>
-          <p:cNvPr id="18" name="Rectangle 17">
+          <p:cNvPr id="29" name="Rectangle 28">
             <a:extLst>
               <a:ext uri="{FF2B5EF4-FFF2-40B4-BE49-F238E27FC236}">
                 <a16:creationId xmlns:a16="http://schemas.microsoft.com/office/drawing/2014/main" id="{39373A6F-2E1F-4613-8E1D-D68057D29F31}"/>
@@ -9447,7 +8212,7 @@
           <p:cNvPr id="2" name="Title 1">
             <a:extLst>
               <a:ext uri="{FF2B5EF4-FFF2-40B4-BE49-F238E27FC236}">
-                <a16:creationId xmlns:a16="http://schemas.microsoft.com/office/drawing/2014/main" id="{6D1A3EBA-E707-47D3-8822-968FBF30F3AF}"/>
+                <a16:creationId xmlns:a16="http://schemas.microsoft.com/office/drawing/2014/main" id="{9EBF2D44-2F8D-41B4-A3FF-9DE7521FA4F1}"/>
               </a:ext>
             </a:extLst>
           </p:cNvPr>
@@ -9476,7 +8241,7 @@
                   <a:srgbClr val="FFFFFF"/>
                 </a:solidFill>
               </a:rPr>
-              <a:t>Home</a:t>
+              <a:t>Create Account</a:t>
             </a:r>
           </a:p>
         </p:txBody>
@@ -9486,7 +8251,7 @@
           <p:cNvPr id="3" name="Content Placeholder 2">
             <a:extLst>
               <a:ext uri="{FF2B5EF4-FFF2-40B4-BE49-F238E27FC236}">
-                <a16:creationId xmlns:a16="http://schemas.microsoft.com/office/drawing/2014/main" id="{A6B27D3C-9A58-4E00-ACC0-4621DC9E5018}"/>
+                <a16:creationId xmlns:a16="http://schemas.microsoft.com/office/drawing/2014/main" id="{5D38D7AC-E43B-457A-89ED-0A1DE9BF98AF}"/>
               </a:ext>
             </a:extLst>
           </p:cNvPr>
@@ -9515,7 +8280,51 @@
                   <a:srgbClr val="FFFFFF"/>
                 </a:solidFill>
               </a:rPr>
-              <a:t>The home page is a DEV testing link page that only admins can see</a:t>
+              <a:t>Creating an account is a quick and simple process. All that is required are:</a:t>
+            </a:r>
+          </a:p>
+          <a:p>
+            <a:pPr lvl="1"/>
+            <a:r>
+              <a:rPr lang="en-US">
+                <a:solidFill>
+                  <a:srgbClr val="FFFFFF"/>
+                </a:solidFill>
+              </a:rPr>
+              <a:t>Email</a:t>
+            </a:r>
+          </a:p>
+          <a:p>
+            <a:pPr lvl="1"/>
+            <a:r>
+              <a:rPr lang="en-US">
+                <a:solidFill>
+                  <a:srgbClr val="FFFFFF"/>
+                </a:solidFill>
+              </a:rPr>
+              <a:t>Username</a:t>
+            </a:r>
+          </a:p>
+          <a:p>
+            <a:pPr lvl="1"/>
+            <a:r>
+              <a:rPr lang="en-US">
+                <a:solidFill>
+                  <a:srgbClr val="FFFFFF"/>
+                </a:solidFill>
+              </a:rPr>
+              <a:t>Password (as well as password verification)</a:t>
+            </a:r>
+          </a:p>
+          <a:p>
+            <a:pPr lvl="1"/>
+            <a:r>
+              <a:rPr lang="en-US">
+                <a:solidFill>
+                  <a:srgbClr val="FFFFFF"/>
+                </a:solidFill>
+              </a:rPr>
+              <a:t>Phone Number</a:t>
             </a:r>
           </a:p>
         </p:txBody>
@@ -9525,7 +8334,7 @@
           <p:cNvPr id="5" name="Picture 4" descr="A screenshot of a cell phone&#10;&#10;Description automatically generated">
             <a:extLst>
               <a:ext uri="{FF2B5EF4-FFF2-40B4-BE49-F238E27FC236}">
-                <a16:creationId xmlns:a16="http://schemas.microsoft.com/office/drawing/2014/main" id="{A3B90A0F-6FB7-4637-9BFA-C649D365D995}"/>
+                <a16:creationId xmlns:a16="http://schemas.microsoft.com/office/drawing/2014/main" id="{2F13D18B-B01A-4EB7-ABE6-32AC16D431CE}"/>
               </a:ext>
             </a:extLst>
           </p:cNvPr>
@@ -9542,8 +8351,8 @@
         </p:blipFill>
         <p:spPr>
           <a:xfrm>
-            <a:off x="6691382" y="570171"/>
-            <a:ext cx="3228473" cy="6091460"/>
+            <a:off x="5017582" y="936141"/>
+            <a:ext cx="5980801" cy="4968305"/>
           </a:xfrm>
           <a:prstGeom prst="rect">
             <a:avLst/>
@@ -9553,7 +8362,7 @@
     </p:spTree>
     <p:extLst>
       <p:ext uri="{BB962C8B-B14F-4D97-AF65-F5344CB8AC3E}">
-        <p14:creationId xmlns:p14="http://schemas.microsoft.com/office/powerpoint/2010/main" val="250141406"/>
+        <p14:creationId xmlns:p14="http://schemas.microsoft.com/office/powerpoint/2010/main" val="716679972"/>
       </p:ext>
     </p:extLst>
   </p:cSld>
@@ -9872,7 +8681,7 @@
           <p:cNvPr id="2" name="Title 1">
             <a:extLst>
               <a:ext uri="{FF2B5EF4-FFF2-40B4-BE49-F238E27FC236}">
-                <a16:creationId xmlns:a16="http://schemas.microsoft.com/office/drawing/2014/main" id="{6BFF2473-56DB-49F9-A14D-25194E5EEAAD}"/>
+                <a16:creationId xmlns:a16="http://schemas.microsoft.com/office/drawing/2014/main" id="{BF1C9194-59A3-4E1B-B173-A0DDF85B4B05}"/>
               </a:ext>
             </a:extLst>
           </p:cNvPr>
@@ -9901,7 +8710,7 @@
                   <a:srgbClr val="FFFFFF"/>
                 </a:solidFill>
               </a:rPr>
-              <a:t>Welcome</a:t>
+              <a:t>Login</a:t>
             </a:r>
           </a:p>
         </p:txBody>
@@ -9911,7 +8720,7 @@
           <p:cNvPr id="3" name="Content Placeholder 2">
             <a:extLst>
               <a:ext uri="{FF2B5EF4-FFF2-40B4-BE49-F238E27FC236}">
-                <a16:creationId xmlns:a16="http://schemas.microsoft.com/office/drawing/2014/main" id="{B17903CF-D8DD-4ECA-8F77-519C44FB7274}"/>
+                <a16:creationId xmlns:a16="http://schemas.microsoft.com/office/drawing/2014/main" id="{67997A21-C790-4F5F-8152-4AB7EA6BF4C3}"/>
               </a:ext>
             </a:extLst>
           </p:cNvPr>
@@ -9940,7 +8749,7 @@
                   <a:srgbClr val="FFFFFF"/>
                 </a:solidFill>
               </a:rPr>
-              <a:t>The welcome page displays</a:t>
+              <a:t>The Login page requires;</a:t>
             </a:r>
           </a:p>
           <a:p>
@@ -9951,7 +8760,7 @@
                   <a:srgbClr val="FFFFFF"/>
                 </a:solidFill>
               </a:rPr>
-              <a:t>Login option</a:t>
+              <a:t>Username</a:t>
             </a:r>
           </a:p>
           <a:p>
@@ -9962,17 +8771,17 @@
                   <a:srgbClr val="FFFFFF"/>
                 </a:solidFill>
               </a:rPr>
-              <a:t>Create account option</a:t>
+              <a:t>Password </a:t>
             </a:r>
           </a:p>
         </p:txBody>
       </p:sp>
       <p:pic>
         <p:nvPicPr>
-          <p:cNvPr id="6" name="Picture 5" descr="A screenshot of a social media post&#10;&#10;Description automatically generated">
-            <a:extLst>
-              <a:ext uri="{FF2B5EF4-FFF2-40B4-BE49-F238E27FC236}">
-                <a16:creationId xmlns:a16="http://schemas.microsoft.com/office/drawing/2014/main" id="{A21E1E95-B1A4-4408-9B05-DA104E06CFE3}"/>
+          <p:cNvPr id="6" name="Picture 5" descr="A screenshot of a cell phone&#10;&#10;Description automatically generated">
+            <a:extLst>
+              <a:ext uri="{FF2B5EF4-FFF2-40B4-BE49-F238E27FC236}">
+                <a16:creationId xmlns:a16="http://schemas.microsoft.com/office/drawing/2014/main" id="{E91B1654-7D97-485A-893B-F4A45CF568FF}"/>
               </a:ext>
             </a:extLst>
           </p:cNvPr>
@@ -9989,8 +8798,8 @@
         </p:blipFill>
         <p:spPr>
           <a:xfrm>
-            <a:off x="5300459" y="936141"/>
-            <a:ext cx="5415046" cy="4968305"/>
+            <a:off x="4702738" y="936141"/>
+            <a:ext cx="6610489" cy="4968305"/>
           </a:xfrm>
           <a:prstGeom prst="rect">
             <a:avLst/>
@@ -10000,7 +8809,7 @@
     </p:spTree>
     <p:extLst>
       <p:ext uri="{BB962C8B-B14F-4D97-AF65-F5344CB8AC3E}">
-        <p14:creationId xmlns:p14="http://schemas.microsoft.com/office/powerpoint/2010/main" val="1732019446"/>
+        <p14:creationId xmlns:p14="http://schemas.microsoft.com/office/powerpoint/2010/main" val="2238764260"/>
       </p:ext>
     </p:extLst>
   </p:cSld>
@@ -10037,7 +8846,7 @@
       </p:grpSpPr>
       <p:sp>
         <p:nvSpPr>
-          <p:cNvPr id="21" name="Rectangle 20">
+          <p:cNvPr id="41" name="Rectangle 35">
             <a:extLst>
               <a:ext uri="{FF2B5EF4-FFF2-40B4-BE49-F238E27FC236}">
                 <a16:creationId xmlns:a16="http://schemas.microsoft.com/office/drawing/2014/main" id="{E9751CB9-7B25-4EB8-9A6F-82F822549F12}"/>
@@ -10100,7 +8909,7 @@
       </p:sp>
       <p:sp>
         <p:nvSpPr>
-          <p:cNvPr id="23" name="Rectangle 22">
+          <p:cNvPr id="43" name="Rectangle 37">
             <a:extLst>
               <a:ext uri="{FF2B5EF4-FFF2-40B4-BE49-F238E27FC236}">
                 <a16:creationId xmlns:a16="http://schemas.microsoft.com/office/drawing/2014/main" id="{E1317383-CF3B-4B02-9512-BECBEF6362A4}"/>
@@ -10154,7 +8963,7 @@
       </p:sp>
       <p:sp>
         <p:nvSpPr>
-          <p:cNvPr id="25" name="Rectangle 24">
+          <p:cNvPr id="40" name="Rectangle 39">
             <a:extLst>
               <a:ext uri="{FF2B5EF4-FFF2-40B4-BE49-F238E27FC236}">
                 <a16:creationId xmlns:a16="http://schemas.microsoft.com/office/drawing/2014/main" id="{B1D4C7A0-6DF2-4F2D-A45D-F111582974C7}"/>
@@ -10208,7 +9017,7 @@
       </p:sp>
       <p:sp>
         <p:nvSpPr>
-          <p:cNvPr id="27" name="Rectangle 26">
+          <p:cNvPr id="42" name="Rectangle 41">
             <a:extLst>
               <a:ext uri="{FF2B5EF4-FFF2-40B4-BE49-F238E27FC236}">
                 <a16:creationId xmlns:a16="http://schemas.microsoft.com/office/drawing/2014/main" id="{DBF3943D-BCB6-4B31-809D-A005686483B4}"/>
@@ -10262,7 +9071,7 @@
       </p:sp>
       <p:sp>
         <p:nvSpPr>
-          <p:cNvPr id="29" name="Rectangle 28">
+          <p:cNvPr id="44" name="Rectangle 43">
             <a:extLst>
               <a:ext uri="{FF2B5EF4-FFF2-40B4-BE49-F238E27FC236}">
                 <a16:creationId xmlns:a16="http://schemas.microsoft.com/office/drawing/2014/main" id="{39373A6F-2E1F-4613-8E1D-D68057D29F31}"/>
@@ -10319,7 +9128,7 @@
           <p:cNvPr id="2" name="Title 1">
             <a:extLst>
               <a:ext uri="{FF2B5EF4-FFF2-40B4-BE49-F238E27FC236}">
-                <a16:creationId xmlns:a16="http://schemas.microsoft.com/office/drawing/2014/main" id="{9EBF2D44-2F8D-41B4-A3FF-9DE7521FA4F1}"/>
+                <a16:creationId xmlns:a16="http://schemas.microsoft.com/office/drawing/2014/main" id="{32ECE692-5682-4E05-B65D-C1EF24F7328C}"/>
               </a:ext>
             </a:extLst>
           </p:cNvPr>
@@ -10348,8 +9157,13 @@
                   <a:srgbClr val="FFFFFF"/>
                 </a:solidFill>
               </a:rPr>
-              <a:t>Create Account</a:t>
-            </a:r>
+              <a:t>View Room Bookings</a:t>
+            </a:r>
+            <a:endParaRPr lang="en-US" dirty="0">
+              <a:solidFill>
+                <a:srgbClr val="FFFFFF"/>
+              </a:solidFill>
+            </a:endParaRPr>
           </a:p>
         </p:txBody>
       </p:sp>
@@ -10358,7 +9172,7 @@
           <p:cNvPr id="3" name="Content Placeholder 2">
             <a:extLst>
               <a:ext uri="{FF2B5EF4-FFF2-40B4-BE49-F238E27FC236}">
-                <a16:creationId xmlns:a16="http://schemas.microsoft.com/office/drawing/2014/main" id="{5D38D7AC-E43B-457A-89ED-0A1DE9BF98AF}"/>
+                <a16:creationId xmlns:a16="http://schemas.microsoft.com/office/drawing/2014/main" id="{C352793F-995D-4A5B-B329-C0DC4D63A94D}"/>
               </a:ext>
             </a:extLst>
           </p:cNvPr>
@@ -10387,51 +9201,7 @@
                   <a:srgbClr val="FFFFFF"/>
                 </a:solidFill>
               </a:rPr>
-              <a:t>Creating an account is a quick and simple process. All that is required are:</a:t>
-            </a:r>
-          </a:p>
-          <a:p>
-            <a:pPr lvl="1"/>
-            <a:r>
-              <a:rPr lang="en-US">
-                <a:solidFill>
-                  <a:srgbClr val="FFFFFF"/>
-                </a:solidFill>
-              </a:rPr>
-              <a:t>Email</a:t>
-            </a:r>
-          </a:p>
-          <a:p>
-            <a:pPr lvl="1"/>
-            <a:r>
-              <a:rPr lang="en-US">
-                <a:solidFill>
-                  <a:srgbClr val="FFFFFF"/>
-                </a:solidFill>
-              </a:rPr>
-              <a:t>Username</a:t>
-            </a:r>
-          </a:p>
-          <a:p>
-            <a:pPr lvl="1"/>
-            <a:r>
-              <a:rPr lang="en-US">
-                <a:solidFill>
-                  <a:srgbClr val="FFFFFF"/>
-                </a:solidFill>
-              </a:rPr>
-              <a:t>Password (as well as password verification)</a:t>
-            </a:r>
-          </a:p>
-          <a:p>
-            <a:pPr lvl="1"/>
-            <a:r>
-              <a:rPr lang="en-US">
-                <a:solidFill>
-                  <a:srgbClr val="FFFFFF"/>
-                </a:solidFill>
-              </a:rPr>
-              <a:t>Phone Number</a:t>
+              <a:t>Room Booking currently shows rooms that are currently booked.</a:t>
             </a:r>
           </a:p>
         </p:txBody>
@@ -10441,7 +9211,7 @@
           <p:cNvPr id="5" name="Picture 4" descr="A screenshot of a cell phone&#10;&#10;Description automatically generated">
             <a:extLst>
               <a:ext uri="{FF2B5EF4-FFF2-40B4-BE49-F238E27FC236}">
-                <a16:creationId xmlns:a16="http://schemas.microsoft.com/office/drawing/2014/main" id="{2F13D18B-B01A-4EB7-ABE6-32AC16D431CE}"/>
+                <a16:creationId xmlns:a16="http://schemas.microsoft.com/office/drawing/2014/main" id="{047C9687-84A0-4D85-A8E8-3674E3477B02}"/>
               </a:ext>
             </a:extLst>
           </p:cNvPr>
@@ -10458,8 +9228,8 @@
         </p:blipFill>
         <p:spPr>
           <a:xfrm>
-            <a:off x="5017582" y="936141"/>
-            <a:ext cx="5980801" cy="4968305"/>
+            <a:off x="5955857" y="936141"/>
+            <a:ext cx="4104251" cy="4968305"/>
           </a:xfrm>
           <a:prstGeom prst="rect">
             <a:avLst/>
@@ -10469,7 +9239,7 @@
     </p:spTree>
     <p:extLst>
       <p:ext uri="{BB962C8B-B14F-4D97-AF65-F5344CB8AC3E}">
-        <p14:creationId xmlns:p14="http://schemas.microsoft.com/office/powerpoint/2010/main" val="716679972"/>
+        <p14:creationId xmlns:p14="http://schemas.microsoft.com/office/powerpoint/2010/main" val="3920136443"/>
       </p:ext>
     </p:extLst>
   </p:cSld>
@@ -10970,21 +9740,21 @@
 </file>
 
 <file path=customXml/item2.xml><?xml version="1.0" encoding="utf-8"?>
+<?mso-contentType ?>
+<FormTemplates xmlns="http://schemas.microsoft.com/sharepoint/v3/contenttype/forms">
+  <Display>DocumentLibraryForm</Display>
+  <Edit>DocumentLibraryForm</Edit>
+  <New>DocumentLibraryForm</New>
+</FormTemplates>
+</file>
+
+<file path=customXml/item3.xml><?xml version="1.0" encoding="utf-8"?>
 <p:properties xmlns:p="http://schemas.microsoft.com/office/2006/metadata/properties" xmlns:xsi="http://www.w3.org/2001/XMLSchema-instance" xmlns:pc="http://schemas.microsoft.com/office/infopath/2007/PartnerControls">
   <documentManagement>
     <Status xmlns="71af3243-3dd4-4a8d-8c0d-dd76da1f02a5">Not started</Status>
     <MediaServiceKeyPoints xmlns="71af3243-3dd4-4a8d-8c0d-dd76da1f02a5" xsi:nil="true"/>
   </documentManagement>
 </p:properties>
-</file>
-
-<file path=customXml/item3.xml><?xml version="1.0" encoding="utf-8"?>
-<?mso-contentType ?>
-<FormTemplates xmlns="http://schemas.microsoft.com/sharepoint/v3/contenttype/forms">
-  <Display>DocumentLibraryForm</Display>
-  <Edit>DocumentLibraryForm</Edit>
-  <New>DocumentLibraryForm</New>
-</FormTemplates>
 </file>
 
 <file path=customXml/itemProps1.xml><?xml version="1.0" encoding="utf-8"?>
@@ -11007,6 +9777,14 @@
 </file>
 
 <file path=customXml/itemProps2.xml><?xml version="1.0" encoding="utf-8"?>
+<ds:datastoreItem xmlns:ds="http://schemas.openxmlformats.org/officeDocument/2006/customXml" ds:itemID="{927BD4C1-B6B1-4715-ABF9-E660A51A4EA0}">
+  <ds:schemaRefs>
+    <ds:schemaRef ds:uri="http://schemas.microsoft.com/sharepoint/v3/contenttype/forms"/>
+  </ds:schemaRefs>
+</ds:datastoreItem>
+</file>
+
+<file path=customXml/itemProps3.xml><?xml version="1.0" encoding="utf-8"?>
 <ds:datastoreItem xmlns:ds="http://schemas.openxmlformats.org/officeDocument/2006/customXml" ds:itemID="{8D289AE2-D2AE-49D1-AFAC-3A79F6794255}">
   <ds:schemaRefs>
     <ds:schemaRef ds:uri="http://schemas.microsoft.com/office/2006/metadata/properties"/>
@@ -11014,12 +9792,4 @@
     <ds:schemaRef ds:uri="71af3243-3dd4-4a8d-8c0d-dd76da1f02a5"/>
   </ds:schemaRefs>
 </ds:datastoreItem>
-</file>
-
-<file path=customXml/itemProps3.xml><?xml version="1.0" encoding="utf-8"?>
-<ds:datastoreItem xmlns:ds="http://schemas.openxmlformats.org/officeDocument/2006/customXml" ds:itemID="{927BD4C1-B6B1-4715-ABF9-E660A51A4EA0}">
-  <ds:schemaRefs>
-    <ds:schemaRef ds:uri="http://schemas.microsoft.com/sharepoint/v3/contenttype/forms"/>
-  </ds:schemaRefs>
-</ds:datastoreItem>
 </file>
--- a/Design Docs/Maker Space.pptx
+++ b/Design Docs/Maker Space.pptx
@@ -362,7 +362,7 @@
           <a:p>
             <a:fld id="{ED291B17-9318-49DB-B28B-6E5994AE9581}" type="datetime1">
               <a:rPr lang="en-US" smtClean="0"/>
-              <a:t>5/7/2020</a:t>
+              <a:t>5/8/2020</a:t>
             </a:fld>
             <a:endParaRPr lang="en-US" dirty="0"/>
           </a:p>
@@ -565,7 +565,7 @@
           <a:p>
             <a:fld id="{2CED4963-E985-44C4-B8C4-FDD613B7C2F8}" type="datetime1">
               <a:rPr lang="en-US" smtClean="0"/>
-              <a:t>5/7/2020</a:t>
+              <a:t>5/8/2020</a:t>
             </a:fld>
             <a:endParaRPr lang="en-US" dirty="0"/>
           </a:p>
@@ -927,7 +927,7 @@
           <a:p>
             <a:fld id="{ED291B17-9318-49DB-B28B-6E5994AE9581}" type="datetime1">
               <a:rPr lang="en-US" smtClean="0"/>
-              <a:t>5/7/2020</a:t>
+              <a:t>5/8/2020</a:t>
             </a:fld>
             <a:endParaRPr lang="en-US" dirty="0"/>
           </a:p>
@@ -1125,7 +1125,7 @@
           <a:p>
             <a:fld id="{78DD82B9-B8EE-4375-B6FF-88FA6ABB15D9}" type="datetime1">
               <a:rPr lang="en-US" smtClean="0"/>
-              <a:t>5/7/2020</a:t>
+              <a:t>5/8/2020</a:t>
             </a:fld>
             <a:endParaRPr lang="en-US" dirty="0"/>
           </a:p>
@@ -1437,7 +1437,7 @@
           <a:p>
             <a:fld id="{B2497495-0637-405E-AE64-5CC7506D51F5}" type="datetime1">
               <a:rPr lang="en-US" smtClean="0"/>
-              <a:t>5/7/2020</a:t>
+              <a:t>5/8/2020</a:t>
             </a:fld>
             <a:endParaRPr lang="en-US" dirty="0"/>
           </a:p>
@@ -1690,7 +1690,7 @@
           <a:p>
             <a:fld id="{7BFFD690-9426-415D-8B65-26881E07B2D4}" type="datetime1">
               <a:rPr lang="en-US" smtClean="0"/>
-              <a:t>5/7/2020</a:t>
+              <a:t>5/8/2020</a:t>
             </a:fld>
             <a:endParaRPr lang="en-US" dirty="0"/>
           </a:p>
@@ -2112,7 +2112,7 @@
           <a:p>
             <a:fld id="{04C4989A-474C-40DE-95B9-011C28B71673}" type="datetime1">
               <a:rPr lang="en-US" smtClean="0"/>
-              <a:t>5/7/2020</a:t>
+              <a:t>5/8/2020</a:t>
             </a:fld>
             <a:endParaRPr lang="en-US" dirty="0"/>
           </a:p>
@@ -2235,7 +2235,7 @@
           <a:p>
             <a:fld id="{5DB4ED54-5B5E-4A04-93D3-5772E3CE3818}" type="datetime1">
               <a:rPr lang="en-US" smtClean="0"/>
-              <a:t>5/7/2020</a:t>
+              <a:t>5/8/2020</a:t>
             </a:fld>
             <a:endParaRPr lang="en-US" dirty="0"/>
           </a:p>
@@ -2330,7 +2330,7 @@
           <a:p>
             <a:fld id="{4EDE50D6-574B-40AF-946F-D52A04ADE379}" type="datetime1">
               <a:rPr lang="en-US" smtClean="0"/>
-              <a:t>5/7/2020</a:t>
+              <a:t>5/8/2020</a:t>
             </a:fld>
             <a:endParaRPr lang="en-US" dirty="0"/>
           </a:p>
@@ -2707,7 +2707,7 @@
           <a:p>
             <a:fld id="{D82884F1-FFEA-405F-9602-3DCA865EDA4E}" type="datetime1">
               <a:rPr lang="en-US" smtClean="0"/>
-              <a:t>5/7/2020</a:t>
+              <a:t>5/8/2020</a:t>
             </a:fld>
             <a:endParaRPr lang="en-US" dirty="0"/>
           </a:p>
@@ -3000,7 +3000,7 @@
           <a:p>
             <a:fld id="{7E18DB4A-8810-4A10-AD5C-D5E2C667F5B3}" type="datetime1">
               <a:rPr lang="en-US" smtClean="0"/>
-              <a:t>5/7/2020</a:t>
+              <a:t>5/8/2020</a:t>
             </a:fld>
             <a:endParaRPr lang="en-US" dirty="0"/>
           </a:p>
@@ -3215,7 +3215,7 @@
           <a:p>
             <a:fld id="{ED291B17-9318-49DB-B28B-6E5994AE9581}" type="datetime1">
               <a:rPr lang="en-US" smtClean="0"/>
-              <a:t>5/7/2020</a:t>
+              <a:t>5/8/2020</a:t>
             </a:fld>
             <a:endParaRPr lang="en-US" dirty="0"/>
           </a:p>
@@ -4259,7 +4259,7 @@
       </p:grpSpPr>
       <p:sp>
         <p:nvSpPr>
-          <p:cNvPr id="10" name="Rectangle 9">
+          <p:cNvPr id="23" name="Rectangle 22">
             <a:extLst>
               <a:ext uri="{FF2B5EF4-FFF2-40B4-BE49-F238E27FC236}">
                 <a16:creationId xmlns:a16="http://schemas.microsoft.com/office/drawing/2014/main" id="{E9751CB9-7B25-4EB8-9A6F-82F822549F12}"/>
@@ -4322,7 +4322,7 @@
       </p:sp>
       <p:sp>
         <p:nvSpPr>
-          <p:cNvPr id="12" name="Rectangle 11">
+          <p:cNvPr id="25" name="Rectangle 24">
             <a:extLst>
               <a:ext uri="{FF2B5EF4-FFF2-40B4-BE49-F238E27FC236}">
                 <a16:creationId xmlns:a16="http://schemas.microsoft.com/office/drawing/2014/main" id="{E1317383-CF3B-4B02-9512-BECBEF6362A4}"/>
@@ -4376,7 +4376,7 @@
       </p:sp>
       <p:sp>
         <p:nvSpPr>
-          <p:cNvPr id="14" name="Rectangle 13">
+          <p:cNvPr id="27" name="Rectangle 26">
             <a:extLst>
               <a:ext uri="{FF2B5EF4-FFF2-40B4-BE49-F238E27FC236}">
                 <a16:creationId xmlns:a16="http://schemas.microsoft.com/office/drawing/2014/main" id="{B1D4C7A0-6DF2-4F2D-A45D-F111582974C7}"/>
@@ -4430,7 +4430,7 @@
       </p:sp>
       <p:sp>
         <p:nvSpPr>
-          <p:cNvPr id="16" name="Rectangle 15">
+          <p:cNvPr id="29" name="Rectangle 28">
             <a:extLst>
               <a:ext uri="{FF2B5EF4-FFF2-40B4-BE49-F238E27FC236}">
                 <a16:creationId xmlns:a16="http://schemas.microsoft.com/office/drawing/2014/main" id="{DBF3943D-BCB6-4B31-809D-A005686483B4}"/>
@@ -4484,7 +4484,7 @@
       </p:sp>
       <p:sp>
         <p:nvSpPr>
-          <p:cNvPr id="18" name="Rectangle 17">
+          <p:cNvPr id="31" name="Rectangle 30">
             <a:extLst>
               <a:ext uri="{FF2B5EF4-FFF2-40B4-BE49-F238E27FC236}">
                 <a16:creationId xmlns:a16="http://schemas.microsoft.com/office/drawing/2014/main" id="{39373A6F-2E1F-4613-8E1D-D68057D29F31}"/>
@@ -4616,10 +4616,10 @@
       </p:sp>
       <p:pic>
         <p:nvPicPr>
-          <p:cNvPr id="5" name="Picture 4" descr="A screenshot of a cell phone&#10;&#10;Description automatically generated">
-            <a:extLst>
-              <a:ext uri="{FF2B5EF4-FFF2-40B4-BE49-F238E27FC236}">
-                <a16:creationId xmlns:a16="http://schemas.microsoft.com/office/drawing/2014/main" id="{6079E1AA-8D11-46DE-98AF-CBA4FF5E8237}"/>
+          <p:cNvPr id="6" name="Picture 5" descr="A screenshot of a cell phone&#10;&#10;Description automatically generated">
+            <a:extLst>
+              <a:ext uri="{FF2B5EF4-FFF2-40B4-BE49-F238E27FC236}">
+                <a16:creationId xmlns:a16="http://schemas.microsoft.com/office/drawing/2014/main" id="{0B3D77C6-A61F-47E6-B216-C76388F95408}"/>
               </a:ext>
             </a:extLst>
           </p:cNvPr>
@@ -4636,8 +4636,8 @@
         </p:blipFill>
         <p:spPr>
           <a:xfrm>
-            <a:off x="5021354" y="936141"/>
-            <a:ext cx="5973256" cy="4968305"/>
+            <a:off x="4592231" y="2250399"/>
+            <a:ext cx="6831503" cy="2339788"/>
           </a:xfrm>
           <a:prstGeom prst="rect">
             <a:avLst/>
@@ -7472,7 +7472,7 @@
       </p:grpSpPr>
       <p:sp>
         <p:nvSpPr>
-          <p:cNvPr id="23" name="Rectangle 22">
+          <p:cNvPr id="36" name="Rectangle 35">
             <a:extLst>
               <a:ext uri="{FF2B5EF4-FFF2-40B4-BE49-F238E27FC236}">
                 <a16:creationId xmlns:a16="http://schemas.microsoft.com/office/drawing/2014/main" id="{E9751CB9-7B25-4EB8-9A6F-82F822549F12}"/>
@@ -7535,7 +7535,7 @@
       </p:sp>
       <p:sp>
         <p:nvSpPr>
-          <p:cNvPr id="25" name="Rectangle 24">
+          <p:cNvPr id="38" name="Rectangle 37">
             <a:extLst>
               <a:ext uri="{FF2B5EF4-FFF2-40B4-BE49-F238E27FC236}">
                 <a16:creationId xmlns:a16="http://schemas.microsoft.com/office/drawing/2014/main" id="{E1317383-CF3B-4B02-9512-BECBEF6362A4}"/>
@@ -7589,7 +7589,7 @@
       </p:sp>
       <p:sp>
         <p:nvSpPr>
-          <p:cNvPr id="27" name="Rectangle 26">
+          <p:cNvPr id="40" name="Rectangle 39">
             <a:extLst>
               <a:ext uri="{FF2B5EF4-FFF2-40B4-BE49-F238E27FC236}">
                 <a16:creationId xmlns:a16="http://schemas.microsoft.com/office/drawing/2014/main" id="{B1D4C7A0-6DF2-4F2D-A45D-F111582974C7}"/>
@@ -7643,7 +7643,7 @@
       </p:sp>
       <p:sp>
         <p:nvSpPr>
-          <p:cNvPr id="29" name="Rectangle 28">
+          <p:cNvPr id="42" name="Rectangle 41">
             <a:extLst>
               <a:ext uri="{FF2B5EF4-FFF2-40B4-BE49-F238E27FC236}">
                 <a16:creationId xmlns:a16="http://schemas.microsoft.com/office/drawing/2014/main" id="{DBF3943D-BCB6-4B31-809D-A005686483B4}"/>
@@ -7697,7 +7697,7 @@
       </p:sp>
       <p:sp>
         <p:nvSpPr>
-          <p:cNvPr id="31" name="Rectangle 30">
+          <p:cNvPr id="44" name="Rectangle 43">
             <a:extLst>
               <a:ext uri="{FF2B5EF4-FFF2-40B4-BE49-F238E27FC236}">
                 <a16:creationId xmlns:a16="http://schemas.microsoft.com/office/drawing/2014/main" id="{39373A6F-2E1F-4613-8E1D-D68057D29F31}"/>
@@ -7862,10 +7862,10 @@
       </p:sp>
       <p:pic>
         <p:nvPicPr>
-          <p:cNvPr id="6" name="Picture 5" descr="A screenshot of a social media post&#10;&#10;Description automatically generated">
-            <a:extLst>
-              <a:ext uri="{FF2B5EF4-FFF2-40B4-BE49-F238E27FC236}">
-                <a16:creationId xmlns:a16="http://schemas.microsoft.com/office/drawing/2014/main" id="{A21E1E95-B1A4-4408-9B05-DA104E06CFE3}"/>
+          <p:cNvPr id="5" name="Picture 4" descr="A screenshot of a cell phone&#10;&#10;Description automatically generated">
+            <a:extLst>
+              <a:ext uri="{FF2B5EF4-FFF2-40B4-BE49-F238E27FC236}">
+                <a16:creationId xmlns:a16="http://schemas.microsoft.com/office/drawing/2014/main" id="{BC41D397-9FFB-45DD-A020-B36FF960D180}"/>
               </a:ext>
             </a:extLst>
           </p:cNvPr>
@@ -7882,8 +7882,8 @@
         </p:blipFill>
         <p:spPr>
           <a:xfrm>
-            <a:off x="5300459" y="936141"/>
-            <a:ext cx="5415046" cy="4968305"/>
+            <a:off x="5059434" y="936141"/>
+            <a:ext cx="5897096" cy="4968305"/>
           </a:xfrm>
           <a:prstGeom prst="rect">
             <a:avLst/>
@@ -8846,7 +8846,7 @@
       </p:grpSpPr>
       <p:sp>
         <p:nvSpPr>
-          <p:cNvPr id="41" name="Rectangle 35">
+          <p:cNvPr id="49" name="Rectangle 48">
             <a:extLst>
               <a:ext uri="{FF2B5EF4-FFF2-40B4-BE49-F238E27FC236}">
                 <a16:creationId xmlns:a16="http://schemas.microsoft.com/office/drawing/2014/main" id="{E9751CB9-7B25-4EB8-9A6F-82F822549F12}"/>
@@ -8909,7 +8909,7 @@
       </p:sp>
       <p:sp>
         <p:nvSpPr>
-          <p:cNvPr id="43" name="Rectangle 37">
+          <p:cNvPr id="51" name="Rectangle 50">
             <a:extLst>
               <a:ext uri="{FF2B5EF4-FFF2-40B4-BE49-F238E27FC236}">
                 <a16:creationId xmlns:a16="http://schemas.microsoft.com/office/drawing/2014/main" id="{E1317383-CF3B-4B02-9512-BECBEF6362A4}"/>
@@ -8963,7 +8963,7 @@
       </p:sp>
       <p:sp>
         <p:nvSpPr>
-          <p:cNvPr id="40" name="Rectangle 39">
+          <p:cNvPr id="53" name="Rectangle 52">
             <a:extLst>
               <a:ext uri="{FF2B5EF4-FFF2-40B4-BE49-F238E27FC236}">
                 <a16:creationId xmlns:a16="http://schemas.microsoft.com/office/drawing/2014/main" id="{B1D4C7A0-6DF2-4F2D-A45D-F111582974C7}"/>
@@ -9017,7 +9017,7 @@
       </p:sp>
       <p:sp>
         <p:nvSpPr>
-          <p:cNvPr id="42" name="Rectangle 41">
+          <p:cNvPr id="55" name="Rectangle 54">
             <a:extLst>
               <a:ext uri="{FF2B5EF4-FFF2-40B4-BE49-F238E27FC236}">
                 <a16:creationId xmlns:a16="http://schemas.microsoft.com/office/drawing/2014/main" id="{DBF3943D-BCB6-4B31-809D-A005686483B4}"/>
@@ -9071,7 +9071,7 @@
       </p:sp>
       <p:sp>
         <p:nvSpPr>
-          <p:cNvPr id="44" name="Rectangle 43">
+          <p:cNvPr id="57" name="Rectangle 56">
             <a:extLst>
               <a:ext uri="{FF2B5EF4-FFF2-40B4-BE49-F238E27FC236}">
                 <a16:creationId xmlns:a16="http://schemas.microsoft.com/office/drawing/2014/main" id="{39373A6F-2E1F-4613-8E1D-D68057D29F31}"/>
@@ -9208,10 +9208,10 @@
       </p:sp>
       <p:pic>
         <p:nvPicPr>
-          <p:cNvPr id="5" name="Picture 4" descr="A screenshot of a cell phone&#10;&#10;Description automatically generated">
-            <a:extLst>
-              <a:ext uri="{FF2B5EF4-FFF2-40B4-BE49-F238E27FC236}">
-                <a16:creationId xmlns:a16="http://schemas.microsoft.com/office/drawing/2014/main" id="{047C9687-84A0-4D85-A8E8-3674E3477B02}"/>
+          <p:cNvPr id="6" name="Picture 5" descr="A screenshot of a social media post&#10;&#10;Description automatically generated">
+            <a:extLst>
+              <a:ext uri="{FF2B5EF4-FFF2-40B4-BE49-F238E27FC236}">
+                <a16:creationId xmlns:a16="http://schemas.microsoft.com/office/drawing/2014/main" id="{98E823C4-A979-473A-9990-4E9355FF1C04}"/>
               </a:ext>
             </a:extLst>
           </p:cNvPr>
@@ -9228,8 +9228,8 @@
         </p:blipFill>
         <p:spPr>
           <a:xfrm>
-            <a:off x="5955857" y="936141"/>
-            <a:ext cx="4104251" cy="4968305"/>
+            <a:off x="4592231" y="2241859"/>
+            <a:ext cx="6831503" cy="2356868"/>
           </a:xfrm>
           <a:prstGeom prst="rect">
             <a:avLst/>
@@ -9740,21 +9740,21 @@
 </file>
 
 <file path=customXml/item2.xml><?xml version="1.0" encoding="utf-8"?>
+<p:properties xmlns:p="http://schemas.microsoft.com/office/2006/metadata/properties" xmlns:xsi="http://www.w3.org/2001/XMLSchema-instance" xmlns:pc="http://schemas.microsoft.com/office/infopath/2007/PartnerControls">
+  <documentManagement>
+    <Status xmlns="71af3243-3dd4-4a8d-8c0d-dd76da1f02a5">Not started</Status>
+    <MediaServiceKeyPoints xmlns="71af3243-3dd4-4a8d-8c0d-dd76da1f02a5" xsi:nil="true"/>
+  </documentManagement>
+</p:properties>
+</file>
+
+<file path=customXml/item3.xml><?xml version="1.0" encoding="utf-8"?>
 <?mso-contentType ?>
 <FormTemplates xmlns="http://schemas.microsoft.com/sharepoint/v3/contenttype/forms">
   <Display>DocumentLibraryForm</Display>
   <Edit>DocumentLibraryForm</Edit>
   <New>DocumentLibraryForm</New>
 </FormTemplates>
-</file>
-
-<file path=customXml/item3.xml><?xml version="1.0" encoding="utf-8"?>
-<p:properties xmlns:p="http://schemas.microsoft.com/office/2006/metadata/properties" xmlns:xsi="http://www.w3.org/2001/XMLSchema-instance" xmlns:pc="http://schemas.microsoft.com/office/infopath/2007/PartnerControls">
-  <documentManagement>
-    <Status xmlns="71af3243-3dd4-4a8d-8c0d-dd76da1f02a5">Not started</Status>
-    <MediaServiceKeyPoints xmlns="71af3243-3dd4-4a8d-8c0d-dd76da1f02a5" xsi:nil="true"/>
-  </documentManagement>
-</p:properties>
 </file>
 
 <file path=customXml/itemProps1.xml><?xml version="1.0" encoding="utf-8"?>
@@ -9777,14 +9777,6 @@
 </file>
 
 <file path=customXml/itemProps2.xml><?xml version="1.0" encoding="utf-8"?>
-<ds:datastoreItem xmlns:ds="http://schemas.openxmlformats.org/officeDocument/2006/customXml" ds:itemID="{927BD4C1-B6B1-4715-ABF9-E660A51A4EA0}">
-  <ds:schemaRefs>
-    <ds:schemaRef ds:uri="http://schemas.microsoft.com/sharepoint/v3/contenttype/forms"/>
-  </ds:schemaRefs>
-</ds:datastoreItem>
-</file>
-
-<file path=customXml/itemProps3.xml><?xml version="1.0" encoding="utf-8"?>
 <ds:datastoreItem xmlns:ds="http://schemas.openxmlformats.org/officeDocument/2006/customXml" ds:itemID="{8D289AE2-D2AE-49D1-AFAC-3A79F6794255}">
   <ds:schemaRefs>
     <ds:schemaRef ds:uri="http://schemas.microsoft.com/office/2006/metadata/properties"/>
@@ -9792,4 +9784,12 @@
     <ds:schemaRef ds:uri="71af3243-3dd4-4a8d-8c0d-dd76da1f02a5"/>
   </ds:schemaRefs>
 </ds:datastoreItem>
+</file>
+
+<file path=customXml/itemProps3.xml><?xml version="1.0" encoding="utf-8"?>
+<ds:datastoreItem xmlns:ds="http://schemas.openxmlformats.org/officeDocument/2006/customXml" ds:itemID="{927BD4C1-B6B1-4715-ABF9-E660A51A4EA0}">
+  <ds:schemaRefs>
+    <ds:schemaRef ds:uri="http://schemas.microsoft.com/sharepoint/v3/contenttype/forms"/>
+  </ds:schemaRefs>
+</ds:datastoreItem>
 </file>
--- a/Design Docs/Maker Space.pptx
+++ b/Design Docs/Maker Space.pptx
@@ -17,7 +17,10 @@
     <p:sldId id="281" r:id="rId14"/>
     <p:sldId id="283" r:id="rId15"/>
     <p:sldId id="284" r:id="rId16"/>
-    <p:sldId id="276" r:id="rId17"/>
+    <p:sldId id="287" r:id="rId17"/>
+    <p:sldId id="288" r:id="rId18"/>
+    <p:sldId id="289" r:id="rId19"/>
+    <p:sldId id="276" r:id="rId20"/>
   </p:sldIdLst>
   <p:sldSz cx="12192000" cy="6858000"/>
   <p:notesSz cx="6858000" cy="9144000"/>
@@ -5508,6 +5511,1272 @@
 </file>
 
 <file path=ppt/slides/slide13.xml><?xml version="1.0" encoding="utf-8"?>
+<p:sld xmlns:a="http://schemas.openxmlformats.org/drawingml/2006/main" xmlns:r="http://schemas.openxmlformats.org/officeDocument/2006/relationships" xmlns:p="http://schemas.openxmlformats.org/presentationml/2006/main">
+  <p:cSld>
+    <p:bg>
+      <p:bgPr>
+        <a:solidFill>
+          <a:schemeClr val="bg1"/>
+        </a:solidFill>
+        <a:effectLst/>
+      </p:bgPr>
+    </p:bg>
+    <p:spTree>
+      <p:nvGrpSpPr>
+        <p:cNvPr id="1" name=""/>
+        <p:cNvGrpSpPr/>
+        <p:nvPr/>
+      </p:nvGrpSpPr>
+      <p:grpSpPr>
+        <a:xfrm>
+          <a:off x="0" y="0"/>
+          <a:ext cx="0" cy="0"/>
+          <a:chOff x="0" y="0"/>
+          <a:chExt cx="0" cy="0"/>
+        </a:xfrm>
+      </p:grpSpPr>
+      <p:sp>
+        <p:nvSpPr>
+          <p:cNvPr id="12" name="Rectangle 11">
+            <a:extLst>
+              <a:ext uri="{FF2B5EF4-FFF2-40B4-BE49-F238E27FC236}">
+                <a16:creationId xmlns:a16="http://schemas.microsoft.com/office/drawing/2014/main" id="{E9751CB9-7B25-4EB8-9A6F-82F822549F12}"/>
+              </a:ext>
+              <a:ext uri="{C183D7F6-B498-43B3-948B-1728B52AA6E4}">
+                <adec:decorative xmlns:adec="http://schemas.microsoft.com/office/drawing/2017/decorative" val="1"/>
+              </a:ext>
+            </a:extLst>
+          </p:cNvPr>
+          <p:cNvSpPr>
+            <a:spLocks noGrp="1" noRot="1" noChangeAspect="1" noMove="1" noResize="1" noEditPoints="1" noAdjustHandles="1" noChangeArrowheads="1" noChangeShapeType="1" noTextEdit="1"/>
+          </p:cNvSpPr>
+          <p:nvPr>
+            <p:extLst>
+              <p:ext uri="{386F3935-93C4-4BCD-93E2-E3B085C9AB24}">
+                <p16:designElem xmlns:p16="http://schemas.microsoft.com/office/powerpoint/2015/main" val="1"/>
+              </p:ext>
+            </p:extLst>
+          </p:nvPr>
+        </p:nvSpPr>
+        <p:spPr>
+          <a:xfrm>
+            <a:off x="0" y="0"/>
+            <a:ext cx="12192000" cy="6858000"/>
+          </a:xfrm>
+          <a:prstGeom prst="rect">
+            <a:avLst/>
+          </a:prstGeom>
+          <a:solidFill>
+            <a:srgbClr val="FFFFFF"/>
+          </a:solidFill>
+          <a:ln>
+            <a:noFill/>
+          </a:ln>
+        </p:spPr>
+        <p:style>
+          <a:lnRef idx="2">
+            <a:schemeClr val="accent1">
+              <a:shade val="50000"/>
+            </a:schemeClr>
+          </a:lnRef>
+          <a:fillRef idx="1">
+            <a:schemeClr val="accent1"/>
+          </a:fillRef>
+          <a:effectRef idx="0">
+            <a:schemeClr val="accent1"/>
+          </a:effectRef>
+          <a:fontRef idx="minor">
+            <a:schemeClr val="lt1"/>
+          </a:fontRef>
+        </p:style>
+        <p:txBody>
+          <a:bodyPr rtlCol="0" anchor="ctr"/>
+          <a:lstStyle/>
+          <a:p>
+            <a:pPr algn="ctr"/>
+            <a:endParaRPr lang="en-US"/>
+          </a:p>
+        </p:txBody>
+      </p:sp>
+      <p:sp>
+        <p:nvSpPr>
+          <p:cNvPr id="14" name="Rectangle 13">
+            <a:extLst>
+              <a:ext uri="{FF2B5EF4-FFF2-40B4-BE49-F238E27FC236}">
+                <a16:creationId xmlns:a16="http://schemas.microsoft.com/office/drawing/2014/main" id="{E1317383-CF3B-4B02-9512-BECBEF6362A4}"/>
+              </a:ext>
+              <a:ext uri="{C183D7F6-B498-43B3-948B-1728B52AA6E4}">
+                <adec:decorative xmlns:adec="http://schemas.microsoft.com/office/drawing/2017/decorative" val="1"/>
+              </a:ext>
+            </a:extLst>
+          </p:cNvPr>
+          <p:cNvSpPr>
+            <a:spLocks noGrp="1" noRot="1" noChangeAspect="1" noMove="1" noResize="1" noEditPoints="1" noAdjustHandles="1" noChangeArrowheads="1" noChangeShapeType="1" noTextEdit="1"/>
+          </p:cNvSpPr>
+          <p:nvPr>
+            <p:extLst>
+              <p:ext uri="{386F3935-93C4-4BCD-93E2-E3B085C9AB24}">
+                <p16:designElem xmlns:p16="http://schemas.microsoft.com/office/powerpoint/2015/main" val="1"/>
+              </p:ext>
+            </p:extLst>
+          </p:nvPr>
+        </p:nvSpPr>
+        <p:spPr>
+          <a:xfrm>
+            <a:off x="446534" y="457200"/>
+            <a:ext cx="3703320" cy="94997"/>
+          </a:xfrm>
+          <a:prstGeom prst="rect">
+            <a:avLst/>
+          </a:prstGeom>
+          <a:solidFill>
+            <a:srgbClr val="465359"/>
+          </a:solidFill>
+          <a:ln>
+            <a:noFill/>
+          </a:ln>
+          <a:effectLst/>
+        </p:spPr>
+        <p:style>
+          <a:lnRef idx="1">
+            <a:schemeClr val="accent1"/>
+          </a:lnRef>
+          <a:fillRef idx="3">
+            <a:schemeClr val="accent1"/>
+          </a:fillRef>
+          <a:effectRef idx="2">
+            <a:schemeClr val="accent1"/>
+          </a:effectRef>
+          <a:fontRef idx="minor">
+            <a:schemeClr val="lt1"/>
+          </a:fontRef>
+        </p:style>
+      </p:sp>
+      <p:sp>
+        <p:nvSpPr>
+          <p:cNvPr id="16" name="Rectangle 15">
+            <a:extLst>
+              <a:ext uri="{FF2B5EF4-FFF2-40B4-BE49-F238E27FC236}">
+                <a16:creationId xmlns:a16="http://schemas.microsoft.com/office/drawing/2014/main" id="{B1D4C7A0-6DF2-4F2D-A45D-F111582974C7}"/>
+              </a:ext>
+              <a:ext uri="{C183D7F6-B498-43B3-948B-1728B52AA6E4}">
+                <adec:decorative xmlns:adec="http://schemas.microsoft.com/office/drawing/2017/decorative" val="1"/>
+              </a:ext>
+            </a:extLst>
+          </p:cNvPr>
+          <p:cNvSpPr>
+            <a:spLocks noGrp="1" noRot="1" noChangeAspect="1" noMove="1" noResize="1" noEditPoints="1" noAdjustHandles="1" noChangeArrowheads="1" noChangeShapeType="1" noTextEdit="1"/>
+          </p:cNvSpPr>
+          <p:nvPr>
+            <p:extLst>
+              <p:ext uri="{386F3935-93C4-4BCD-93E2-E3B085C9AB24}">
+                <p16:designElem xmlns:p16="http://schemas.microsoft.com/office/powerpoint/2015/main" val="1"/>
+              </p:ext>
+            </p:extLst>
+          </p:nvPr>
+        </p:nvSpPr>
+        <p:spPr>
+          <a:xfrm>
+            <a:off x="4241830" y="457200"/>
+            <a:ext cx="3703320" cy="91440"/>
+          </a:xfrm>
+          <a:prstGeom prst="rect">
+            <a:avLst/>
+          </a:prstGeom>
+          <a:solidFill>
+            <a:schemeClr val="accent1"/>
+          </a:solidFill>
+          <a:ln>
+            <a:noFill/>
+          </a:ln>
+          <a:effectLst/>
+        </p:spPr>
+        <p:style>
+          <a:lnRef idx="1">
+            <a:schemeClr val="accent1"/>
+          </a:lnRef>
+          <a:fillRef idx="3">
+            <a:schemeClr val="accent1"/>
+          </a:fillRef>
+          <a:effectRef idx="2">
+            <a:schemeClr val="accent1"/>
+          </a:effectRef>
+          <a:fontRef idx="minor">
+            <a:schemeClr val="lt1"/>
+          </a:fontRef>
+        </p:style>
+      </p:sp>
+      <p:sp>
+        <p:nvSpPr>
+          <p:cNvPr id="18" name="Rectangle 17">
+            <a:extLst>
+              <a:ext uri="{FF2B5EF4-FFF2-40B4-BE49-F238E27FC236}">
+                <a16:creationId xmlns:a16="http://schemas.microsoft.com/office/drawing/2014/main" id="{DBF3943D-BCB6-4B31-809D-A005686483B4}"/>
+              </a:ext>
+              <a:ext uri="{C183D7F6-B498-43B3-948B-1728B52AA6E4}">
+                <adec:decorative xmlns:adec="http://schemas.microsoft.com/office/drawing/2017/decorative" val="1"/>
+              </a:ext>
+            </a:extLst>
+          </p:cNvPr>
+          <p:cNvSpPr>
+            <a:spLocks noGrp="1" noRot="1" noChangeAspect="1" noMove="1" noResize="1" noEditPoints="1" noAdjustHandles="1" noChangeArrowheads="1" noChangeShapeType="1" noTextEdit="1"/>
+          </p:cNvSpPr>
+          <p:nvPr>
+            <p:extLst>
+              <p:ext uri="{386F3935-93C4-4BCD-93E2-E3B085C9AB24}">
+                <p16:designElem xmlns:p16="http://schemas.microsoft.com/office/powerpoint/2015/main" val="1"/>
+              </p:ext>
+            </p:extLst>
+          </p:nvPr>
+        </p:nvSpPr>
+        <p:spPr>
+          <a:xfrm>
+            <a:off x="8042147" y="453643"/>
+            <a:ext cx="3703320" cy="98554"/>
+          </a:xfrm>
+          <a:prstGeom prst="rect">
+            <a:avLst/>
+          </a:prstGeom>
+          <a:solidFill>
+            <a:srgbClr val="969FA7"/>
+          </a:solidFill>
+          <a:ln>
+            <a:noFill/>
+          </a:ln>
+          <a:effectLst/>
+        </p:spPr>
+        <p:style>
+          <a:lnRef idx="1">
+            <a:schemeClr val="accent1"/>
+          </a:lnRef>
+          <a:fillRef idx="3">
+            <a:schemeClr val="accent1"/>
+          </a:fillRef>
+          <a:effectRef idx="2">
+            <a:schemeClr val="accent1"/>
+          </a:effectRef>
+          <a:fontRef idx="minor">
+            <a:schemeClr val="lt1"/>
+          </a:fontRef>
+        </p:style>
+      </p:sp>
+      <p:sp>
+        <p:nvSpPr>
+          <p:cNvPr id="20" name="Rectangle 19">
+            <a:extLst>
+              <a:ext uri="{FF2B5EF4-FFF2-40B4-BE49-F238E27FC236}">
+                <a16:creationId xmlns:a16="http://schemas.microsoft.com/office/drawing/2014/main" id="{39373A6F-2E1F-4613-8E1D-D68057D29F31}"/>
+              </a:ext>
+              <a:ext uri="{C183D7F6-B498-43B3-948B-1728B52AA6E4}">
+                <adec:decorative xmlns:adec="http://schemas.microsoft.com/office/drawing/2017/decorative" val="1"/>
+              </a:ext>
+            </a:extLst>
+          </p:cNvPr>
+          <p:cNvSpPr>
+            <a:spLocks noGrp="1" noRot="1" noChangeAspect="1" noMove="1" noResize="1" noEditPoints="1" noAdjustHandles="1" noChangeArrowheads="1" noChangeShapeType="1" noTextEdit="1"/>
+          </p:cNvSpPr>
+          <p:nvPr>
+            <p:extLst>
+              <p:ext uri="{386F3935-93C4-4BCD-93E2-E3B085C9AB24}">
+                <p16:designElem xmlns:p16="http://schemas.microsoft.com/office/powerpoint/2015/main" val="1"/>
+              </p:ext>
+            </p:extLst>
+          </p:nvPr>
+        </p:nvSpPr>
+        <p:spPr>
+          <a:xfrm>
+            <a:off x="442377" y="601200"/>
+            <a:ext cx="3707477" cy="5624979"/>
+          </a:xfrm>
+          <a:prstGeom prst="rect">
+            <a:avLst/>
+          </a:prstGeom>
+          <a:solidFill>
+            <a:srgbClr val="465359"/>
+          </a:solidFill>
+          <a:ln>
+            <a:noFill/>
+          </a:ln>
+          <a:effectLst/>
+        </p:spPr>
+        <p:style>
+          <a:lnRef idx="1">
+            <a:schemeClr val="accent1"/>
+          </a:lnRef>
+          <a:fillRef idx="3">
+            <a:schemeClr val="accent1"/>
+          </a:fillRef>
+          <a:effectRef idx="2">
+            <a:schemeClr val="accent1"/>
+          </a:effectRef>
+          <a:fontRef idx="minor">
+            <a:schemeClr val="lt1"/>
+          </a:fontRef>
+        </p:style>
+      </p:sp>
+      <p:sp>
+        <p:nvSpPr>
+          <p:cNvPr id="2" name="Title 1">
+            <a:extLst>
+              <a:ext uri="{FF2B5EF4-FFF2-40B4-BE49-F238E27FC236}">
+                <a16:creationId xmlns:a16="http://schemas.microsoft.com/office/drawing/2014/main" id="{BA750FAB-55D4-4A03-853A-5C8C38D1914F}"/>
+              </a:ext>
+            </a:extLst>
+          </p:cNvPr>
+          <p:cNvSpPr>
+            <a:spLocks noGrp="1"/>
+          </p:cNvSpPr>
+          <p:nvPr>
+            <p:ph type="title"/>
+          </p:nvPr>
+        </p:nvSpPr>
+        <p:spPr>
+          <a:xfrm>
+            <a:off x="601255" y="702155"/>
+            <a:ext cx="3409783" cy="1300365"/>
+          </a:xfrm>
+        </p:spPr>
+        <p:txBody>
+          <a:bodyPr>
+            <a:normAutofit/>
+          </a:bodyPr>
+          <a:lstStyle/>
+          <a:p>
+            <a:r>
+              <a:rPr lang="en-US">
+                <a:solidFill>
+                  <a:srgbClr val="FFFFFF"/>
+                </a:solidFill>
+              </a:rPr>
+              <a:t>Context diagram</a:t>
+            </a:r>
+          </a:p>
+        </p:txBody>
+      </p:sp>
+      <p:sp>
+        <p:nvSpPr>
+          <p:cNvPr id="9" name="Content Placeholder 8">
+            <a:extLst>
+              <a:ext uri="{FF2B5EF4-FFF2-40B4-BE49-F238E27FC236}">
+                <a16:creationId xmlns:a16="http://schemas.microsoft.com/office/drawing/2014/main" id="{49E39BD9-12B5-45E3-AA07-5D8305E85E3F}"/>
+              </a:ext>
+            </a:extLst>
+          </p:cNvPr>
+          <p:cNvSpPr>
+            <a:spLocks noGrp="1"/>
+          </p:cNvSpPr>
+          <p:nvPr>
+            <p:ph idx="1"/>
+          </p:nvPr>
+        </p:nvSpPr>
+        <p:spPr>
+          <a:xfrm>
+            <a:off x="601255" y="2177142"/>
+            <a:ext cx="3409782" cy="3823607"/>
+          </a:xfrm>
+        </p:spPr>
+        <p:txBody>
+          <a:bodyPr>
+            <a:normAutofit/>
+          </a:bodyPr>
+          <a:lstStyle/>
+          <a:p>
+            <a:endParaRPr lang="en-US">
+              <a:solidFill>
+                <a:srgbClr val="FFFFFF"/>
+              </a:solidFill>
+            </a:endParaRPr>
+          </a:p>
+        </p:txBody>
+      </p:sp>
+      <p:pic>
+        <p:nvPicPr>
+          <p:cNvPr id="5" name="Content Placeholder 4" descr="A screenshot of a cell phone&#10;&#10;Description automatically generated">
+            <a:extLst>
+              <a:ext uri="{FF2B5EF4-FFF2-40B4-BE49-F238E27FC236}">
+                <a16:creationId xmlns:a16="http://schemas.microsoft.com/office/drawing/2014/main" id="{DFA59051-F7E0-4EE6-9584-689D02EA4249}"/>
+              </a:ext>
+            </a:extLst>
+          </p:cNvPr>
+          <p:cNvPicPr>
+            <a:picLocks noChangeAspect="1"/>
+          </p:cNvPicPr>
+          <p:nvPr/>
+        </p:nvPicPr>
+        <p:blipFill>
+          <a:blip r:embed="rId2"/>
+          <a:stretch>
+            <a:fillRect/>
+          </a:stretch>
+        </p:blipFill>
+        <p:spPr>
+          <a:xfrm>
+            <a:off x="4592231" y="1780733"/>
+            <a:ext cx="6831503" cy="3279121"/>
+          </a:xfrm>
+          <a:prstGeom prst="rect">
+            <a:avLst/>
+          </a:prstGeom>
+        </p:spPr>
+      </p:pic>
+    </p:spTree>
+    <p:extLst>
+      <p:ext uri="{BB962C8B-B14F-4D97-AF65-F5344CB8AC3E}">
+        <p14:creationId xmlns:p14="http://schemas.microsoft.com/office/powerpoint/2010/main" val="327606435"/>
+      </p:ext>
+    </p:extLst>
+  </p:cSld>
+  <p:clrMapOvr>
+    <a:overrideClrMapping bg1="dk1" tx1="lt1" bg2="dk2" tx2="lt2" accent1="accent1" accent2="accent2" accent3="accent3" accent4="accent4" accent5="accent5" accent6="accent6" hlink="hlink" folHlink="folHlink"/>
+  </p:clrMapOvr>
+</p:sld>
+</file>
+
+<file path=ppt/slides/slide14.xml><?xml version="1.0" encoding="utf-8"?>
+<p:sld xmlns:a="http://schemas.openxmlformats.org/drawingml/2006/main" xmlns:r="http://schemas.openxmlformats.org/officeDocument/2006/relationships" xmlns:p="http://schemas.openxmlformats.org/presentationml/2006/main">
+  <p:cSld>
+    <p:bg>
+      <p:bgPr>
+        <a:solidFill>
+          <a:schemeClr val="bg1"/>
+        </a:solidFill>
+        <a:effectLst/>
+      </p:bgPr>
+    </p:bg>
+    <p:spTree>
+      <p:nvGrpSpPr>
+        <p:cNvPr id="1" name=""/>
+        <p:cNvGrpSpPr/>
+        <p:nvPr/>
+      </p:nvGrpSpPr>
+      <p:grpSpPr>
+        <a:xfrm>
+          <a:off x="0" y="0"/>
+          <a:ext cx="0" cy="0"/>
+          <a:chOff x="0" y="0"/>
+          <a:chExt cx="0" cy="0"/>
+        </a:xfrm>
+      </p:grpSpPr>
+      <p:sp>
+        <p:nvSpPr>
+          <p:cNvPr id="12" name="Rectangle 11">
+            <a:extLst>
+              <a:ext uri="{FF2B5EF4-FFF2-40B4-BE49-F238E27FC236}">
+                <a16:creationId xmlns:a16="http://schemas.microsoft.com/office/drawing/2014/main" id="{E9751CB9-7B25-4EB8-9A6F-82F822549F12}"/>
+              </a:ext>
+              <a:ext uri="{C183D7F6-B498-43B3-948B-1728B52AA6E4}">
+                <adec:decorative xmlns:adec="http://schemas.microsoft.com/office/drawing/2017/decorative" val="1"/>
+              </a:ext>
+            </a:extLst>
+          </p:cNvPr>
+          <p:cNvSpPr>
+            <a:spLocks noGrp="1" noRot="1" noChangeAspect="1" noMove="1" noResize="1" noEditPoints="1" noAdjustHandles="1" noChangeArrowheads="1" noChangeShapeType="1" noTextEdit="1"/>
+          </p:cNvSpPr>
+          <p:nvPr>
+            <p:extLst>
+              <p:ext uri="{386F3935-93C4-4BCD-93E2-E3B085C9AB24}">
+                <p16:designElem xmlns:p16="http://schemas.microsoft.com/office/powerpoint/2015/main" val="1"/>
+              </p:ext>
+            </p:extLst>
+          </p:nvPr>
+        </p:nvSpPr>
+        <p:spPr>
+          <a:xfrm>
+            <a:off x="0" y="0"/>
+            <a:ext cx="12192000" cy="6858000"/>
+          </a:xfrm>
+          <a:prstGeom prst="rect">
+            <a:avLst/>
+          </a:prstGeom>
+          <a:solidFill>
+            <a:srgbClr val="FFFFFF"/>
+          </a:solidFill>
+          <a:ln>
+            <a:noFill/>
+          </a:ln>
+        </p:spPr>
+        <p:style>
+          <a:lnRef idx="2">
+            <a:schemeClr val="accent1">
+              <a:shade val="50000"/>
+            </a:schemeClr>
+          </a:lnRef>
+          <a:fillRef idx="1">
+            <a:schemeClr val="accent1"/>
+          </a:fillRef>
+          <a:effectRef idx="0">
+            <a:schemeClr val="accent1"/>
+          </a:effectRef>
+          <a:fontRef idx="minor">
+            <a:schemeClr val="lt1"/>
+          </a:fontRef>
+        </p:style>
+        <p:txBody>
+          <a:bodyPr rtlCol="0" anchor="ctr"/>
+          <a:lstStyle/>
+          <a:p>
+            <a:pPr algn="ctr"/>
+            <a:endParaRPr lang="en-US"/>
+          </a:p>
+        </p:txBody>
+      </p:sp>
+      <p:sp>
+        <p:nvSpPr>
+          <p:cNvPr id="14" name="Rectangle 13">
+            <a:extLst>
+              <a:ext uri="{FF2B5EF4-FFF2-40B4-BE49-F238E27FC236}">
+                <a16:creationId xmlns:a16="http://schemas.microsoft.com/office/drawing/2014/main" id="{E1317383-CF3B-4B02-9512-BECBEF6362A4}"/>
+              </a:ext>
+              <a:ext uri="{C183D7F6-B498-43B3-948B-1728B52AA6E4}">
+                <adec:decorative xmlns:adec="http://schemas.microsoft.com/office/drawing/2017/decorative" val="1"/>
+              </a:ext>
+            </a:extLst>
+          </p:cNvPr>
+          <p:cNvSpPr>
+            <a:spLocks noGrp="1" noRot="1" noChangeAspect="1" noMove="1" noResize="1" noEditPoints="1" noAdjustHandles="1" noChangeArrowheads="1" noChangeShapeType="1" noTextEdit="1"/>
+          </p:cNvSpPr>
+          <p:nvPr>
+            <p:extLst>
+              <p:ext uri="{386F3935-93C4-4BCD-93E2-E3B085C9AB24}">
+                <p16:designElem xmlns:p16="http://schemas.microsoft.com/office/powerpoint/2015/main" val="1"/>
+              </p:ext>
+            </p:extLst>
+          </p:nvPr>
+        </p:nvSpPr>
+        <p:spPr>
+          <a:xfrm>
+            <a:off x="446534" y="457200"/>
+            <a:ext cx="3703320" cy="94997"/>
+          </a:xfrm>
+          <a:prstGeom prst="rect">
+            <a:avLst/>
+          </a:prstGeom>
+          <a:solidFill>
+            <a:srgbClr val="465359"/>
+          </a:solidFill>
+          <a:ln>
+            <a:noFill/>
+          </a:ln>
+          <a:effectLst/>
+        </p:spPr>
+        <p:style>
+          <a:lnRef idx="1">
+            <a:schemeClr val="accent1"/>
+          </a:lnRef>
+          <a:fillRef idx="3">
+            <a:schemeClr val="accent1"/>
+          </a:fillRef>
+          <a:effectRef idx="2">
+            <a:schemeClr val="accent1"/>
+          </a:effectRef>
+          <a:fontRef idx="minor">
+            <a:schemeClr val="lt1"/>
+          </a:fontRef>
+        </p:style>
+      </p:sp>
+      <p:sp>
+        <p:nvSpPr>
+          <p:cNvPr id="16" name="Rectangle 15">
+            <a:extLst>
+              <a:ext uri="{FF2B5EF4-FFF2-40B4-BE49-F238E27FC236}">
+                <a16:creationId xmlns:a16="http://schemas.microsoft.com/office/drawing/2014/main" id="{B1D4C7A0-6DF2-4F2D-A45D-F111582974C7}"/>
+              </a:ext>
+              <a:ext uri="{C183D7F6-B498-43B3-948B-1728B52AA6E4}">
+                <adec:decorative xmlns:adec="http://schemas.microsoft.com/office/drawing/2017/decorative" val="1"/>
+              </a:ext>
+            </a:extLst>
+          </p:cNvPr>
+          <p:cNvSpPr>
+            <a:spLocks noGrp="1" noRot="1" noChangeAspect="1" noMove="1" noResize="1" noEditPoints="1" noAdjustHandles="1" noChangeArrowheads="1" noChangeShapeType="1" noTextEdit="1"/>
+          </p:cNvSpPr>
+          <p:nvPr>
+            <p:extLst>
+              <p:ext uri="{386F3935-93C4-4BCD-93E2-E3B085C9AB24}">
+                <p16:designElem xmlns:p16="http://schemas.microsoft.com/office/powerpoint/2015/main" val="1"/>
+              </p:ext>
+            </p:extLst>
+          </p:nvPr>
+        </p:nvSpPr>
+        <p:spPr>
+          <a:xfrm>
+            <a:off x="4241830" y="457200"/>
+            <a:ext cx="3703320" cy="91440"/>
+          </a:xfrm>
+          <a:prstGeom prst="rect">
+            <a:avLst/>
+          </a:prstGeom>
+          <a:solidFill>
+            <a:schemeClr val="accent1"/>
+          </a:solidFill>
+          <a:ln>
+            <a:noFill/>
+          </a:ln>
+          <a:effectLst/>
+        </p:spPr>
+        <p:style>
+          <a:lnRef idx="1">
+            <a:schemeClr val="accent1"/>
+          </a:lnRef>
+          <a:fillRef idx="3">
+            <a:schemeClr val="accent1"/>
+          </a:fillRef>
+          <a:effectRef idx="2">
+            <a:schemeClr val="accent1"/>
+          </a:effectRef>
+          <a:fontRef idx="minor">
+            <a:schemeClr val="lt1"/>
+          </a:fontRef>
+        </p:style>
+      </p:sp>
+      <p:sp>
+        <p:nvSpPr>
+          <p:cNvPr id="18" name="Rectangle 17">
+            <a:extLst>
+              <a:ext uri="{FF2B5EF4-FFF2-40B4-BE49-F238E27FC236}">
+                <a16:creationId xmlns:a16="http://schemas.microsoft.com/office/drawing/2014/main" id="{DBF3943D-BCB6-4B31-809D-A005686483B4}"/>
+              </a:ext>
+              <a:ext uri="{C183D7F6-B498-43B3-948B-1728B52AA6E4}">
+                <adec:decorative xmlns:adec="http://schemas.microsoft.com/office/drawing/2017/decorative" val="1"/>
+              </a:ext>
+            </a:extLst>
+          </p:cNvPr>
+          <p:cNvSpPr>
+            <a:spLocks noGrp="1" noRot="1" noChangeAspect="1" noMove="1" noResize="1" noEditPoints="1" noAdjustHandles="1" noChangeArrowheads="1" noChangeShapeType="1" noTextEdit="1"/>
+          </p:cNvSpPr>
+          <p:nvPr>
+            <p:extLst>
+              <p:ext uri="{386F3935-93C4-4BCD-93E2-E3B085C9AB24}">
+                <p16:designElem xmlns:p16="http://schemas.microsoft.com/office/powerpoint/2015/main" val="1"/>
+              </p:ext>
+            </p:extLst>
+          </p:nvPr>
+        </p:nvSpPr>
+        <p:spPr>
+          <a:xfrm>
+            <a:off x="8042147" y="453643"/>
+            <a:ext cx="3703320" cy="98554"/>
+          </a:xfrm>
+          <a:prstGeom prst="rect">
+            <a:avLst/>
+          </a:prstGeom>
+          <a:solidFill>
+            <a:srgbClr val="969FA7"/>
+          </a:solidFill>
+          <a:ln>
+            <a:noFill/>
+          </a:ln>
+          <a:effectLst/>
+        </p:spPr>
+        <p:style>
+          <a:lnRef idx="1">
+            <a:schemeClr val="accent1"/>
+          </a:lnRef>
+          <a:fillRef idx="3">
+            <a:schemeClr val="accent1"/>
+          </a:fillRef>
+          <a:effectRef idx="2">
+            <a:schemeClr val="accent1"/>
+          </a:effectRef>
+          <a:fontRef idx="minor">
+            <a:schemeClr val="lt1"/>
+          </a:fontRef>
+        </p:style>
+      </p:sp>
+      <p:sp>
+        <p:nvSpPr>
+          <p:cNvPr id="20" name="Rectangle 19">
+            <a:extLst>
+              <a:ext uri="{FF2B5EF4-FFF2-40B4-BE49-F238E27FC236}">
+                <a16:creationId xmlns:a16="http://schemas.microsoft.com/office/drawing/2014/main" id="{39373A6F-2E1F-4613-8E1D-D68057D29F31}"/>
+              </a:ext>
+              <a:ext uri="{C183D7F6-B498-43B3-948B-1728B52AA6E4}">
+                <adec:decorative xmlns:adec="http://schemas.microsoft.com/office/drawing/2017/decorative" val="1"/>
+              </a:ext>
+            </a:extLst>
+          </p:cNvPr>
+          <p:cNvSpPr>
+            <a:spLocks noGrp="1" noRot="1" noChangeAspect="1" noMove="1" noResize="1" noEditPoints="1" noAdjustHandles="1" noChangeArrowheads="1" noChangeShapeType="1" noTextEdit="1"/>
+          </p:cNvSpPr>
+          <p:nvPr>
+            <p:extLst>
+              <p:ext uri="{386F3935-93C4-4BCD-93E2-E3B085C9AB24}">
+                <p16:designElem xmlns:p16="http://schemas.microsoft.com/office/powerpoint/2015/main" val="1"/>
+              </p:ext>
+            </p:extLst>
+          </p:nvPr>
+        </p:nvSpPr>
+        <p:spPr>
+          <a:xfrm>
+            <a:off x="442377" y="601200"/>
+            <a:ext cx="3707477" cy="5624979"/>
+          </a:xfrm>
+          <a:prstGeom prst="rect">
+            <a:avLst/>
+          </a:prstGeom>
+          <a:solidFill>
+            <a:srgbClr val="465359"/>
+          </a:solidFill>
+          <a:ln>
+            <a:noFill/>
+          </a:ln>
+          <a:effectLst/>
+        </p:spPr>
+        <p:style>
+          <a:lnRef idx="1">
+            <a:schemeClr val="accent1"/>
+          </a:lnRef>
+          <a:fillRef idx="3">
+            <a:schemeClr val="accent1"/>
+          </a:fillRef>
+          <a:effectRef idx="2">
+            <a:schemeClr val="accent1"/>
+          </a:effectRef>
+          <a:fontRef idx="minor">
+            <a:schemeClr val="lt1"/>
+          </a:fontRef>
+        </p:style>
+      </p:sp>
+      <p:sp>
+        <p:nvSpPr>
+          <p:cNvPr id="2" name="Title 1">
+            <a:extLst>
+              <a:ext uri="{FF2B5EF4-FFF2-40B4-BE49-F238E27FC236}">
+                <a16:creationId xmlns:a16="http://schemas.microsoft.com/office/drawing/2014/main" id="{3A309938-456A-4321-A566-957F7EE9C0C3}"/>
+              </a:ext>
+            </a:extLst>
+          </p:cNvPr>
+          <p:cNvSpPr>
+            <a:spLocks noGrp="1"/>
+          </p:cNvSpPr>
+          <p:nvPr>
+            <p:ph type="title"/>
+          </p:nvPr>
+        </p:nvSpPr>
+        <p:spPr>
+          <a:xfrm>
+            <a:off x="601255" y="702155"/>
+            <a:ext cx="3409783" cy="1300365"/>
+          </a:xfrm>
+        </p:spPr>
+        <p:txBody>
+          <a:bodyPr>
+            <a:normAutofit/>
+          </a:bodyPr>
+          <a:lstStyle/>
+          <a:p>
+            <a:r>
+              <a:rPr lang="en-US">
+                <a:solidFill>
+                  <a:srgbClr val="FFFFFF"/>
+                </a:solidFill>
+              </a:rPr>
+              <a:t>Diagram Zero</a:t>
+            </a:r>
+          </a:p>
+        </p:txBody>
+      </p:sp>
+      <p:sp>
+        <p:nvSpPr>
+          <p:cNvPr id="9" name="Content Placeholder 8">
+            <a:extLst>
+              <a:ext uri="{FF2B5EF4-FFF2-40B4-BE49-F238E27FC236}">
+                <a16:creationId xmlns:a16="http://schemas.microsoft.com/office/drawing/2014/main" id="{DC6965B1-46E9-450E-84F7-F8126FB1FDC8}"/>
+              </a:ext>
+            </a:extLst>
+          </p:cNvPr>
+          <p:cNvSpPr>
+            <a:spLocks noGrp="1"/>
+          </p:cNvSpPr>
+          <p:nvPr>
+            <p:ph idx="1"/>
+          </p:nvPr>
+        </p:nvSpPr>
+        <p:spPr>
+          <a:xfrm>
+            <a:off x="601255" y="2177142"/>
+            <a:ext cx="3409782" cy="3823607"/>
+          </a:xfrm>
+        </p:spPr>
+        <p:txBody>
+          <a:bodyPr>
+            <a:normAutofit/>
+          </a:bodyPr>
+          <a:lstStyle/>
+          <a:p>
+            <a:endParaRPr lang="en-US">
+              <a:solidFill>
+                <a:srgbClr val="FFFFFF"/>
+              </a:solidFill>
+            </a:endParaRPr>
+          </a:p>
+        </p:txBody>
+      </p:sp>
+      <p:pic>
+        <p:nvPicPr>
+          <p:cNvPr id="5" name="Content Placeholder 4" descr="A close up of a map&#10;&#10;Description automatically generated">
+            <a:extLst>
+              <a:ext uri="{FF2B5EF4-FFF2-40B4-BE49-F238E27FC236}">
+                <a16:creationId xmlns:a16="http://schemas.microsoft.com/office/drawing/2014/main" id="{13073315-7AEC-4EC5-83EF-5A4282C20170}"/>
+              </a:ext>
+            </a:extLst>
+          </p:cNvPr>
+          <p:cNvPicPr>
+            <a:picLocks noChangeAspect="1"/>
+          </p:cNvPicPr>
+          <p:nvPr/>
+        </p:nvPicPr>
+        <p:blipFill>
+          <a:blip r:embed="rId2"/>
+          <a:stretch>
+            <a:fillRect/>
+          </a:stretch>
+        </p:blipFill>
+        <p:spPr>
+          <a:xfrm>
+            <a:off x="5307817" y="936141"/>
+            <a:ext cx="5400331" cy="4968305"/>
+          </a:xfrm>
+          <a:prstGeom prst="rect">
+            <a:avLst/>
+          </a:prstGeom>
+        </p:spPr>
+      </p:pic>
+    </p:spTree>
+    <p:extLst>
+      <p:ext uri="{BB962C8B-B14F-4D97-AF65-F5344CB8AC3E}">
+        <p14:creationId xmlns:p14="http://schemas.microsoft.com/office/powerpoint/2010/main" val="3929388030"/>
+      </p:ext>
+    </p:extLst>
+  </p:cSld>
+  <p:clrMapOvr>
+    <a:overrideClrMapping bg1="dk1" tx1="lt1" bg2="dk2" tx2="lt2" accent1="accent1" accent2="accent2" accent3="accent3" accent4="accent4" accent5="accent5" accent6="accent6" hlink="hlink" folHlink="folHlink"/>
+  </p:clrMapOvr>
+</p:sld>
+</file>
+
+<file path=ppt/slides/slide15.xml><?xml version="1.0" encoding="utf-8"?>
+<p:sld xmlns:a="http://schemas.openxmlformats.org/drawingml/2006/main" xmlns:r="http://schemas.openxmlformats.org/officeDocument/2006/relationships" xmlns:p="http://schemas.openxmlformats.org/presentationml/2006/main">
+  <p:cSld>
+    <p:bg>
+      <p:bgPr>
+        <a:solidFill>
+          <a:schemeClr val="bg1"/>
+        </a:solidFill>
+        <a:effectLst/>
+      </p:bgPr>
+    </p:bg>
+    <p:spTree>
+      <p:nvGrpSpPr>
+        <p:cNvPr id="1" name=""/>
+        <p:cNvGrpSpPr/>
+        <p:nvPr/>
+      </p:nvGrpSpPr>
+      <p:grpSpPr>
+        <a:xfrm>
+          <a:off x="0" y="0"/>
+          <a:ext cx="0" cy="0"/>
+          <a:chOff x="0" y="0"/>
+          <a:chExt cx="0" cy="0"/>
+        </a:xfrm>
+      </p:grpSpPr>
+      <p:sp>
+        <p:nvSpPr>
+          <p:cNvPr id="12" name="Rectangle 11">
+            <a:extLst>
+              <a:ext uri="{FF2B5EF4-FFF2-40B4-BE49-F238E27FC236}">
+                <a16:creationId xmlns:a16="http://schemas.microsoft.com/office/drawing/2014/main" id="{E9751CB9-7B25-4EB8-9A6F-82F822549F12}"/>
+              </a:ext>
+              <a:ext uri="{C183D7F6-B498-43B3-948B-1728B52AA6E4}">
+                <adec:decorative xmlns:adec="http://schemas.microsoft.com/office/drawing/2017/decorative" val="1"/>
+              </a:ext>
+            </a:extLst>
+          </p:cNvPr>
+          <p:cNvSpPr>
+            <a:spLocks noGrp="1" noRot="1" noChangeAspect="1" noMove="1" noResize="1" noEditPoints="1" noAdjustHandles="1" noChangeArrowheads="1" noChangeShapeType="1" noTextEdit="1"/>
+          </p:cNvSpPr>
+          <p:nvPr>
+            <p:extLst>
+              <p:ext uri="{386F3935-93C4-4BCD-93E2-E3B085C9AB24}">
+                <p16:designElem xmlns:p16="http://schemas.microsoft.com/office/powerpoint/2015/main" val="1"/>
+              </p:ext>
+            </p:extLst>
+          </p:nvPr>
+        </p:nvSpPr>
+        <p:spPr>
+          <a:xfrm>
+            <a:off x="0" y="0"/>
+            <a:ext cx="12192000" cy="6858000"/>
+          </a:xfrm>
+          <a:prstGeom prst="rect">
+            <a:avLst/>
+          </a:prstGeom>
+          <a:solidFill>
+            <a:srgbClr val="FFFFFF"/>
+          </a:solidFill>
+          <a:ln>
+            <a:noFill/>
+          </a:ln>
+        </p:spPr>
+        <p:style>
+          <a:lnRef idx="2">
+            <a:schemeClr val="accent1">
+              <a:shade val="50000"/>
+            </a:schemeClr>
+          </a:lnRef>
+          <a:fillRef idx="1">
+            <a:schemeClr val="accent1"/>
+          </a:fillRef>
+          <a:effectRef idx="0">
+            <a:schemeClr val="accent1"/>
+          </a:effectRef>
+          <a:fontRef idx="minor">
+            <a:schemeClr val="lt1"/>
+          </a:fontRef>
+        </p:style>
+        <p:txBody>
+          <a:bodyPr rtlCol="0" anchor="ctr"/>
+          <a:lstStyle/>
+          <a:p>
+            <a:pPr algn="ctr"/>
+            <a:endParaRPr lang="en-US"/>
+          </a:p>
+        </p:txBody>
+      </p:sp>
+      <p:sp>
+        <p:nvSpPr>
+          <p:cNvPr id="14" name="Rectangle 13">
+            <a:extLst>
+              <a:ext uri="{FF2B5EF4-FFF2-40B4-BE49-F238E27FC236}">
+                <a16:creationId xmlns:a16="http://schemas.microsoft.com/office/drawing/2014/main" id="{E1317383-CF3B-4B02-9512-BECBEF6362A4}"/>
+              </a:ext>
+              <a:ext uri="{C183D7F6-B498-43B3-948B-1728B52AA6E4}">
+                <adec:decorative xmlns:adec="http://schemas.microsoft.com/office/drawing/2017/decorative" val="1"/>
+              </a:ext>
+            </a:extLst>
+          </p:cNvPr>
+          <p:cNvSpPr>
+            <a:spLocks noGrp="1" noRot="1" noChangeAspect="1" noMove="1" noResize="1" noEditPoints="1" noAdjustHandles="1" noChangeArrowheads="1" noChangeShapeType="1" noTextEdit="1"/>
+          </p:cNvSpPr>
+          <p:nvPr>
+            <p:extLst>
+              <p:ext uri="{386F3935-93C4-4BCD-93E2-E3B085C9AB24}">
+                <p16:designElem xmlns:p16="http://schemas.microsoft.com/office/powerpoint/2015/main" val="1"/>
+              </p:ext>
+            </p:extLst>
+          </p:nvPr>
+        </p:nvSpPr>
+        <p:spPr>
+          <a:xfrm>
+            <a:off x="446534" y="457200"/>
+            <a:ext cx="3703320" cy="94997"/>
+          </a:xfrm>
+          <a:prstGeom prst="rect">
+            <a:avLst/>
+          </a:prstGeom>
+          <a:solidFill>
+            <a:srgbClr val="465359"/>
+          </a:solidFill>
+          <a:ln>
+            <a:noFill/>
+          </a:ln>
+          <a:effectLst/>
+        </p:spPr>
+        <p:style>
+          <a:lnRef idx="1">
+            <a:schemeClr val="accent1"/>
+          </a:lnRef>
+          <a:fillRef idx="3">
+            <a:schemeClr val="accent1"/>
+          </a:fillRef>
+          <a:effectRef idx="2">
+            <a:schemeClr val="accent1"/>
+          </a:effectRef>
+          <a:fontRef idx="minor">
+            <a:schemeClr val="lt1"/>
+          </a:fontRef>
+        </p:style>
+      </p:sp>
+      <p:sp>
+        <p:nvSpPr>
+          <p:cNvPr id="16" name="Rectangle 15">
+            <a:extLst>
+              <a:ext uri="{FF2B5EF4-FFF2-40B4-BE49-F238E27FC236}">
+                <a16:creationId xmlns:a16="http://schemas.microsoft.com/office/drawing/2014/main" id="{B1D4C7A0-6DF2-4F2D-A45D-F111582974C7}"/>
+              </a:ext>
+              <a:ext uri="{C183D7F6-B498-43B3-948B-1728B52AA6E4}">
+                <adec:decorative xmlns:adec="http://schemas.microsoft.com/office/drawing/2017/decorative" val="1"/>
+              </a:ext>
+            </a:extLst>
+          </p:cNvPr>
+          <p:cNvSpPr>
+            <a:spLocks noGrp="1" noRot="1" noChangeAspect="1" noMove="1" noResize="1" noEditPoints="1" noAdjustHandles="1" noChangeArrowheads="1" noChangeShapeType="1" noTextEdit="1"/>
+          </p:cNvSpPr>
+          <p:nvPr>
+            <p:extLst>
+              <p:ext uri="{386F3935-93C4-4BCD-93E2-E3B085C9AB24}">
+                <p16:designElem xmlns:p16="http://schemas.microsoft.com/office/powerpoint/2015/main" val="1"/>
+              </p:ext>
+            </p:extLst>
+          </p:nvPr>
+        </p:nvSpPr>
+        <p:spPr>
+          <a:xfrm>
+            <a:off x="4241830" y="457200"/>
+            <a:ext cx="3703320" cy="91440"/>
+          </a:xfrm>
+          <a:prstGeom prst="rect">
+            <a:avLst/>
+          </a:prstGeom>
+          <a:solidFill>
+            <a:schemeClr val="accent1"/>
+          </a:solidFill>
+          <a:ln>
+            <a:noFill/>
+          </a:ln>
+          <a:effectLst/>
+        </p:spPr>
+        <p:style>
+          <a:lnRef idx="1">
+            <a:schemeClr val="accent1"/>
+          </a:lnRef>
+          <a:fillRef idx="3">
+            <a:schemeClr val="accent1"/>
+          </a:fillRef>
+          <a:effectRef idx="2">
+            <a:schemeClr val="accent1"/>
+          </a:effectRef>
+          <a:fontRef idx="minor">
+            <a:schemeClr val="lt1"/>
+          </a:fontRef>
+        </p:style>
+      </p:sp>
+      <p:sp>
+        <p:nvSpPr>
+          <p:cNvPr id="18" name="Rectangle 17">
+            <a:extLst>
+              <a:ext uri="{FF2B5EF4-FFF2-40B4-BE49-F238E27FC236}">
+                <a16:creationId xmlns:a16="http://schemas.microsoft.com/office/drawing/2014/main" id="{DBF3943D-BCB6-4B31-809D-A005686483B4}"/>
+              </a:ext>
+              <a:ext uri="{C183D7F6-B498-43B3-948B-1728B52AA6E4}">
+                <adec:decorative xmlns:adec="http://schemas.microsoft.com/office/drawing/2017/decorative" val="1"/>
+              </a:ext>
+            </a:extLst>
+          </p:cNvPr>
+          <p:cNvSpPr>
+            <a:spLocks noGrp="1" noRot="1" noChangeAspect="1" noMove="1" noResize="1" noEditPoints="1" noAdjustHandles="1" noChangeArrowheads="1" noChangeShapeType="1" noTextEdit="1"/>
+          </p:cNvSpPr>
+          <p:nvPr>
+            <p:extLst>
+              <p:ext uri="{386F3935-93C4-4BCD-93E2-E3B085C9AB24}">
+                <p16:designElem xmlns:p16="http://schemas.microsoft.com/office/powerpoint/2015/main" val="1"/>
+              </p:ext>
+            </p:extLst>
+          </p:nvPr>
+        </p:nvSpPr>
+        <p:spPr>
+          <a:xfrm>
+            <a:off x="8042147" y="453643"/>
+            <a:ext cx="3703320" cy="98554"/>
+          </a:xfrm>
+          <a:prstGeom prst="rect">
+            <a:avLst/>
+          </a:prstGeom>
+          <a:solidFill>
+            <a:srgbClr val="969FA7"/>
+          </a:solidFill>
+          <a:ln>
+            <a:noFill/>
+          </a:ln>
+          <a:effectLst/>
+        </p:spPr>
+        <p:style>
+          <a:lnRef idx="1">
+            <a:schemeClr val="accent1"/>
+          </a:lnRef>
+          <a:fillRef idx="3">
+            <a:schemeClr val="accent1"/>
+          </a:fillRef>
+          <a:effectRef idx="2">
+            <a:schemeClr val="accent1"/>
+          </a:effectRef>
+          <a:fontRef idx="minor">
+            <a:schemeClr val="lt1"/>
+          </a:fontRef>
+        </p:style>
+      </p:sp>
+      <p:sp>
+        <p:nvSpPr>
+          <p:cNvPr id="20" name="Rectangle 19">
+            <a:extLst>
+              <a:ext uri="{FF2B5EF4-FFF2-40B4-BE49-F238E27FC236}">
+                <a16:creationId xmlns:a16="http://schemas.microsoft.com/office/drawing/2014/main" id="{39373A6F-2E1F-4613-8E1D-D68057D29F31}"/>
+              </a:ext>
+              <a:ext uri="{C183D7F6-B498-43B3-948B-1728B52AA6E4}">
+                <adec:decorative xmlns:adec="http://schemas.microsoft.com/office/drawing/2017/decorative" val="1"/>
+              </a:ext>
+            </a:extLst>
+          </p:cNvPr>
+          <p:cNvSpPr>
+            <a:spLocks noGrp="1" noRot="1" noChangeAspect="1" noMove="1" noResize="1" noEditPoints="1" noAdjustHandles="1" noChangeArrowheads="1" noChangeShapeType="1" noTextEdit="1"/>
+          </p:cNvSpPr>
+          <p:nvPr>
+            <p:extLst>
+              <p:ext uri="{386F3935-93C4-4BCD-93E2-E3B085C9AB24}">
+                <p16:designElem xmlns:p16="http://schemas.microsoft.com/office/powerpoint/2015/main" val="1"/>
+              </p:ext>
+            </p:extLst>
+          </p:nvPr>
+        </p:nvSpPr>
+        <p:spPr>
+          <a:xfrm>
+            <a:off x="442377" y="601200"/>
+            <a:ext cx="3707477" cy="5624979"/>
+          </a:xfrm>
+          <a:prstGeom prst="rect">
+            <a:avLst/>
+          </a:prstGeom>
+          <a:solidFill>
+            <a:srgbClr val="465359"/>
+          </a:solidFill>
+          <a:ln>
+            <a:noFill/>
+          </a:ln>
+          <a:effectLst/>
+        </p:spPr>
+        <p:style>
+          <a:lnRef idx="1">
+            <a:schemeClr val="accent1"/>
+          </a:lnRef>
+          <a:fillRef idx="3">
+            <a:schemeClr val="accent1"/>
+          </a:fillRef>
+          <a:effectRef idx="2">
+            <a:schemeClr val="accent1"/>
+          </a:effectRef>
+          <a:fontRef idx="minor">
+            <a:schemeClr val="lt1"/>
+          </a:fontRef>
+        </p:style>
+      </p:sp>
+      <p:sp>
+        <p:nvSpPr>
+          <p:cNvPr id="2" name="Title 1">
+            <a:extLst>
+              <a:ext uri="{FF2B5EF4-FFF2-40B4-BE49-F238E27FC236}">
+                <a16:creationId xmlns:a16="http://schemas.microsoft.com/office/drawing/2014/main" id="{2171E0B6-D9B4-4DA1-9DE1-792F62A648F4}"/>
+              </a:ext>
+            </a:extLst>
+          </p:cNvPr>
+          <p:cNvSpPr>
+            <a:spLocks noGrp="1"/>
+          </p:cNvSpPr>
+          <p:nvPr>
+            <p:ph type="title"/>
+          </p:nvPr>
+        </p:nvSpPr>
+        <p:spPr>
+          <a:xfrm>
+            <a:off x="601255" y="702155"/>
+            <a:ext cx="3409783" cy="1300365"/>
+          </a:xfrm>
+        </p:spPr>
+        <p:txBody>
+          <a:bodyPr>
+            <a:normAutofit/>
+          </a:bodyPr>
+          <a:lstStyle/>
+          <a:p>
+            <a:r>
+              <a:rPr lang="en-US">
+                <a:solidFill>
+                  <a:srgbClr val="FFFFFF"/>
+                </a:solidFill>
+              </a:rPr>
+              <a:t>Login Diagram</a:t>
+            </a:r>
+          </a:p>
+        </p:txBody>
+      </p:sp>
+      <p:sp>
+        <p:nvSpPr>
+          <p:cNvPr id="9" name="Content Placeholder 8">
+            <a:extLst>
+              <a:ext uri="{FF2B5EF4-FFF2-40B4-BE49-F238E27FC236}">
+                <a16:creationId xmlns:a16="http://schemas.microsoft.com/office/drawing/2014/main" id="{C6B038FE-8405-453E-8EAA-0F588E18BDEA}"/>
+              </a:ext>
+            </a:extLst>
+          </p:cNvPr>
+          <p:cNvSpPr>
+            <a:spLocks noGrp="1"/>
+          </p:cNvSpPr>
+          <p:nvPr>
+            <p:ph idx="1"/>
+          </p:nvPr>
+        </p:nvSpPr>
+        <p:spPr>
+          <a:xfrm>
+            <a:off x="601255" y="2177142"/>
+            <a:ext cx="3409782" cy="3823607"/>
+          </a:xfrm>
+        </p:spPr>
+        <p:txBody>
+          <a:bodyPr>
+            <a:normAutofit/>
+          </a:bodyPr>
+          <a:lstStyle/>
+          <a:p>
+            <a:endParaRPr lang="en-US">
+              <a:solidFill>
+                <a:srgbClr val="FFFFFF"/>
+              </a:solidFill>
+            </a:endParaRPr>
+          </a:p>
+        </p:txBody>
+      </p:sp>
+      <p:pic>
+        <p:nvPicPr>
+          <p:cNvPr id="5" name="Content Placeholder 4" descr="A close up of a logo&#10;&#10;Description automatically generated">
+            <a:extLst>
+              <a:ext uri="{FF2B5EF4-FFF2-40B4-BE49-F238E27FC236}">
+                <a16:creationId xmlns:a16="http://schemas.microsoft.com/office/drawing/2014/main" id="{0624CF7C-D339-472B-924F-7B615078AB54}"/>
+              </a:ext>
+            </a:extLst>
+          </p:cNvPr>
+          <p:cNvPicPr>
+            <a:picLocks noChangeAspect="1"/>
+          </p:cNvPicPr>
+          <p:nvPr/>
+        </p:nvPicPr>
+        <p:blipFill>
+          <a:blip r:embed="rId2"/>
+          <a:stretch>
+            <a:fillRect/>
+          </a:stretch>
+        </p:blipFill>
+        <p:spPr>
+          <a:xfrm>
+            <a:off x="4863627" y="936141"/>
+            <a:ext cx="6288710" cy="4968305"/>
+          </a:xfrm>
+          <a:prstGeom prst="rect">
+            <a:avLst/>
+          </a:prstGeom>
+        </p:spPr>
+      </p:pic>
+    </p:spTree>
+    <p:extLst>
+      <p:ext uri="{BB962C8B-B14F-4D97-AF65-F5344CB8AC3E}">
+        <p14:creationId xmlns:p14="http://schemas.microsoft.com/office/powerpoint/2010/main" val="4164993138"/>
+      </p:ext>
+    </p:extLst>
+  </p:cSld>
+  <p:clrMapOvr>
+    <a:overrideClrMapping bg1="dk1" tx1="lt1" bg2="dk2" tx2="lt2" accent1="accent1" accent2="accent2" accent3="accent3" accent4="accent4" accent5="accent5" accent6="accent6" hlink="hlink" folHlink="folHlink"/>
+  </p:clrMapOvr>
+</p:sld>
+</file>
+
+<file path=ppt/slides/slide16.xml><?xml version="1.0" encoding="utf-8"?>
 <p:sld xmlns:a="http://schemas.openxmlformats.org/drawingml/2006/main" xmlns:r="http://schemas.openxmlformats.org/officeDocument/2006/relationships" xmlns:p="http://schemas.openxmlformats.org/presentationml/2006/main">
   <p:cSld>
     <p:bg>
@@ -9740,21 +11009,21 @@
 </file>
 
 <file path=customXml/item2.xml><?xml version="1.0" encoding="utf-8"?>
+<?mso-contentType ?>
+<FormTemplates xmlns="http://schemas.microsoft.com/sharepoint/v3/contenttype/forms">
+  <Display>DocumentLibraryForm</Display>
+  <Edit>DocumentLibraryForm</Edit>
+  <New>DocumentLibraryForm</New>
+</FormTemplates>
+</file>
+
+<file path=customXml/item3.xml><?xml version="1.0" encoding="utf-8"?>
 <p:properties xmlns:p="http://schemas.microsoft.com/office/2006/metadata/properties" xmlns:xsi="http://www.w3.org/2001/XMLSchema-instance" xmlns:pc="http://schemas.microsoft.com/office/infopath/2007/PartnerControls">
   <documentManagement>
     <Status xmlns="71af3243-3dd4-4a8d-8c0d-dd76da1f02a5">Not started</Status>
     <MediaServiceKeyPoints xmlns="71af3243-3dd4-4a8d-8c0d-dd76da1f02a5" xsi:nil="true"/>
   </documentManagement>
 </p:properties>
-</file>
-
-<file path=customXml/item3.xml><?xml version="1.0" encoding="utf-8"?>
-<?mso-contentType ?>
-<FormTemplates xmlns="http://schemas.microsoft.com/sharepoint/v3/contenttype/forms">
-  <Display>DocumentLibraryForm</Display>
-  <Edit>DocumentLibraryForm</Edit>
-  <New>DocumentLibraryForm</New>
-</FormTemplates>
 </file>
 
 <file path=customXml/itemProps1.xml><?xml version="1.0" encoding="utf-8"?>
@@ -9777,6 +11046,14 @@
 </file>
 
 <file path=customXml/itemProps2.xml><?xml version="1.0" encoding="utf-8"?>
+<ds:datastoreItem xmlns:ds="http://schemas.openxmlformats.org/officeDocument/2006/customXml" ds:itemID="{927BD4C1-B6B1-4715-ABF9-E660A51A4EA0}">
+  <ds:schemaRefs>
+    <ds:schemaRef ds:uri="http://schemas.microsoft.com/sharepoint/v3/contenttype/forms"/>
+  </ds:schemaRefs>
+</ds:datastoreItem>
+</file>
+
+<file path=customXml/itemProps3.xml><?xml version="1.0" encoding="utf-8"?>
 <ds:datastoreItem xmlns:ds="http://schemas.openxmlformats.org/officeDocument/2006/customXml" ds:itemID="{8D289AE2-D2AE-49D1-AFAC-3A79F6794255}">
   <ds:schemaRefs>
     <ds:schemaRef ds:uri="http://schemas.microsoft.com/office/2006/metadata/properties"/>
@@ -9784,12 +11061,4 @@
     <ds:schemaRef ds:uri="71af3243-3dd4-4a8d-8c0d-dd76da1f02a5"/>
   </ds:schemaRefs>
 </ds:datastoreItem>
-</file>
-
-<file path=customXml/itemProps3.xml><?xml version="1.0" encoding="utf-8"?>
-<ds:datastoreItem xmlns:ds="http://schemas.openxmlformats.org/officeDocument/2006/customXml" ds:itemID="{927BD4C1-B6B1-4715-ABF9-E660A51A4EA0}">
-  <ds:schemaRefs>
-    <ds:schemaRef ds:uri="http://schemas.microsoft.com/sharepoint/v3/contenttype/forms"/>
-  </ds:schemaRefs>
-</ds:datastoreItem>
 </file>
--- a/Design Docs/Maker Space.pptx
+++ b/Design Docs/Maker Space.pptx
@@ -9,17 +9,17 @@
     <p:sldId id="263" r:id="rId6"/>
     <p:sldId id="258" r:id="rId7"/>
     <p:sldId id="261" r:id="rId8"/>
-    <p:sldId id="286" r:id="rId9"/>
-    <p:sldId id="279" r:id="rId10"/>
-    <p:sldId id="278" r:id="rId11"/>
-    <p:sldId id="277" r:id="rId12"/>
-    <p:sldId id="280" r:id="rId13"/>
-    <p:sldId id="281" r:id="rId14"/>
-    <p:sldId id="283" r:id="rId15"/>
-    <p:sldId id="284" r:id="rId16"/>
-    <p:sldId id="287" r:id="rId17"/>
-    <p:sldId id="288" r:id="rId18"/>
-    <p:sldId id="289" r:id="rId19"/>
+    <p:sldId id="287" r:id="rId9"/>
+    <p:sldId id="288" r:id="rId10"/>
+    <p:sldId id="289" r:id="rId11"/>
+    <p:sldId id="286" r:id="rId12"/>
+    <p:sldId id="279" r:id="rId13"/>
+    <p:sldId id="278" r:id="rId14"/>
+    <p:sldId id="277" r:id="rId15"/>
+    <p:sldId id="280" r:id="rId16"/>
+    <p:sldId id="281" r:id="rId17"/>
+    <p:sldId id="283" r:id="rId18"/>
+    <p:sldId id="284" r:id="rId19"/>
     <p:sldId id="276" r:id="rId20"/>
   </p:sldIdLst>
   <p:sldSz cx="12192000" cy="6858000"/>
@@ -365,7 +365,7 @@
           <a:p>
             <a:fld id="{ED291B17-9318-49DB-B28B-6E5994AE9581}" type="datetime1">
               <a:rPr lang="en-US" smtClean="0"/>
-              <a:t>5/8/2020</a:t>
+              <a:t>5/9/2020</a:t>
             </a:fld>
             <a:endParaRPr lang="en-US" dirty="0"/>
           </a:p>
@@ -568,7 +568,7 @@
           <a:p>
             <a:fld id="{2CED4963-E985-44C4-B8C4-FDD613B7C2F8}" type="datetime1">
               <a:rPr lang="en-US" smtClean="0"/>
-              <a:t>5/8/2020</a:t>
+              <a:t>5/9/2020</a:t>
             </a:fld>
             <a:endParaRPr lang="en-US" dirty="0"/>
           </a:p>
@@ -930,7 +930,7 @@
           <a:p>
             <a:fld id="{ED291B17-9318-49DB-B28B-6E5994AE9581}" type="datetime1">
               <a:rPr lang="en-US" smtClean="0"/>
-              <a:t>5/8/2020</a:t>
+              <a:t>5/9/2020</a:t>
             </a:fld>
             <a:endParaRPr lang="en-US" dirty="0"/>
           </a:p>
@@ -1128,7 +1128,7 @@
           <a:p>
             <a:fld id="{78DD82B9-B8EE-4375-B6FF-88FA6ABB15D9}" type="datetime1">
               <a:rPr lang="en-US" smtClean="0"/>
-              <a:t>5/8/2020</a:t>
+              <a:t>5/9/2020</a:t>
             </a:fld>
             <a:endParaRPr lang="en-US" dirty="0"/>
           </a:p>
@@ -1440,7 +1440,7 @@
           <a:p>
             <a:fld id="{B2497495-0637-405E-AE64-5CC7506D51F5}" type="datetime1">
               <a:rPr lang="en-US" smtClean="0"/>
-              <a:t>5/8/2020</a:t>
+              <a:t>5/9/2020</a:t>
             </a:fld>
             <a:endParaRPr lang="en-US" dirty="0"/>
           </a:p>
@@ -1693,7 +1693,7 @@
           <a:p>
             <a:fld id="{7BFFD690-9426-415D-8B65-26881E07B2D4}" type="datetime1">
               <a:rPr lang="en-US" smtClean="0"/>
-              <a:t>5/8/2020</a:t>
+              <a:t>5/9/2020</a:t>
             </a:fld>
             <a:endParaRPr lang="en-US" dirty="0"/>
           </a:p>
@@ -2115,7 +2115,7 @@
           <a:p>
             <a:fld id="{04C4989A-474C-40DE-95B9-011C28B71673}" type="datetime1">
               <a:rPr lang="en-US" smtClean="0"/>
-              <a:t>5/8/2020</a:t>
+              <a:t>5/9/2020</a:t>
             </a:fld>
             <a:endParaRPr lang="en-US" dirty="0"/>
           </a:p>
@@ -2238,7 +2238,7 @@
           <a:p>
             <a:fld id="{5DB4ED54-5B5E-4A04-93D3-5772E3CE3818}" type="datetime1">
               <a:rPr lang="en-US" smtClean="0"/>
-              <a:t>5/8/2020</a:t>
+              <a:t>5/9/2020</a:t>
             </a:fld>
             <a:endParaRPr lang="en-US" dirty="0"/>
           </a:p>
@@ -2333,7 +2333,7 @@
           <a:p>
             <a:fld id="{4EDE50D6-574B-40AF-946F-D52A04ADE379}" type="datetime1">
               <a:rPr lang="en-US" smtClean="0"/>
-              <a:t>5/8/2020</a:t>
+              <a:t>5/9/2020</a:t>
             </a:fld>
             <a:endParaRPr lang="en-US" dirty="0"/>
           </a:p>
@@ -2710,7 +2710,7 @@
           <a:p>
             <a:fld id="{D82884F1-FFEA-405F-9602-3DCA865EDA4E}" type="datetime1">
               <a:rPr lang="en-US" smtClean="0"/>
-              <a:t>5/8/2020</a:t>
+              <a:t>5/9/2020</a:t>
             </a:fld>
             <a:endParaRPr lang="en-US" dirty="0"/>
           </a:p>
@@ -3003,7 +3003,7 @@
           <a:p>
             <a:fld id="{7E18DB4A-8810-4A10-AD5C-D5E2C667F5B3}" type="datetime1">
               <a:rPr lang="en-US" smtClean="0"/>
-              <a:t>5/8/2020</a:t>
+              <a:t>5/9/2020</a:t>
             </a:fld>
             <a:endParaRPr lang="en-US" dirty="0"/>
           </a:p>
@@ -3218,7 +3218,7 @@
           <a:p>
             <a:fld id="{ED291B17-9318-49DB-B28B-6E5994AE9581}" type="datetime1">
               <a:rPr lang="en-US" smtClean="0"/>
-              <a:t>5/8/2020</a:t>
+              <a:t>5/9/2020</a:t>
             </a:fld>
             <a:endParaRPr lang="en-US" dirty="0"/>
           </a:p>
@@ -4262,7 +4262,7 @@
       </p:grpSpPr>
       <p:sp>
         <p:nvSpPr>
-          <p:cNvPr id="23" name="Rectangle 22">
+          <p:cNvPr id="21" name="Rectangle 20">
             <a:extLst>
               <a:ext uri="{FF2B5EF4-FFF2-40B4-BE49-F238E27FC236}">
                 <a16:creationId xmlns:a16="http://schemas.microsoft.com/office/drawing/2014/main" id="{E9751CB9-7B25-4EB8-9A6F-82F822549F12}"/>
@@ -4325,7 +4325,7 @@
       </p:sp>
       <p:sp>
         <p:nvSpPr>
-          <p:cNvPr id="25" name="Rectangle 24">
+          <p:cNvPr id="23" name="Rectangle 22">
             <a:extLst>
               <a:ext uri="{FF2B5EF4-FFF2-40B4-BE49-F238E27FC236}">
                 <a16:creationId xmlns:a16="http://schemas.microsoft.com/office/drawing/2014/main" id="{E1317383-CF3B-4B02-9512-BECBEF6362A4}"/>
@@ -4379,7 +4379,7 @@
       </p:sp>
       <p:sp>
         <p:nvSpPr>
-          <p:cNvPr id="27" name="Rectangle 26">
+          <p:cNvPr id="25" name="Rectangle 24">
             <a:extLst>
               <a:ext uri="{FF2B5EF4-FFF2-40B4-BE49-F238E27FC236}">
                 <a16:creationId xmlns:a16="http://schemas.microsoft.com/office/drawing/2014/main" id="{B1D4C7A0-6DF2-4F2D-A45D-F111582974C7}"/>
@@ -4433,7 +4433,7 @@
       </p:sp>
       <p:sp>
         <p:nvSpPr>
-          <p:cNvPr id="29" name="Rectangle 28">
+          <p:cNvPr id="27" name="Rectangle 26">
             <a:extLst>
               <a:ext uri="{FF2B5EF4-FFF2-40B4-BE49-F238E27FC236}">
                 <a16:creationId xmlns:a16="http://schemas.microsoft.com/office/drawing/2014/main" id="{DBF3943D-BCB6-4B31-809D-A005686483B4}"/>
@@ -4487,7 +4487,7 @@
       </p:sp>
       <p:sp>
         <p:nvSpPr>
-          <p:cNvPr id="31" name="Rectangle 30">
+          <p:cNvPr id="29" name="Rectangle 28">
             <a:extLst>
               <a:ext uri="{FF2B5EF4-FFF2-40B4-BE49-F238E27FC236}">
                 <a16:creationId xmlns:a16="http://schemas.microsoft.com/office/drawing/2014/main" id="{39373A6F-2E1F-4613-8E1D-D68057D29F31}"/>
@@ -4544,7 +4544,7 @@
           <p:cNvPr id="2" name="Title 1">
             <a:extLst>
               <a:ext uri="{FF2B5EF4-FFF2-40B4-BE49-F238E27FC236}">
-                <a16:creationId xmlns:a16="http://schemas.microsoft.com/office/drawing/2014/main" id="{55908D84-C291-4DD2-81A1-34AB1E82D2DD}"/>
+                <a16:creationId xmlns:a16="http://schemas.microsoft.com/office/drawing/2014/main" id="{9EBF2D44-2F8D-41B4-A3FF-9DE7521FA4F1}"/>
               </a:ext>
             </a:extLst>
           </p:cNvPr>
@@ -4573,7 +4573,7 @@
                   <a:srgbClr val="FFFFFF"/>
                 </a:solidFill>
               </a:rPr>
-              <a:t>Inventory Bookings</a:t>
+              <a:t>Create Account</a:t>
             </a:r>
           </a:p>
         </p:txBody>
@@ -4583,7 +4583,7 @@
           <p:cNvPr id="3" name="Content Placeholder 2">
             <a:extLst>
               <a:ext uri="{FF2B5EF4-FFF2-40B4-BE49-F238E27FC236}">
-                <a16:creationId xmlns:a16="http://schemas.microsoft.com/office/drawing/2014/main" id="{383DEF56-CCA3-4E63-8FE0-28D2736379FD}"/>
+                <a16:creationId xmlns:a16="http://schemas.microsoft.com/office/drawing/2014/main" id="{5D38D7AC-E43B-457A-89ED-0A1DE9BF98AF}"/>
               </a:ext>
             </a:extLst>
           </p:cNvPr>
@@ -4612,17 +4612,61 @@
                   <a:srgbClr val="FFFFFF"/>
                 </a:solidFill>
               </a:rPr>
-              <a:t>Room Booking currently shows items that are currently booked.</a:t>
+              <a:t>Creating an account is a quick and simple process. All that is required are:</a:t>
+            </a:r>
+          </a:p>
+          <a:p>
+            <a:pPr lvl="1"/>
+            <a:r>
+              <a:rPr lang="en-US">
+                <a:solidFill>
+                  <a:srgbClr val="FFFFFF"/>
+                </a:solidFill>
+              </a:rPr>
+              <a:t>Email</a:t>
+            </a:r>
+          </a:p>
+          <a:p>
+            <a:pPr lvl="1"/>
+            <a:r>
+              <a:rPr lang="en-US">
+                <a:solidFill>
+                  <a:srgbClr val="FFFFFF"/>
+                </a:solidFill>
+              </a:rPr>
+              <a:t>Username</a:t>
+            </a:r>
+          </a:p>
+          <a:p>
+            <a:pPr lvl="1"/>
+            <a:r>
+              <a:rPr lang="en-US">
+                <a:solidFill>
+                  <a:srgbClr val="FFFFFF"/>
+                </a:solidFill>
+              </a:rPr>
+              <a:t>Password (as well as password verification)</a:t>
+            </a:r>
+          </a:p>
+          <a:p>
+            <a:pPr lvl="1"/>
+            <a:r>
+              <a:rPr lang="en-US">
+                <a:solidFill>
+                  <a:srgbClr val="FFFFFF"/>
+                </a:solidFill>
+              </a:rPr>
+              <a:t>Phone Number</a:t>
             </a:r>
           </a:p>
         </p:txBody>
       </p:sp>
       <p:pic>
         <p:nvPicPr>
-          <p:cNvPr id="6" name="Picture 5" descr="A screenshot of a cell phone&#10;&#10;Description automatically generated">
-            <a:extLst>
-              <a:ext uri="{FF2B5EF4-FFF2-40B4-BE49-F238E27FC236}">
-                <a16:creationId xmlns:a16="http://schemas.microsoft.com/office/drawing/2014/main" id="{0B3D77C6-A61F-47E6-B216-C76388F95408}"/>
+          <p:cNvPr id="5" name="Picture 4" descr="A screenshot of a cell phone&#10;&#10;Description automatically generated">
+            <a:extLst>
+              <a:ext uri="{FF2B5EF4-FFF2-40B4-BE49-F238E27FC236}">
+                <a16:creationId xmlns:a16="http://schemas.microsoft.com/office/drawing/2014/main" id="{2F13D18B-B01A-4EB7-ABE6-32AC16D431CE}"/>
               </a:ext>
             </a:extLst>
           </p:cNvPr>
@@ -4639,8 +4683,8 @@
         </p:blipFill>
         <p:spPr>
           <a:xfrm>
-            <a:off x="4592231" y="2250399"/>
-            <a:ext cx="6831503" cy="2339788"/>
+            <a:off x="5017582" y="936141"/>
+            <a:ext cx="5980801" cy="4968305"/>
           </a:xfrm>
           <a:prstGeom prst="rect">
             <a:avLst/>
@@ -4650,7 +4694,7 @@
     </p:spTree>
     <p:extLst>
       <p:ext uri="{BB962C8B-B14F-4D97-AF65-F5344CB8AC3E}">
-        <p14:creationId xmlns:p14="http://schemas.microsoft.com/office/powerpoint/2010/main" val="4194343756"/>
+        <p14:creationId xmlns:p14="http://schemas.microsoft.com/office/powerpoint/2010/main" val="716679972"/>
       </p:ext>
     </p:extLst>
   </p:cSld>
@@ -4969,7 +5013,7 @@
           <p:cNvPr id="2" name="Title 1">
             <a:extLst>
               <a:ext uri="{FF2B5EF4-FFF2-40B4-BE49-F238E27FC236}">
-                <a16:creationId xmlns:a16="http://schemas.microsoft.com/office/drawing/2014/main" id="{83ADD54A-E835-4A64-9304-9E2430E31639}"/>
+                <a16:creationId xmlns:a16="http://schemas.microsoft.com/office/drawing/2014/main" id="{BF1C9194-59A3-4E1B-B173-A0DDF85B4B05}"/>
               </a:ext>
             </a:extLst>
           </p:cNvPr>
@@ -4998,7 +5042,7 @@
                   <a:srgbClr val="FFFFFF"/>
                 </a:solidFill>
               </a:rPr>
-              <a:t>Contact</a:t>
+              <a:t>Login</a:t>
             </a:r>
           </a:p>
         </p:txBody>
@@ -5008,7 +5052,7 @@
           <p:cNvPr id="3" name="Content Placeholder 2">
             <a:extLst>
               <a:ext uri="{FF2B5EF4-FFF2-40B4-BE49-F238E27FC236}">
-                <a16:creationId xmlns:a16="http://schemas.microsoft.com/office/drawing/2014/main" id="{C2F3E806-1338-4AEE-B971-904E6486BC00}"/>
+                <a16:creationId xmlns:a16="http://schemas.microsoft.com/office/drawing/2014/main" id="{67997A21-C790-4F5F-8152-4AB7EA6BF4C3}"/>
               </a:ext>
             </a:extLst>
           </p:cNvPr>
@@ -5037,7 +5081,29 @@
                   <a:srgbClr val="FFFFFF"/>
                 </a:solidFill>
               </a:rPr>
-              <a:t>Contact currently shows contacts of email and phone number to be able to get help or to book a room.</a:t>
+              <a:t>The Login page requires;</a:t>
+            </a:r>
+          </a:p>
+          <a:p>
+            <a:pPr lvl="1"/>
+            <a:r>
+              <a:rPr lang="en-US">
+                <a:solidFill>
+                  <a:srgbClr val="FFFFFF"/>
+                </a:solidFill>
+              </a:rPr>
+              <a:t>Username</a:t>
+            </a:r>
+          </a:p>
+          <a:p>
+            <a:pPr lvl="1"/>
+            <a:r>
+              <a:rPr lang="en-US">
+                <a:solidFill>
+                  <a:srgbClr val="FFFFFF"/>
+                </a:solidFill>
+              </a:rPr>
+              <a:t>Password </a:t>
             </a:r>
           </a:p>
         </p:txBody>
@@ -5047,7 +5113,7 @@
           <p:cNvPr id="6" name="Picture 5" descr="A screenshot of a cell phone&#10;&#10;Description automatically generated">
             <a:extLst>
               <a:ext uri="{FF2B5EF4-FFF2-40B4-BE49-F238E27FC236}">
-                <a16:creationId xmlns:a16="http://schemas.microsoft.com/office/drawing/2014/main" id="{C8ECA74E-36F2-4BE3-A3DF-55936B079748}"/>
+                <a16:creationId xmlns:a16="http://schemas.microsoft.com/office/drawing/2014/main" id="{E91B1654-7D97-485A-893B-F4A45CF568FF}"/>
               </a:ext>
             </a:extLst>
           </p:cNvPr>
@@ -5064,8 +5130,8 @@
         </p:blipFill>
         <p:spPr>
           <a:xfrm>
-            <a:off x="4592231" y="1597814"/>
-            <a:ext cx="6831503" cy="3644959"/>
+            <a:off x="4702738" y="936141"/>
+            <a:ext cx="6610489" cy="4968305"/>
           </a:xfrm>
           <a:prstGeom prst="rect">
             <a:avLst/>
@@ -5075,7 +5141,7 @@
     </p:spTree>
     <p:extLst>
       <p:ext uri="{BB962C8B-B14F-4D97-AF65-F5344CB8AC3E}">
-        <p14:creationId xmlns:p14="http://schemas.microsoft.com/office/powerpoint/2010/main" val="3618777613"/>
+        <p14:creationId xmlns:p14="http://schemas.microsoft.com/office/powerpoint/2010/main" val="2238764260"/>
       </p:ext>
     </p:extLst>
   </p:cSld>
@@ -5112,7 +5178,7 @@
       </p:grpSpPr>
       <p:sp>
         <p:nvSpPr>
-          <p:cNvPr id="23" name="Rectangle 22">
+          <p:cNvPr id="62" name="Rectangle 61">
             <a:extLst>
               <a:ext uri="{FF2B5EF4-FFF2-40B4-BE49-F238E27FC236}">
                 <a16:creationId xmlns:a16="http://schemas.microsoft.com/office/drawing/2014/main" id="{E9751CB9-7B25-4EB8-9A6F-82F822549F12}"/>
@@ -5175,7 +5241,7 @@
       </p:sp>
       <p:sp>
         <p:nvSpPr>
-          <p:cNvPr id="25" name="Rectangle 24">
+          <p:cNvPr id="64" name="Rectangle 63">
             <a:extLst>
               <a:ext uri="{FF2B5EF4-FFF2-40B4-BE49-F238E27FC236}">
                 <a16:creationId xmlns:a16="http://schemas.microsoft.com/office/drawing/2014/main" id="{E1317383-CF3B-4B02-9512-BECBEF6362A4}"/>
@@ -5229,7 +5295,7 @@
       </p:sp>
       <p:sp>
         <p:nvSpPr>
-          <p:cNvPr id="27" name="Rectangle 26">
+          <p:cNvPr id="66" name="Rectangle 65">
             <a:extLst>
               <a:ext uri="{FF2B5EF4-FFF2-40B4-BE49-F238E27FC236}">
                 <a16:creationId xmlns:a16="http://schemas.microsoft.com/office/drawing/2014/main" id="{B1D4C7A0-6DF2-4F2D-A45D-F111582974C7}"/>
@@ -5283,7 +5349,7 @@
       </p:sp>
       <p:sp>
         <p:nvSpPr>
-          <p:cNvPr id="29" name="Rectangle 28">
+          <p:cNvPr id="68" name="Rectangle 67">
             <a:extLst>
               <a:ext uri="{FF2B5EF4-FFF2-40B4-BE49-F238E27FC236}">
                 <a16:creationId xmlns:a16="http://schemas.microsoft.com/office/drawing/2014/main" id="{DBF3943D-BCB6-4B31-809D-A005686483B4}"/>
@@ -5337,7 +5403,7 @@
       </p:sp>
       <p:sp>
         <p:nvSpPr>
-          <p:cNvPr id="31" name="Rectangle 30">
+          <p:cNvPr id="70" name="Rectangle 69">
             <a:extLst>
               <a:ext uri="{FF2B5EF4-FFF2-40B4-BE49-F238E27FC236}">
                 <a16:creationId xmlns:a16="http://schemas.microsoft.com/office/drawing/2014/main" id="{39373A6F-2E1F-4613-8E1D-D68057D29F31}"/>
@@ -5394,7 +5460,7 @@
           <p:cNvPr id="2" name="Title 1">
             <a:extLst>
               <a:ext uri="{FF2B5EF4-FFF2-40B4-BE49-F238E27FC236}">
-                <a16:creationId xmlns:a16="http://schemas.microsoft.com/office/drawing/2014/main" id="{B9DA32ED-B1C6-4855-A0E1-6CAE411F50A6}"/>
+                <a16:creationId xmlns:a16="http://schemas.microsoft.com/office/drawing/2014/main" id="{32ECE692-5682-4E05-B65D-C1EF24F7328C}"/>
               </a:ext>
             </a:extLst>
           </p:cNvPr>
@@ -5423,8 +5489,13 @@
                   <a:srgbClr val="FFFFFF"/>
                 </a:solidFill>
               </a:rPr>
-              <a:t>Logout</a:t>
+              <a:t>View Room Bookings</a:t>
             </a:r>
+            <a:endParaRPr lang="en-US" dirty="0">
+              <a:solidFill>
+                <a:srgbClr val="FFFFFF"/>
+              </a:solidFill>
+            </a:endParaRPr>
           </a:p>
         </p:txBody>
       </p:sp>
@@ -5433,7 +5504,7 @@
           <p:cNvPr id="3" name="Content Placeholder 2">
             <a:extLst>
               <a:ext uri="{FF2B5EF4-FFF2-40B4-BE49-F238E27FC236}">
-                <a16:creationId xmlns:a16="http://schemas.microsoft.com/office/drawing/2014/main" id="{96FD7B80-30E5-4B10-A371-814CFE56B556}"/>
+                <a16:creationId xmlns:a16="http://schemas.microsoft.com/office/drawing/2014/main" id="{C352793F-995D-4A5B-B329-C0DC4D63A94D}"/>
               </a:ext>
             </a:extLst>
           </p:cNvPr>
@@ -5462,17 +5533,17 @@
                   <a:srgbClr val="FFFFFF"/>
                 </a:solidFill>
               </a:rPr>
-              <a:t>When you logout, it takes you to the login page and displays a message to show that you have logged out</a:t>
+              <a:t>Room Booking currently shows rooms that are currently booked.</a:t>
             </a:r>
           </a:p>
         </p:txBody>
       </p:sp>
       <p:pic>
         <p:nvPicPr>
-          <p:cNvPr id="6" name="Picture 5" descr="A screenshot of a cell phone&#10;&#10;Description automatically generated">
-            <a:extLst>
-              <a:ext uri="{FF2B5EF4-FFF2-40B4-BE49-F238E27FC236}">
-                <a16:creationId xmlns:a16="http://schemas.microsoft.com/office/drawing/2014/main" id="{D2E7233C-53E2-47A2-8C22-65AD8FB3914C}"/>
+          <p:cNvPr id="5" name="Picture 4" descr="A screenshot of a social media post&#10;&#10;Description automatically generated">
+            <a:extLst>
+              <a:ext uri="{FF2B5EF4-FFF2-40B4-BE49-F238E27FC236}">
+                <a16:creationId xmlns:a16="http://schemas.microsoft.com/office/drawing/2014/main" id="{F0254792-1135-4811-99CE-15277D11B596}"/>
               </a:ext>
             </a:extLst>
           </p:cNvPr>
@@ -5489,8 +5560,8 @@
         </p:blipFill>
         <p:spPr>
           <a:xfrm>
-            <a:off x="5133709" y="936141"/>
-            <a:ext cx="5748547" cy="4968305"/>
+            <a:off x="4592231" y="2156465"/>
+            <a:ext cx="6831503" cy="2527656"/>
           </a:xfrm>
           <a:prstGeom prst="rect">
             <a:avLst/>
@@ -5500,7 +5571,7 @@
     </p:spTree>
     <p:extLst>
       <p:ext uri="{BB962C8B-B14F-4D97-AF65-F5344CB8AC3E}">
-        <p14:creationId xmlns:p14="http://schemas.microsoft.com/office/powerpoint/2010/main" val="1464010159"/>
+        <p14:creationId xmlns:p14="http://schemas.microsoft.com/office/powerpoint/2010/main" val="3920136443"/>
       </p:ext>
     </p:extLst>
   </p:cSld>
@@ -5537,7 +5608,7 @@
       </p:grpSpPr>
       <p:sp>
         <p:nvSpPr>
-          <p:cNvPr id="12" name="Rectangle 11">
+          <p:cNvPr id="23" name="Rectangle 22">
             <a:extLst>
               <a:ext uri="{FF2B5EF4-FFF2-40B4-BE49-F238E27FC236}">
                 <a16:creationId xmlns:a16="http://schemas.microsoft.com/office/drawing/2014/main" id="{E9751CB9-7B25-4EB8-9A6F-82F822549F12}"/>
@@ -5600,7 +5671,7 @@
       </p:sp>
       <p:sp>
         <p:nvSpPr>
-          <p:cNvPr id="14" name="Rectangle 13">
+          <p:cNvPr id="25" name="Rectangle 24">
             <a:extLst>
               <a:ext uri="{FF2B5EF4-FFF2-40B4-BE49-F238E27FC236}">
                 <a16:creationId xmlns:a16="http://schemas.microsoft.com/office/drawing/2014/main" id="{E1317383-CF3B-4B02-9512-BECBEF6362A4}"/>
@@ -5654,7 +5725,7 @@
       </p:sp>
       <p:sp>
         <p:nvSpPr>
-          <p:cNvPr id="16" name="Rectangle 15">
+          <p:cNvPr id="27" name="Rectangle 26">
             <a:extLst>
               <a:ext uri="{FF2B5EF4-FFF2-40B4-BE49-F238E27FC236}">
                 <a16:creationId xmlns:a16="http://schemas.microsoft.com/office/drawing/2014/main" id="{B1D4C7A0-6DF2-4F2D-A45D-F111582974C7}"/>
@@ -5708,7 +5779,7 @@
       </p:sp>
       <p:sp>
         <p:nvSpPr>
-          <p:cNvPr id="18" name="Rectangle 17">
+          <p:cNvPr id="29" name="Rectangle 28">
             <a:extLst>
               <a:ext uri="{FF2B5EF4-FFF2-40B4-BE49-F238E27FC236}">
                 <a16:creationId xmlns:a16="http://schemas.microsoft.com/office/drawing/2014/main" id="{DBF3943D-BCB6-4B31-809D-A005686483B4}"/>
@@ -5762,7 +5833,7 @@
       </p:sp>
       <p:sp>
         <p:nvSpPr>
-          <p:cNvPr id="20" name="Rectangle 19">
+          <p:cNvPr id="31" name="Rectangle 30">
             <a:extLst>
               <a:ext uri="{FF2B5EF4-FFF2-40B4-BE49-F238E27FC236}">
                 <a16:creationId xmlns:a16="http://schemas.microsoft.com/office/drawing/2014/main" id="{39373A6F-2E1F-4613-8E1D-D68057D29F31}"/>
@@ -5819,7 +5890,7 @@
           <p:cNvPr id="2" name="Title 1">
             <a:extLst>
               <a:ext uri="{FF2B5EF4-FFF2-40B4-BE49-F238E27FC236}">
-                <a16:creationId xmlns:a16="http://schemas.microsoft.com/office/drawing/2014/main" id="{BA750FAB-55D4-4A03-853A-5C8C38D1914F}"/>
+                <a16:creationId xmlns:a16="http://schemas.microsoft.com/office/drawing/2014/main" id="{55908D84-C291-4DD2-81A1-34AB1E82D2DD}"/>
               </a:ext>
             </a:extLst>
           </p:cNvPr>
@@ -5848,17 +5919,17 @@
                   <a:srgbClr val="FFFFFF"/>
                 </a:solidFill>
               </a:rPr>
-              <a:t>Context diagram</a:t>
+              <a:t>Inventory Bookings</a:t>
             </a:r>
           </a:p>
         </p:txBody>
       </p:sp>
       <p:sp>
         <p:nvSpPr>
-          <p:cNvPr id="9" name="Content Placeholder 8">
-            <a:extLst>
-              <a:ext uri="{FF2B5EF4-FFF2-40B4-BE49-F238E27FC236}">
-                <a16:creationId xmlns:a16="http://schemas.microsoft.com/office/drawing/2014/main" id="{49E39BD9-12B5-45E3-AA07-5D8305E85E3F}"/>
+          <p:cNvPr id="3" name="Content Placeholder 2">
+            <a:extLst>
+              <a:ext uri="{FF2B5EF4-FFF2-40B4-BE49-F238E27FC236}">
+                <a16:creationId xmlns:a16="http://schemas.microsoft.com/office/drawing/2014/main" id="{383DEF56-CCA3-4E63-8FE0-28D2736379FD}"/>
               </a:ext>
             </a:extLst>
           </p:cNvPr>
@@ -5881,20 +5952,23 @@
           </a:bodyPr>
           <a:lstStyle/>
           <a:p>
-            <a:endParaRPr lang="en-US">
-              <a:solidFill>
-                <a:srgbClr val="FFFFFF"/>
-              </a:solidFill>
-            </a:endParaRPr>
+            <a:r>
+              <a:rPr lang="en-US" dirty="0">
+                <a:solidFill>
+                  <a:srgbClr val="FFFFFF"/>
+                </a:solidFill>
+              </a:rPr>
+              <a:t>Inventory Booking currently shows items that are currently booked.</a:t>
+            </a:r>
           </a:p>
         </p:txBody>
       </p:sp>
       <p:pic>
         <p:nvPicPr>
-          <p:cNvPr id="5" name="Content Placeholder 4" descr="A screenshot of a cell phone&#10;&#10;Description automatically generated">
-            <a:extLst>
-              <a:ext uri="{FF2B5EF4-FFF2-40B4-BE49-F238E27FC236}">
-                <a16:creationId xmlns:a16="http://schemas.microsoft.com/office/drawing/2014/main" id="{DFA59051-F7E0-4EE6-9584-689D02EA4249}"/>
+          <p:cNvPr id="6" name="Picture 5" descr="A screenshot of a cell phone&#10;&#10;Description automatically generated">
+            <a:extLst>
+              <a:ext uri="{FF2B5EF4-FFF2-40B4-BE49-F238E27FC236}">
+                <a16:creationId xmlns:a16="http://schemas.microsoft.com/office/drawing/2014/main" id="{0B3D77C6-A61F-47E6-B216-C76388F95408}"/>
               </a:ext>
             </a:extLst>
           </p:cNvPr>
@@ -5911,8 +5985,8 @@
         </p:blipFill>
         <p:spPr>
           <a:xfrm>
-            <a:off x="4592231" y="1780733"/>
-            <a:ext cx="6831503" cy="3279121"/>
+            <a:off x="4592231" y="2250399"/>
+            <a:ext cx="6831503" cy="2339788"/>
           </a:xfrm>
           <a:prstGeom prst="rect">
             <a:avLst/>
@@ -5922,7 +5996,7 @@
     </p:spTree>
     <p:extLst>
       <p:ext uri="{BB962C8B-B14F-4D97-AF65-F5344CB8AC3E}">
-        <p14:creationId xmlns:p14="http://schemas.microsoft.com/office/powerpoint/2010/main" val="327606435"/>
+        <p14:creationId xmlns:p14="http://schemas.microsoft.com/office/powerpoint/2010/main" val="4194343756"/>
       </p:ext>
     </p:extLst>
   </p:cSld>
@@ -5959,7 +6033,7 @@
       </p:grpSpPr>
       <p:sp>
         <p:nvSpPr>
-          <p:cNvPr id="12" name="Rectangle 11">
+          <p:cNvPr id="23" name="Rectangle 22">
             <a:extLst>
               <a:ext uri="{FF2B5EF4-FFF2-40B4-BE49-F238E27FC236}">
                 <a16:creationId xmlns:a16="http://schemas.microsoft.com/office/drawing/2014/main" id="{E9751CB9-7B25-4EB8-9A6F-82F822549F12}"/>
@@ -6022,7 +6096,7 @@
       </p:sp>
       <p:sp>
         <p:nvSpPr>
-          <p:cNvPr id="14" name="Rectangle 13">
+          <p:cNvPr id="25" name="Rectangle 24">
             <a:extLst>
               <a:ext uri="{FF2B5EF4-FFF2-40B4-BE49-F238E27FC236}">
                 <a16:creationId xmlns:a16="http://schemas.microsoft.com/office/drawing/2014/main" id="{E1317383-CF3B-4B02-9512-BECBEF6362A4}"/>
@@ -6076,7 +6150,7 @@
       </p:sp>
       <p:sp>
         <p:nvSpPr>
-          <p:cNvPr id="16" name="Rectangle 15">
+          <p:cNvPr id="27" name="Rectangle 26">
             <a:extLst>
               <a:ext uri="{FF2B5EF4-FFF2-40B4-BE49-F238E27FC236}">
                 <a16:creationId xmlns:a16="http://schemas.microsoft.com/office/drawing/2014/main" id="{B1D4C7A0-6DF2-4F2D-A45D-F111582974C7}"/>
@@ -6130,7 +6204,7 @@
       </p:sp>
       <p:sp>
         <p:nvSpPr>
-          <p:cNvPr id="18" name="Rectangle 17">
+          <p:cNvPr id="29" name="Rectangle 28">
             <a:extLst>
               <a:ext uri="{FF2B5EF4-FFF2-40B4-BE49-F238E27FC236}">
                 <a16:creationId xmlns:a16="http://schemas.microsoft.com/office/drawing/2014/main" id="{DBF3943D-BCB6-4B31-809D-A005686483B4}"/>
@@ -6184,7 +6258,7 @@
       </p:sp>
       <p:sp>
         <p:nvSpPr>
-          <p:cNvPr id="20" name="Rectangle 19">
+          <p:cNvPr id="31" name="Rectangle 30">
             <a:extLst>
               <a:ext uri="{FF2B5EF4-FFF2-40B4-BE49-F238E27FC236}">
                 <a16:creationId xmlns:a16="http://schemas.microsoft.com/office/drawing/2014/main" id="{39373A6F-2E1F-4613-8E1D-D68057D29F31}"/>
@@ -6241,7 +6315,7 @@
           <p:cNvPr id="2" name="Title 1">
             <a:extLst>
               <a:ext uri="{FF2B5EF4-FFF2-40B4-BE49-F238E27FC236}">
-                <a16:creationId xmlns:a16="http://schemas.microsoft.com/office/drawing/2014/main" id="{3A309938-456A-4321-A566-957F7EE9C0C3}"/>
+                <a16:creationId xmlns:a16="http://schemas.microsoft.com/office/drawing/2014/main" id="{83ADD54A-E835-4A64-9304-9E2430E31639}"/>
               </a:ext>
             </a:extLst>
           </p:cNvPr>
@@ -6270,17 +6344,17 @@
                   <a:srgbClr val="FFFFFF"/>
                 </a:solidFill>
               </a:rPr>
-              <a:t>Diagram Zero</a:t>
+              <a:t>Contact</a:t>
             </a:r>
           </a:p>
         </p:txBody>
       </p:sp>
       <p:sp>
         <p:nvSpPr>
-          <p:cNvPr id="9" name="Content Placeholder 8">
-            <a:extLst>
-              <a:ext uri="{FF2B5EF4-FFF2-40B4-BE49-F238E27FC236}">
-                <a16:creationId xmlns:a16="http://schemas.microsoft.com/office/drawing/2014/main" id="{DC6965B1-46E9-450E-84F7-F8126FB1FDC8}"/>
+          <p:cNvPr id="3" name="Content Placeholder 2">
+            <a:extLst>
+              <a:ext uri="{FF2B5EF4-FFF2-40B4-BE49-F238E27FC236}">
+                <a16:creationId xmlns:a16="http://schemas.microsoft.com/office/drawing/2014/main" id="{C2F3E806-1338-4AEE-B971-904E6486BC00}"/>
               </a:ext>
             </a:extLst>
           </p:cNvPr>
@@ -6303,20 +6377,23 @@
           </a:bodyPr>
           <a:lstStyle/>
           <a:p>
-            <a:endParaRPr lang="en-US">
-              <a:solidFill>
-                <a:srgbClr val="FFFFFF"/>
-              </a:solidFill>
-            </a:endParaRPr>
+            <a:r>
+              <a:rPr lang="en-US" dirty="0">
+                <a:solidFill>
+                  <a:srgbClr val="FFFFFF"/>
+                </a:solidFill>
+              </a:rPr>
+              <a:t>Contact currently shows contacts of email and phone number to be able to get help or to book a room.</a:t>
+            </a:r>
           </a:p>
         </p:txBody>
       </p:sp>
       <p:pic>
         <p:nvPicPr>
-          <p:cNvPr id="5" name="Content Placeholder 4" descr="A close up of a map&#10;&#10;Description automatically generated">
-            <a:extLst>
-              <a:ext uri="{FF2B5EF4-FFF2-40B4-BE49-F238E27FC236}">
-                <a16:creationId xmlns:a16="http://schemas.microsoft.com/office/drawing/2014/main" id="{13073315-7AEC-4EC5-83EF-5A4282C20170}"/>
+          <p:cNvPr id="6" name="Picture 5" descr="A screenshot of a cell phone&#10;&#10;Description automatically generated">
+            <a:extLst>
+              <a:ext uri="{FF2B5EF4-FFF2-40B4-BE49-F238E27FC236}">
+                <a16:creationId xmlns:a16="http://schemas.microsoft.com/office/drawing/2014/main" id="{C8ECA74E-36F2-4BE3-A3DF-55936B079748}"/>
               </a:ext>
             </a:extLst>
           </p:cNvPr>
@@ -6333,8 +6410,8 @@
         </p:blipFill>
         <p:spPr>
           <a:xfrm>
-            <a:off x="5307817" y="936141"/>
-            <a:ext cx="5400331" cy="4968305"/>
+            <a:off x="4592231" y="1597814"/>
+            <a:ext cx="6831503" cy="3644959"/>
           </a:xfrm>
           <a:prstGeom prst="rect">
             <a:avLst/>
@@ -6344,7 +6421,7 @@
     </p:spTree>
     <p:extLst>
       <p:ext uri="{BB962C8B-B14F-4D97-AF65-F5344CB8AC3E}">
-        <p14:creationId xmlns:p14="http://schemas.microsoft.com/office/powerpoint/2010/main" val="3929388030"/>
+        <p14:creationId xmlns:p14="http://schemas.microsoft.com/office/powerpoint/2010/main" val="3618777613"/>
       </p:ext>
     </p:extLst>
   </p:cSld>
@@ -6381,7 +6458,7 @@
       </p:grpSpPr>
       <p:sp>
         <p:nvSpPr>
-          <p:cNvPr id="12" name="Rectangle 11">
+          <p:cNvPr id="23" name="Rectangle 22">
             <a:extLst>
               <a:ext uri="{FF2B5EF4-FFF2-40B4-BE49-F238E27FC236}">
                 <a16:creationId xmlns:a16="http://schemas.microsoft.com/office/drawing/2014/main" id="{E9751CB9-7B25-4EB8-9A6F-82F822549F12}"/>
@@ -6444,7 +6521,7 @@
       </p:sp>
       <p:sp>
         <p:nvSpPr>
-          <p:cNvPr id="14" name="Rectangle 13">
+          <p:cNvPr id="25" name="Rectangle 24">
             <a:extLst>
               <a:ext uri="{FF2B5EF4-FFF2-40B4-BE49-F238E27FC236}">
                 <a16:creationId xmlns:a16="http://schemas.microsoft.com/office/drawing/2014/main" id="{E1317383-CF3B-4B02-9512-BECBEF6362A4}"/>
@@ -6498,7 +6575,7 @@
       </p:sp>
       <p:sp>
         <p:nvSpPr>
-          <p:cNvPr id="16" name="Rectangle 15">
+          <p:cNvPr id="27" name="Rectangle 26">
             <a:extLst>
               <a:ext uri="{FF2B5EF4-FFF2-40B4-BE49-F238E27FC236}">
                 <a16:creationId xmlns:a16="http://schemas.microsoft.com/office/drawing/2014/main" id="{B1D4C7A0-6DF2-4F2D-A45D-F111582974C7}"/>
@@ -6552,7 +6629,7 @@
       </p:sp>
       <p:sp>
         <p:nvSpPr>
-          <p:cNvPr id="18" name="Rectangle 17">
+          <p:cNvPr id="29" name="Rectangle 28">
             <a:extLst>
               <a:ext uri="{FF2B5EF4-FFF2-40B4-BE49-F238E27FC236}">
                 <a16:creationId xmlns:a16="http://schemas.microsoft.com/office/drawing/2014/main" id="{DBF3943D-BCB6-4B31-809D-A005686483B4}"/>
@@ -6606,7 +6683,7 @@
       </p:sp>
       <p:sp>
         <p:nvSpPr>
-          <p:cNvPr id="20" name="Rectangle 19">
+          <p:cNvPr id="31" name="Rectangle 30">
             <a:extLst>
               <a:ext uri="{FF2B5EF4-FFF2-40B4-BE49-F238E27FC236}">
                 <a16:creationId xmlns:a16="http://schemas.microsoft.com/office/drawing/2014/main" id="{39373A6F-2E1F-4613-8E1D-D68057D29F31}"/>
@@ -6663,7 +6740,7 @@
           <p:cNvPr id="2" name="Title 1">
             <a:extLst>
               <a:ext uri="{FF2B5EF4-FFF2-40B4-BE49-F238E27FC236}">
-                <a16:creationId xmlns:a16="http://schemas.microsoft.com/office/drawing/2014/main" id="{2171E0B6-D9B4-4DA1-9DE1-792F62A648F4}"/>
+                <a16:creationId xmlns:a16="http://schemas.microsoft.com/office/drawing/2014/main" id="{B9DA32ED-B1C6-4855-A0E1-6CAE411F50A6}"/>
               </a:ext>
             </a:extLst>
           </p:cNvPr>
@@ -6692,17 +6769,17 @@
                   <a:srgbClr val="FFFFFF"/>
                 </a:solidFill>
               </a:rPr>
-              <a:t>Login Diagram</a:t>
+              <a:t>Logout</a:t>
             </a:r>
           </a:p>
         </p:txBody>
       </p:sp>
       <p:sp>
         <p:nvSpPr>
-          <p:cNvPr id="9" name="Content Placeholder 8">
-            <a:extLst>
-              <a:ext uri="{FF2B5EF4-FFF2-40B4-BE49-F238E27FC236}">
-                <a16:creationId xmlns:a16="http://schemas.microsoft.com/office/drawing/2014/main" id="{C6B038FE-8405-453E-8EAA-0F588E18BDEA}"/>
+          <p:cNvPr id="3" name="Content Placeholder 2">
+            <a:extLst>
+              <a:ext uri="{FF2B5EF4-FFF2-40B4-BE49-F238E27FC236}">
+                <a16:creationId xmlns:a16="http://schemas.microsoft.com/office/drawing/2014/main" id="{96FD7B80-30E5-4B10-A371-814CFE56B556}"/>
               </a:ext>
             </a:extLst>
           </p:cNvPr>
@@ -6725,20 +6802,23 @@
           </a:bodyPr>
           <a:lstStyle/>
           <a:p>
-            <a:endParaRPr lang="en-US">
-              <a:solidFill>
-                <a:srgbClr val="FFFFFF"/>
-              </a:solidFill>
-            </a:endParaRPr>
+            <a:r>
+              <a:rPr lang="en-US">
+                <a:solidFill>
+                  <a:srgbClr val="FFFFFF"/>
+                </a:solidFill>
+              </a:rPr>
+              <a:t>When you logout, it takes you to the login page and displays a message to show that you have logged out</a:t>
+            </a:r>
           </a:p>
         </p:txBody>
       </p:sp>
       <p:pic>
         <p:nvPicPr>
-          <p:cNvPr id="5" name="Content Placeholder 4" descr="A close up of a logo&#10;&#10;Description automatically generated">
-            <a:extLst>
-              <a:ext uri="{FF2B5EF4-FFF2-40B4-BE49-F238E27FC236}">
-                <a16:creationId xmlns:a16="http://schemas.microsoft.com/office/drawing/2014/main" id="{0624CF7C-D339-472B-924F-7B615078AB54}"/>
+          <p:cNvPr id="6" name="Picture 5" descr="A screenshot of a cell phone&#10;&#10;Description automatically generated">
+            <a:extLst>
+              <a:ext uri="{FF2B5EF4-FFF2-40B4-BE49-F238E27FC236}">
+                <a16:creationId xmlns:a16="http://schemas.microsoft.com/office/drawing/2014/main" id="{D2E7233C-53E2-47A2-8C22-65AD8FB3914C}"/>
               </a:ext>
             </a:extLst>
           </p:cNvPr>
@@ -6755,8 +6835,8 @@
         </p:blipFill>
         <p:spPr>
           <a:xfrm>
-            <a:off x="4863627" y="936141"/>
-            <a:ext cx="6288710" cy="4968305"/>
+            <a:off x="5133709" y="936141"/>
+            <a:ext cx="5748547" cy="4968305"/>
           </a:xfrm>
           <a:prstGeom prst="rect">
             <a:avLst/>
@@ -6766,7 +6846,7 @@
     </p:spTree>
     <p:extLst>
       <p:ext uri="{BB962C8B-B14F-4D97-AF65-F5344CB8AC3E}">
-        <p14:creationId xmlns:p14="http://schemas.microsoft.com/office/powerpoint/2010/main" val="4164993138"/>
+        <p14:creationId xmlns:p14="http://schemas.microsoft.com/office/powerpoint/2010/main" val="1464010159"/>
       </p:ext>
     </p:extLst>
   </p:cSld>
@@ -8316,7 +8396,7 @@
       </p:grpSpPr>
       <p:sp>
         <p:nvSpPr>
-          <p:cNvPr id="23" name="Rectangle 22">
+          <p:cNvPr id="12" name="Rectangle 11">
             <a:extLst>
               <a:ext uri="{FF2B5EF4-FFF2-40B4-BE49-F238E27FC236}">
                 <a16:creationId xmlns:a16="http://schemas.microsoft.com/office/drawing/2014/main" id="{E9751CB9-7B25-4EB8-9A6F-82F822549F12}"/>
@@ -8379,7 +8459,7 @@
       </p:sp>
       <p:sp>
         <p:nvSpPr>
-          <p:cNvPr id="25" name="Rectangle 24">
+          <p:cNvPr id="14" name="Rectangle 13">
             <a:extLst>
               <a:ext uri="{FF2B5EF4-FFF2-40B4-BE49-F238E27FC236}">
                 <a16:creationId xmlns:a16="http://schemas.microsoft.com/office/drawing/2014/main" id="{E1317383-CF3B-4B02-9512-BECBEF6362A4}"/>
@@ -8433,7 +8513,7 @@
       </p:sp>
       <p:sp>
         <p:nvSpPr>
-          <p:cNvPr id="27" name="Rectangle 26">
+          <p:cNvPr id="16" name="Rectangle 15">
             <a:extLst>
               <a:ext uri="{FF2B5EF4-FFF2-40B4-BE49-F238E27FC236}">
                 <a16:creationId xmlns:a16="http://schemas.microsoft.com/office/drawing/2014/main" id="{B1D4C7A0-6DF2-4F2D-A45D-F111582974C7}"/>
@@ -8487,7 +8567,7 @@
       </p:sp>
       <p:sp>
         <p:nvSpPr>
-          <p:cNvPr id="29" name="Rectangle 28">
+          <p:cNvPr id="18" name="Rectangle 17">
             <a:extLst>
               <a:ext uri="{FF2B5EF4-FFF2-40B4-BE49-F238E27FC236}">
                 <a16:creationId xmlns:a16="http://schemas.microsoft.com/office/drawing/2014/main" id="{DBF3943D-BCB6-4B31-809D-A005686483B4}"/>
@@ -8541,7 +8621,7 @@
       </p:sp>
       <p:sp>
         <p:nvSpPr>
-          <p:cNvPr id="31" name="Rectangle 30">
+          <p:cNvPr id="20" name="Rectangle 19">
             <a:extLst>
               <a:ext uri="{FF2B5EF4-FFF2-40B4-BE49-F238E27FC236}">
                 <a16:creationId xmlns:a16="http://schemas.microsoft.com/office/drawing/2014/main" id="{39373A6F-2E1F-4613-8E1D-D68057D29F31}"/>
@@ -8598,7 +8678,7 @@
           <p:cNvPr id="2" name="Title 1">
             <a:extLst>
               <a:ext uri="{FF2B5EF4-FFF2-40B4-BE49-F238E27FC236}">
-                <a16:creationId xmlns:a16="http://schemas.microsoft.com/office/drawing/2014/main" id="{BE706E88-A945-4BEA-BD0D-6CD36BCFE438}"/>
+                <a16:creationId xmlns:a16="http://schemas.microsoft.com/office/drawing/2014/main" id="{BA750FAB-55D4-4A03-853A-5C8C38D1914F}"/>
               </a:ext>
             </a:extLst>
           </p:cNvPr>
@@ -8627,17 +8707,17 @@
                   <a:srgbClr val="FFFFFF"/>
                 </a:solidFill>
               </a:rPr>
-              <a:t>About Maker Space</a:t>
+              <a:t>Context diagram</a:t>
             </a:r>
           </a:p>
         </p:txBody>
       </p:sp>
       <p:sp>
         <p:nvSpPr>
-          <p:cNvPr id="3" name="Content Placeholder 2">
-            <a:extLst>
-              <a:ext uri="{FF2B5EF4-FFF2-40B4-BE49-F238E27FC236}">
-                <a16:creationId xmlns:a16="http://schemas.microsoft.com/office/drawing/2014/main" id="{E78CD190-7266-4103-A6CE-951F3930E235}"/>
+          <p:cNvPr id="9" name="Content Placeholder 8">
+            <a:extLst>
+              <a:ext uri="{FF2B5EF4-FFF2-40B4-BE49-F238E27FC236}">
+                <a16:creationId xmlns:a16="http://schemas.microsoft.com/office/drawing/2014/main" id="{49E39BD9-12B5-45E3-AA07-5D8305E85E3F}"/>
               </a:ext>
             </a:extLst>
           </p:cNvPr>
@@ -8660,23 +8740,20 @@
           </a:bodyPr>
           <a:lstStyle/>
           <a:p>
-            <a:r>
-              <a:rPr lang="en-US">
-                <a:solidFill>
-                  <a:srgbClr val="FFFFFF"/>
-                </a:solidFill>
-              </a:rPr>
-              <a:t>This page displays a small bit about what a maker space is.</a:t>
-            </a:r>
+            <a:endParaRPr lang="en-US">
+              <a:solidFill>
+                <a:srgbClr val="FFFFFF"/>
+              </a:solidFill>
+            </a:endParaRPr>
           </a:p>
         </p:txBody>
       </p:sp>
       <p:pic>
         <p:nvPicPr>
-          <p:cNvPr id="6" name="Picture 5" descr="A screenshot of a social media post&#10;&#10;Description automatically generated">
-            <a:extLst>
-              <a:ext uri="{FF2B5EF4-FFF2-40B4-BE49-F238E27FC236}">
-                <a16:creationId xmlns:a16="http://schemas.microsoft.com/office/drawing/2014/main" id="{6470BCAF-DFD5-4C7A-8011-70B3D7D3AB1A}"/>
+          <p:cNvPr id="5" name="Content Placeholder 4" descr="A screenshot of a cell phone&#10;&#10;Description automatically generated">
+            <a:extLst>
+              <a:ext uri="{FF2B5EF4-FFF2-40B4-BE49-F238E27FC236}">
+                <a16:creationId xmlns:a16="http://schemas.microsoft.com/office/drawing/2014/main" id="{DFA59051-F7E0-4EE6-9584-689D02EA4249}"/>
               </a:ext>
             </a:extLst>
           </p:cNvPr>
@@ -8693,8 +8770,8 @@
         </p:blipFill>
         <p:spPr>
           <a:xfrm>
-            <a:off x="4308732" y="1931346"/>
-            <a:ext cx="7896177" cy="3178210"/>
+            <a:off x="4592231" y="1780733"/>
+            <a:ext cx="6831503" cy="3279121"/>
           </a:xfrm>
           <a:prstGeom prst="rect">
             <a:avLst/>
@@ -8704,7 +8781,7 @@
     </p:spTree>
     <p:extLst>
       <p:ext uri="{BB962C8B-B14F-4D97-AF65-F5344CB8AC3E}">
-        <p14:creationId xmlns:p14="http://schemas.microsoft.com/office/powerpoint/2010/main" val="1743631289"/>
+        <p14:creationId xmlns:p14="http://schemas.microsoft.com/office/powerpoint/2010/main" val="327606435"/>
       </p:ext>
     </p:extLst>
   </p:cSld>
@@ -8741,7 +8818,7 @@
       </p:grpSpPr>
       <p:sp>
         <p:nvSpPr>
-          <p:cNvPr id="36" name="Rectangle 35">
+          <p:cNvPr id="12" name="Rectangle 11">
             <a:extLst>
               <a:ext uri="{FF2B5EF4-FFF2-40B4-BE49-F238E27FC236}">
                 <a16:creationId xmlns:a16="http://schemas.microsoft.com/office/drawing/2014/main" id="{E9751CB9-7B25-4EB8-9A6F-82F822549F12}"/>
@@ -8804,7 +8881,7 @@
       </p:sp>
       <p:sp>
         <p:nvSpPr>
-          <p:cNvPr id="38" name="Rectangle 37">
+          <p:cNvPr id="14" name="Rectangle 13">
             <a:extLst>
               <a:ext uri="{FF2B5EF4-FFF2-40B4-BE49-F238E27FC236}">
                 <a16:creationId xmlns:a16="http://schemas.microsoft.com/office/drawing/2014/main" id="{E1317383-CF3B-4B02-9512-BECBEF6362A4}"/>
@@ -8858,7 +8935,7 @@
       </p:sp>
       <p:sp>
         <p:nvSpPr>
-          <p:cNvPr id="40" name="Rectangle 39">
+          <p:cNvPr id="16" name="Rectangle 15">
             <a:extLst>
               <a:ext uri="{FF2B5EF4-FFF2-40B4-BE49-F238E27FC236}">
                 <a16:creationId xmlns:a16="http://schemas.microsoft.com/office/drawing/2014/main" id="{B1D4C7A0-6DF2-4F2D-A45D-F111582974C7}"/>
@@ -8912,7 +8989,7 @@
       </p:sp>
       <p:sp>
         <p:nvSpPr>
-          <p:cNvPr id="42" name="Rectangle 41">
+          <p:cNvPr id="18" name="Rectangle 17">
             <a:extLst>
               <a:ext uri="{FF2B5EF4-FFF2-40B4-BE49-F238E27FC236}">
                 <a16:creationId xmlns:a16="http://schemas.microsoft.com/office/drawing/2014/main" id="{DBF3943D-BCB6-4B31-809D-A005686483B4}"/>
@@ -8966,7 +9043,7 @@
       </p:sp>
       <p:sp>
         <p:nvSpPr>
-          <p:cNvPr id="44" name="Rectangle 43">
+          <p:cNvPr id="20" name="Rectangle 19">
             <a:extLst>
               <a:ext uri="{FF2B5EF4-FFF2-40B4-BE49-F238E27FC236}">
                 <a16:creationId xmlns:a16="http://schemas.microsoft.com/office/drawing/2014/main" id="{39373A6F-2E1F-4613-8E1D-D68057D29F31}"/>
@@ -9023,7 +9100,7 @@
           <p:cNvPr id="2" name="Title 1">
             <a:extLst>
               <a:ext uri="{FF2B5EF4-FFF2-40B4-BE49-F238E27FC236}">
-                <a16:creationId xmlns:a16="http://schemas.microsoft.com/office/drawing/2014/main" id="{6BFF2473-56DB-49F9-A14D-25194E5EEAAD}"/>
+                <a16:creationId xmlns:a16="http://schemas.microsoft.com/office/drawing/2014/main" id="{3A309938-456A-4321-A566-957F7EE9C0C3}"/>
               </a:ext>
             </a:extLst>
           </p:cNvPr>
@@ -9052,17 +9129,17 @@
                   <a:srgbClr val="FFFFFF"/>
                 </a:solidFill>
               </a:rPr>
-              <a:t>Welcome</a:t>
+              <a:t>Diagram Zero</a:t>
             </a:r>
           </a:p>
         </p:txBody>
       </p:sp>
       <p:sp>
         <p:nvSpPr>
-          <p:cNvPr id="3" name="Content Placeholder 2">
-            <a:extLst>
-              <a:ext uri="{FF2B5EF4-FFF2-40B4-BE49-F238E27FC236}">
-                <a16:creationId xmlns:a16="http://schemas.microsoft.com/office/drawing/2014/main" id="{B17903CF-D8DD-4ECA-8F77-519C44FB7274}"/>
+          <p:cNvPr id="9" name="Content Placeholder 8">
+            <a:extLst>
+              <a:ext uri="{FF2B5EF4-FFF2-40B4-BE49-F238E27FC236}">
+                <a16:creationId xmlns:a16="http://schemas.microsoft.com/office/drawing/2014/main" id="{DC6965B1-46E9-450E-84F7-F8126FB1FDC8}"/>
               </a:ext>
             </a:extLst>
           </p:cNvPr>
@@ -9085,56 +9162,20 @@
           </a:bodyPr>
           <a:lstStyle/>
           <a:p>
-            <a:r>
-              <a:rPr lang="en-US" dirty="0">
-                <a:solidFill>
-                  <a:srgbClr val="FFFFFF"/>
-                </a:solidFill>
-              </a:rPr>
-              <a:t>The welcome page displays</a:t>
-            </a:r>
-          </a:p>
-          <a:p>
-            <a:pPr lvl="1"/>
-            <a:r>
-              <a:rPr lang="en-US" dirty="0">
-                <a:solidFill>
-                  <a:srgbClr val="FFFFFF"/>
-                </a:solidFill>
-              </a:rPr>
-              <a:t>Login option</a:t>
-            </a:r>
-          </a:p>
-          <a:p>
-            <a:pPr lvl="1"/>
-            <a:r>
-              <a:rPr lang="en-US" dirty="0">
-                <a:solidFill>
-                  <a:srgbClr val="FFFFFF"/>
-                </a:solidFill>
-              </a:rPr>
-              <a:t>Create account option</a:t>
-            </a:r>
-          </a:p>
-          <a:p>
-            <a:pPr lvl="1"/>
-            <a:r>
-              <a:rPr lang="en-US" dirty="0">
-                <a:solidFill>
-                  <a:srgbClr val="FFFFFF"/>
-                </a:solidFill>
-              </a:rPr>
-              <a:t>Site/Project update logs</a:t>
-            </a:r>
+            <a:endParaRPr lang="en-US">
+              <a:solidFill>
+                <a:srgbClr val="FFFFFF"/>
+              </a:solidFill>
+            </a:endParaRPr>
           </a:p>
         </p:txBody>
       </p:sp>
       <p:pic>
         <p:nvPicPr>
-          <p:cNvPr id="5" name="Picture 4" descr="A screenshot of a cell phone&#10;&#10;Description automatically generated">
-            <a:extLst>
-              <a:ext uri="{FF2B5EF4-FFF2-40B4-BE49-F238E27FC236}">
-                <a16:creationId xmlns:a16="http://schemas.microsoft.com/office/drawing/2014/main" id="{BC41D397-9FFB-45DD-A020-B36FF960D180}"/>
+          <p:cNvPr id="5" name="Content Placeholder 4" descr="A close up of a map&#10;&#10;Description automatically generated">
+            <a:extLst>
+              <a:ext uri="{FF2B5EF4-FFF2-40B4-BE49-F238E27FC236}">
+                <a16:creationId xmlns:a16="http://schemas.microsoft.com/office/drawing/2014/main" id="{13073315-7AEC-4EC5-83EF-5A4282C20170}"/>
               </a:ext>
             </a:extLst>
           </p:cNvPr>
@@ -9151,8 +9192,8 @@
         </p:blipFill>
         <p:spPr>
           <a:xfrm>
-            <a:off x="5059434" y="936141"/>
-            <a:ext cx="5897096" cy="4968305"/>
+            <a:off x="5307817" y="936141"/>
+            <a:ext cx="5400331" cy="4968305"/>
           </a:xfrm>
           <a:prstGeom prst="rect">
             <a:avLst/>
@@ -9162,7 +9203,7 @@
     </p:spTree>
     <p:extLst>
       <p:ext uri="{BB962C8B-B14F-4D97-AF65-F5344CB8AC3E}">
-        <p14:creationId xmlns:p14="http://schemas.microsoft.com/office/powerpoint/2010/main" val="1732019446"/>
+        <p14:creationId xmlns:p14="http://schemas.microsoft.com/office/powerpoint/2010/main" val="3929388030"/>
       </p:ext>
     </p:extLst>
   </p:cSld>
@@ -9199,7 +9240,7 @@
       </p:grpSpPr>
       <p:sp>
         <p:nvSpPr>
-          <p:cNvPr id="21" name="Rectangle 20">
+          <p:cNvPr id="12" name="Rectangle 11">
             <a:extLst>
               <a:ext uri="{FF2B5EF4-FFF2-40B4-BE49-F238E27FC236}">
                 <a16:creationId xmlns:a16="http://schemas.microsoft.com/office/drawing/2014/main" id="{E9751CB9-7B25-4EB8-9A6F-82F822549F12}"/>
@@ -9262,7 +9303,7 @@
       </p:sp>
       <p:sp>
         <p:nvSpPr>
-          <p:cNvPr id="23" name="Rectangle 22">
+          <p:cNvPr id="14" name="Rectangle 13">
             <a:extLst>
               <a:ext uri="{FF2B5EF4-FFF2-40B4-BE49-F238E27FC236}">
                 <a16:creationId xmlns:a16="http://schemas.microsoft.com/office/drawing/2014/main" id="{E1317383-CF3B-4B02-9512-BECBEF6362A4}"/>
@@ -9316,7 +9357,7 @@
       </p:sp>
       <p:sp>
         <p:nvSpPr>
-          <p:cNvPr id="25" name="Rectangle 24">
+          <p:cNvPr id="16" name="Rectangle 15">
             <a:extLst>
               <a:ext uri="{FF2B5EF4-FFF2-40B4-BE49-F238E27FC236}">
                 <a16:creationId xmlns:a16="http://schemas.microsoft.com/office/drawing/2014/main" id="{B1D4C7A0-6DF2-4F2D-A45D-F111582974C7}"/>
@@ -9370,7 +9411,7 @@
       </p:sp>
       <p:sp>
         <p:nvSpPr>
-          <p:cNvPr id="27" name="Rectangle 26">
+          <p:cNvPr id="18" name="Rectangle 17">
             <a:extLst>
               <a:ext uri="{FF2B5EF4-FFF2-40B4-BE49-F238E27FC236}">
                 <a16:creationId xmlns:a16="http://schemas.microsoft.com/office/drawing/2014/main" id="{DBF3943D-BCB6-4B31-809D-A005686483B4}"/>
@@ -9424,7 +9465,7 @@
       </p:sp>
       <p:sp>
         <p:nvSpPr>
-          <p:cNvPr id="29" name="Rectangle 28">
+          <p:cNvPr id="20" name="Rectangle 19">
             <a:extLst>
               <a:ext uri="{FF2B5EF4-FFF2-40B4-BE49-F238E27FC236}">
                 <a16:creationId xmlns:a16="http://schemas.microsoft.com/office/drawing/2014/main" id="{39373A6F-2E1F-4613-8E1D-D68057D29F31}"/>
@@ -9481,7 +9522,7 @@
           <p:cNvPr id="2" name="Title 1">
             <a:extLst>
               <a:ext uri="{FF2B5EF4-FFF2-40B4-BE49-F238E27FC236}">
-                <a16:creationId xmlns:a16="http://schemas.microsoft.com/office/drawing/2014/main" id="{9EBF2D44-2F8D-41B4-A3FF-9DE7521FA4F1}"/>
+                <a16:creationId xmlns:a16="http://schemas.microsoft.com/office/drawing/2014/main" id="{2171E0B6-D9B4-4DA1-9DE1-792F62A648F4}"/>
               </a:ext>
             </a:extLst>
           </p:cNvPr>
@@ -9510,17 +9551,17 @@
                   <a:srgbClr val="FFFFFF"/>
                 </a:solidFill>
               </a:rPr>
-              <a:t>Create Account</a:t>
+              <a:t>Login Diagram</a:t>
             </a:r>
           </a:p>
         </p:txBody>
       </p:sp>
       <p:sp>
         <p:nvSpPr>
-          <p:cNvPr id="3" name="Content Placeholder 2">
-            <a:extLst>
-              <a:ext uri="{FF2B5EF4-FFF2-40B4-BE49-F238E27FC236}">
-                <a16:creationId xmlns:a16="http://schemas.microsoft.com/office/drawing/2014/main" id="{5D38D7AC-E43B-457A-89ED-0A1DE9BF98AF}"/>
+          <p:cNvPr id="9" name="Content Placeholder 8">
+            <a:extLst>
+              <a:ext uri="{FF2B5EF4-FFF2-40B4-BE49-F238E27FC236}">
+                <a16:creationId xmlns:a16="http://schemas.microsoft.com/office/drawing/2014/main" id="{C6B038FE-8405-453E-8EAA-0F588E18BDEA}"/>
               </a:ext>
             </a:extLst>
           </p:cNvPr>
@@ -9543,67 +9584,20 @@
           </a:bodyPr>
           <a:lstStyle/>
           <a:p>
-            <a:r>
-              <a:rPr lang="en-US">
-                <a:solidFill>
-                  <a:srgbClr val="FFFFFF"/>
-                </a:solidFill>
-              </a:rPr>
-              <a:t>Creating an account is a quick and simple process. All that is required are:</a:t>
-            </a:r>
-          </a:p>
-          <a:p>
-            <a:pPr lvl="1"/>
-            <a:r>
-              <a:rPr lang="en-US">
-                <a:solidFill>
-                  <a:srgbClr val="FFFFFF"/>
-                </a:solidFill>
-              </a:rPr>
-              <a:t>Email</a:t>
-            </a:r>
-          </a:p>
-          <a:p>
-            <a:pPr lvl="1"/>
-            <a:r>
-              <a:rPr lang="en-US">
-                <a:solidFill>
-                  <a:srgbClr val="FFFFFF"/>
-                </a:solidFill>
-              </a:rPr>
-              <a:t>Username</a:t>
-            </a:r>
-          </a:p>
-          <a:p>
-            <a:pPr lvl="1"/>
-            <a:r>
-              <a:rPr lang="en-US">
-                <a:solidFill>
-                  <a:srgbClr val="FFFFFF"/>
-                </a:solidFill>
-              </a:rPr>
-              <a:t>Password (as well as password verification)</a:t>
-            </a:r>
-          </a:p>
-          <a:p>
-            <a:pPr lvl="1"/>
-            <a:r>
-              <a:rPr lang="en-US">
-                <a:solidFill>
-                  <a:srgbClr val="FFFFFF"/>
-                </a:solidFill>
-              </a:rPr>
-              <a:t>Phone Number</a:t>
-            </a:r>
+            <a:endParaRPr lang="en-US">
+              <a:solidFill>
+                <a:srgbClr val="FFFFFF"/>
+              </a:solidFill>
+            </a:endParaRPr>
           </a:p>
         </p:txBody>
       </p:sp>
       <p:pic>
         <p:nvPicPr>
-          <p:cNvPr id="5" name="Picture 4" descr="A screenshot of a cell phone&#10;&#10;Description automatically generated">
-            <a:extLst>
-              <a:ext uri="{FF2B5EF4-FFF2-40B4-BE49-F238E27FC236}">
-                <a16:creationId xmlns:a16="http://schemas.microsoft.com/office/drawing/2014/main" id="{2F13D18B-B01A-4EB7-ABE6-32AC16D431CE}"/>
+          <p:cNvPr id="5" name="Content Placeholder 4" descr="A close up of a logo&#10;&#10;Description automatically generated">
+            <a:extLst>
+              <a:ext uri="{FF2B5EF4-FFF2-40B4-BE49-F238E27FC236}">
+                <a16:creationId xmlns:a16="http://schemas.microsoft.com/office/drawing/2014/main" id="{0624CF7C-D339-472B-924F-7B615078AB54}"/>
               </a:ext>
             </a:extLst>
           </p:cNvPr>
@@ -9620,8 +9614,8 @@
         </p:blipFill>
         <p:spPr>
           <a:xfrm>
-            <a:off x="5017582" y="936141"/>
-            <a:ext cx="5980801" cy="4968305"/>
+            <a:off x="4863627" y="936141"/>
+            <a:ext cx="6288710" cy="4968305"/>
           </a:xfrm>
           <a:prstGeom prst="rect">
             <a:avLst/>
@@ -9631,7 +9625,7 @@
     </p:spTree>
     <p:extLst>
       <p:ext uri="{BB962C8B-B14F-4D97-AF65-F5344CB8AC3E}">
-        <p14:creationId xmlns:p14="http://schemas.microsoft.com/office/powerpoint/2010/main" val="716679972"/>
+        <p14:creationId xmlns:p14="http://schemas.microsoft.com/office/powerpoint/2010/main" val="4164993138"/>
       </p:ext>
     </p:extLst>
   </p:cSld>
@@ -9950,7 +9944,7 @@
           <p:cNvPr id="2" name="Title 1">
             <a:extLst>
               <a:ext uri="{FF2B5EF4-FFF2-40B4-BE49-F238E27FC236}">
-                <a16:creationId xmlns:a16="http://schemas.microsoft.com/office/drawing/2014/main" id="{BF1C9194-59A3-4E1B-B173-A0DDF85B4B05}"/>
+                <a16:creationId xmlns:a16="http://schemas.microsoft.com/office/drawing/2014/main" id="{BE706E88-A945-4BEA-BD0D-6CD36BCFE438}"/>
               </a:ext>
             </a:extLst>
           </p:cNvPr>
@@ -9979,7 +9973,7 @@
                   <a:srgbClr val="FFFFFF"/>
                 </a:solidFill>
               </a:rPr>
-              <a:t>Login</a:t>
+              <a:t>About Maker Space</a:t>
             </a:r>
           </a:p>
         </p:txBody>
@@ -9989,7 +9983,7 @@
           <p:cNvPr id="3" name="Content Placeholder 2">
             <a:extLst>
               <a:ext uri="{FF2B5EF4-FFF2-40B4-BE49-F238E27FC236}">
-                <a16:creationId xmlns:a16="http://schemas.microsoft.com/office/drawing/2014/main" id="{67997A21-C790-4F5F-8152-4AB7EA6BF4C3}"/>
+                <a16:creationId xmlns:a16="http://schemas.microsoft.com/office/drawing/2014/main" id="{E78CD190-7266-4103-A6CE-951F3930E235}"/>
               </a:ext>
             </a:extLst>
           </p:cNvPr>
@@ -10018,39 +10012,17 @@
                   <a:srgbClr val="FFFFFF"/>
                 </a:solidFill>
               </a:rPr>
-              <a:t>The Login page requires;</a:t>
-            </a:r>
-          </a:p>
-          <a:p>
-            <a:pPr lvl="1"/>
-            <a:r>
-              <a:rPr lang="en-US">
-                <a:solidFill>
-                  <a:srgbClr val="FFFFFF"/>
-                </a:solidFill>
-              </a:rPr>
-              <a:t>Username</a:t>
-            </a:r>
-          </a:p>
-          <a:p>
-            <a:pPr lvl="1"/>
-            <a:r>
-              <a:rPr lang="en-US">
-                <a:solidFill>
-                  <a:srgbClr val="FFFFFF"/>
-                </a:solidFill>
-              </a:rPr>
-              <a:t>Password </a:t>
+              <a:t>This page displays a small bit about what a maker space is.</a:t>
             </a:r>
           </a:p>
         </p:txBody>
       </p:sp>
       <p:pic>
         <p:nvPicPr>
-          <p:cNvPr id="6" name="Picture 5" descr="A screenshot of a cell phone&#10;&#10;Description automatically generated">
-            <a:extLst>
-              <a:ext uri="{FF2B5EF4-FFF2-40B4-BE49-F238E27FC236}">
-                <a16:creationId xmlns:a16="http://schemas.microsoft.com/office/drawing/2014/main" id="{E91B1654-7D97-485A-893B-F4A45CF568FF}"/>
+          <p:cNvPr id="6" name="Picture 5" descr="A screenshot of a social media post&#10;&#10;Description automatically generated">
+            <a:extLst>
+              <a:ext uri="{FF2B5EF4-FFF2-40B4-BE49-F238E27FC236}">
+                <a16:creationId xmlns:a16="http://schemas.microsoft.com/office/drawing/2014/main" id="{6470BCAF-DFD5-4C7A-8011-70B3D7D3AB1A}"/>
               </a:ext>
             </a:extLst>
           </p:cNvPr>
@@ -10067,8 +10039,8 @@
         </p:blipFill>
         <p:spPr>
           <a:xfrm>
-            <a:off x="4702738" y="936141"/>
-            <a:ext cx="6610489" cy="4968305"/>
+            <a:off x="4308732" y="1931346"/>
+            <a:ext cx="7896177" cy="3178210"/>
           </a:xfrm>
           <a:prstGeom prst="rect">
             <a:avLst/>
@@ -10078,7 +10050,7 @@
     </p:spTree>
     <p:extLst>
       <p:ext uri="{BB962C8B-B14F-4D97-AF65-F5344CB8AC3E}">
-        <p14:creationId xmlns:p14="http://schemas.microsoft.com/office/powerpoint/2010/main" val="2238764260"/>
+        <p14:creationId xmlns:p14="http://schemas.microsoft.com/office/powerpoint/2010/main" val="1743631289"/>
       </p:ext>
     </p:extLst>
   </p:cSld>
@@ -10115,7 +10087,7 @@
       </p:grpSpPr>
       <p:sp>
         <p:nvSpPr>
-          <p:cNvPr id="49" name="Rectangle 48">
+          <p:cNvPr id="36" name="Rectangle 35">
             <a:extLst>
               <a:ext uri="{FF2B5EF4-FFF2-40B4-BE49-F238E27FC236}">
                 <a16:creationId xmlns:a16="http://schemas.microsoft.com/office/drawing/2014/main" id="{E9751CB9-7B25-4EB8-9A6F-82F822549F12}"/>
@@ -10178,7 +10150,7 @@
       </p:sp>
       <p:sp>
         <p:nvSpPr>
-          <p:cNvPr id="51" name="Rectangle 50">
+          <p:cNvPr id="38" name="Rectangle 37">
             <a:extLst>
               <a:ext uri="{FF2B5EF4-FFF2-40B4-BE49-F238E27FC236}">
                 <a16:creationId xmlns:a16="http://schemas.microsoft.com/office/drawing/2014/main" id="{E1317383-CF3B-4B02-9512-BECBEF6362A4}"/>
@@ -10232,7 +10204,7 @@
       </p:sp>
       <p:sp>
         <p:nvSpPr>
-          <p:cNvPr id="53" name="Rectangle 52">
+          <p:cNvPr id="40" name="Rectangle 39">
             <a:extLst>
               <a:ext uri="{FF2B5EF4-FFF2-40B4-BE49-F238E27FC236}">
                 <a16:creationId xmlns:a16="http://schemas.microsoft.com/office/drawing/2014/main" id="{B1D4C7A0-6DF2-4F2D-A45D-F111582974C7}"/>
@@ -10286,7 +10258,7 @@
       </p:sp>
       <p:sp>
         <p:nvSpPr>
-          <p:cNvPr id="55" name="Rectangle 54">
+          <p:cNvPr id="42" name="Rectangle 41">
             <a:extLst>
               <a:ext uri="{FF2B5EF4-FFF2-40B4-BE49-F238E27FC236}">
                 <a16:creationId xmlns:a16="http://schemas.microsoft.com/office/drawing/2014/main" id="{DBF3943D-BCB6-4B31-809D-A005686483B4}"/>
@@ -10340,7 +10312,7 @@
       </p:sp>
       <p:sp>
         <p:nvSpPr>
-          <p:cNvPr id="57" name="Rectangle 56">
+          <p:cNvPr id="44" name="Rectangle 43">
             <a:extLst>
               <a:ext uri="{FF2B5EF4-FFF2-40B4-BE49-F238E27FC236}">
                 <a16:creationId xmlns:a16="http://schemas.microsoft.com/office/drawing/2014/main" id="{39373A6F-2E1F-4613-8E1D-D68057D29F31}"/>
@@ -10397,7 +10369,7 @@
           <p:cNvPr id="2" name="Title 1">
             <a:extLst>
               <a:ext uri="{FF2B5EF4-FFF2-40B4-BE49-F238E27FC236}">
-                <a16:creationId xmlns:a16="http://schemas.microsoft.com/office/drawing/2014/main" id="{32ECE692-5682-4E05-B65D-C1EF24F7328C}"/>
+                <a16:creationId xmlns:a16="http://schemas.microsoft.com/office/drawing/2014/main" id="{6BFF2473-56DB-49F9-A14D-25194E5EEAAD}"/>
               </a:ext>
             </a:extLst>
           </p:cNvPr>
@@ -10426,13 +10398,8 @@
                   <a:srgbClr val="FFFFFF"/>
                 </a:solidFill>
               </a:rPr>
-              <a:t>View Room Bookings</a:t>
+              <a:t>Welcome</a:t>
             </a:r>
-            <a:endParaRPr lang="en-US" dirty="0">
-              <a:solidFill>
-                <a:srgbClr val="FFFFFF"/>
-              </a:solidFill>
-            </a:endParaRPr>
           </a:p>
         </p:txBody>
       </p:sp>
@@ -10441,7 +10408,7 @@
           <p:cNvPr id="3" name="Content Placeholder 2">
             <a:extLst>
               <a:ext uri="{FF2B5EF4-FFF2-40B4-BE49-F238E27FC236}">
-                <a16:creationId xmlns:a16="http://schemas.microsoft.com/office/drawing/2014/main" id="{C352793F-995D-4A5B-B329-C0DC4D63A94D}"/>
+                <a16:creationId xmlns:a16="http://schemas.microsoft.com/office/drawing/2014/main" id="{B17903CF-D8DD-4ECA-8F77-519C44FB7274}"/>
               </a:ext>
             </a:extLst>
           </p:cNvPr>
@@ -10465,22 +10432,55 @@
           <a:lstStyle/>
           <a:p>
             <a:r>
-              <a:rPr lang="en-US">
+              <a:rPr lang="en-US" dirty="0">
                 <a:solidFill>
                   <a:srgbClr val="FFFFFF"/>
                 </a:solidFill>
               </a:rPr>
-              <a:t>Room Booking currently shows rooms that are currently booked.</a:t>
+              <a:t>The welcome page displays</a:t>
+            </a:r>
+          </a:p>
+          <a:p>
+            <a:pPr lvl="1"/>
+            <a:r>
+              <a:rPr lang="en-US" dirty="0">
+                <a:solidFill>
+                  <a:srgbClr val="FFFFFF"/>
+                </a:solidFill>
+              </a:rPr>
+              <a:t>Login option</a:t>
+            </a:r>
+          </a:p>
+          <a:p>
+            <a:pPr lvl="1"/>
+            <a:r>
+              <a:rPr lang="en-US" dirty="0">
+                <a:solidFill>
+                  <a:srgbClr val="FFFFFF"/>
+                </a:solidFill>
+              </a:rPr>
+              <a:t>Create account option</a:t>
+            </a:r>
+          </a:p>
+          <a:p>
+            <a:pPr lvl="1"/>
+            <a:r>
+              <a:rPr lang="en-US" dirty="0">
+                <a:solidFill>
+                  <a:srgbClr val="FFFFFF"/>
+                </a:solidFill>
+              </a:rPr>
+              <a:t>Site/Project update logs</a:t>
             </a:r>
           </a:p>
         </p:txBody>
       </p:sp>
       <p:pic>
         <p:nvPicPr>
-          <p:cNvPr id="6" name="Picture 5" descr="A screenshot of a social media post&#10;&#10;Description automatically generated">
-            <a:extLst>
-              <a:ext uri="{FF2B5EF4-FFF2-40B4-BE49-F238E27FC236}">
-                <a16:creationId xmlns:a16="http://schemas.microsoft.com/office/drawing/2014/main" id="{98E823C4-A979-473A-9990-4E9355FF1C04}"/>
+          <p:cNvPr id="5" name="Picture 4" descr="A screenshot of a cell phone&#10;&#10;Description automatically generated">
+            <a:extLst>
+              <a:ext uri="{FF2B5EF4-FFF2-40B4-BE49-F238E27FC236}">
+                <a16:creationId xmlns:a16="http://schemas.microsoft.com/office/drawing/2014/main" id="{BC41D397-9FFB-45DD-A020-B36FF960D180}"/>
               </a:ext>
             </a:extLst>
           </p:cNvPr>
@@ -10497,8 +10497,8 @@
         </p:blipFill>
         <p:spPr>
           <a:xfrm>
-            <a:off x="4592231" y="2241859"/>
-            <a:ext cx="6831503" cy="2356868"/>
+            <a:off x="5059434" y="936141"/>
+            <a:ext cx="5897096" cy="4968305"/>
           </a:xfrm>
           <a:prstGeom prst="rect">
             <a:avLst/>
@@ -10508,7 +10508,7 @@
     </p:spTree>
     <p:extLst>
       <p:ext uri="{BB962C8B-B14F-4D97-AF65-F5344CB8AC3E}">
-        <p14:creationId xmlns:p14="http://schemas.microsoft.com/office/powerpoint/2010/main" val="3920136443"/>
+        <p14:creationId xmlns:p14="http://schemas.microsoft.com/office/powerpoint/2010/main" val="1732019446"/>
       </p:ext>
     </p:extLst>
   </p:cSld>
@@ -11009,21 +11009,21 @@
 </file>
 
 <file path=customXml/item2.xml><?xml version="1.0" encoding="utf-8"?>
+<p:properties xmlns:p="http://schemas.microsoft.com/office/2006/metadata/properties" xmlns:xsi="http://www.w3.org/2001/XMLSchema-instance" xmlns:pc="http://schemas.microsoft.com/office/infopath/2007/PartnerControls">
+  <documentManagement>
+    <Status xmlns="71af3243-3dd4-4a8d-8c0d-dd76da1f02a5">Not started</Status>
+    <MediaServiceKeyPoints xmlns="71af3243-3dd4-4a8d-8c0d-dd76da1f02a5" xsi:nil="true"/>
+  </documentManagement>
+</p:properties>
+</file>
+
+<file path=customXml/item3.xml><?xml version="1.0" encoding="utf-8"?>
 <?mso-contentType ?>
 <FormTemplates xmlns="http://schemas.microsoft.com/sharepoint/v3/contenttype/forms">
   <Display>DocumentLibraryForm</Display>
   <Edit>DocumentLibraryForm</Edit>
   <New>DocumentLibraryForm</New>
 </FormTemplates>
-</file>
-
-<file path=customXml/item3.xml><?xml version="1.0" encoding="utf-8"?>
-<p:properties xmlns:p="http://schemas.microsoft.com/office/2006/metadata/properties" xmlns:xsi="http://www.w3.org/2001/XMLSchema-instance" xmlns:pc="http://schemas.microsoft.com/office/infopath/2007/PartnerControls">
-  <documentManagement>
-    <Status xmlns="71af3243-3dd4-4a8d-8c0d-dd76da1f02a5">Not started</Status>
-    <MediaServiceKeyPoints xmlns="71af3243-3dd4-4a8d-8c0d-dd76da1f02a5" xsi:nil="true"/>
-  </documentManagement>
-</p:properties>
 </file>
 
 <file path=customXml/itemProps1.xml><?xml version="1.0" encoding="utf-8"?>
@@ -11046,14 +11046,6 @@
 </file>
 
 <file path=customXml/itemProps2.xml><?xml version="1.0" encoding="utf-8"?>
-<ds:datastoreItem xmlns:ds="http://schemas.openxmlformats.org/officeDocument/2006/customXml" ds:itemID="{927BD4C1-B6B1-4715-ABF9-E660A51A4EA0}">
-  <ds:schemaRefs>
-    <ds:schemaRef ds:uri="http://schemas.microsoft.com/sharepoint/v3/contenttype/forms"/>
-  </ds:schemaRefs>
-</ds:datastoreItem>
-</file>
-
-<file path=customXml/itemProps3.xml><?xml version="1.0" encoding="utf-8"?>
 <ds:datastoreItem xmlns:ds="http://schemas.openxmlformats.org/officeDocument/2006/customXml" ds:itemID="{8D289AE2-D2AE-49D1-AFAC-3A79F6794255}">
   <ds:schemaRefs>
     <ds:schemaRef ds:uri="http://schemas.microsoft.com/office/2006/metadata/properties"/>
@@ -11061,4 +11053,12 @@
     <ds:schemaRef ds:uri="71af3243-3dd4-4a8d-8c0d-dd76da1f02a5"/>
   </ds:schemaRefs>
 </ds:datastoreItem>
+</file>
+
+<file path=customXml/itemProps3.xml><?xml version="1.0" encoding="utf-8"?>
+<ds:datastoreItem xmlns:ds="http://schemas.openxmlformats.org/officeDocument/2006/customXml" ds:itemID="{927BD4C1-B6B1-4715-ABF9-E660A51A4EA0}">
+  <ds:schemaRefs>
+    <ds:schemaRef ds:uri="http://schemas.microsoft.com/sharepoint/v3/contenttype/forms"/>
+  </ds:schemaRefs>
+</ds:datastoreItem>
 </file>
--- a/Design Docs/Maker Space.pptx
+++ b/Design Docs/Maker Space.pptx
@@ -365,7 +365,7 @@
           <a:p>
             <a:fld id="{ED291B17-9318-49DB-B28B-6E5994AE9581}" type="datetime1">
               <a:rPr lang="en-US" smtClean="0"/>
-              <a:t>5/9/2020</a:t>
+              <a:t>5/11/2020</a:t>
             </a:fld>
             <a:endParaRPr lang="en-US" dirty="0"/>
           </a:p>
@@ -568,7 +568,7 @@
           <a:p>
             <a:fld id="{2CED4963-E985-44C4-B8C4-FDD613B7C2F8}" type="datetime1">
               <a:rPr lang="en-US" smtClean="0"/>
-              <a:t>5/9/2020</a:t>
+              <a:t>5/11/2020</a:t>
             </a:fld>
             <a:endParaRPr lang="en-US" dirty="0"/>
           </a:p>
@@ -930,7 +930,7 @@
           <a:p>
             <a:fld id="{ED291B17-9318-49DB-B28B-6E5994AE9581}" type="datetime1">
               <a:rPr lang="en-US" smtClean="0"/>
-              <a:t>5/9/2020</a:t>
+              <a:t>5/11/2020</a:t>
             </a:fld>
             <a:endParaRPr lang="en-US" dirty="0"/>
           </a:p>
@@ -1128,7 +1128,7 @@
           <a:p>
             <a:fld id="{78DD82B9-B8EE-4375-B6FF-88FA6ABB15D9}" type="datetime1">
               <a:rPr lang="en-US" smtClean="0"/>
-              <a:t>5/9/2020</a:t>
+              <a:t>5/11/2020</a:t>
             </a:fld>
             <a:endParaRPr lang="en-US" dirty="0"/>
           </a:p>
@@ -1440,7 +1440,7 @@
           <a:p>
             <a:fld id="{B2497495-0637-405E-AE64-5CC7506D51F5}" type="datetime1">
               <a:rPr lang="en-US" smtClean="0"/>
-              <a:t>5/9/2020</a:t>
+              <a:t>5/11/2020</a:t>
             </a:fld>
             <a:endParaRPr lang="en-US" dirty="0"/>
           </a:p>
@@ -1693,7 +1693,7 @@
           <a:p>
             <a:fld id="{7BFFD690-9426-415D-8B65-26881E07B2D4}" type="datetime1">
               <a:rPr lang="en-US" smtClean="0"/>
-              <a:t>5/9/2020</a:t>
+              <a:t>5/11/2020</a:t>
             </a:fld>
             <a:endParaRPr lang="en-US" dirty="0"/>
           </a:p>
@@ -2115,7 +2115,7 @@
           <a:p>
             <a:fld id="{04C4989A-474C-40DE-95B9-011C28B71673}" type="datetime1">
               <a:rPr lang="en-US" smtClean="0"/>
-              <a:t>5/9/2020</a:t>
+              <a:t>5/11/2020</a:t>
             </a:fld>
             <a:endParaRPr lang="en-US" dirty="0"/>
           </a:p>
@@ -2238,7 +2238,7 @@
           <a:p>
             <a:fld id="{5DB4ED54-5B5E-4A04-93D3-5772E3CE3818}" type="datetime1">
               <a:rPr lang="en-US" smtClean="0"/>
-              <a:t>5/9/2020</a:t>
+              <a:t>5/11/2020</a:t>
             </a:fld>
             <a:endParaRPr lang="en-US" dirty="0"/>
           </a:p>
@@ -2333,7 +2333,7 @@
           <a:p>
             <a:fld id="{4EDE50D6-574B-40AF-946F-D52A04ADE379}" type="datetime1">
               <a:rPr lang="en-US" smtClean="0"/>
-              <a:t>5/9/2020</a:t>
+              <a:t>5/11/2020</a:t>
             </a:fld>
             <a:endParaRPr lang="en-US" dirty="0"/>
           </a:p>
@@ -2710,7 +2710,7 @@
           <a:p>
             <a:fld id="{D82884F1-FFEA-405F-9602-3DCA865EDA4E}" type="datetime1">
               <a:rPr lang="en-US" smtClean="0"/>
-              <a:t>5/9/2020</a:t>
+              <a:t>5/11/2020</a:t>
             </a:fld>
             <a:endParaRPr lang="en-US" dirty="0"/>
           </a:p>
@@ -3003,7 +3003,7 @@
           <a:p>
             <a:fld id="{7E18DB4A-8810-4A10-AD5C-D5E2C667F5B3}" type="datetime1">
               <a:rPr lang="en-US" smtClean="0"/>
-              <a:t>5/9/2020</a:t>
+              <a:t>5/11/2020</a:t>
             </a:fld>
             <a:endParaRPr lang="en-US" dirty="0"/>
           </a:p>
@@ -3218,7 +3218,7 @@
           <a:p>
             <a:fld id="{ED291B17-9318-49DB-B28B-6E5994AE9581}" type="datetime1">
               <a:rPr lang="en-US" smtClean="0"/>
-              <a:t>5/9/2020</a:t>
+              <a:t>5/11/2020</a:t>
             </a:fld>
             <a:endParaRPr lang="en-US" dirty="0"/>
           </a:p>
@@ -8338,21 +8338,25 @@
           <a:p>
             <a:r>
               <a:rPr lang="en-US" dirty="0"/>
-              <a:t>Responsible for designing a making the website look presentable </a:t>
-            </a:r>
-            <a:br>
+              <a:t>Responsible for designing and formatting.</a:t>
+            </a:r>
+          </a:p>
+          <a:p>
+            <a:endParaRPr lang="en-US" dirty="0"/>
+          </a:p>
+          <a:p>
+            <a:r>
               <a:rPr lang="en-US" dirty="0"/>
-            </a:br>
-            <a:endParaRPr lang="en-US" dirty="0"/>
-          </a:p>
-          <a:p>
+              <a:t>Putting info as far as explaining what is a </a:t>
+            </a:r>
+            <a:r>
+              <a:rPr lang="en-US"/>
+              <a:t>makerspace and </a:t>
+            </a:r>
             <a:r>
               <a:rPr lang="en-US" dirty="0"/>
-              <a:t>Having login forms and making it available for customers to sign up and make accounts </a:t>
-            </a:r>
-          </a:p>
-          <a:p>
-            <a:endParaRPr lang="en-US" dirty="0"/>
+              <a:t>how can a person maker their own.</a:t>
+            </a:r>
           </a:p>
         </p:txBody>
       </p:sp>
@@ -11009,21 +11013,21 @@
 </file>
 
 <file path=customXml/item2.xml><?xml version="1.0" encoding="utf-8"?>
+<?mso-contentType ?>
+<FormTemplates xmlns="http://schemas.microsoft.com/sharepoint/v3/contenttype/forms">
+  <Display>DocumentLibraryForm</Display>
+  <Edit>DocumentLibraryForm</Edit>
+  <New>DocumentLibraryForm</New>
+</FormTemplates>
+</file>
+
+<file path=customXml/item3.xml><?xml version="1.0" encoding="utf-8"?>
 <p:properties xmlns:p="http://schemas.microsoft.com/office/2006/metadata/properties" xmlns:xsi="http://www.w3.org/2001/XMLSchema-instance" xmlns:pc="http://schemas.microsoft.com/office/infopath/2007/PartnerControls">
   <documentManagement>
     <Status xmlns="71af3243-3dd4-4a8d-8c0d-dd76da1f02a5">Not started</Status>
     <MediaServiceKeyPoints xmlns="71af3243-3dd4-4a8d-8c0d-dd76da1f02a5" xsi:nil="true"/>
   </documentManagement>
 </p:properties>
-</file>
-
-<file path=customXml/item3.xml><?xml version="1.0" encoding="utf-8"?>
-<?mso-contentType ?>
-<FormTemplates xmlns="http://schemas.microsoft.com/sharepoint/v3/contenttype/forms">
-  <Display>DocumentLibraryForm</Display>
-  <Edit>DocumentLibraryForm</Edit>
-  <New>DocumentLibraryForm</New>
-</FormTemplates>
 </file>
 
 <file path=customXml/itemProps1.xml><?xml version="1.0" encoding="utf-8"?>
@@ -11046,6 +11050,14 @@
 </file>
 
 <file path=customXml/itemProps2.xml><?xml version="1.0" encoding="utf-8"?>
+<ds:datastoreItem xmlns:ds="http://schemas.openxmlformats.org/officeDocument/2006/customXml" ds:itemID="{927BD4C1-B6B1-4715-ABF9-E660A51A4EA0}">
+  <ds:schemaRefs>
+    <ds:schemaRef ds:uri="http://schemas.microsoft.com/sharepoint/v3/contenttype/forms"/>
+  </ds:schemaRefs>
+</ds:datastoreItem>
+</file>
+
+<file path=customXml/itemProps3.xml><?xml version="1.0" encoding="utf-8"?>
 <ds:datastoreItem xmlns:ds="http://schemas.openxmlformats.org/officeDocument/2006/customXml" ds:itemID="{8D289AE2-D2AE-49D1-AFAC-3A79F6794255}">
   <ds:schemaRefs>
     <ds:schemaRef ds:uri="http://schemas.microsoft.com/office/2006/metadata/properties"/>
@@ -11053,12 +11065,4 @@
     <ds:schemaRef ds:uri="71af3243-3dd4-4a8d-8c0d-dd76da1f02a5"/>
   </ds:schemaRefs>
 </ds:datastoreItem>
-</file>
-
-<file path=customXml/itemProps3.xml><?xml version="1.0" encoding="utf-8"?>
-<ds:datastoreItem xmlns:ds="http://schemas.openxmlformats.org/officeDocument/2006/customXml" ds:itemID="{927BD4C1-B6B1-4715-ABF9-E660A51A4EA0}">
-  <ds:schemaRefs>
-    <ds:schemaRef ds:uri="http://schemas.microsoft.com/sharepoint/v3/contenttype/forms"/>
-  </ds:schemaRefs>
-</ds:datastoreItem>
 </file>
--- a/Design Docs/Maker Space.pptx
+++ b/Design Docs/Maker Space.pptx
@@ -365,7 +365,7 @@
           <a:p>
             <a:fld id="{ED291B17-9318-49DB-B28B-6E5994AE9581}" type="datetime1">
               <a:rPr lang="en-US" smtClean="0"/>
-              <a:t>5/3/2020</a:t>
+              <a:t>5/11/2020</a:t>
             </a:fld>
             <a:endParaRPr lang="en-US" dirty="0"/>
           </a:p>
@@ -568,7 +568,7 @@
           <a:p>
             <a:fld id="{2CED4963-E985-44C4-B8C4-FDD613B7C2F8}" type="datetime1">
               <a:rPr lang="en-US" smtClean="0"/>
-              <a:t>5/3/2020</a:t>
+              <a:t>5/11/2020</a:t>
             </a:fld>
             <a:endParaRPr lang="en-US" dirty="0"/>
           </a:p>
@@ -930,7 +930,7 @@
           <a:p>
             <a:fld id="{ED291B17-9318-49DB-B28B-6E5994AE9581}" type="datetime1">
               <a:rPr lang="en-US" smtClean="0"/>
-              <a:t>5/3/2020</a:t>
+              <a:t>5/11/2020</a:t>
             </a:fld>
             <a:endParaRPr lang="en-US" dirty="0"/>
           </a:p>
@@ -1128,7 +1128,7 @@
           <a:p>
             <a:fld id="{78DD82B9-B8EE-4375-B6FF-88FA6ABB15D9}" type="datetime1">
               <a:rPr lang="en-US" smtClean="0"/>
-              <a:t>5/3/2020</a:t>
+              <a:t>5/11/2020</a:t>
             </a:fld>
             <a:endParaRPr lang="en-US" dirty="0"/>
           </a:p>
@@ -1440,7 +1440,7 @@
           <a:p>
             <a:fld id="{B2497495-0637-405E-AE64-5CC7506D51F5}" type="datetime1">
               <a:rPr lang="en-US" smtClean="0"/>
-              <a:t>5/3/2020</a:t>
+              <a:t>5/11/2020</a:t>
             </a:fld>
             <a:endParaRPr lang="en-US" dirty="0"/>
           </a:p>
@@ -1693,7 +1693,7 @@
           <a:p>
             <a:fld id="{7BFFD690-9426-415D-8B65-26881E07B2D4}" type="datetime1">
               <a:rPr lang="en-US" smtClean="0"/>
-              <a:t>5/3/2020</a:t>
+              <a:t>5/11/2020</a:t>
             </a:fld>
             <a:endParaRPr lang="en-US" dirty="0"/>
           </a:p>
@@ -2115,7 +2115,7 @@
           <a:p>
             <a:fld id="{04C4989A-474C-40DE-95B9-011C28B71673}" type="datetime1">
               <a:rPr lang="en-US" smtClean="0"/>
-              <a:t>5/3/2020</a:t>
+              <a:t>5/11/2020</a:t>
             </a:fld>
             <a:endParaRPr lang="en-US" dirty="0"/>
           </a:p>
@@ -2238,7 +2238,7 @@
           <a:p>
             <a:fld id="{5DB4ED54-5B5E-4A04-93D3-5772E3CE3818}" type="datetime1">
               <a:rPr lang="en-US" smtClean="0"/>
-              <a:t>5/3/2020</a:t>
+              <a:t>5/11/2020</a:t>
             </a:fld>
             <a:endParaRPr lang="en-US" dirty="0"/>
           </a:p>
@@ -2333,7 +2333,7 @@
           <a:p>
             <a:fld id="{4EDE50D6-574B-40AF-946F-D52A04ADE379}" type="datetime1">
               <a:rPr lang="en-US" smtClean="0"/>
-              <a:t>5/3/2020</a:t>
+              <a:t>5/11/2020</a:t>
             </a:fld>
             <a:endParaRPr lang="en-US" dirty="0"/>
           </a:p>
@@ -2710,7 +2710,7 @@
           <a:p>
             <a:fld id="{D82884F1-FFEA-405F-9602-3DCA865EDA4E}" type="datetime1">
               <a:rPr lang="en-US" smtClean="0"/>
-              <a:t>5/3/2020</a:t>
+              <a:t>5/11/2020</a:t>
             </a:fld>
             <a:endParaRPr lang="en-US" dirty="0"/>
           </a:p>
@@ -3003,7 +3003,7 @@
           <a:p>
             <a:fld id="{7E18DB4A-8810-4A10-AD5C-D5E2C667F5B3}" type="datetime1">
               <a:rPr lang="en-US" smtClean="0"/>
-              <a:t>5/3/2020</a:t>
+              <a:t>5/11/2020</a:t>
             </a:fld>
             <a:endParaRPr lang="en-US" dirty="0"/>
           </a:p>
@@ -3218,7 +3218,7 @@
           <a:p>
             <a:fld id="{ED291B17-9318-49DB-B28B-6E5994AE9581}" type="datetime1">
               <a:rPr lang="en-US" smtClean="0"/>
-              <a:t>5/3/2020</a:t>
+              <a:t>5/11/2020</a:t>
             </a:fld>
             <a:endParaRPr lang="en-US" dirty="0"/>
           </a:p>
@@ -8275,6 +8275,28 @@
             </a:r>
           </a:p>
           <a:p>
+            <a:r>
+              <a:rPr lang="en-US" dirty="0"/>
+              <a:t>Responsible for designing &amp; formatting. Putting info as </a:t>
+            </a:r>
+            <a:r>
+              <a:rPr lang="en-US"/>
+              <a:t>far as explaining </a:t>
+            </a:r>
+            <a:r>
+              <a:rPr lang="en-US" dirty="0"/>
+              <a:t>what is a makerspace &amp; how can a person maker </a:t>
+            </a:r>
+            <a:r>
+              <a:rPr lang="en-US"/>
+              <a:t>their own.</a:t>
+            </a:r>
+            <a:endParaRPr lang="en-US" dirty="0"/>
+          </a:p>
+          <a:p>
+            <a:pPr marL="0" indent="0">
+              <a:buNone/>
+            </a:pPr>
             <a:endParaRPr lang="en-US" dirty="0"/>
           </a:p>
         </p:txBody>
@@ -10970,21 +10992,21 @@
 </file>
 
 <file path=customXml/item2.xml><?xml version="1.0" encoding="utf-8"?>
+<?mso-contentType ?>
+<FormTemplates xmlns="http://schemas.microsoft.com/sharepoint/v3/contenttype/forms">
+  <Display>DocumentLibraryForm</Display>
+  <Edit>DocumentLibraryForm</Edit>
+  <New>DocumentLibraryForm</New>
+</FormTemplates>
+</file>
+
+<file path=customXml/item3.xml><?xml version="1.0" encoding="utf-8"?>
 <p:properties xmlns:p="http://schemas.microsoft.com/office/2006/metadata/properties" xmlns:xsi="http://www.w3.org/2001/XMLSchema-instance" xmlns:pc="http://schemas.microsoft.com/office/infopath/2007/PartnerControls">
   <documentManagement>
     <Status xmlns="71af3243-3dd4-4a8d-8c0d-dd76da1f02a5">Not started</Status>
     <MediaServiceKeyPoints xmlns="71af3243-3dd4-4a8d-8c0d-dd76da1f02a5" xsi:nil="true"/>
   </documentManagement>
 </p:properties>
-</file>
-
-<file path=customXml/item3.xml><?xml version="1.0" encoding="utf-8"?>
-<?mso-contentType ?>
-<FormTemplates xmlns="http://schemas.microsoft.com/sharepoint/v3/contenttype/forms">
-  <Display>DocumentLibraryForm</Display>
-  <Edit>DocumentLibraryForm</Edit>
-  <New>DocumentLibraryForm</New>
-</FormTemplates>
 </file>
 
 <file path=customXml/itemProps1.xml><?xml version="1.0" encoding="utf-8"?>
@@ -11007,6 +11029,14 @@
 </file>
 
 <file path=customXml/itemProps2.xml><?xml version="1.0" encoding="utf-8"?>
+<ds:datastoreItem xmlns:ds="http://schemas.openxmlformats.org/officeDocument/2006/customXml" ds:itemID="{927BD4C1-B6B1-4715-ABF9-E660A51A4EA0}">
+  <ds:schemaRefs>
+    <ds:schemaRef ds:uri="http://schemas.microsoft.com/sharepoint/v3/contenttype/forms"/>
+  </ds:schemaRefs>
+</ds:datastoreItem>
+</file>
+
+<file path=customXml/itemProps3.xml><?xml version="1.0" encoding="utf-8"?>
 <ds:datastoreItem xmlns:ds="http://schemas.openxmlformats.org/officeDocument/2006/customXml" ds:itemID="{8D289AE2-D2AE-49D1-AFAC-3A79F6794255}">
   <ds:schemaRefs>
     <ds:schemaRef ds:uri="http://schemas.microsoft.com/office/2006/metadata/properties"/>
@@ -11014,12 +11044,4 @@
     <ds:schemaRef ds:uri="71af3243-3dd4-4a8d-8c0d-dd76da1f02a5"/>
   </ds:schemaRefs>
 </ds:datastoreItem>
-</file>
-
-<file path=customXml/itemProps3.xml><?xml version="1.0" encoding="utf-8"?>
-<ds:datastoreItem xmlns:ds="http://schemas.openxmlformats.org/officeDocument/2006/customXml" ds:itemID="{927BD4C1-B6B1-4715-ABF9-E660A51A4EA0}">
-  <ds:schemaRefs>
-    <ds:schemaRef ds:uri="http://schemas.microsoft.com/sharepoint/v3/contenttype/forms"/>
-  </ds:schemaRefs>
-</ds:datastoreItem>
 </file>